--- a/Homework 1/hw1-pre.pptx
+++ b/Homework 1/hw1-pre.pptx
@@ -8,11 +8,12 @@
     <p:sldId id="256" r:id="rId2"/>
     <p:sldId id="257" r:id="rId3"/>
     <p:sldId id="260" r:id="rId4"/>
-    <p:sldId id="261" r:id="rId5"/>
-    <p:sldId id="262" r:id="rId6"/>
-    <p:sldId id="258" r:id="rId7"/>
-    <p:sldId id="263" r:id="rId8"/>
-    <p:sldId id="264" r:id="rId9"/>
+    <p:sldId id="265" r:id="rId5"/>
+    <p:sldId id="261" r:id="rId6"/>
+    <p:sldId id="262" r:id="rId7"/>
+    <p:sldId id="258" r:id="rId8"/>
+    <p:sldId id="263" r:id="rId9"/>
+    <p:sldId id="264" r:id="rId10"/>
   </p:sldIdLst>
   <p:sldSz cx="12192000" cy="6858000"/>
   <p:notesSz cx="6858000" cy="9144000"/>
@@ -111,6 +112,11 @@
       </a:defRPr>
     </a:lvl9pPr>
   </p:defaultTextStyle>
+  <p:extLst>
+    <p:ext uri="{EFAFB233-063F-42B5-8137-9DF3F51BA10A}">
+      <p15:sldGuideLst xmlns:p15="http://schemas.microsoft.com/office/powerpoint/2012/main"/>
+    </p:ext>
+  </p:extLst>
 </p:presentation>
 </file>
 
@@ -1524,7 +1530,7 @@
             <a:fld id="{48A87A34-81AB-432B-8DAE-1953F412C126}" type="datetimeFigureOut">
               <a:rPr lang="en-US" dirty="0"/>
               <a:pPr/>
-              <a:t>10/29/20</a:t>
+              <a:t>10/30/20</a:t>
             </a:fld>
             <a:endParaRPr lang="en-US" dirty="0"/>
           </a:p>
@@ -2978,7 +2984,7 @@
           <a:p>
             <a:fld id="{48A87A34-81AB-432B-8DAE-1953F412C126}" type="datetimeFigureOut">
               <a:rPr lang="en-US" dirty="0"/>
-              <a:t>10/29/20</a:t>
+              <a:t>10/30/20</a:t>
             </a:fld>
             <a:endParaRPr lang="en-US" dirty="0"/>
           </a:p>
@@ -4426,7 +4432,7 @@
           <a:p>
             <a:fld id="{48A87A34-81AB-432B-8DAE-1953F412C126}" type="datetimeFigureOut">
               <a:rPr lang="en-US" dirty="0"/>
-              <a:t>10/29/20</a:t>
+              <a:t>10/30/20</a:t>
             </a:fld>
             <a:endParaRPr lang="en-US" dirty="0"/>
           </a:p>
@@ -5876,7 +5882,7 @@
           <a:p>
             <a:fld id="{48A87A34-81AB-432B-8DAE-1953F412C126}" type="datetimeFigureOut">
               <a:rPr lang="en-US" dirty="0"/>
-              <a:t>10/29/20</a:t>
+              <a:t>10/30/20</a:t>
             </a:fld>
             <a:endParaRPr lang="en-US" dirty="0"/>
           </a:p>
@@ -7379,7 +7385,7 @@
           <a:p>
             <a:fld id="{48A87A34-81AB-432B-8DAE-1953F412C126}" type="datetimeFigureOut">
               <a:rPr lang="en-US" dirty="0"/>
-              <a:t>10/29/20</a:t>
+              <a:t>10/30/20</a:t>
             </a:fld>
             <a:endParaRPr lang="en-US" dirty="0"/>
           </a:p>
@@ -8895,7 +8901,7 @@
           <a:p>
             <a:fld id="{48A87A34-81AB-432B-8DAE-1953F412C126}" type="datetimeFigureOut">
               <a:rPr lang="en-US" dirty="0"/>
-              <a:t>10/29/20</a:t>
+              <a:t>10/30/20</a:t>
             </a:fld>
             <a:endParaRPr lang="en-US" dirty="0"/>
           </a:p>
@@ -10555,7 +10561,7 @@
           <a:p>
             <a:fld id="{48A87A34-81AB-432B-8DAE-1953F412C126}" type="datetimeFigureOut">
               <a:rPr lang="en-US" dirty="0"/>
-              <a:t>10/29/20</a:t>
+              <a:t>10/30/20</a:t>
             </a:fld>
             <a:endParaRPr lang="en-US" dirty="0"/>
           </a:p>
@@ -11948,7 +11954,7 @@
           <a:p>
             <a:fld id="{48A87A34-81AB-432B-8DAE-1953F412C126}" type="datetimeFigureOut">
               <a:rPr lang="en-US" dirty="0"/>
-              <a:t>10/29/20</a:t>
+              <a:t>10/30/20</a:t>
             </a:fld>
             <a:endParaRPr lang="en-US" dirty="0"/>
           </a:p>
@@ -12043,7 +12049,7 @@
           <a:p>
             <a:fld id="{48A87A34-81AB-432B-8DAE-1953F412C126}" type="datetimeFigureOut">
               <a:rPr lang="en-US" dirty="0"/>
-              <a:t>10/29/20</a:t>
+              <a:t>10/30/20</a:t>
             </a:fld>
             <a:endParaRPr lang="en-US" dirty="0"/>
           </a:p>
@@ -13564,7 +13570,7 @@
           <a:p>
             <a:fld id="{48A87A34-81AB-432B-8DAE-1953F412C126}" type="datetimeFigureOut">
               <a:rPr lang="en-US" dirty="0"/>
-              <a:t>10/29/20</a:t>
+              <a:t>10/30/20</a:t>
             </a:fld>
             <a:endParaRPr lang="en-US" dirty="0"/>
           </a:p>
@@ -15095,7 +15101,7 @@
           <a:p>
             <a:fld id="{48A87A34-81AB-432B-8DAE-1953F412C126}" type="datetimeFigureOut">
               <a:rPr lang="en-US" dirty="0"/>
-              <a:t>10/29/20</a:t>
+              <a:t>10/30/20</a:t>
             </a:fld>
             <a:endParaRPr lang="en-US" dirty="0"/>
           </a:p>
@@ -15314,7 +15320,7 @@
             <a:fld id="{48A87A34-81AB-432B-8DAE-1953F412C126}" type="datetimeFigureOut">
               <a:rPr lang="en-US" dirty="0"/>
               <a:pPr/>
-              <a:t>10/29/20</a:t>
+              <a:t>10/30/20</a:t>
             </a:fld>
             <a:endParaRPr lang="en-US" dirty="0"/>
           </a:p>
@@ -16110,7 +16116,18 @@
           <a:bodyPr/>
           <a:lstStyle/>
           <a:p>
-            <a:endParaRPr lang="en-US"/>
+            <a:r>
+              <a:rPr lang="en-US" dirty="0"/>
+              <a:t>The average accuracy (</a:t>
+            </a:r>
+            <a:r>
+              <a:rPr lang="en-US"/>
+              <a:t>10000 predictions) </a:t>
+            </a:r>
+            <a:r>
+              <a:rPr lang="en-US" dirty="0"/>
+              <a:t>of the logistic regression model in the Julia implementation is 70%</a:t>
+            </a:r>
           </a:p>
         </p:txBody>
       </p:sp>
@@ -16178,7 +16195,7 @@
             </a:r>
             <a:r>
               <a:rPr lang="en-US" dirty="0"/>
-              <a:t> Space)</a:t>
+              <a:t> Accuracy)</a:t>
             </a:r>
           </a:p>
         </p:txBody>
@@ -16197,6 +16214,2340 @@
 </file>
 
 <file path=ppt/slides/slide4.xml><?xml version="1.0" encoding="utf-8"?>
+<p:sld xmlns:a="http://schemas.openxmlformats.org/drawingml/2006/main" xmlns:r="http://schemas.openxmlformats.org/officeDocument/2006/relationships" xmlns:p="http://schemas.openxmlformats.org/presentationml/2006/main">
+  <p:cSld>
+    <p:bg>
+      <p:bgPr>
+        <a:solidFill>
+          <a:schemeClr val="bg1"/>
+        </a:solidFill>
+        <a:effectLst/>
+      </p:bgPr>
+    </p:bg>
+    <p:spTree>
+      <p:nvGrpSpPr>
+        <p:cNvPr id="1" name=""/>
+        <p:cNvGrpSpPr/>
+        <p:nvPr/>
+      </p:nvGrpSpPr>
+      <p:grpSpPr>
+        <a:xfrm>
+          <a:off x="0" y="0"/>
+          <a:ext cx="0" cy="0"/>
+          <a:chOff x="0" y="0"/>
+          <a:chExt cx="0" cy="0"/>
+        </a:xfrm>
+      </p:grpSpPr>
+      <p:sp useBgFill="1">
+        <p:nvSpPr>
+          <p:cNvPr id="67" name="Rectangle 38">
+            <a:extLst>
+              <a:ext uri="{FF2B5EF4-FFF2-40B4-BE49-F238E27FC236}">
+                <a16:creationId xmlns:a16="http://schemas.microsoft.com/office/drawing/2014/main" id="{828D1E49-2A21-4A83-A0E0-FB1597B4B2ED}"/>
+              </a:ext>
+              <a:ext uri="{C183D7F6-B498-43B3-948B-1728B52AA6E4}">
+                <adec:decorative xmlns:adec="http://schemas.microsoft.com/office/drawing/2017/decorative" val="1"/>
+              </a:ext>
+            </a:extLst>
+          </p:cNvPr>
+          <p:cNvSpPr>
+            <a:spLocks noGrp="1" noRot="1" noChangeAspect="1" noMove="1" noResize="1" noEditPoints="1" noAdjustHandles="1" noChangeArrowheads="1" noChangeShapeType="1" noTextEdit="1"/>
+          </p:cNvSpPr>
+          <p:nvPr>
+            <p:extLst>
+              <p:ext uri="{386F3935-93C4-4BCD-93E2-E3B085C9AB24}">
+                <p16:designElem xmlns:p16="http://schemas.microsoft.com/office/powerpoint/2015/main" val="1"/>
+              </p:ext>
+            </p:extLst>
+          </p:nvPr>
+        </p:nvSpPr>
+        <p:spPr>
+          <a:xfrm>
+            <a:off x="0" y="0"/>
+            <a:ext cx="12191695" cy="6858000"/>
+          </a:xfrm>
+          <a:prstGeom prst="rect">
+            <a:avLst/>
+          </a:prstGeom>
+          <a:ln>
+            <a:noFill/>
+          </a:ln>
+        </p:spPr>
+        <p:style>
+          <a:lnRef idx="2">
+            <a:schemeClr val="accent1">
+              <a:shade val="50000"/>
+            </a:schemeClr>
+          </a:lnRef>
+          <a:fillRef idx="1">
+            <a:schemeClr val="accent1"/>
+          </a:fillRef>
+          <a:effectRef idx="0">
+            <a:schemeClr val="accent1"/>
+          </a:effectRef>
+          <a:fontRef idx="minor">
+            <a:schemeClr val="lt1"/>
+          </a:fontRef>
+        </p:style>
+        <p:txBody>
+          <a:bodyPr rtlCol="0" anchor="ctr"/>
+          <a:lstStyle/>
+          <a:p>
+            <a:pPr algn="ctr"/>
+            <a:endParaRPr lang="en-US"/>
+          </a:p>
+        </p:txBody>
+      </p:sp>
+      <p:grpSp>
+        <p:nvGrpSpPr>
+          <p:cNvPr id="90" name="Group 40">
+            <a:extLst>
+              <a:ext uri="{FF2B5EF4-FFF2-40B4-BE49-F238E27FC236}">
+                <a16:creationId xmlns:a16="http://schemas.microsoft.com/office/drawing/2014/main" id="{088B852E-5494-418B-A833-75CF016A9E20}"/>
+              </a:ext>
+              <a:ext uri="{C183D7F6-B498-43B3-948B-1728B52AA6E4}">
+                <adec:decorative xmlns:adec="http://schemas.microsoft.com/office/drawing/2017/decorative" val="1"/>
+              </a:ext>
+            </a:extLst>
+          </p:cNvPr>
+          <p:cNvGrpSpPr>
+            <a:grpSpLocks noGrp="1" noUngrp="1" noRot="1" noChangeAspect="1" noMove="1" noResize="1"/>
+          </p:cNvGrpSpPr>
+          <p:nvPr>
+            <p:extLst>
+              <p:ext uri="{386F3935-93C4-4BCD-93E2-E3B085C9AB24}">
+                <p16:designElem xmlns:p16="http://schemas.microsoft.com/office/powerpoint/2015/main" val="1"/>
+              </p:ext>
+            </p:extLst>
+          </p:nvPr>
+        </p:nvGrpSpPr>
+        <p:grpSpPr>
+          <a:xfrm>
+            <a:off x="-417513" y="0"/>
+            <a:ext cx="12584114" cy="6853238"/>
+            <a:chOff x="-417513" y="0"/>
+            <a:chExt cx="12584114" cy="6853238"/>
+          </a:xfrm>
+        </p:grpSpPr>
+        <p:sp>
+          <p:nvSpPr>
+            <p:cNvPr id="91" name="Freeform 5">
+              <a:extLst>
+                <a:ext uri="{FF2B5EF4-FFF2-40B4-BE49-F238E27FC236}">
+                  <a16:creationId xmlns:a16="http://schemas.microsoft.com/office/drawing/2014/main" id="{DF31E3C1-1A46-4329-9F80-B576692FEE43}"/>
+                </a:ext>
+                <a:ext uri="{C183D7F6-B498-43B3-948B-1728B52AA6E4}">
+                  <adec:decorative xmlns:adec="http://schemas.microsoft.com/office/drawing/2017/decorative" val="1"/>
+                </a:ext>
+              </a:extLst>
+            </p:cNvPr>
+            <p:cNvSpPr>
+              <a:spLocks/>
+            </p:cNvSpPr>
+            <p:nvPr>
+              <p:extLst>
+                <p:ext uri="{386F3935-93C4-4BCD-93E2-E3B085C9AB24}">
+                  <p16:designElem xmlns:p16="http://schemas.microsoft.com/office/powerpoint/2015/main" val="1"/>
+                </p:ext>
+              </p:extLst>
+            </p:nvPr>
+          </p:nvSpPr>
+          <p:spPr bwMode="auto">
+            <a:xfrm>
+              <a:off x="1306513" y="0"/>
+              <a:ext cx="3862388" cy="6843713"/>
+            </a:xfrm>
+            <a:custGeom>
+              <a:avLst/>
+              <a:gdLst>
+                <a:gd name="T0" fmla="*/ 813 w 813"/>
+                <a:gd name="T1" fmla="*/ 0 h 1440"/>
+                <a:gd name="T2" fmla="*/ 435 w 813"/>
+                <a:gd name="T3" fmla="*/ 1440 h 1440"/>
+              </a:gdLst>
+              <a:ahLst/>
+              <a:cxnLst>
+                <a:cxn ang="0">
+                  <a:pos x="T0" y="T1"/>
+                </a:cxn>
+                <a:cxn ang="0">
+                  <a:pos x="T2" y="T3"/>
+                </a:cxn>
+              </a:cxnLst>
+              <a:rect l="0" t="0" r="r" b="b"/>
+              <a:pathLst>
+                <a:path w="813" h="1440">
+                  <a:moveTo>
+                    <a:pt x="813" y="0"/>
+                  </a:moveTo>
+                  <a:cubicBezTo>
+                    <a:pt x="331" y="221"/>
+                    <a:pt x="0" y="1039"/>
+                    <a:pt x="435" y="1440"/>
+                  </a:cubicBezTo>
+                </a:path>
+              </a:pathLst>
+            </a:custGeom>
+            <a:noFill/>
+            <a:ln w="9525" cap="flat">
+              <a:solidFill>
+                <a:schemeClr val="tx1">
+                  <a:alpha val="10000"/>
+                </a:schemeClr>
+              </a:solidFill>
+              <a:prstDash val="solid"/>
+              <a:miter lim="800000"/>
+              <a:headEnd/>
+              <a:tailEnd/>
+            </a:ln>
+            <a:extLst>
+              <a:ext uri="{909E8E84-426E-40DD-AFC4-6F175D3DCCD1}">
+                <a14:hiddenFill xmlns:a14="http://schemas.microsoft.com/office/drawing/2010/main">
+                  <a:solidFill>
+                    <a:srgbClr val="FFFFFF"/>
+                  </a:solidFill>
+                </a14:hiddenFill>
+              </a:ext>
+            </a:extLst>
+          </p:spPr>
+          <p:txBody>
+            <a:bodyPr vert="horz" wrap="square" lIns="91440" tIns="45720" rIns="91440" bIns="45720" numCol="1" anchor="t" anchorCtr="0" compatLnSpc="1">
+              <a:prstTxWarp prst="textNoShape">
+                <a:avLst/>
+              </a:prstTxWarp>
+            </a:bodyPr>
+            <a:lstStyle/>
+            <a:p>
+              <a:endParaRPr lang="en-US"/>
+            </a:p>
+          </p:txBody>
+        </p:sp>
+        <p:sp>
+          <p:nvSpPr>
+            <p:cNvPr id="92" name="Freeform 6">
+              <a:extLst>
+                <a:ext uri="{FF2B5EF4-FFF2-40B4-BE49-F238E27FC236}">
+                  <a16:creationId xmlns:a16="http://schemas.microsoft.com/office/drawing/2014/main" id="{294B4592-99CA-47B1-816F-CE2D44F65BB2}"/>
+                </a:ext>
+                <a:ext uri="{C183D7F6-B498-43B3-948B-1728B52AA6E4}">
+                  <adec:decorative xmlns:adec="http://schemas.microsoft.com/office/drawing/2017/decorative" val="1"/>
+                </a:ext>
+              </a:extLst>
+            </p:cNvPr>
+            <p:cNvSpPr>
+              <a:spLocks/>
+            </p:cNvSpPr>
+            <p:nvPr>
+              <p:extLst>
+                <p:ext uri="{386F3935-93C4-4BCD-93E2-E3B085C9AB24}">
+                  <p16:designElem xmlns:p16="http://schemas.microsoft.com/office/powerpoint/2015/main" val="1"/>
+                </p:ext>
+              </p:extLst>
+            </p:nvPr>
+          </p:nvSpPr>
+          <p:spPr bwMode="auto">
+            <a:xfrm>
+              <a:off x="10626725" y="9525"/>
+              <a:ext cx="1539875" cy="555625"/>
+            </a:xfrm>
+            <a:custGeom>
+              <a:avLst/>
+              <a:gdLst>
+                <a:gd name="T0" fmla="*/ 324 w 324"/>
+                <a:gd name="T1" fmla="*/ 117 h 117"/>
+                <a:gd name="T2" fmla="*/ 0 w 324"/>
+                <a:gd name="T3" fmla="*/ 0 h 117"/>
+              </a:gdLst>
+              <a:ahLst/>
+              <a:cxnLst>
+                <a:cxn ang="0">
+                  <a:pos x="T0" y="T1"/>
+                </a:cxn>
+                <a:cxn ang="0">
+                  <a:pos x="T2" y="T3"/>
+                </a:cxn>
+              </a:cxnLst>
+              <a:rect l="0" t="0" r="r" b="b"/>
+              <a:pathLst>
+                <a:path w="324" h="117">
+                  <a:moveTo>
+                    <a:pt x="324" y="117"/>
+                  </a:moveTo>
+                  <a:cubicBezTo>
+                    <a:pt x="223" y="64"/>
+                    <a:pt x="107" y="28"/>
+                    <a:pt x="0" y="0"/>
+                  </a:cubicBezTo>
+                </a:path>
+              </a:pathLst>
+            </a:custGeom>
+            <a:noFill/>
+            <a:ln w="9525" cap="flat">
+              <a:solidFill>
+                <a:schemeClr val="tx1">
+                  <a:alpha val="10000"/>
+                </a:schemeClr>
+              </a:solidFill>
+              <a:prstDash val="solid"/>
+              <a:miter lim="800000"/>
+              <a:headEnd/>
+              <a:tailEnd/>
+            </a:ln>
+            <a:extLst>
+              <a:ext uri="{909E8E84-426E-40DD-AFC4-6F175D3DCCD1}">
+                <a14:hiddenFill xmlns:a14="http://schemas.microsoft.com/office/drawing/2010/main">
+                  <a:solidFill>
+                    <a:srgbClr val="FFFFFF"/>
+                  </a:solidFill>
+                </a14:hiddenFill>
+              </a:ext>
+            </a:extLst>
+          </p:spPr>
+          <p:txBody>
+            <a:bodyPr vert="horz" wrap="square" lIns="91440" tIns="45720" rIns="91440" bIns="45720" numCol="1" anchor="t" anchorCtr="0" compatLnSpc="1">
+              <a:prstTxWarp prst="textNoShape">
+                <a:avLst/>
+              </a:prstTxWarp>
+            </a:bodyPr>
+            <a:lstStyle/>
+            <a:p>
+              <a:endParaRPr lang="en-US"/>
+            </a:p>
+          </p:txBody>
+        </p:sp>
+        <p:sp>
+          <p:nvSpPr>
+            <p:cNvPr id="93" name="Freeform 7">
+              <a:extLst>
+                <a:ext uri="{FF2B5EF4-FFF2-40B4-BE49-F238E27FC236}">
+                  <a16:creationId xmlns:a16="http://schemas.microsoft.com/office/drawing/2014/main" id="{BF690E4C-72F8-4AC5-AF99-562763CC67B3}"/>
+                </a:ext>
+                <a:ext uri="{C183D7F6-B498-43B3-948B-1728B52AA6E4}">
+                  <adec:decorative xmlns:adec="http://schemas.microsoft.com/office/drawing/2017/decorative" val="1"/>
+                </a:ext>
+              </a:extLst>
+            </p:cNvPr>
+            <p:cNvSpPr>
+              <a:spLocks/>
+            </p:cNvSpPr>
+            <p:nvPr>
+              <p:extLst>
+                <p:ext uri="{386F3935-93C4-4BCD-93E2-E3B085C9AB24}">
+                  <p16:designElem xmlns:p16="http://schemas.microsoft.com/office/powerpoint/2015/main" val="1"/>
+                </p:ext>
+              </p:extLst>
+            </p:nvPr>
+          </p:nvSpPr>
+          <p:spPr bwMode="auto">
+            <a:xfrm>
+              <a:off x="10247313" y="5013325"/>
+              <a:ext cx="1919288" cy="1830388"/>
+            </a:xfrm>
+            <a:custGeom>
+              <a:avLst/>
+              <a:gdLst>
+                <a:gd name="T0" fmla="*/ 0 w 404"/>
+                <a:gd name="T1" fmla="*/ 385 h 385"/>
+                <a:gd name="T2" fmla="*/ 404 w 404"/>
+                <a:gd name="T3" fmla="*/ 0 h 385"/>
+              </a:gdLst>
+              <a:ahLst/>
+              <a:cxnLst>
+                <a:cxn ang="0">
+                  <a:pos x="T0" y="T1"/>
+                </a:cxn>
+                <a:cxn ang="0">
+                  <a:pos x="T2" y="T3"/>
+                </a:cxn>
+              </a:cxnLst>
+              <a:rect l="0" t="0" r="r" b="b"/>
+              <a:pathLst>
+                <a:path w="404" h="385">
+                  <a:moveTo>
+                    <a:pt x="0" y="385"/>
+                  </a:moveTo>
+                  <a:cubicBezTo>
+                    <a:pt x="146" y="272"/>
+                    <a:pt x="285" y="142"/>
+                    <a:pt x="404" y="0"/>
+                  </a:cubicBezTo>
+                </a:path>
+              </a:pathLst>
+            </a:custGeom>
+            <a:noFill/>
+            <a:ln w="9525" cap="flat">
+              <a:solidFill>
+                <a:schemeClr val="tx1">
+                  <a:alpha val="10000"/>
+                </a:schemeClr>
+              </a:solidFill>
+              <a:prstDash val="solid"/>
+              <a:miter lim="800000"/>
+              <a:headEnd/>
+              <a:tailEnd/>
+            </a:ln>
+            <a:extLst>
+              <a:ext uri="{909E8E84-426E-40DD-AFC4-6F175D3DCCD1}">
+                <a14:hiddenFill xmlns:a14="http://schemas.microsoft.com/office/drawing/2010/main">
+                  <a:solidFill>
+                    <a:srgbClr val="FFFFFF"/>
+                  </a:solidFill>
+                </a14:hiddenFill>
+              </a:ext>
+            </a:extLst>
+          </p:spPr>
+          <p:txBody>
+            <a:bodyPr vert="horz" wrap="square" lIns="91440" tIns="45720" rIns="91440" bIns="45720" numCol="1" anchor="t" anchorCtr="0" compatLnSpc="1">
+              <a:prstTxWarp prst="textNoShape">
+                <a:avLst/>
+              </a:prstTxWarp>
+            </a:bodyPr>
+            <a:lstStyle/>
+            <a:p>
+              <a:endParaRPr lang="en-US"/>
+            </a:p>
+          </p:txBody>
+        </p:sp>
+        <p:sp>
+          <p:nvSpPr>
+            <p:cNvPr id="94" name="Freeform 8">
+              <a:extLst>
+                <a:ext uri="{FF2B5EF4-FFF2-40B4-BE49-F238E27FC236}">
+                  <a16:creationId xmlns:a16="http://schemas.microsoft.com/office/drawing/2014/main" id="{F834CDD4-CAB8-4ACC-9AAC-5399C743DEC1}"/>
+                </a:ext>
+                <a:ext uri="{C183D7F6-B498-43B3-948B-1728B52AA6E4}">
+                  <adec:decorative xmlns:adec="http://schemas.microsoft.com/office/drawing/2017/decorative" val="1"/>
+                </a:ext>
+              </a:extLst>
+            </p:cNvPr>
+            <p:cNvSpPr>
+              <a:spLocks/>
+            </p:cNvSpPr>
+            <p:nvPr>
+              <p:extLst>
+                <p:ext uri="{386F3935-93C4-4BCD-93E2-E3B085C9AB24}">
+                  <p16:designElem xmlns:p16="http://schemas.microsoft.com/office/powerpoint/2015/main" val="1"/>
+                </p:ext>
+              </p:extLst>
+            </p:nvPr>
+          </p:nvSpPr>
+          <p:spPr bwMode="auto">
+            <a:xfrm>
+              <a:off x="1120775" y="0"/>
+              <a:ext cx="3676650" cy="6843713"/>
+            </a:xfrm>
+            <a:custGeom>
+              <a:avLst/>
+              <a:gdLst>
+                <a:gd name="T0" fmla="*/ 774 w 774"/>
+                <a:gd name="T1" fmla="*/ 0 h 1440"/>
+                <a:gd name="T2" fmla="*/ 411 w 774"/>
+                <a:gd name="T3" fmla="*/ 1440 h 1440"/>
+              </a:gdLst>
+              <a:ahLst/>
+              <a:cxnLst>
+                <a:cxn ang="0">
+                  <a:pos x="T0" y="T1"/>
+                </a:cxn>
+                <a:cxn ang="0">
+                  <a:pos x="T2" y="T3"/>
+                </a:cxn>
+              </a:cxnLst>
+              <a:rect l="0" t="0" r="r" b="b"/>
+              <a:pathLst>
+                <a:path w="774" h="1440">
+                  <a:moveTo>
+                    <a:pt x="774" y="0"/>
+                  </a:moveTo>
+                  <a:cubicBezTo>
+                    <a:pt x="312" y="240"/>
+                    <a:pt x="0" y="1034"/>
+                    <a:pt x="411" y="1440"/>
+                  </a:cubicBezTo>
+                </a:path>
+              </a:pathLst>
+            </a:custGeom>
+            <a:noFill/>
+            <a:ln w="9525" cap="flat">
+              <a:solidFill>
+                <a:schemeClr val="tx1">
+                  <a:alpha val="10000"/>
+                </a:schemeClr>
+              </a:solidFill>
+              <a:prstDash val="dash"/>
+              <a:miter lim="800000"/>
+              <a:headEnd/>
+              <a:tailEnd/>
+            </a:ln>
+            <a:extLst>
+              <a:ext uri="{909E8E84-426E-40DD-AFC4-6F175D3DCCD1}">
+                <a14:hiddenFill xmlns:a14="http://schemas.microsoft.com/office/drawing/2010/main">
+                  <a:solidFill>
+                    <a:srgbClr val="FFFFFF"/>
+                  </a:solidFill>
+                </a14:hiddenFill>
+              </a:ext>
+            </a:extLst>
+          </p:spPr>
+          <p:txBody>
+            <a:bodyPr vert="horz" wrap="square" lIns="91440" tIns="45720" rIns="91440" bIns="45720" numCol="1" anchor="t" anchorCtr="0" compatLnSpc="1">
+              <a:prstTxWarp prst="textNoShape">
+                <a:avLst/>
+              </a:prstTxWarp>
+            </a:bodyPr>
+            <a:lstStyle/>
+            <a:p>
+              <a:endParaRPr lang="en-US"/>
+            </a:p>
+          </p:txBody>
+        </p:sp>
+        <p:sp>
+          <p:nvSpPr>
+            <p:cNvPr id="95" name="Freeform 9">
+              <a:extLst>
+                <a:ext uri="{FF2B5EF4-FFF2-40B4-BE49-F238E27FC236}">
+                  <a16:creationId xmlns:a16="http://schemas.microsoft.com/office/drawing/2014/main" id="{1AEB045A-6821-475B-A28E-047437ABEF5E}"/>
+                </a:ext>
+                <a:ext uri="{C183D7F6-B498-43B3-948B-1728B52AA6E4}">
+                  <adec:decorative xmlns:adec="http://schemas.microsoft.com/office/drawing/2017/decorative" val="1"/>
+                </a:ext>
+              </a:extLst>
+            </p:cNvPr>
+            <p:cNvSpPr>
+              <a:spLocks/>
+            </p:cNvSpPr>
+            <p:nvPr>
+              <p:extLst>
+                <p:ext uri="{386F3935-93C4-4BCD-93E2-E3B085C9AB24}">
+                  <p16:designElem xmlns:p16="http://schemas.microsoft.com/office/powerpoint/2015/main" val="1"/>
+                </p:ext>
+              </p:extLst>
+            </p:nvPr>
+          </p:nvSpPr>
+          <p:spPr bwMode="auto">
+            <a:xfrm>
+              <a:off x="11202988" y="9525"/>
+              <a:ext cx="963613" cy="366713"/>
+            </a:xfrm>
+            <a:custGeom>
+              <a:avLst/>
+              <a:gdLst>
+                <a:gd name="T0" fmla="*/ 203 w 203"/>
+                <a:gd name="T1" fmla="*/ 77 h 77"/>
+                <a:gd name="T2" fmla="*/ 0 w 203"/>
+                <a:gd name="T3" fmla="*/ 0 h 77"/>
+              </a:gdLst>
+              <a:ahLst/>
+              <a:cxnLst>
+                <a:cxn ang="0">
+                  <a:pos x="T0" y="T1"/>
+                </a:cxn>
+                <a:cxn ang="0">
+                  <a:pos x="T2" y="T3"/>
+                </a:cxn>
+              </a:cxnLst>
+              <a:rect l="0" t="0" r="r" b="b"/>
+              <a:pathLst>
+                <a:path w="203" h="77">
+                  <a:moveTo>
+                    <a:pt x="203" y="77"/>
+                  </a:moveTo>
+                  <a:cubicBezTo>
+                    <a:pt x="138" y="46"/>
+                    <a:pt x="68" y="21"/>
+                    <a:pt x="0" y="0"/>
+                  </a:cubicBezTo>
+                </a:path>
+              </a:pathLst>
+            </a:custGeom>
+            <a:noFill/>
+            <a:ln w="9525" cap="flat">
+              <a:solidFill>
+                <a:schemeClr val="tx1">
+                  <a:alpha val="10000"/>
+                </a:schemeClr>
+              </a:solidFill>
+              <a:prstDash val="dash"/>
+              <a:miter lim="800000"/>
+              <a:headEnd/>
+              <a:tailEnd/>
+            </a:ln>
+            <a:extLst>
+              <a:ext uri="{909E8E84-426E-40DD-AFC4-6F175D3DCCD1}">
+                <a14:hiddenFill xmlns:a14="http://schemas.microsoft.com/office/drawing/2010/main">
+                  <a:solidFill>
+                    <a:srgbClr val="FFFFFF"/>
+                  </a:solidFill>
+                </a14:hiddenFill>
+              </a:ext>
+            </a:extLst>
+          </p:spPr>
+          <p:txBody>
+            <a:bodyPr vert="horz" wrap="square" lIns="91440" tIns="45720" rIns="91440" bIns="45720" numCol="1" anchor="t" anchorCtr="0" compatLnSpc="1">
+              <a:prstTxWarp prst="textNoShape">
+                <a:avLst/>
+              </a:prstTxWarp>
+            </a:bodyPr>
+            <a:lstStyle/>
+            <a:p>
+              <a:endParaRPr lang="en-US"/>
+            </a:p>
+          </p:txBody>
+        </p:sp>
+        <p:sp>
+          <p:nvSpPr>
+            <p:cNvPr id="96" name="Freeform 10">
+              <a:extLst>
+                <a:ext uri="{FF2B5EF4-FFF2-40B4-BE49-F238E27FC236}">
+                  <a16:creationId xmlns:a16="http://schemas.microsoft.com/office/drawing/2014/main" id="{D9B790C0-3D34-4626-BAFB-6EB473F40C72}"/>
+                </a:ext>
+                <a:ext uri="{C183D7F6-B498-43B3-948B-1728B52AA6E4}">
+                  <adec:decorative xmlns:adec="http://schemas.microsoft.com/office/drawing/2017/decorative" val="1"/>
+                </a:ext>
+              </a:extLst>
+            </p:cNvPr>
+            <p:cNvSpPr>
+              <a:spLocks/>
+            </p:cNvSpPr>
+            <p:nvPr>
+              <p:extLst>
+                <p:ext uri="{386F3935-93C4-4BCD-93E2-E3B085C9AB24}">
+                  <p16:designElem xmlns:p16="http://schemas.microsoft.com/office/powerpoint/2015/main" val="1"/>
+                </p:ext>
+              </p:extLst>
+            </p:nvPr>
+          </p:nvSpPr>
+          <p:spPr bwMode="auto">
+            <a:xfrm>
+              <a:off x="10494963" y="5275263"/>
+              <a:ext cx="1666875" cy="1577975"/>
+            </a:xfrm>
+            <a:custGeom>
+              <a:avLst/>
+              <a:gdLst>
+                <a:gd name="T0" fmla="*/ 0 w 351"/>
+                <a:gd name="T1" fmla="*/ 332 h 332"/>
+                <a:gd name="T2" fmla="*/ 351 w 351"/>
+                <a:gd name="T3" fmla="*/ 0 h 332"/>
+              </a:gdLst>
+              <a:ahLst/>
+              <a:cxnLst>
+                <a:cxn ang="0">
+                  <a:pos x="T0" y="T1"/>
+                </a:cxn>
+                <a:cxn ang="0">
+                  <a:pos x="T2" y="T3"/>
+                </a:cxn>
+              </a:cxnLst>
+              <a:rect l="0" t="0" r="r" b="b"/>
+              <a:pathLst>
+                <a:path w="351" h="332">
+                  <a:moveTo>
+                    <a:pt x="0" y="332"/>
+                  </a:moveTo>
+                  <a:cubicBezTo>
+                    <a:pt x="125" y="232"/>
+                    <a:pt x="245" y="121"/>
+                    <a:pt x="351" y="0"/>
+                  </a:cubicBezTo>
+                </a:path>
+              </a:pathLst>
+            </a:custGeom>
+            <a:noFill/>
+            <a:ln w="9525" cap="flat">
+              <a:solidFill>
+                <a:schemeClr val="tx1">
+                  <a:alpha val="10000"/>
+                </a:schemeClr>
+              </a:solidFill>
+              <a:prstDash val="dash"/>
+              <a:miter lim="800000"/>
+              <a:headEnd/>
+              <a:tailEnd/>
+            </a:ln>
+            <a:extLst>
+              <a:ext uri="{909E8E84-426E-40DD-AFC4-6F175D3DCCD1}">
+                <a14:hiddenFill xmlns:a14="http://schemas.microsoft.com/office/drawing/2010/main">
+                  <a:solidFill>
+                    <a:srgbClr val="FFFFFF"/>
+                  </a:solidFill>
+                </a14:hiddenFill>
+              </a:ext>
+            </a:extLst>
+          </p:spPr>
+          <p:txBody>
+            <a:bodyPr vert="horz" wrap="square" lIns="91440" tIns="45720" rIns="91440" bIns="45720" numCol="1" anchor="t" anchorCtr="0" compatLnSpc="1">
+              <a:prstTxWarp prst="textNoShape">
+                <a:avLst/>
+              </a:prstTxWarp>
+            </a:bodyPr>
+            <a:lstStyle/>
+            <a:p>
+              <a:endParaRPr lang="en-US"/>
+            </a:p>
+          </p:txBody>
+        </p:sp>
+        <p:sp>
+          <p:nvSpPr>
+            <p:cNvPr id="97" name="Freeform 11">
+              <a:extLst>
+                <a:ext uri="{FF2B5EF4-FFF2-40B4-BE49-F238E27FC236}">
+                  <a16:creationId xmlns:a16="http://schemas.microsoft.com/office/drawing/2014/main" id="{EDA4D87F-91A4-4628-9A6E-F01820A7EE54}"/>
+                </a:ext>
+                <a:ext uri="{C183D7F6-B498-43B3-948B-1728B52AA6E4}">
+                  <adec:decorative xmlns:adec="http://schemas.microsoft.com/office/drawing/2017/decorative" val="1"/>
+                </a:ext>
+              </a:extLst>
+            </p:cNvPr>
+            <p:cNvSpPr>
+              <a:spLocks/>
+            </p:cNvSpPr>
+            <p:nvPr>
+              <p:extLst>
+                <p:ext uri="{386F3935-93C4-4BCD-93E2-E3B085C9AB24}">
+                  <p16:designElem xmlns:p16="http://schemas.microsoft.com/office/powerpoint/2015/main" val="1"/>
+                </p:ext>
+              </p:extLst>
+            </p:nvPr>
+          </p:nvSpPr>
+          <p:spPr bwMode="auto">
+            <a:xfrm>
+              <a:off x="1001713" y="0"/>
+              <a:ext cx="3621088" cy="6843713"/>
+            </a:xfrm>
+            <a:custGeom>
+              <a:avLst/>
+              <a:gdLst>
+                <a:gd name="T0" fmla="*/ 762 w 762"/>
+                <a:gd name="T1" fmla="*/ 0 h 1440"/>
+                <a:gd name="T2" fmla="*/ 403 w 762"/>
+                <a:gd name="T3" fmla="*/ 1440 h 1440"/>
+              </a:gdLst>
+              <a:ahLst/>
+              <a:cxnLst>
+                <a:cxn ang="0">
+                  <a:pos x="T0" y="T1"/>
+                </a:cxn>
+                <a:cxn ang="0">
+                  <a:pos x="T2" y="T3"/>
+                </a:cxn>
+              </a:cxnLst>
+              <a:rect l="0" t="0" r="r" b="b"/>
+              <a:pathLst>
+                <a:path w="762" h="1440">
+                  <a:moveTo>
+                    <a:pt x="762" y="0"/>
+                  </a:moveTo>
+                  <a:cubicBezTo>
+                    <a:pt x="308" y="245"/>
+                    <a:pt x="0" y="1033"/>
+                    <a:pt x="403" y="1440"/>
+                  </a:cubicBezTo>
+                </a:path>
+              </a:pathLst>
+            </a:custGeom>
+            <a:noFill/>
+            <a:ln w="9525" cap="flat">
+              <a:solidFill>
+                <a:schemeClr val="tx1">
+                  <a:alpha val="10000"/>
+                </a:schemeClr>
+              </a:solidFill>
+              <a:prstDash val="solid"/>
+              <a:miter lim="800000"/>
+              <a:headEnd/>
+              <a:tailEnd/>
+            </a:ln>
+            <a:extLst>
+              <a:ext uri="{909E8E84-426E-40DD-AFC4-6F175D3DCCD1}">
+                <a14:hiddenFill xmlns:a14="http://schemas.microsoft.com/office/drawing/2010/main">
+                  <a:solidFill>
+                    <a:srgbClr val="FFFFFF"/>
+                  </a:solidFill>
+                </a14:hiddenFill>
+              </a:ext>
+            </a:extLst>
+          </p:spPr>
+          <p:txBody>
+            <a:bodyPr vert="horz" wrap="square" lIns="91440" tIns="45720" rIns="91440" bIns="45720" numCol="1" anchor="t" anchorCtr="0" compatLnSpc="1">
+              <a:prstTxWarp prst="textNoShape">
+                <a:avLst/>
+              </a:prstTxWarp>
+            </a:bodyPr>
+            <a:lstStyle/>
+            <a:p>
+              <a:endParaRPr lang="en-US"/>
+            </a:p>
+          </p:txBody>
+        </p:sp>
+        <p:sp>
+          <p:nvSpPr>
+            <p:cNvPr id="98" name="Freeform 12">
+              <a:extLst>
+                <a:ext uri="{FF2B5EF4-FFF2-40B4-BE49-F238E27FC236}">
+                  <a16:creationId xmlns:a16="http://schemas.microsoft.com/office/drawing/2014/main" id="{045DAB88-124C-459C-A889-DAE9C9BE285A}"/>
+                </a:ext>
+                <a:ext uri="{C183D7F6-B498-43B3-948B-1728B52AA6E4}">
+                  <adec:decorative xmlns:adec="http://schemas.microsoft.com/office/drawing/2017/decorative" val="1"/>
+                </a:ext>
+              </a:extLst>
+            </p:cNvPr>
+            <p:cNvSpPr>
+              <a:spLocks/>
+            </p:cNvSpPr>
+            <p:nvPr>
+              <p:extLst>
+                <p:ext uri="{386F3935-93C4-4BCD-93E2-E3B085C9AB24}">
+                  <p16:designElem xmlns:p16="http://schemas.microsoft.com/office/powerpoint/2015/main" val="1"/>
+                </p:ext>
+              </p:extLst>
+            </p:nvPr>
+          </p:nvSpPr>
+          <p:spPr bwMode="auto">
+            <a:xfrm>
+              <a:off x="11501438" y="9525"/>
+              <a:ext cx="665163" cy="257175"/>
+            </a:xfrm>
+            <a:custGeom>
+              <a:avLst/>
+              <a:gdLst>
+                <a:gd name="T0" fmla="*/ 140 w 140"/>
+                <a:gd name="T1" fmla="*/ 54 h 54"/>
+                <a:gd name="T2" fmla="*/ 0 w 140"/>
+                <a:gd name="T3" fmla="*/ 0 h 54"/>
+              </a:gdLst>
+              <a:ahLst/>
+              <a:cxnLst>
+                <a:cxn ang="0">
+                  <a:pos x="T0" y="T1"/>
+                </a:cxn>
+                <a:cxn ang="0">
+                  <a:pos x="T2" y="T3"/>
+                </a:cxn>
+              </a:cxnLst>
+              <a:rect l="0" t="0" r="r" b="b"/>
+              <a:pathLst>
+                <a:path w="140" h="54">
+                  <a:moveTo>
+                    <a:pt x="140" y="54"/>
+                  </a:moveTo>
+                  <a:cubicBezTo>
+                    <a:pt x="95" y="34"/>
+                    <a:pt x="48" y="16"/>
+                    <a:pt x="0" y="0"/>
+                  </a:cubicBezTo>
+                </a:path>
+              </a:pathLst>
+            </a:custGeom>
+            <a:noFill/>
+            <a:ln w="9525" cap="flat">
+              <a:solidFill>
+                <a:schemeClr val="tx1">
+                  <a:alpha val="10000"/>
+                </a:schemeClr>
+              </a:solidFill>
+              <a:prstDash val="solid"/>
+              <a:miter lim="800000"/>
+              <a:headEnd/>
+              <a:tailEnd/>
+            </a:ln>
+            <a:extLst>
+              <a:ext uri="{909E8E84-426E-40DD-AFC4-6F175D3DCCD1}">
+                <a14:hiddenFill xmlns:a14="http://schemas.microsoft.com/office/drawing/2010/main">
+                  <a:solidFill>
+                    <a:srgbClr val="FFFFFF"/>
+                  </a:solidFill>
+                </a14:hiddenFill>
+              </a:ext>
+            </a:extLst>
+          </p:spPr>
+          <p:txBody>
+            <a:bodyPr vert="horz" wrap="square" lIns="91440" tIns="45720" rIns="91440" bIns="45720" numCol="1" anchor="t" anchorCtr="0" compatLnSpc="1">
+              <a:prstTxWarp prst="textNoShape">
+                <a:avLst/>
+              </a:prstTxWarp>
+            </a:bodyPr>
+            <a:lstStyle/>
+            <a:p>
+              <a:endParaRPr lang="en-US"/>
+            </a:p>
+          </p:txBody>
+        </p:sp>
+        <p:sp>
+          <p:nvSpPr>
+            <p:cNvPr id="99" name="Freeform 13">
+              <a:extLst>
+                <a:ext uri="{FF2B5EF4-FFF2-40B4-BE49-F238E27FC236}">
+                  <a16:creationId xmlns:a16="http://schemas.microsoft.com/office/drawing/2014/main" id="{85D44010-1DAA-4CAC-B83F-7E3E8C455D4F}"/>
+                </a:ext>
+                <a:ext uri="{C183D7F6-B498-43B3-948B-1728B52AA6E4}">
+                  <adec:decorative xmlns:adec="http://schemas.microsoft.com/office/drawing/2017/decorative" val="1"/>
+                </a:ext>
+              </a:extLst>
+            </p:cNvPr>
+            <p:cNvSpPr>
+              <a:spLocks/>
+            </p:cNvSpPr>
+            <p:nvPr>
+              <p:extLst>
+                <p:ext uri="{386F3935-93C4-4BCD-93E2-E3B085C9AB24}">
+                  <p16:designElem xmlns:p16="http://schemas.microsoft.com/office/powerpoint/2015/main" val="1"/>
+                </p:ext>
+              </p:extLst>
+            </p:nvPr>
+          </p:nvSpPr>
+          <p:spPr bwMode="auto">
+            <a:xfrm>
+              <a:off x="10641013" y="5408613"/>
+              <a:ext cx="1525588" cy="1435100"/>
+            </a:xfrm>
+            <a:custGeom>
+              <a:avLst/>
+              <a:gdLst>
+                <a:gd name="T0" fmla="*/ 0 w 321"/>
+                <a:gd name="T1" fmla="*/ 302 h 302"/>
+                <a:gd name="T2" fmla="*/ 321 w 321"/>
+                <a:gd name="T3" fmla="*/ 0 h 302"/>
+              </a:gdLst>
+              <a:ahLst/>
+              <a:cxnLst>
+                <a:cxn ang="0">
+                  <a:pos x="T0" y="T1"/>
+                </a:cxn>
+                <a:cxn ang="0">
+                  <a:pos x="T2" y="T3"/>
+                </a:cxn>
+              </a:cxnLst>
+              <a:rect l="0" t="0" r="r" b="b"/>
+              <a:pathLst>
+                <a:path w="321" h="302">
+                  <a:moveTo>
+                    <a:pt x="0" y="302"/>
+                  </a:moveTo>
+                  <a:cubicBezTo>
+                    <a:pt x="114" y="210"/>
+                    <a:pt x="223" y="109"/>
+                    <a:pt x="321" y="0"/>
+                  </a:cubicBezTo>
+                </a:path>
+              </a:pathLst>
+            </a:custGeom>
+            <a:noFill/>
+            <a:ln w="9525" cap="flat">
+              <a:solidFill>
+                <a:schemeClr val="tx1">
+                  <a:alpha val="10000"/>
+                </a:schemeClr>
+              </a:solidFill>
+              <a:prstDash val="solid"/>
+              <a:miter lim="800000"/>
+              <a:headEnd/>
+              <a:tailEnd/>
+            </a:ln>
+            <a:extLst>
+              <a:ext uri="{909E8E84-426E-40DD-AFC4-6F175D3DCCD1}">
+                <a14:hiddenFill xmlns:a14="http://schemas.microsoft.com/office/drawing/2010/main">
+                  <a:solidFill>
+                    <a:srgbClr val="FFFFFF"/>
+                  </a:solidFill>
+                </a14:hiddenFill>
+              </a:ext>
+            </a:extLst>
+          </p:spPr>
+          <p:txBody>
+            <a:bodyPr vert="horz" wrap="square" lIns="91440" tIns="45720" rIns="91440" bIns="45720" numCol="1" anchor="t" anchorCtr="0" compatLnSpc="1">
+              <a:prstTxWarp prst="textNoShape">
+                <a:avLst/>
+              </a:prstTxWarp>
+            </a:bodyPr>
+            <a:lstStyle/>
+            <a:p>
+              <a:endParaRPr lang="en-US"/>
+            </a:p>
+          </p:txBody>
+        </p:sp>
+        <p:sp>
+          <p:nvSpPr>
+            <p:cNvPr id="100" name="Freeform 14">
+              <a:extLst>
+                <a:ext uri="{FF2B5EF4-FFF2-40B4-BE49-F238E27FC236}">
+                  <a16:creationId xmlns:a16="http://schemas.microsoft.com/office/drawing/2014/main" id="{E8C01D66-5C93-4A2E-AA74-DE97574EA4E9}"/>
+                </a:ext>
+                <a:ext uri="{C183D7F6-B498-43B3-948B-1728B52AA6E4}">
+                  <adec:decorative xmlns:adec="http://schemas.microsoft.com/office/drawing/2017/decorative" val="1"/>
+                </a:ext>
+              </a:extLst>
+            </p:cNvPr>
+            <p:cNvSpPr>
+              <a:spLocks/>
+            </p:cNvSpPr>
+            <p:nvPr>
+              <p:extLst>
+                <p:ext uri="{386F3935-93C4-4BCD-93E2-E3B085C9AB24}">
+                  <p16:designElem xmlns:p16="http://schemas.microsoft.com/office/powerpoint/2015/main" val="1"/>
+                </p:ext>
+              </p:extLst>
+            </p:nvPr>
+          </p:nvSpPr>
+          <p:spPr bwMode="auto">
+            <a:xfrm>
+              <a:off x="1001713" y="0"/>
+              <a:ext cx="3244850" cy="6843713"/>
+            </a:xfrm>
+            <a:custGeom>
+              <a:avLst/>
+              <a:gdLst>
+                <a:gd name="T0" fmla="*/ 683 w 683"/>
+                <a:gd name="T1" fmla="*/ 0 h 1440"/>
+                <a:gd name="T2" fmla="*/ 355 w 683"/>
+                <a:gd name="T3" fmla="*/ 1440 h 1440"/>
+              </a:gdLst>
+              <a:ahLst/>
+              <a:cxnLst>
+                <a:cxn ang="0">
+                  <a:pos x="T0" y="T1"/>
+                </a:cxn>
+                <a:cxn ang="0">
+                  <a:pos x="T2" y="T3"/>
+                </a:cxn>
+              </a:cxnLst>
+              <a:rect l="0" t="0" r="r" b="b"/>
+              <a:pathLst>
+                <a:path w="683" h="1440">
+                  <a:moveTo>
+                    <a:pt x="683" y="0"/>
+                  </a:moveTo>
+                  <a:cubicBezTo>
+                    <a:pt x="258" y="256"/>
+                    <a:pt x="0" y="1041"/>
+                    <a:pt x="355" y="1440"/>
+                  </a:cubicBezTo>
+                </a:path>
+              </a:pathLst>
+            </a:custGeom>
+            <a:noFill/>
+            <a:ln w="9525" cap="flat">
+              <a:solidFill>
+                <a:schemeClr val="tx1">
+                  <a:alpha val="10000"/>
+                </a:schemeClr>
+              </a:solidFill>
+              <a:prstDash val="solid"/>
+              <a:miter lim="800000"/>
+              <a:headEnd/>
+              <a:tailEnd/>
+            </a:ln>
+            <a:extLst>
+              <a:ext uri="{909E8E84-426E-40DD-AFC4-6F175D3DCCD1}">
+                <a14:hiddenFill xmlns:a14="http://schemas.microsoft.com/office/drawing/2010/main">
+                  <a:solidFill>
+                    <a:srgbClr val="FFFFFF"/>
+                  </a:solidFill>
+                </a14:hiddenFill>
+              </a:ext>
+            </a:extLst>
+          </p:spPr>
+          <p:txBody>
+            <a:bodyPr vert="horz" wrap="square" lIns="91440" tIns="45720" rIns="91440" bIns="45720" numCol="1" anchor="t" anchorCtr="0" compatLnSpc="1">
+              <a:prstTxWarp prst="textNoShape">
+                <a:avLst/>
+              </a:prstTxWarp>
+            </a:bodyPr>
+            <a:lstStyle/>
+            <a:p>
+              <a:endParaRPr lang="en-US"/>
+            </a:p>
+          </p:txBody>
+        </p:sp>
+        <p:sp>
+          <p:nvSpPr>
+            <p:cNvPr id="101" name="Freeform 15">
+              <a:extLst>
+                <a:ext uri="{FF2B5EF4-FFF2-40B4-BE49-F238E27FC236}">
+                  <a16:creationId xmlns:a16="http://schemas.microsoft.com/office/drawing/2014/main" id="{E2E1A6E1-6C4A-47D3-81E2-9F8624F1BBE0}"/>
+                </a:ext>
+                <a:ext uri="{C183D7F6-B498-43B3-948B-1728B52AA6E4}">
+                  <adec:decorative xmlns:adec="http://schemas.microsoft.com/office/drawing/2017/decorative" val="1"/>
+                </a:ext>
+              </a:extLst>
+            </p:cNvPr>
+            <p:cNvSpPr>
+              <a:spLocks/>
+            </p:cNvSpPr>
+            <p:nvPr>
+              <p:extLst>
+                <p:ext uri="{386F3935-93C4-4BCD-93E2-E3B085C9AB24}">
+                  <p16:designElem xmlns:p16="http://schemas.microsoft.com/office/powerpoint/2015/main" val="1"/>
+                </p:ext>
+              </p:extLst>
+            </p:nvPr>
+          </p:nvSpPr>
+          <p:spPr bwMode="auto">
+            <a:xfrm>
+              <a:off x="10802938" y="5518150"/>
+              <a:ext cx="1363663" cy="1325563"/>
+            </a:xfrm>
+            <a:custGeom>
+              <a:avLst/>
+              <a:gdLst>
+                <a:gd name="T0" fmla="*/ 0 w 287"/>
+                <a:gd name="T1" fmla="*/ 279 h 279"/>
+                <a:gd name="T2" fmla="*/ 287 w 287"/>
+                <a:gd name="T3" fmla="*/ 0 h 279"/>
+              </a:gdLst>
+              <a:ahLst/>
+              <a:cxnLst>
+                <a:cxn ang="0">
+                  <a:pos x="T0" y="T1"/>
+                </a:cxn>
+                <a:cxn ang="0">
+                  <a:pos x="T2" y="T3"/>
+                </a:cxn>
+              </a:cxnLst>
+              <a:rect l="0" t="0" r="r" b="b"/>
+              <a:pathLst>
+                <a:path w="287" h="279">
+                  <a:moveTo>
+                    <a:pt x="0" y="279"/>
+                  </a:moveTo>
+                  <a:cubicBezTo>
+                    <a:pt x="101" y="193"/>
+                    <a:pt x="198" y="100"/>
+                    <a:pt x="287" y="0"/>
+                  </a:cubicBezTo>
+                </a:path>
+              </a:pathLst>
+            </a:custGeom>
+            <a:noFill/>
+            <a:ln w="9525" cap="flat">
+              <a:solidFill>
+                <a:schemeClr val="tx1">
+                  <a:alpha val="10000"/>
+                </a:schemeClr>
+              </a:solidFill>
+              <a:prstDash val="solid"/>
+              <a:miter lim="800000"/>
+              <a:headEnd/>
+              <a:tailEnd/>
+            </a:ln>
+            <a:extLst>
+              <a:ext uri="{909E8E84-426E-40DD-AFC4-6F175D3DCCD1}">
+                <a14:hiddenFill xmlns:a14="http://schemas.microsoft.com/office/drawing/2010/main">
+                  <a:solidFill>
+                    <a:srgbClr val="FFFFFF"/>
+                  </a:solidFill>
+                </a14:hiddenFill>
+              </a:ext>
+            </a:extLst>
+          </p:spPr>
+          <p:txBody>
+            <a:bodyPr vert="horz" wrap="square" lIns="91440" tIns="45720" rIns="91440" bIns="45720" numCol="1" anchor="t" anchorCtr="0" compatLnSpc="1">
+              <a:prstTxWarp prst="textNoShape">
+                <a:avLst/>
+              </a:prstTxWarp>
+            </a:bodyPr>
+            <a:lstStyle/>
+            <a:p>
+              <a:endParaRPr lang="en-US"/>
+            </a:p>
+          </p:txBody>
+        </p:sp>
+        <p:sp>
+          <p:nvSpPr>
+            <p:cNvPr id="102" name="Freeform 16">
+              <a:extLst>
+                <a:ext uri="{FF2B5EF4-FFF2-40B4-BE49-F238E27FC236}">
+                  <a16:creationId xmlns:a16="http://schemas.microsoft.com/office/drawing/2014/main" id="{3E849CB5-4526-49DC-B77B-A20FDB7FFDA4}"/>
+                </a:ext>
+                <a:ext uri="{C183D7F6-B498-43B3-948B-1728B52AA6E4}">
+                  <adec:decorative xmlns:adec="http://schemas.microsoft.com/office/drawing/2017/decorative" val="1"/>
+                </a:ext>
+              </a:extLst>
+            </p:cNvPr>
+            <p:cNvSpPr>
+              <a:spLocks/>
+            </p:cNvSpPr>
+            <p:nvPr>
+              <p:extLst>
+                <p:ext uri="{386F3935-93C4-4BCD-93E2-E3B085C9AB24}">
+                  <p16:designElem xmlns:p16="http://schemas.microsoft.com/office/powerpoint/2015/main" val="1"/>
+                </p:ext>
+              </p:extLst>
+            </p:nvPr>
+          </p:nvSpPr>
+          <p:spPr bwMode="auto">
+            <a:xfrm>
+              <a:off x="889000" y="0"/>
+              <a:ext cx="3230563" cy="6843713"/>
+            </a:xfrm>
+            <a:custGeom>
+              <a:avLst/>
+              <a:gdLst>
+                <a:gd name="T0" fmla="*/ 680 w 680"/>
+                <a:gd name="T1" fmla="*/ 0 h 1440"/>
+                <a:gd name="T2" fmla="*/ 337 w 680"/>
+                <a:gd name="T3" fmla="*/ 1440 h 1440"/>
+              </a:gdLst>
+              <a:ahLst/>
+              <a:cxnLst>
+                <a:cxn ang="0">
+                  <a:pos x="T0" y="T1"/>
+                </a:cxn>
+                <a:cxn ang="0">
+                  <a:pos x="T2" y="T3"/>
+                </a:cxn>
+              </a:cxnLst>
+              <a:rect l="0" t="0" r="r" b="b"/>
+              <a:pathLst>
+                <a:path w="680" h="1440">
+                  <a:moveTo>
+                    <a:pt x="680" y="0"/>
+                  </a:moveTo>
+                  <a:cubicBezTo>
+                    <a:pt x="257" y="265"/>
+                    <a:pt x="0" y="1026"/>
+                    <a:pt x="337" y="1440"/>
+                  </a:cubicBezTo>
+                </a:path>
+              </a:pathLst>
+            </a:custGeom>
+            <a:noFill/>
+            <a:ln w="9525" cap="flat">
+              <a:solidFill>
+                <a:schemeClr val="tx1">
+                  <a:alpha val="10000"/>
+                </a:schemeClr>
+              </a:solidFill>
+              <a:prstDash val="solid"/>
+              <a:miter lim="800000"/>
+              <a:headEnd/>
+              <a:tailEnd/>
+            </a:ln>
+            <a:extLst>
+              <a:ext uri="{909E8E84-426E-40DD-AFC4-6F175D3DCCD1}">
+                <a14:hiddenFill xmlns:a14="http://schemas.microsoft.com/office/drawing/2010/main">
+                  <a:solidFill>
+                    <a:srgbClr val="FFFFFF"/>
+                  </a:solidFill>
+                </a14:hiddenFill>
+              </a:ext>
+            </a:extLst>
+          </p:spPr>
+          <p:txBody>
+            <a:bodyPr vert="horz" wrap="square" lIns="91440" tIns="45720" rIns="91440" bIns="45720" numCol="1" anchor="t" anchorCtr="0" compatLnSpc="1">
+              <a:prstTxWarp prst="textNoShape">
+                <a:avLst/>
+              </a:prstTxWarp>
+            </a:bodyPr>
+            <a:lstStyle/>
+            <a:p>
+              <a:endParaRPr lang="en-US"/>
+            </a:p>
+          </p:txBody>
+        </p:sp>
+        <p:sp>
+          <p:nvSpPr>
+            <p:cNvPr id="103" name="Freeform 17">
+              <a:extLst>
+                <a:ext uri="{FF2B5EF4-FFF2-40B4-BE49-F238E27FC236}">
+                  <a16:creationId xmlns:a16="http://schemas.microsoft.com/office/drawing/2014/main" id="{5A18C8A4-FB2A-44C1-93D3-26C6DDFE0CC4}"/>
+                </a:ext>
+                <a:ext uri="{C183D7F6-B498-43B3-948B-1728B52AA6E4}">
+                  <adec:decorative xmlns:adec="http://schemas.microsoft.com/office/drawing/2017/decorative" val="1"/>
+                </a:ext>
+              </a:extLst>
+            </p:cNvPr>
+            <p:cNvSpPr>
+              <a:spLocks/>
+            </p:cNvSpPr>
+            <p:nvPr>
+              <p:extLst>
+                <p:ext uri="{386F3935-93C4-4BCD-93E2-E3B085C9AB24}">
+                  <p16:designElem xmlns:p16="http://schemas.microsoft.com/office/powerpoint/2015/main" val="1"/>
+                </p:ext>
+              </p:extLst>
+            </p:nvPr>
+          </p:nvSpPr>
+          <p:spPr bwMode="auto">
+            <a:xfrm>
+              <a:off x="10979150" y="5694363"/>
+              <a:ext cx="1187450" cy="1149350"/>
+            </a:xfrm>
+            <a:custGeom>
+              <a:avLst/>
+              <a:gdLst>
+                <a:gd name="T0" fmla="*/ 0 w 250"/>
+                <a:gd name="T1" fmla="*/ 242 h 242"/>
+                <a:gd name="T2" fmla="*/ 250 w 250"/>
+                <a:gd name="T3" fmla="*/ 0 h 242"/>
+              </a:gdLst>
+              <a:ahLst/>
+              <a:cxnLst>
+                <a:cxn ang="0">
+                  <a:pos x="T0" y="T1"/>
+                </a:cxn>
+                <a:cxn ang="0">
+                  <a:pos x="T2" y="T3"/>
+                </a:cxn>
+              </a:cxnLst>
+              <a:rect l="0" t="0" r="r" b="b"/>
+              <a:pathLst>
+                <a:path w="250" h="242">
+                  <a:moveTo>
+                    <a:pt x="0" y="242"/>
+                  </a:moveTo>
+                  <a:cubicBezTo>
+                    <a:pt x="88" y="166"/>
+                    <a:pt x="172" y="85"/>
+                    <a:pt x="250" y="0"/>
+                  </a:cubicBezTo>
+                </a:path>
+              </a:pathLst>
+            </a:custGeom>
+            <a:noFill/>
+            <a:ln w="9525" cap="flat">
+              <a:solidFill>
+                <a:schemeClr val="tx1">
+                  <a:alpha val="10000"/>
+                </a:schemeClr>
+              </a:solidFill>
+              <a:prstDash val="solid"/>
+              <a:miter lim="800000"/>
+              <a:headEnd/>
+              <a:tailEnd/>
+            </a:ln>
+            <a:extLst>
+              <a:ext uri="{909E8E84-426E-40DD-AFC4-6F175D3DCCD1}">
+                <a14:hiddenFill xmlns:a14="http://schemas.microsoft.com/office/drawing/2010/main">
+                  <a:solidFill>
+                    <a:srgbClr val="FFFFFF"/>
+                  </a:solidFill>
+                </a14:hiddenFill>
+              </a:ext>
+            </a:extLst>
+          </p:spPr>
+          <p:txBody>
+            <a:bodyPr vert="horz" wrap="square" lIns="91440" tIns="45720" rIns="91440" bIns="45720" numCol="1" anchor="t" anchorCtr="0" compatLnSpc="1">
+              <a:prstTxWarp prst="textNoShape">
+                <a:avLst/>
+              </a:prstTxWarp>
+            </a:bodyPr>
+            <a:lstStyle/>
+            <a:p>
+              <a:endParaRPr lang="en-US"/>
+            </a:p>
+          </p:txBody>
+        </p:sp>
+        <p:sp>
+          <p:nvSpPr>
+            <p:cNvPr id="104" name="Freeform 18">
+              <a:extLst>
+                <a:ext uri="{FF2B5EF4-FFF2-40B4-BE49-F238E27FC236}">
+                  <a16:creationId xmlns:a16="http://schemas.microsoft.com/office/drawing/2014/main" id="{85D014FD-8C5A-4071-B19E-4910AAB6186B}"/>
+                </a:ext>
+                <a:ext uri="{C183D7F6-B498-43B3-948B-1728B52AA6E4}">
+                  <adec:decorative xmlns:adec="http://schemas.microsoft.com/office/drawing/2017/decorative" val="1"/>
+                </a:ext>
+              </a:extLst>
+            </p:cNvPr>
+            <p:cNvSpPr>
+              <a:spLocks/>
+            </p:cNvSpPr>
+            <p:nvPr>
+              <p:extLst>
+                <p:ext uri="{386F3935-93C4-4BCD-93E2-E3B085C9AB24}">
+                  <p16:designElem xmlns:p16="http://schemas.microsoft.com/office/powerpoint/2015/main" val="1"/>
+                </p:ext>
+              </p:extLst>
+            </p:nvPr>
+          </p:nvSpPr>
+          <p:spPr bwMode="auto">
+            <a:xfrm>
+              <a:off x="484188" y="0"/>
+              <a:ext cx="3421063" cy="6843713"/>
+            </a:xfrm>
+            <a:custGeom>
+              <a:avLst/>
+              <a:gdLst>
+                <a:gd name="T0" fmla="*/ 720 w 720"/>
+                <a:gd name="T1" fmla="*/ 0 h 1440"/>
+                <a:gd name="T2" fmla="*/ 362 w 720"/>
+                <a:gd name="T3" fmla="*/ 1440 h 1440"/>
+              </a:gdLst>
+              <a:ahLst/>
+              <a:cxnLst>
+                <a:cxn ang="0">
+                  <a:pos x="T0" y="T1"/>
+                </a:cxn>
+                <a:cxn ang="0">
+                  <a:pos x="T2" y="T3"/>
+                </a:cxn>
+              </a:cxnLst>
+              <a:rect l="0" t="0" r="r" b="b"/>
+              <a:pathLst>
+                <a:path w="720" h="1440">
+                  <a:moveTo>
+                    <a:pt x="720" y="0"/>
+                  </a:moveTo>
+                  <a:cubicBezTo>
+                    <a:pt x="316" y="282"/>
+                    <a:pt x="0" y="1018"/>
+                    <a:pt x="362" y="1440"/>
+                  </a:cubicBezTo>
+                </a:path>
+              </a:pathLst>
+            </a:custGeom>
+            <a:noFill/>
+            <a:ln w="9525" cap="flat">
+              <a:solidFill>
+                <a:schemeClr val="tx1">
+                  <a:alpha val="10000"/>
+                </a:schemeClr>
+              </a:solidFill>
+              <a:prstDash val="solid"/>
+              <a:miter lim="800000"/>
+              <a:headEnd/>
+              <a:tailEnd/>
+            </a:ln>
+            <a:extLst>
+              <a:ext uri="{909E8E84-426E-40DD-AFC4-6F175D3DCCD1}">
+                <a14:hiddenFill xmlns:a14="http://schemas.microsoft.com/office/drawing/2010/main">
+                  <a:solidFill>
+                    <a:srgbClr val="FFFFFF"/>
+                  </a:solidFill>
+                </a14:hiddenFill>
+              </a:ext>
+            </a:extLst>
+          </p:spPr>
+          <p:txBody>
+            <a:bodyPr vert="horz" wrap="square" lIns="91440" tIns="45720" rIns="91440" bIns="45720" numCol="1" anchor="t" anchorCtr="0" compatLnSpc="1">
+              <a:prstTxWarp prst="textNoShape">
+                <a:avLst/>
+              </a:prstTxWarp>
+            </a:bodyPr>
+            <a:lstStyle/>
+            <a:p>
+              <a:endParaRPr lang="en-US"/>
+            </a:p>
+          </p:txBody>
+        </p:sp>
+        <p:sp>
+          <p:nvSpPr>
+            <p:cNvPr id="105" name="Freeform 19">
+              <a:extLst>
+                <a:ext uri="{FF2B5EF4-FFF2-40B4-BE49-F238E27FC236}">
+                  <a16:creationId xmlns:a16="http://schemas.microsoft.com/office/drawing/2014/main" id="{A37D7262-3596-4026-9AD4-E94332E52603}"/>
+                </a:ext>
+                <a:ext uri="{C183D7F6-B498-43B3-948B-1728B52AA6E4}">
+                  <adec:decorative xmlns:adec="http://schemas.microsoft.com/office/drawing/2017/decorative" val="1"/>
+                </a:ext>
+              </a:extLst>
+            </p:cNvPr>
+            <p:cNvSpPr>
+              <a:spLocks/>
+            </p:cNvSpPr>
+            <p:nvPr>
+              <p:extLst>
+                <p:ext uri="{386F3935-93C4-4BCD-93E2-E3B085C9AB24}">
+                  <p16:designElem xmlns:p16="http://schemas.microsoft.com/office/powerpoint/2015/main" val="1"/>
+                </p:ext>
+              </p:extLst>
+            </p:nvPr>
+          </p:nvSpPr>
+          <p:spPr bwMode="auto">
+            <a:xfrm>
+              <a:off x="11287125" y="6049963"/>
+              <a:ext cx="879475" cy="793750"/>
+            </a:xfrm>
+            <a:custGeom>
+              <a:avLst/>
+              <a:gdLst>
+                <a:gd name="T0" fmla="*/ 0 w 185"/>
+                <a:gd name="T1" fmla="*/ 167 h 167"/>
+                <a:gd name="T2" fmla="*/ 185 w 185"/>
+                <a:gd name="T3" fmla="*/ 0 h 167"/>
+              </a:gdLst>
+              <a:ahLst/>
+              <a:cxnLst>
+                <a:cxn ang="0">
+                  <a:pos x="T0" y="T1"/>
+                </a:cxn>
+                <a:cxn ang="0">
+                  <a:pos x="T2" y="T3"/>
+                </a:cxn>
+              </a:cxnLst>
+              <a:rect l="0" t="0" r="r" b="b"/>
+              <a:pathLst>
+                <a:path w="185" h="167">
+                  <a:moveTo>
+                    <a:pt x="0" y="167"/>
+                  </a:moveTo>
+                  <a:cubicBezTo>
+                    <a:pt x="63" y="114"/>
+                    <a:pt x="125" y="58"/>
+                    <a:pt x="185" y="0"/>
+                  </a:cubicBezTo>
+                </a:path>
+              </a:pathLst>
+            </a:custGeom>
+            <a:noFill/>
+            <a:ln w="9525" cap="flat">
+              <a:solidFill>
+                <a:schemeClr val="tx1">
+                  <a:alpha val="10000"/>
+                </a:schemeClr>
+              </a:solidFill>
+              <a:prstDash val="solid"/>
+              <a:miter lim="800000"/>
+              <a:headEnd/>
+              <a:tailEnd/>
+            </a:ln>
+            <a:extLst>
+              <a:ext uri="{909E8E84-426E-40DD-AFC4-6F175D3DCCD1}">
+                <a14:hiddenFill xmlns:a14="http://schemas.microsoft.com/office/drawing/2010/main">
+                  <a:solidFill>
+                    <a:srgbClr val="FFFFFF"/>
+                  </a:solidFill>
+                </a14:hiddenFill>
+              </a:ext>
+            </a:extLst>
+          </p:spPr>
+          <p:txBody>
+            <a:bodyPr vert="horz" wrap="square" lIns="91440" tIns="45720" rIns="91440" bIns="45720" numCol="1" anchor="t" anchorCtr="0" compatLnSpc="1">
+              <a:prstTxWarp prst="textNoShape">
+                <a:avLst/>
+              </a:prstTxWarp>
+            </a:bodyPr>
+            <a:lstStyle/>
+            <a:p>
+              <a:endParaRPr lang="en-US"/>
+            </a:p>
+          </p:txBody>
+        </p:sp>
+        <p:sp>
+          <p:nvSpPr>
+            <p:cNvPr id="106" name="Freeform 20">
+              <a:extLst>
+                <a:ext uri="{FF2B5EF4-FFF2-40B4-BE49-F238E27FC236}">
+                  <a16:creationId xmlns:a16="http://schemas.microsoft.com/office/drawing/2014/main" id="{187E37E0-AAC3-4B33-AF36-334ACCBD33C8}"/>
+                </a:ext>
+                <a:ext uri="{C183D7F6-B498-43B3-948B-1728B52AA6E4}">
+                  <adec:decorative xmlns:adec="http://schemas.microsoft.com/office/drawing/2017/decorative" val="1"/>
+                </a:ext>
+              </a:extLst>
+            </p:cNvPr>
+            <p:cNvSpPr>
+              <a:spLocks/>
+            </p:cNvSpPr>
+            <p:nvPr>
+              <p:extLst>
+                <p:ext uri="{386F3935-93C4-4BCD-93E2-E3B085C9AB24}">
+                  <p16:designElem xmlns:p16="http://schemas.microsoft.com/office/powerpoint/2015/main" val="1"/>
+                </p:ext>
+              </p:extLst>
+            </p:nvPr>
+          </p:nvSpPr>
+          <p:spPr bwMode="auto">
+            <a:xfrm>
+              <a:off x="598488" y="0"/>
+              <a:ext cx="2717800" cy="6843713"/>
+            </a:xfrm>
+            <a:custGeom>
+              <a:avLst/>
+              <a:gdLst>
+                <a:gd name="T0" fmla="*/ 572 w 572"/>
+                <a:gd name="T1" fmla="*/ 0 h 1440"/>
+                <a:gd name="T2" fmla="*/ 164 w 572"/>
+                <a:gd name="T3" fmla="*/ 1440 h 1440"/>
+              </a:gdLst>
+              <a:ahLst/>
+              <a:cxnLst>
+                <a:cxn ang="0">
+                  <a:pos x="T0" y="T1"/>
+                </a:cxn>
+                <a:cxn ang="0">
+                  <a:pos x="T2" y="T3"/>
+                </a:cxn>
+              </a:cxnLst>
+              <a:rect l="0" t="0" r="r" b="b"/>
+              <a:pathLst>
+                <a:path w="572" h="1440">
+                  <a:moveTo>
+                    <a:pt x="572" y="0"/>
+                  </a:moveTo>
+                  <a:cubicBezTo>
+                    <a:pt x="213" y="320"/>
+                    <a:pt x="0" y="979"/>
+                    <a:pt x="164" y="1440"/>
+                  </a:cubicBezTo>
+                </a:path>
+              </a:pathLst>
+            </a:custGeom>
+            <a:noFill/>
+            <a:ln w="12700" cap="flat">
+              <a:solidFill>
+                <a:schemeClr val="tx1">
+                  <a:alpha val="10000"/>
+                </a:schemeClr>
+              </a:solidFill>
+              <a:prstDash val="dashDot"/>
+              <a:miter lim="800000"/>
+              <a:headEnd/>
+              <a:tailEnd/>
+            </a:ln>
+            <a:extLst>
+              <a:ext uri="{909E8E84-426E-40DD-AFC4-6F175D3DCCD1}">
+                <a14:hiddenFill xmlns:a14="http://schemas.microsoft.com/office/drawing/2010/main">
+                  <a:solidFill>
+                    <a:srgbClr val="FFFFFF"/>
+                  </a:solidFill>
+                </a14:hiddenFill>
+              </a:ext>
+            </a:extLst>
+          </p:spPr>
+          <p:txBody>
+            <a:bodyPr vert="horz" wrap="square" lIns="91440" tIns="45720" rIns="91440" bIns="45720" numCol="1" anchor="t" anchorCtr="0" compatLnSpc="1">
+              <a:prstTxWarp prst="textNoShape">
+                <a:avLst/>
+              </a:prstTxWarp>
+            </a:bodyPr>
+            <a:lstStyle/>
+            <a:p>
+              <a:endParaRPr lang="en-US"/>
+            </a:p>
+          </p:txBody>
+        </p:sp>
+        <p:sp>
+          <p:nvSpPr>
+            <p:cNvPr id="107" name="Freeform 21">
+              <a:extLst>
+                <a:ext uri="{FF2B5EF4-FFF2-40B4-BE49-F238E27FC236}">
+                  <a16:creationId xmlns:a16="http://schemas.microsoft.com/office/drawing/2014/main" id="{409758BB-8A0E-4BEB-BC0C-F410AD98CDD9}"/>
+                </a:ext>
+                <a:ext uri="{C183D7F6-B498-43B3-948B-1728B52AA6E4}">
+                  <adec:decorative xmlns:adec="http://schemas.microsoft.com/office/drawing/2017/decorative" val="1"/>
+                </a:ext>
+              </a:extLst>
+            </p:cNvPr>
+            <p:cNvSpPr>
+              <a:spLocks/>
+            </p:cNvSpPr>
+            <p:nvPr>
+              <p:extLst>
+                <p:ext uri="{386F3935-93C4-4BCD-93E2-E3B085C9AB24}">
+                  <p16:designElem xmlns:p16="http://schemas.microsoft.com/office/powerpoint/2015/main" val="1"/>
+                </p:ext>
+              </p:extLst>
+            </p:nvPr>
+          </p:nvSpPr>
+          <p:spPr bwMode="auto">
+            <a:xfrm>
+              <a:off x="261938" y="0"/>
+              <a:ext cx="2944813" cy="6843713"/>
+            </a:xfrm>
+            <a:custGeom>
+              <a:avLst/>
+              <a:gdLst>
+                <a:gd name="T0" fmla="*/ 620 w 620"/>
+                <a:gd name="T1" fmla="*/ 0 h 1440"/>
+                <a:gd name="T2" fmla="*/ 186 w 620"/>
+                <a:gd name="T3" fmla="*/ 1440 h 1440"/>
+              </a:gdLst>
+              <a:ahLst/>
+              <a:cxnLst>
+                <a:cxn ang="0">
+                  <a:pos x="T0" y="T1"/>
+                </a:cxn>
+                <a:cxn ang="0">
+                  <a:pos x="T2" y="T3"/>
+                </a:cxn>
+              </a:cxnLst>
+              <a:rect l="0" t="0" r="r" b="b"/>
+              <a:pathLst>
+                <a:path w="620" h="1440">
+                  <a:moveTo>
+                    <a:pt x="620" y="0"/>
+                  </a:moveTo>
+                  <a:cubicBezTo>
+                    <a:pt x="248" y="325"/>
+                    <a:pt x="0" y="960"/>
+                    <a:pt x="186" y="1440"/>
+                  </a:cubicBezTo>
+                </a:path>
+              </a:pathLst>
+            </a:custGeom>
+            <a:noFill/>
+            <a:ln w="9525" cap="flat">
+              <a:solidFill>
+                <a:schemeClr val="tx1">
+                  <a:alpha val="10000"/>
+                </a:schemeClr>
+              </a:solidFill>
+              <a:prstDash val="lgDash"/>
+              <a:miter lim="800000"/>
+              <a:headEnd/>
+              <a:tailEnd/>
+            </a:ln>
+            <a:extLst>
+              <a:ext uri="{909E8E84-426E-40DD-AFC4-6F175D3DCCD1}">
+                <a14:hiddenFill xmlns:a14="http://schemas.microsoft.com/office/drawing/2010/main">
+                  <a:solidFill>
+                    <a:srgbClr val="FFFFFF"/>
+                  </a:solidFill>
+                </a14:hiddenFill>
+              </a:ext>
+            </a:extLst>
+          </p:spPr>
+          <p:txBody>
+            <a:bodyPr vert="horz" wrap="square" lIns="91440" tIns="45720" rIns="91440" bIns="45720" numCol="1" anchor="t" anchorCtr="0" compatLnSpc="1">
+              <a:prstTxWarp prst="textNoShape">
+                <a:avLst/>
+              </a:prstTxWarp>
+            </a:bodyPr>
+            <a:lstStyle/>
+            <a:p>
+              <a:endParaRPr lang="en-US"/>
+            </a:p>
+          </p:txBody>
+        </p:sp>
+        <p:sp>
+          <p:nvSpPr>
+            <p:cNvPr id="108" name="Freeform 22">
+              <a:extLst>
+                <a:ext uri="{FF2B5EF4-FFF2-40B4-BE49-F238E27FC236}">
+                  <a16:creationId xmlns:a16="http://schemas.microsoft.com/office/drawing/2014/main" id="{97C4EFE2-9D25-4978-BD9A-873B49270210}"/>
+                </a:ext>
+                <a:ext uri="{C183D7F6-B498-43B3-948B-1728B52AA6E4}">
+                  <adec:decorative xmlns:adec="http://schemas.microsoft.com/office/drawing/2017/decorative" val="1"/>
+                </a:ext>
+              </a:extLst>
+            </p:cNvPr>
+            <p:cNvSpPr>
+              <a:spLocks/>
+            </p:cNvSpPr>
+            <p:nvPr>
+              <p:extLst>
+                <p:ext uri="{386F3935-93C4-4BCD-93E2-E3B085C9AB24}">
+                  <p16:designElem xmlns:p16="http://schemas.microsoft.com/office/powerpoint/2015/main" val="1"/>
+                </p:ext>
+              </p:extLst>
+            </p:nvPr>
+          </p:nvSpPr>
+          <p:spPr bwMode="auto">
+            <a:xfrm>
+              <a:off x="-417513" y="0"/>
+              <a:ext cx="2403475" cy="6843713"/>
+            </a:xfrm>
+            <a:custGeom>
+              <a:avLst/>
+              <a:gdLst>
+                <a:gd name="T0" fmla="*/ 506 w 506"/>
+                <a:gd name="T1" fmla="*/ 0 h 1440"/>
+                <a:gd name="T2" fmla="*/ 171 w 506"/>
+                <a:gd name="T3" fmla="*/ 1440 h 1440"/>
+              </a:gdLst>
+              <a:ahLst/>
+              <a:cxnLst>
+                <a:cxn ang="0">
+                  <a:pos x="T0" y="T1"/>
+                </a:cxn>
+                <a:cxn ang="0">
+                  <a:pos x="T2" y="T3"/>
+                </a:cxn>
+              </a:cxnLst>
+              <a:rect l="0" t="0" r="r" b="b"/>
+              <a:pathLst>
+                <a:path w="506" h="1440">
+                  <a:moveTo>
+                    <a:pt x="506" y="0"/>
+                  </a:moveTo>
+                  <a:cubicBezTo>
+                    <a:pt x="109" y="356"/>
+                    <a:pt x="0" y="943"/>
+                    <a:pt x="171" y="1440"/>
+                  </a:cubicBezTo>
+                </a:path>
+              </a:pathLst>
+            </a:custGeom>
+            <a:noFill/>
+            <a:ln w="9525" cap="flat">
+              <a:solidFill>
+                <a:schemeClr val="tx1">
+                  <a:alpha val="10000"/>
+                </a:schemeClr>
+              </a:solidFill>
+              <a:prstDash val="solid"/>
+              <a:miter lim="800000"/>
+              <a:headEnd/>
+              <a:tailEnd/>
+            </a:ln>
+            <a:extLst>
+              <a:ext uri="{909E8E84-426E-40DD-AFC4-6F175D3DCCD1}">
+                <a14:hiddenFill xmlns:a14="http://schemas.microsoft.com/office/drawing/2010/main">
+                  <a:solidFill>
+                    <a:srgbClr val="FFFFFF"/>
+                  </a:solidFill>
+                </a14:hiddenFill>
+              </a:ext>
+            </a:extLst>
+          </p:spPr>
+          <p:txBody>
+            <a:bodyPr vert="horz" wrap="square" lIns="91440" tIns="45720" rIns="91440" bIns="45720" numCol="1" anchor="t" anchorCtr="0" compatLnSpc="1">
+              <a:prstTxWarp prst="textNoShape">
+                <a:avLst/>
+              </a:prstTxWarp>
+            </a:bodyPr>
+            <a:lstStyle/>
+            <a:p>
+              <a:endParaRPr lang="en-US"/>
+            </a:p>
+          </p:txBody>
+        </p:sp>
+        <p:sp>
+          <p:nvSpPr>
+            <p:cNvPr id="109" name="Freeform 23">
+              <a:extLst>
+                <a:ext uri="{FF2B5EF4-FFF2-40B4-BE49-F238E27FC236}">
+                  <a16:creationId xmlns:a16="http://schemas.microsoft.com/office/drawing/2014/main" id="{9CCAF82A-A0E0-4B55-A97B-EFFAE79AF7D2}"/>
+                </a:ext>
+                <a:ext uri="{C183D7F6-B498-43B3-948B-1728B52AA6E4}">
+                  <adec:decorative xmlns:adec="http://schemas.microsoft.com/office/drawing/2017/decorative" val="1"/>
+                </a:ext>
+              </a:extLst>
+            </p:cNvPr>
+            <p:cNvSpPr>
+              <a:spLocks/>
+            </p:cNvSpPr>
+            <p:nvPr>
+              <p:extLst>
+                <p:ext uri="{386F3935-93C4-4BCD-93E2-E3B085C9AB24}">
+                  <p16:designElem xmlns:p16="http://schemas.microsoft.com/office/powerpoint/2015/main" val="1"/>
+                </p:ext>
+              </p:extLst>
+            </p:nvPr>
+          </p:nvSpPr>
+          <p:spPr bwMode="auto">
+            <a:xfrm>
+              <a:off x="14288" y="9525"/>
+              <a:ext cx="1771650" cy="3198813"/>
+            </a:xfrm>
+            <a:custGeom>
+              <a:avLst/>
+              <a:gdLst>
+                <a:gd name="T0" fmla="*/ 373 w 373"/>
+                <a:gd name="T1" fmla="*/ 0 h 673"/>
+                <a:gd name="T2" fmla="*/ 0 w 373"/>
+                <a:gd name="T3" fmla="*/ 673 h 673"/>
+              </a:gdLst>
+              <a:ahLst/>
+              <a:cxnLst>
+                <a:cxn ang="0">
+                  <a:pos x="T0" y="T1"/>
+                </a:cxn>
+                <a:cxn ang="0">
+                  <a:pos x="T2" y="T3"/>
+                </a:cxn>
+              </a:cxnLst>
+              <a:rect l="0" t="0" r="r" b="b"/>
+              <a:pathLst>
+                <a:path w="373" h="673">
+                  <a:moveTo>
+                    <a:pt x="373" y="0"/>
+                  </a:moveTo>
+                  <a:cubicBezTo>
+                    <a:pt x="175" y="183"/>
+                    <a:pt x="51" y="409"/>
+                    <a:pt x="0" y="673"/>
+                  </a:cubicBezTo>
+                </a:path>
+              </a:pathLst>
+            </a:custGeom>
+            <a:noFill/>
+            <a:ln w="9525" cap="flat">
+              <a:solidFill>
+                <a:schemeClr val="tx1">
+                  <a:alpha val="10000"/>
+                </a:schemeClr>
+              </a:solidFill>
+              <a:prstDash val="solid"/>
+              <a:miter lim="800000"/>
+              <a:headEnd/>
+              <a:tailEnd/>
+            </a:ln>
+            <a:extLst>
+              <a:ext uri="{909E8E84-426E-40DD-AFC4-6F175D3DCCD1}">
+                <a14:hiddenFill xmlns:a14="http://schemas.microsoft.com/office/drawing/2010/main">
+                  <a:solidFill>
+                    <a:srgbClr val="FFFFFF"/>
+                  </a:solidFill>
+                </a14:hiddenFill>
+              </a:ext>
+            </a:extLst>
+          </p:spPr>
+          <p:txBody>
+            <a:bodyPr vert="horz" wrap="square" lIns="91440" tIns="45720" rIns="91440" bIns="45720" numCol="1" anchor="t" anchorCtr="0" compatLnSpc="1">
+              <a:prstTxWarp prst="textNoShape">
+                <a:avLst/>
+              </a:prstTxWarp>
+            </a:bodyPr>
+            <a:lstStyle/>
+            <a:p>
+              <a:endParaRPr lang="en-US"/>
+            </a:p>
+          </p:txBody>
+        </p:sp>
+        <p:sp>
+          <p:nvSpPr>
+            <p:cNvPr id="110" name="Freeform 24">
+              <a:extLst>
+                <a:ext uri="{FF2B5EF4-FFF2-40B4-BE49-F238E27FC236}">
+                  <a16:creationId xmlns:a16="http://schemas.microsoft.com/office/drawing/2014/main" id="{4F800DD8-3954-4F73-8807-16F1CFAC1EBA}"/>
+                </a:ext>
+                <a:ext uri="{C183D7F6-B498-43B3-948B-1728B52AA6E4}">
+                  <adec:decorative xmlns:adec="http://schemas.microsoft.com/office/drawing/2017/decorative" val="1"/>
+                </a:ext>
+              </a:extLst>
+            </p:cNvPr>
+            <p:cNvSpPr>
+              <a:spLocks/>
+            </p:cNvSpPr>
+            <p:nvPr>
+              <p:extLst>
+                <p:ext uri="{386F3935-93C4-4BCD-93E2-E3B085C9AB24}">
+                  <p16:designElem xmlns:p16="http://schemas.microsoft.com/office/powerpoint/2015/main" val="1"/>
+                </p:ext>
+              </p:extLst>
+            </p:nvPr>
+          </p:nvSpPr>
+          <p:spPr bwMode="auto">
+            <a:xfrm>
+              <a:off x="4763" y="6016625"/>
+              <a:ext cx="214313" cy="827088"/>
+            </a:xfrm>
+            <a:custGeom>
+              <a:avLst/>
+              <a:gdLst>
+                <a:gd name="T0" fmla="*/ 0 w 45"/>
+                <a:gd name="T1" fmla="*/ 0 h 174"/>
+                <a:gd name="T2" fmla="*/ 45 w 45"/>
+                <a:gd name="T3" fmla="*/ 174 h 174"/>
+              </a:gdLst>
+              <a:ahLst/>
+              <a:cxnLst>
+                <a:cxn ang="0">
+                  <a:pos x="T0" y="T1"/>
+                </a:cxn>
+                <a:cxn ang="0">
+                  <a:pos x="T2" y="T3"/>
+                </a:cxn>
+              </a:cxnLst>
+              <a:rect l="0" t="0" r="r" b="b"/>
+              <a:pathLst>
+                <a:path w="45" h="174">
+                  <a:moveTo>
+                    <a:pt x="0" y="0"/>
+                  </a:moveTo>
+                  <a:cubicBezTo>
+                    <a:pt x="11" y="59"/>
+                    <a:pt x="26" y="118"/>
+                    <a:pt x="45" y="174"/>
+                  </a:cubicBezTo>
+                </a:path>
+              </a:pathLst>
+            </a:custGeom>
+            <a:noFill/>
+            <a:ln w="9525" cap="flat">
+              <a:solidFill>
+                <a:schemeClr val="tx1">
+                  <a:alpha val="10000"/>
+                </a:schemeClr>
+              </a:solidFill>
+              <a:prstDash val="solid"/>
+              <a:miter lim="800000"/>
+              <a:headEnd/>
+              <a:tailEnd/>
+            </a:ln>
+            <a:extLst>
+              <a:ext uri="{909E8E84-426E-40DD-AFC4-6F175D3DCCD1}">
+                <a14:hiddenFill xmlns:a14="http://schemas.microsoft.com/office/drawing/2010/main">
+                  <a:solidFill>
+                    <a:srgbClr val="FFFFFF"/>
+                  </a:solidFill>
+                </a14:hiddenFill>
+              </a:ext>
+            </a:extLst>
+          </p:spPr>
+          <p:txBody>
+            <a:bodyPr vert="horz" wrap="square" lIns="91440" tIns="45720" rIns="91440" bIns="45720" numCol="1" anchor="t" anchorCtr="0" compatLnSpc="1">
+              <a:prstTxWarp prst="textNoShape">
+                <a:avLst/>
+              </a:prstTxWarp>
+            </a:bodyPr>
+            <a:lstStyle/>
+            <a:p>
+              <a:endParaRPr lang="en-US"/>
+            </a:p>
+          </p:txBody>
+        </p:sp>
+        <p:sp>
+          <p:nvSpPr>
+            <p:cNvPr id="111" name="Freeform 25">
+              <a:extLst>
+                <a:ext uri="{FF2B5EF4-FFF2-40B4-BE49-F238E27FC236}">
+                  <a16:creationId xmlns:a16="http://schemas.microsoft.com/office/drawing/2014/main" id="{84E1C91A-4B06-4852-918C-6380FA986BB2}"/>
+                </a:ext>
+                <a:ext uri="{C183D7F6-B498-43B3-948B-1728B52AA6E4}">
+                  <adec:decorative xmlns:adec="http://schemas.microsoft.com/office/drawing/2017/decorative" val="1"/>
+                </a:ext>
+              </a:extLst>
+            </p:cNvPr>
+            <p:cNvSpPr>
+              <a:spLocks/>
+            </p:cNvSpPr>
+            <p:nvPr>
+              <p:extLst>
+                <p:ext uri="{386F3935-93C4-4BCD-93E2-E3B085C9AB24}">
+                  <p16:designElem xmlns:p16="http://schemas.microsoft.com/office/powerpoint/2015/main" val="1"/>
+                </p:ext>
+              </p:extLst>
+            </p:nvPr>
+          </p:nvSpPr>
+          <p:spPr bwMode="auto">
+            <a:xfrm>
+              <a:off x="14288" y="0"/>
+              <a:ext cx="1562100" cy="2228850"/>
+            </a:xfrm>
+            <a:custGeom>
+              <a:avLst/>
+              <a:gdLst>
+                <a:gd name="T0" fmla="*/ 329 w 329"/>
+                <a:gd name="T1" fmla="*/ 0 h 469"/>
+                <a:gd name="T2" fmla="*/ 0 w 329"/>
+                <a:gd name="T3" fmla="*/ 469 h 469"/>
+              </a:gdLst>
+              <a:ahLst/>
+              <a:cxnLst>
+                <a:cxn ang="0">
+                  <a:pos x="T0" y="T1"/>
+                </a:cxn>
+                <a:cxn ang="0">
+                  <a:pos x="T2" y="T3"/>
+                </a:cxn>
+              </a:cxnLst>
+              <a:rect l="0" t="0" r="r" b="b"/>
+              <a:pathLst>
+                <a:path w="329" h="469">
+                  <a:moveTo>
+                    <a:pt x="329" y="0"/>
+                  </a:moveTo>
+                  <a:cubicBezTo>
+                    <a:pt x="189" y="133"/>
+                    <a:pt x="69" y="288"/>
+                    <a:pt x="0" y="469"/>
+                  </a:cubicBezTo>
+                </a:path>
+              </a:pathLst>
+            </a:custGeom>
+            <a:noFill/>
+            <a:ln w="9525" cap="flat">
+              <a:solidFill>
+                <a:schemeClr val="tx1">
+                  <a:alpha val="10000"/>
+                </a:schemeClr>
+              </a:solidFill>
+              <a:prstDash val="solid"/>
+              <a:miter lim="800000"/>
+              <a:headEnd/>
+              <a:tailEnd/>
+            </a:ln>
+            <a:extLst>
+              <a:ext uri="{909E8E84-426E-40DD-AFC4-6F175D3DCCD1}">
+                <a14:hiddenFill xmlns:a14="http://schemas.microsoft.com/office/drawing/2010/main">
+                  <a:solidFill>
+                    <a:srgbClr val="FFFFFF"/>
+                  </a:solidFill>
+                </a14:hiddenFill>
+              </a:ext>
+            </a:extLst>
+          </p:spPr>
+          <p:txBody>
+            <a:bodyPr vert="horz" wrap="square" lIns="91440" tIns="45720" rIns="91440" bIns="45720" numCol="1" anchor="t" anchorCtr="0" compatLnSpc="1">
+              <a:prstTxWarp prst="textNoShape">
+                <a:avLst/>
+              </a:prstTxWarp>
+            </a:bodyPr>
+            <a:lstStyle/>
+            <a:p>
+              <a:endParaRPr lang="en-US"/>
+            </a:p>
+          </p:txBody>
+        </p:sp>
+      </p:grpSp>
+      <p:sp>
+        <p:nvSpPr>
+          <p:cNvPr id="2" name="Title 1">
+            <a:extLst>
+              <a:ext uri="{FF2B5EF4-FFF2-40B4-BE49-F238E27FC236}">
+                <a16:creationId xmlns:a16="http://schemas.microsoft.com/office/drawing/2014/main" id="{52D95D0F-36E6-D248-9046-6BA200FEEF66}"/>
+              </a:ext>
+            </a:extLst>
+          </p:cNvPr>
+          <p:cNvSpPr>
+            <a:spLocks noGrp="1"/>
+          </p:cNvSpPr>
+          <p:nvPr>
+            <p:ph type="title"/>
+          </p:nvPr>
+        </p:nvSpPr>
+        <p:spPr>
+          <a:xfrm>
+            <a:off x="828916" y="488694"/>
+            <a:ext cx="10488547" cy="1436546"/>
+          </a:xfrm>
+        </p:spPr>
+        <p:txBody>
+          <a:bodyPr>
+            <a:normAutofit/>
+          </a:bodyPr>
+          <a:lstStyle/>
+          <a:p>
+            <a:r>
+              <a:rPr lang="en-US" dirty="0">
+                <a:solidFill>
+                  <a:schemeClr val="tx2"/>
+                </a:solidFill>
+              </a:rPr>
+              <a:t>ROC Curve (Julia)</a:t>
+            </a:r>
+          </a:p>
+        </p:txBody>
+      </p:sp>
+      <p:sp>
+        <p:nvSpPr>
+          <p:cNvPr id="112" name="Rectangle 63">
+            <a:extLst>
+              <a:ext uri="{FF2B5EF4-FFF2-40B4-BE49-F238E27FC236}">
+                <a16:creationId xmlns:a16="http://schemas.microsoft.com/office/drawing/2014/main" id="{E972DE0D-2E53-4159-ABD3-C601524262C2}"/>
+              </a:ext>
+              <a:ext uri="{C183D7F6-B498-43B3-948B-1728B52AA6E4}">
+                <adec:decorative xmlns:adec="http://schemas.microsoft.com/office/drawing/2017/decorative" val="1"/>
+              </a:ext>
+            </a:extLst>
+          </p:cNvPr>
+          <p:cNvSpPr>
+            <a:spLocks noGrp="1" noRot="1" noChangeAspect="1" noMove="1" noResize="1" noEditPoints="1" noAdjustHandles="1" noChangeArrowheads="1" noChangeShapeType="1" noTextEdit="1"/>
+          </p:cNvSpPr>
+          <p:nvPr>
+            <p:extLst>
+              <p:ext uri="{386F3935-93C4-4BCD-93E2-E3B085C9AB24}">
+                <p16:designElem xmlns:p16="http://schemas.microsoft.com/office/powerpoint/2015/main" val="1"/>
+              </p:ext>
+            </p:extLst>
+          </p:nvPr>
+        </p:nvSpPr>
+        <p:spPr>
+          <a:xfrm>
+            <a:off x="937030" y="2250281"/>
+            <a:ext cx="4959318" cy="3678237"/>
+          </a:xfrm>
+          <a:prstGeom prst="rect">
+            <a:avLst/>
+          </a:prstGeom>
+          <a:solidFill>
+            <a:schemeClr val="bg1"/>
+          </a:solidFill>
+          <a:ln w="19050">
+            <a:solidFill>
+              <a:srgbClr val="8CDDFE"/>
+            </a:solidFill>
+            <a:miter lim="800000"/>
+          </a:ln>
+        </p:spPr>
+        <p:style>
+          <a:lnRef idx="2">
+            <a:schemeClr val="accent1">
+              <a:shade val="50000"/>
+            </a:schemeClr>
+          </a:lnRef>
+          <a:fillRef idx="1">
+            <a:schemeClr val="accent1"/>
+          </a:fillRef>
+          <a:effectRef idx="0">
+            <a:schemeClr val="accent1"/>
+          </a:effectRef>
+          <a:fontRef idx="minor">
+            <a:schemeClr val="lt1"/>
+          </a:fontRef>
+        </p:style>
+        <p:txBody>
+          <a:bodyPr rtlCol="0" anchor="ctr"/>
+          <a:lstStyle/>
+          <a:p>
+            <a:pPr algn="ctr"/>
+            <a:endParaRPr lang="en-US"/>
+          </a:p>
+        </p:txBody>
+      </p:sp>
+      <p:pic>
+        <p:nvPicPr>
+          <p:cNvPr id="6" name="Picture 5" descr="Chart, line chart&#10;&#10;Description automatically generated">
+            <a:extLst>
+              <a:ext uri="{FF2B5EF4-FFF2-40B4-BE49-F238E27FC236}">
+                <a16:creationId xmlns:a16="http://schemas.microsoft.com/office/drawing/2014/main" id="{84892727-E2BE-3B48-9FF0-8F840D992DB0}"/>
+              </a:ext>
+            </a:extLst>
+          </p:cNvPr>
+          <p:cNvPicPr>
+            <a:picLocks noChangeAspect="1"/>
+          </p:cNvPicPr>
+          <p:nvPr/>
+        </p:nvPicPr>
+        <p:blipFill>
+          <a:blip r:embed="rId2"/>
+          <a:stretch>
+            <a:fillRect/>
+          </a:stretch>
+        </p:blipFill>
+        <p:spPr>
+          <a:xfrm>
+            <a:off x="1065545" y="2474839"/>
+            <a:ext cx="4726912" cy="3143396"/>
+          </a:xfrm>
+          <a:prstGeom prst="rect">
+            <a:avLst/>
+          </a:prstGeom>
+          <a:ln w="12700">
+            <a:noFill/>
+          </a:ln>
+        </p:spPr>
+      </p:pic>
+      <p:sp>
+        <p:nvSpPr>
+          <p:cNvPr id="3" name="Content Placeholder 2">
+            <a:extLst>
+              <a:ext uri="{FF2B5EF4-FFF2-40B4-BE49-F238E27FC236}">
+                <a16:creationId xmlns:a16="http://schemas.microsoft.com/office/drawing/2014/main" id="{42437789-16AA-DE48-86F2-28CE4174B73F}"/>
+              </a:ext>
+            </a:extLst>
+          </p:cNvPr>
+          <p:cNvSpPr>
+            <a:spLocks noGrp="1"/>
+          </p:cNvSpPr>
+          <p:nvPr>
+            <p:ph idx="1"/>
+          </p:nvPr>
+        </p:nvSpPr>
+        <p:spPr>
+          <a:xfrm>
+            <a:off x="6299472" y="2082390"/>
+            <a:ext cx="5028928" cy="4003279"/>
+          </a:xfrm>
+        </p:spPr>
+        <p:txBody>
+          <a:bodyPr>
+            <a:normAutofit fontScale="92500" lnSpcReduction="20000"/>
+          </a:bodyPr>
+          <a:lstStyle/>
+          <a:p>
+            <a:pPr>
+              <a:buClr>
+                <a:srgbClr val="8CDDFE"/>
+              </a:buClr>
+            </a:pPr>
+            <a:r>
+              <a:rPr lang="en-CA" dirty="0"/>
+              <a:t>Receiver Operating Characteristics curve is the evaluation metric used to evaluate the classification model based on its predictive power to predict class one’s accuracy and class zero’s accuracy.</a:t>
+            </a:r>
+          </a:p>
+          <a:p>
+            <a:r>
+              <a:rPr lang="en-CA" dirty="0"/>
+              <a:t>Ideally the curve should be close to the y-axis line and top line of the x-axis, but it’s far from it. That means it is not a good model.</a:t>
+            </a:r>
+          </a:p>
+          <a:p>
+            <a:r>
+              <a:rPr lang="en-CA" dirty="0"/>
+              <a:t>This is because of the high-class imbalance. i.e. while training the data, most of the data points were having class 0.</a:t>
+            </a:r>
+          </a:p>
+          <a:p>
+            <a:r>
+              <a:rPr lang="en-CA" dirty="0"/>
+              <a:t>Unfortunately,  we did not find a way to fix this issue.</a:t>
+            </a:r>
+          </a:p>
+          <a:p>
+            <a:pPr>
+              <a:buClr>
+                <a:srgbClr val="8CDDFE"/>
+              </a:buClr>
+            </a:pPr>
+            <a:endParaRPr lang="en-US" dirty="0"/>
+          </a:p>
+        </p:txBody>
+      </p:sp>
+      <p:sp>
+        <p:nvSpPr>
+          <p:cNvPr id="5" name="TextBox 4">
+            <a:extLst>
+              <a:ext uri="{FF2B5EF4-FFF2-40B4-BE49-F238E27FC236}">
+                <a16:creationId xmlns:a16="http://schemas.microsoft.com/office/drawing/2014/main" id="{05C8206B-2BC3-804A-BE7B-88026C36E799}"/>
+              </a:ext>
+            </a:extLst>
+          </p:cNvPr>
+          <p:cNvSpPr txBox="1"/>
+          <p:nvPr/>
+        </p:nvSpPr>
+        <p:spPr>
+          <a:xfrm>
+            <a:off x="951310" y="6262172"/>
+            <a:ext cx="4510882" cy="369332"/>
+          </a:xfrm>
+          <a:prstGeom prst="rect">
+            <a:avLst/>
+          </a:prstGeom>
+          <a:noFill/>
+        </p:spPr>
+        <p:txBody>
+          <a:bodyPr wrap="square" rtlCol="0">
+            <a:spAutoFit/>
+          </a:bodyPr>
+          <a:lstStyle/>
+          <a:p>
+            <a:pPr>
+              <a:spcAft>
+                <a:spcPts val="600"/>
+              </a:spcAft>
+            </a:pPr>
+            <a:r>
+              <a:rPr lang="en-US" dirty="0"/>
+              <a:t>Reference: </a:t>
+            </a:r>
+            <a:r>
+              <a:rPr lang="en-US" dirty="0">
+                <a:hlinkClick r:id="rId3"/>
+              </a:rPr>
+              <a:t>Logistic Regression in Julia</a:t>
+            </a:r>
+            <a:endParaRPr lang="en-US" dirty="0"/>
+          </a:p>
+        </p:txBody>
+      </p:sp>
+    </p:spTree>
+    <p:extLst>
+      <p:ext uri="{BB962C8B-B14F-4D97-AF65-F5344CB8AC3E}">
+        <p14:creationId xmlns:p14="http://schemas.microsoft.com/office/powerpoint/2010/main" val="566676690"/>
+      </p:ext>
+    </p:extLst>
+  </p:cSld>
+  <p:clrMapOvr>
+    <a:masterClrMapping/>
+  </p:clrMapOvr>
+</p:sld>
+</file>
+
+<file path=ppt/slides/slide5.xml><?xml version="1.0" encoding="utf-8"?>
 <p:sld xmlns:a="http://schemas.openxmlformats.org/drawingml/2006/main" xmlns:r="http://schemas.openxmlformats.org/officeDocument/2006/relationships" xmlns:p="http://schemas.openxmlformats.org/presentationml/2006/main">
   <p:cSld>
     <p:spTree>
@@ -16355,7 +18706,7 @@
 </p:sld>
 </file>
 
-<file path=ppt/slides/slide5.xml><?xml version="1.0" encoding="utf-8"?>
+<file path=ppt/slides/slide6.xml><?xml version="1.0" encoding="utf-8"?>
 <p:sld xmlns:a="http://schemas.openxmlformats.org/drawingml/2006/main" xmlns:r="http://schemas.openxmlformats.org/officeDocument/2006/relationships" xmlns:p="http://schemas.openxmlformats.org/presentationml/2006/main">
   <p:cSld>
     <p:spTree>
@@ -16514,7 +18865,7 @@
 </p:sld>
 </file>
 
-<file path=ppt/slides/slide6.xml><?xml version="1.0" encoding="utf-8"?>
+<file path=ppt/slides/slide7.xml><?xml version="1.0" encoding="utf-8"?>
 <p:sld xmlns:a="http://schemas.openxmlformats.org/drawingml/2006/main" xmlns:r="http://schemas.openxmlformats.org/officeDocument/2006/relationships" xmlns:p="http://schemas.openxmlformats.org/presentationml/2006/main">
   <p:cSld>
     <p:spTree>
@@ -16597,7 +18948,7 @@
 </p:sld>
 </file>
 
-<file path=ppt/slides/slide7.xml><?xml version="1.0" encoding="utf-8"?>
+<file path=ppt/slides/slide8.xml><?xml version="1.0" encoding="utf-8"?>
 <p:sld xmlns:a="http://schemas.openxmlformats.org/drawingml/2006/main" xmlns:r="http://schemas.openxmlformats.org/officeDocument/2006/relationships" xmlns:p="http://schemas.openxmlformats.org/presentationml/2006/main">
   <p:cSld>
     <p:spTree>
@@ -16687,7 +19038,7 @@
 </p:sld>
 </file>
 
-<file path=ppt/slides/slide8.xml><?xml version="1.0" encoding="utf-8"?>
+<file path=ppt/slides/slide9.xml><?xml version="1.0" encoding="utf-8"?>
 <p:sld xmlns:a="http://schemas.openxmlformats.org/drawingml/2006/main" xmlns:r="http://schemas.openxmlformats.org/officeDocument/2006/relationships" xmlns:p="http://schemas.openxmlformats.org/presentationml/2006/main">
   <p:cSld>
     <p:spTree>

--- a/Homework 1/hw1-pre.pptx
+++ b/Homework 1/hw1-pre.pptx
@@ -19175,6 +19175,31 @@
             </a:r>
           </a:p>
           <a:p>
+            <a:pPr marL="0" indent="0">
+              <a:buNone/>
+            </a:pPr>
+            <a:r>
+              <a:rPr lang="en-US" dirty="0"/>
+              <a:t>    The</a:t>
+            </a:r>
+            <a:r>
+              <a:rPr lang="zh-CN" altLang="en-US" dirty="0"/>
+              <a:t> </a:t>
+            </a:r>
+            <a:r>
+              <a:rPr lang="en-CA" altLang="zh-CN" dirty="0"/>
+              <a:t>re</a:t>
+            </a:r>
+            <a:r>
+              <a:rPr lang="en-US"/>
+              <a:t>sources </a:t>
+            </a:r>
+            <a:r>
+              <a:rPr lang="en-US" dirty="0"/>
+              <a:t>are fewer than the other two</a:t>
+            </a:r>
+          </a:p>
+          <a:p>
             <a:endParaRPr lang="en-US" dirty="0"/>
           </a:p>
         </p:txBody>

--- a/Homework 1/hw1-pre.pptx
+++ b/Homework 1/hw1-pre.pptx
@@ -6,14 +6,19 @@
   </p:sldMasterIdLst>
   <p:sldIdLst>
     <p:sldId id="256" r:id="rId2"/>
-    <p:sldId id="257" r:id="rId3"/>
-    <p:sldId id="260" r:id="rId4"/>
-    <p:sldId id="265" r:id="rId5"/>
-    <p:sldId id="261" r:id="rId6"/>
-    <p:sldId id="262" r:id="rId7"/>
-    <p:sldId id="258" r:id="rId8"/>
-    <p:sldId id="263" r:id="rId9"/>
-    <p:sldId id="264" r:id="rId10"/>
+    <p:sldId id="266" r:id="rId3"/>
+    <p:sldId id="257" r:id="rId4"/>
+    <p:sldId id="260" r:id="rId5"/>
+    <p:sldId id="265" r:id="rId6"/>
+    <p:sldId id="267" r:id="rId7"/>
+    <p:sldId id="268" r:id="rId8"/>
+    <p:sldId id="269" r:id="rId9"/>
+    <p:sldId id="270" r:id="rId10"/>
+    <p:sldId id="261" r:id="rId11"/>
+    <p:sldId id="262" r:id="rId12"/>
+    <p:sldId id="258" r:id="rId13"/>
+    <p:sldId id="263" r:id="rId14"/>
+    <p:sldId id="264" r:id="rId15"/>
   </p:sldIdLst>
   <p:sldSz cx="12192000" cy="6858000"/>
   <p:notesSz cx="6858000" cy="9144000"/>
@@ -15884,2670 +15889,7 @@
 </p:sld>
 </file>
 
-<file path=ppt/slides/slide2.xml><?xml version="1.0" encoding="utf-8"?>
-<p:sld xmlns:a="http://schemas.openxmlformats.org/drawingml/2006/main" xmlns:r="http://schemas.openxmlformats.org/officeDocument/2006/relationships" xmlns:p="http://schemas.openxmlformats.org/presentationml/2006/main">
-  <p:cSld>
-    <p:spTree>
-      <p:nvGrpSpPr>
-        <p:cNvPr id="1" name=""/>
-        <p:cNvGrpSpPr/>
-        <p:nvPr/>
-      </p:nvGrpSpPr>
-      <p:grpSpPr>
-        <a:xfrm>
-          <a:off x="0" y="0"/>
-          <a:ext cx="0" cy="0"/>
-          <a:chOff x="0" y="0"/>
-          <a:chExt cx="0" cy="0"/>
-        </a:xfrm>
-      </p:grpSpPr>
-      <p:sp>
-        <p:nvSpPr>
-          <p:cNvPr id="2" name="Title 1">
-            <a:extLst>
-              <a:ext uri="{FF2B5EF4-FFF2-40B4-BE49-F238E27FC236}">
-                <a16:creationId xmlns:a16="http://schemas.microsoft.com/office/drawing/2014/main" id="{0AFCCFDC-98F7-4A41-B1B0-7AD433F3DB17}"/>
-              </a:ext>
-            </a:extLst>
-          </p:cNvPr>
-          <p:cNvSpPr>
-            <a:spLocks noGrp="1"/>
-          </p:cNvSpPr>
-          <p:nvPr>
-            <p:ph type="title"/>
-          </p:nvPr>
-        </p:nvSpPr>
-        <p:spPr>
-          <a:xfrm>
-            <a:off x="878799" y="1553513"/>
-            <a:ext cx="3644040" cy="825894"/>
-          </a:xfrm>
-        </p:spPr>
-        <p:txBody>
-          <a:bodyPr>
-            <a:normAutofit fontScale="90000"/>
-          </a:bodyPr>
-          <a:lstStyle/>
-          <a:p>
-            <a:r>
-              <a:rPr lang="en-US" dirty="0"/>
-              <a:t>Logistic Regression</a:t>
-            </a:r>
-          </a:p>
-        </p:txBody>
-      </p:sp>
-      <p:sp>
-        <p:nvSpPr>
-          <p:cNvPr id="3" name="Content Placeholder 2">
-            <a:extLst>
-              <a:ext uri="{FF2B5EF4-FFF2-40B4-BE49-F238E27FC236}">
-                <a16:creationId xmlns:a16="http://schemas.microsoft.com/office/drawing/2014/main" id="{91AE8550-172A-3545-B6B1-F376EA7E82FA}"/>
-              </a:ext>
-            </a:extLst>
-          </p:cNvPr>
-          <p:cNvSpPr>
-            <a:spLocks noGrp="1"/>
-          </p:cNvSpPr>
-          <p:nvPr>
-            <p:ph idx="1"/>
-          </p:nvPr>
-        </p:nvSpPr>
-        <p:spPr/>
-        <p:txBody>
-          <a:bodyPr/>
-          <a:lstStyle/>
-          <a:p>
-            <a:endParaRPr lang="en-US"/>
-          </a:p>
-        </p:txBody>
-      </p:sp>
-      <p:sp>
-        <p:nvSpPr>
-          <p:cNvPr id="6" name="Title 1">
-            <a:extLst>
-              <a:ext uri="{FF2B5EF4-FFF2-40B4-BE49-F238E27FC236}">
-                <a16:creationId xmlns:a16="http://schemas.microsoft.com/office/drawing/2014/main" id="{3D06A374-F05B-8E44-BDA6-239B50994B61}"/>
-              </a:ext>
-            </a:extLst>
-          </p:cNvPr>
-          <p:cNvSpPr txBox="1">
-            <a:spLocks/>
-          </p:cNvSpPr>
-          <p:nvPr/>
-        </p:nvSpPr>
-        <p:spPr>
-          <a:xfrm>
-            <a:off x="878798" y="2340093"/>
-            <a:ext cx="3555549" cy="2467881"/>
-          </a:xfrm>
-          <a:prstGeom prst="rect">
-            <a:avLst/>
-          </a:prstGeom>
-        </p:spPr>
-        <p:txBody>
-          <a:bodyPr vert="horz" lIns="228600" tIns="228600" rIns="228600" bIns="228600" rtlCol="0" anchor="ctr">
-            <a:normAutofit fontScale="97500"/>
-          </a:bodyPr>
-          <a:lstStyle>
-            <a:lvl1pPr algn="ctr" defTabSz="914400" rtl="0" eaLnBrk="1" latinLnBrk="0" hangingPunct="1">
-              <a:lnSpc>
-                <a:spcPct val="85000"/>
-              </a:lnSpc>
-              <a:spcBef>
-                <a:spcPct val="0"/>
-              </a:spcBef>
-              <a:buNone/>
-              <a:defRPr sz="4000" b="0" i="0" kern="1200" cap="none" spc="-150">
-                <a:solidFill>
-                  <a:srgbClr val="FFFEFF"/>
-                </a:solidFill>
-                <a:effectLst/>
-                <a:latin typeface="+mj-lt"/>
-                <a:ea typeface="+mj-ea"/>
-                <a:cs typeface="+mj-cs"/>
-              </a:defRPr>
-            </a:lvl1pPr>
-          </a:lstStyle>
-          <a:p>
-            <a:r>
-              <a:rPr lang="en-US" dirty="0"/>
-              <a:t>Performance Comparison</a:t>
-            </a:r>
-          </a:p>
-          <a:p>
-            <a:r>
-              <a:rPr lang="en-US" dirty="0"/>
-              <a:t>(</a:t>
-            </a:r>
-            <a:r>
-              <a:rPr lang="en-US" dirty="0" err="1"/>
-              <a:t>w.r.t.</a:t>
-            </a:r>
-            <a:r>
-              <a:rPr lang="en-US" dirty="0"/>
-              <a:t> Time)</a:t>
-            </a:r>
-          </a:p>
-        </p:txBody>
-      </p:sp>
-    </p:spTree>
-    <p:extLst>
-      <p:ext uri="{BB962C8B-B14F-4D97-AF65-F5344CB8AC3E}">
-        <p14:creationId xmlns:p14="http://schemas.microsoft.com/office/powerpoint/2010/main" val="679169853"/>
-      </p:ext>
-    </p:extLst>
-  </p:cSld>
-  <p:clrMapOvr>
-    <a:masterClrMapping/>
-  </p:clrMapOvr>
-</p:sld>
-</file>
-
-<file path=ppt/slides/slide3.xml><?xml version="1.0" encoding="utf-8"?>
-<p:sld xmlns:a="http://schemas.openxmlformats.org/drawingml/2006/main" xmlns:r="http://schemas.openxmlformats.org/officeDocument/2006/relationships" xmlns:p="http://schemas.openxmlformats.org/presentationml/2006/main">
-  <p:cSld>
-    <p:spTree>
-      <p:nvGrpSpPr>
-        <p:cNvPr id="1" name=""/>
-        <p:cNvGrpSpPr/>
-        <p:nvPr/>
-      </p:nvGrpSpPr>
-      <p:grpSpPr>
-        <a:xfrm>
-          <a:off x="0" y="0"/>
-          <a:ext cx="0" cy="0"/>
-          <a:chOff x="0" y="0"/>
-          <a:chExt cx="0" cy="0"/>
-        </a:xfrm>
-      </p:grpSpPr>
-      <p:sp>
-        <p:nvSpPr>
-          <p:cNvPr id="2" name="Title 1">
-            <a:extLst>
-              <a:ext uri="{FF2B5EF4-FFF2-40B4-BE49-F238E27FC236}">
-                <a16:creationId xmlns:a16="http://schemas.microsoft.com/office/drawing/2014/main" id="{0AFCCFDC-98F7-4A41-B1B0-7AD433F3DB17}"/>
-              </a:ext>
-            </a:extLst>
-          </p:cNvPr>
-          <p:cNvSpPr>
-            <a:spLocks noGrp="1"/>
-          </p:cNvSpPr>
-          <p:nvPr>
-            <p:ph type="title"/>
-          </p:nvPr>
-        </p:nvSpPr>
-        <p:spPr>
-          <a:xfrm>
-            <a:off x="878799" y="1553513"/>
-            <a:ext cx="3644040" cy="825894"/>
-          </a:xfrm>
-        </p:spPr>
-        <p:txBody>
-          <a:bodyPr>
-            <a:normAutofit fontScale="90000"/>
-          </a:bodyPr>
-          <a:lstStyle/>
-          <a:p>
-            <a:r>
-              <a:rPr lang="en-US" dirty="0"/>
-              <a:t>Logistic Regression</a:t>
-            </a:r>
-          </a:p>
-        </p:txBody>
-      </p:sp>
-      <p:sp>
-        <p:nvSpPr>
-          <p:cNvPr id="3" name="Content Placeholder 2">
-            <a:extLst>
-              <a:ext uri="{FF2B5EF4-FFF2-40B4-BE49-F238E27FC236}">
-                <a16:creationId xmlns:a16="http://schemas.microsoft.com/office/drawing/2014/main" id="{91AE8550-172A-3545-B6B1-F376EA7E82FA}"/>
-              </a:ext>
-            </a:extLst>
-          </p:cNvPr>
-          <p:cNvSpPr>
-            <a:spLocks noGrp="1"/>
-          </p:cNvSpPr>
-          <p:nvPr>
-            <p:ph idx="1"/>
-          </p:nvPr>
-        </p:nvSpPr>
-        <p:spPr/>
-        <p:txBody>
-          <a:bodyPr/>
-          <a:lstStyle/>
-          <a:p>
-            <a:r>
-              <a:rPr lang="en-US" dirty="0"/>
-              <a:t>The average accuracy (</a:t>
-            </a:r>
-            <a:r>
-              <a:rPr lang="en-US"/>
-              <a:t>10000 predictions) </a:t>
-            </a:r>
-            <a:r>
-              <a:rPr lang="en-US" dirty="0"/>
-              <a:t>of the logistic regression model in the Julia implementation is 70%</a:t>
-            </a:r>
-          </a:p>
-        </p:txBody>
-      </p:sp>
-      <p:sp>
-        <p:nvSpPr>
-          <p:cNvPr id="6" name="Title 1">
-            <a:extLst>
-              <a:ext uri="{FF2B5EF4-FFF2-40B4-BE49-F238E27FC236}">
-                <a16:creationId xmlns:a16="http://schemas.microsoft.com/office/drawing/2014/main" id="{3D06A374-F05B-8E44-BDA6-239B50994B61}"/>
-              </a:ext>
-            </a:extLst>
-          </p:cNvPr>
-          <p:cNvSpPr txBox="1">
-            <a:spLocks/>
-          </p:cNvSpPr>
-          <p:nvPr/>
-        </p:nvSpPr>
-        <p:spPr>
-          <a:xfrm>
-            <a:off x="878798" y="2340093"/>
-            <a:ext cx="3555549" cy="2467881"/>
-          </a:xfrm>
-          <a:prstGeom prst="rect">
-            <a:avLst/>
-          </a:prstGeom>
-        </p:spPr>
-        <p:txBody>
-          <a:bodyPr vert="horz" lIns="228600" tIns="228600" rIns="228600" bIns="228600" rtlCol="0" anchor="ctr">
-            <a:normAutofit fontScale="97500"/>
-          </a:bodyPr>
-          <a:lstStyle>
-            <a:lvl1pPr algn="ctr" defTabSz="914400" rtl="0" eaLnBrk="1" latinLnBrk="0" hangingPunct="1">
-              <a:lnSpc>
-                <a:spcPct val="85000"/>
-              </a:lnSpc>
-              <a:spcBef>
-                <a:spcPct val="0"/>
-              </a:spcBef>
-              <a:buNone/>
-              <a:defRPr sz="4000" b="0" i="0" kern="1200" cap="none" spc="-150">
-                <a:solidFill>
-                  <a:srgbClr val="FFFEFF"/>
-                </a:solidFill>
-                <a:effectLst/>
-                <a:latin typeface="+mj-lt"/>
-                <a:ea typeface="+mj-ea"/>
-                <a:cs typeface="+mj-cs"/>
-              </a:defRPr>
-            </a:lvl1pPr>
-          </a:lstStyle>
-          <a:p>
-            <a:r>
-              <a:rPr lang="en-US" dirty="0"/>
-              <a:t>Performance Comparison</a:t>
-            </a:r>
-          </a:p>
-          <a:p>
-            <a:r>
-              <a:rPr lang="en-US" dirty="0"/>
-              <a:t>(</a:t>
-            </a:r>
-            <a:r>
-              <a:rPr lang="en-US" dirty="0" err="1"/>
-              <a:t>w.r.t.</a:t>
-            </a:r>
-            <a:r>
-              <a:rPr lang="en-US" dirty="0"/>
-              <a:t> Accuracy)</a:t>
-            </a:r>
-          </a:p>
-        </p:txBody>
-      </p:sp>
-    </p:spTree>
-    <p:extLst>
-      <p:ext uri="{BB962C8B-B14F-4D97-AF65-F5344CB8AC3E}">
-        <p14:creationId xmlns:p14="http://schemas.microsoft.com/office/powerpoint/2010/main" val="3944298514"/>
-      </p:ext>
-    </p:extLst>
-  </p:cSld>
-  <p:clrMapOvr>
-    <a:masterClrMapping/>
-  </p:clrMapOvr>
-</p:sld>
-</file>
-
-<file path=ppt/slides/slide4.xml><?xml version="1.0" encoding="utf-8"?>
-<p:sld xmlns:a="http://schemas.openxmlformats.org/drawingml/2006/main" xmlns:r="http://schemas.openxmlformats.org/officeDocument/2006/relationships" xmlns:p="http://schemas.openxmlformats.org/presentationml/2006/main">
-  <p:cSld>
-    <p:bg>
-      <p:bgPr>
-        <a:solidFill>
-          <a:schemeClr val="bg1"/>
-        </a:solidFill>
-        <a:effectLst/>
-      </p:bgPr>
-    </p:bg>
-    <p:spTree>
-      <p:nvGrpSpPr>
-        <p:cNvPr id="1" name=""/>
-        <p:cNvGrpSpPr/>
-        <p:nvPr/>
-      </p:nvGrpSpPr>
-      <p:grpSpPr>
-        <a:xfrm>
-          <a:off x="0" y="0"/>
-          <a:ext cx="0" cy="0"/>
-          <a:chOff x="0" y="0"/>
-          <a:chExt cx="0" cy="0"/>
-        </a:xfrm>
-      </p:grpSpPr>
-      <p:sp useBgFill="1">
-        <p:nvSpPr>
-          <p:cNvPr id="67" name="Rectangle 38">
-            <a:extLst>
-              <a:ext uri="{FF2B5EF4-FFF2-40B4-BE49-F238E27FC236}">
-                <a16:creationId xmlns:a16="http://schemas.microsoft.com/office/drawing/2014/main" id="{828D1E49-2A21-4A83-A0E0-FB1597B4B2ED}"/>
-              </a:ext>
-              <a:ext uri="{C183D7F6-B498-43B3-948B-1728B52AA6E4}">
-                <adec:decorative xmlns:adec="http://schemas.microsoft.com/office/drawing/2017/decorative" val="1"/>
-              </a:ext>
-            </a:extLst>
-          </p:cNvPr>
-          <p:cNvSpPr>
-            <a:spLocks noGrp="1" noRot="1" noChangeAspect="1" noMove="1" noResize="1" noEditPoints="1" noAdjustHandles="1" noChangeArrowheads="1" noChangeShapeType="1" noTextEdit="1"/>
-          </p:cNvSpPr>
-          <p:nvPr>
-            <p:extLst>
-              <p:ext uri="{386F3935-93C4-4BCD-93E2-E3B085C9AB24}">
-                <p16:designElem xmlns:p16="http://schemas.microsoft.com/office/powerpoint/2015/main" val="1"/>
-              </p:ext>
-            </p:extLst>
-          </p:nvPr>
-        </p:nvSpPr>
-        <p:spPr>
-          <a:xfrm>
-            <a:off x="0" y="0"/>
-            <a:ext cx="12191695" cy="6858000"/>
-          </a:xfrm>
-          <a:prstGeom prst="rect">
-            <a:avLst/>
-          </a:prstGeom>
-          <a:ln>
-            <a:noFill/>
-          </a:ln>
-        </p:spPr>
-        <p:style>
-          <a:lnRef idx="2">
-            <a:schemeClr val="accent1">
-              <a:shade val="50000"/>
-            </a:schemeClr>
-          </a:lnRef>
-          <a:fillRef idx="1">
-            <a:schemeClr val="accent1"/>
-          </a:fillRef>
-          <a:effectRef idx="0">
-            <a:schemeClr val="accent1"/>
-          </a:effectRef>
-          <a:fontRef idx="minor">
-            <a:schemeClr val="lt1"/>
-          </a:fontRef>
-        </p:style>
-        <p:txBody>
-          <a:bodyPr rtlCol="0" anchor="ctr"/>
-          <a:lstStyle/>
-          <a:p>
-            <a:pPr algn="ctr"/>
-            <a:endParaRPr lang="en-US"/>
-          </a:p>
-        </p:txBody>
-      </p:sp>
-      <p:grpSp>
-        <p:nvGrpSpPr>
-          <p:cNvPr id="90" name="Group 40">
-            <a:extLst>
-              <a:ext uri="{FF2B5EF4-FFF2-40B4-BE49-F238E27FC236}">
-                <a16:creationId xmlns:a16="http://schemas.microsoft.com/office/drawing/2014/main" id="{088B852E-5494-418B-A833-75CF016A9E20}"/>
-              </a:ext>
-              <a:ext uri="{C183D7F6-B498-43B3-948B-1728B52AA6E4}">
-                <adec:decorative xmlns:adec="http://schemas.microsoft.com/office/drawing/2017/decorative" val="1"/>
-              </a:ext>
-            </a:extLst>
-          </p:cNvPr>
-          <p:cNvGrpSpPr>
-            <a:grpSpLocks noGrp="1" noUngrp="1" noRot="1" noChangeAspect="1" noMove="1" noResize="1"/>
-          </p:cNvGrpSpPr>
-          <p:nvPr>
-            <p:extLst>
-              <p:ext uri="{386F3935-93C4-4BCD-93E2-E3B085C9AB24}">
-                <p16:designElem xmlns:p16="http://schemas.microsoft.com/office/powerpoint/2015/main" val="1"/>
-              </p:ext>
-            </p:extLst>
-          </p:nvPr>
-        </p:nvGrpSpPr>
-        <p:grpSpPr>
-          <a:xfrm>
-            <a:off x="-417513" y="0"/>
-            <a:ext cx="12584114" cy="6853238"/>
-            <a:chOff x="-417513" y="0"/>
-            <a:chExt cx="12584114" cy="6853238"/>
-          </a:xfrm>
-        </p:grpSpPr>
-        <p:sp>
-          <p:nvSpPr>
-            <p:cNvPr id="91" name="Freeform 5">
-              <a:extLst>
-                <a:ext uri="{FF2B5EF4-FFF2-40B4-BE49-F238E27FC236}">
-                  <a16:creationId xmlns:a16="http://schemas.microsoft.com/office/drawing/2014/main" id="{DF31E3C1-1A46-4329-9F80-B576692FEE43}"/>
-                </a:ext>
-                <a:ext uri="{C183D7F6-B498-43B3-948B-1728B52AA6E4}">
-                  <adec:decorative xmlns:adec="http://schemas.microsoft.com/office/drawing/2017/decorative" val="1"/>
-                </a:ext>
-              </a:extLst>
-            </p:cNvPr>
-            <p:cNvSpPr>
-              <a:spLocks/>
-            </p:cNvSpPr>
-            <p:nvPr>
-              <p:extLst>
-                <p:ext uri="{386F3935-93C4-4BCD-93E2-E3B085C9AB24}">
-                  <p16:designElem xmlns:p16="http://schemas.microsoft.com/office/powerpoint/2015/main" val="1"/>
-                </p:ext>
-              </p:extLst>
-            </p:nvPr>
-          </p:nvSpPr>
-          <p:spPr bwMode="auto">
-            <a:xfrm>
-              <a:off x="1306513" y="0"/>
-              <a:ext cx="3862388" cy="6843713"/>
-            </a:xfrm>
-            <a:custGeom>
-              <a:avLst/>
-              <a:gdLst>
-                <a:gd name="T0" fmla="*/ 813 w 813"/>
-                <a:gd name="T1" fmla="*/ 0 h 1440"/>
-                <a:gd name="T2" fmla="*/ 435 w 813"/>
-                <a:gd name="T3" fmla="*/ 1440 h 1440"/>
-              </a:gdLst>
-              <a:ahLst/>
-              <a:cxnLst>
-                <a:cxn ang="0">
-                  <a:pos x="T0" y="T1"/>
-                </a:cxn>
-                <a:cxn ang="0">
-                  <a:pos x="T2" y="T3"/>
-                </a:cxn>
-              </a:cxnLst>
-              <a:rect l="0" t="0" r="r" b="b"/>
-              <a:pathLst>
-                <a:path w="813" h="1440">
-                  <a:moveTo>
-                    <a:pt x="813" y="0"/>
-                  </a:moveTo>
-                  <a:cubicBezTo>
-                    <a:pt x="331" y="221"/>
-                    <a:pt x="0" y="1039"/>
-                    <a:pt x="435" y="1440"/>
-                  </a:cubicBezTo>
-                </a:path>
-              </a:pathLst>
-            </a:custGeom>
-            <a:noFill/>
-            <a:ln w="9525" cap="flat">
-              <a:solidFill>
-                <a:schemeClr val="tx1">
-                  <a:alpha val="10000"/>
-                </a:schemeClr>
-              </a:solidFill>
-              <a:prstDash val="solid"/>
-              <a:miter lim="800000"/>
-              <a:headEnd/>
-              <a:tailEnd/>
-            </a:ln>
-            <a:extLst>
-              <a:ext uri="{909E8E84-426E-40DD-AFC4-6F175D3DCCD1}">
-                <a14:hiddenFill xmlns:a14="http://schemas.microsoft.com/office/drawing/2010/main">
-                  <a:solidFill>
-                    <a:srgbClr val="FFFFFF"/>
-                  </a:solidFill>
-                </a14:hiddenFill>
-              </a:ext>
-            </a:extLst>
-          </p:spPr>
-          <p:txBody>
-            <a:bodyPr vert="horz" wrap="square" lIns="91440" tIns="45720" rIns="91440" bIns="45720" numCol="1" anchor="t" anchorCtr="0" compatLnSpc="1">
-              <a:prstTxWarp prst="textNoShape">
-                <a:avLst/>
-              </a:prstTxWarp>
-            </a:bodyPr>
-            <a:lstStyle/>
-            <a:p>
-              <a:endParaRPr lang="en-US"/>
-            </a:p>
-          </p:txBody>
-        </p:sp>
-        <p:sp>
-          <p:nvSpPr>
-            <p:cNvPr id="92" name="Freeform 6">
-              <a:extLst>
-                <a:ext uri="{FF2B5EF4-FFF2-40B4-BE49-F238E27FC236}">
-                  <a16:creationId xmlns:a16="http://schemas.microsoft.com/office/drawing/2014/main" id="{294B4592-99CA-47B1-816F-CE2D44F65BB2}"/>
-                </a:ext>
-                <a:ext uri="{C183D7F6-B498-43B3-948B-1728B52AA6E4}">
-                  <adec:decorative xmlns:adec="http://schemas.microsoft.com/office/drawing/2017/decorative" val="1"/>
-                </a:ext>
-              </a:extLst>
-            </p:cNvPr>
-            <p:cNvSpPr>
-              <a:spLocks/>
-            </p:cNvSpPr>
-            <p:nvPr>
-              <p:extLst>
-                <p:ext uri="{386F3935-93C4-4BCD-93E2-E3B085C9AB24}">
-                  <p16:designElem xmlns:p16="http://schemas.microsoft.com/office/powerpoint/2015/main" val="1"/>
-                </p:ext>
-              </p:extLst>
-            </p:nvPr>
-          </p:nvSpPr>
-          <p:spPr bwMode="auto">
-            <a:xfrm>
-              <a:off x="10626725" y="9525"/>
-              <a:ext cx="1539875" cy="555625"/>
-            </a:xfrm>
-            <a:custGeom>
-              <a:avLst/>
-              <a:gdLst>
-                <a:gd name="T0" fmla="*/ 324 w 324"/>
-                <a:gd name="T1" fmla="*/ 117 h 117"/>
-                <a:gd name="T2" fmla="*/ 0 w 324"/>
-                <a:gd name="T3" fmla="*/ 0 h 117"/>
-              </a:gdLst>
-              <a:ahLst/>
-              <a:cxnLst>
-                <a:cxn ang="0">
-                  <a:pos x="T0" y="T1"/>
-                </a:cxn>
-                <a:cxn ang="0">
-                  <a:pos x="T2" y="T3"/>
-                </a:cxn>
-              </a:cxnLst>
-              <a:rect l="0" t="0" r="r" b="b"/>
-              <a:pathLst>
-                <a:path w="324" h="117">
-                  <a:moveTo>
-                    <a:pt x="324" y="117"/>
-                  </a:moveTo>
-                  <a:cubicBezTo>
-                    <a:pt x="223" y="64"/>
-                    <a:pt x="107" y="28"/>
-                    <a:pt x="0" y="0"/>
-                  </a:cubicBezTo>
-                </a:path>
-              </a:pathLst>
-            </a:custGeom>
-            <a:noFill/>
-            <a:ln w="9525" cap="flat">
-              <a:solidFill>
-                <a:schemeClr val="tx1">
-                  <a:alpha val="10000"/>
-                </a:schemeClr>
-              </a:solidFill>
-              <a:prstDash val="solid"/>
-              <a:miter lim="800000"/>
-              <a:headEnd/>
-              <a:tailEnd/>
-            </a:ln>
-            <a:extLst>
-              <a:ext uri="{909E8E84-426E-40DD-AFC4-6F175D3DCCD1}">
-                <a14:hiddenFill xmlns:a14="http://schemas.microsoft.com/office/drawing/2010/main">
-                  <a:solidFill>
-                    <a:srgbClr val="FFFFFF"/>
-                  </a:solidFill>
-                </a14:hiddenFill>
-              </a:ext>
-            </a:extLst>
-          </p:spPr>
-          <p:txBody>
-            <a:bodyPr vert="horz" wrap="square" lIns="91440" tIns="45720" rIns="91440" bIns="45720" numCol="1" anchor="t" anchorCtr="0" compatLnSpc="1">
-              <a:prstTxWarp prst="textNoShape">
-                <a:avLst/>
-              </a:prstTxWarp>
-            </a:bodyPr>
-            <a:lstStyle/>
-            <a:p>
-              <a:endParaRPr lang="en-US"/>
-            </a:p>
-          </p:txBody>
-        </p:sp>
-        <p:sp>
-          <p:nvSpPr>
-            <p:cNvPr id="93" name="Freeform 7">
-              <a:extLst>
-                <a:ext uri="{FF2B5EF4-FFF2-40B4-BE49-F238E27FC236}">
-                  <a16:creationId xmlns:a16="http://schemas.microsoft.com/office/drawing/2014/main" id="{BF690E4C-72F8-4AC5-AF99-562763CC67B3}"/>
-                </a:ext>
-                <a:ext uri="{C183D7F6-B498-43B3-948B-1728B52AA6E4}">
-                  <adec:decorative xmlns:adec="http://schemas.microsoft.com/office/drawing/2017/decorative" val="1"/>
-                </a:ext>
-              </a:extLst>
-            </p:cNvPr>
-            <p:cNvSpPr>
-              <a:spLocks/>
-            </p:cNvSpPr>
-            <p:nvPr>
-              <p:extLst>
-                <p:ext uri="{386F3935-93C4-4BCD-93E2-E3B085C9AB24}">
-                  <p16:designElem xmlns:p16="http://schemas.microsoft.com/office/powerpoint/2015/main" val="1"/>
-                </p:ext>
-              </p:extLst>
-            </p:nvPr>
-          </p:nvSpPr>
-          <p:spPr bwMode="auto">
-            <a:xfrm>
-              <a:off x="10247313" y="5013325"/>
-              <a:ext cx="1919288" cy="1830388"/>
-            </a:xfrm>
-            <a:custGeom>
-              <a:avLst/>
-              <a:gdLst>
-                <a:gd name="T0" fmla="*/ 0 w 404"/>
-                <a:gd name="T1" fmla="*/ 385 h 385"/>
-                <a:gd name="T2" fmla="*/ 404 w 404"/>
-                <a:gd name="T3" fmla="*/ 0 h 385"/>
-              </a:gdLst>
-              <a:ahLst/>
-              <a:cxnLst>
-                <a:cxn ang="0">
-                  <a:pos x="T0" y="T1"/>
-                </a:cxn>
-                <a:cxn ang="0">
-                  <a:pos x="T2" y="T3"/>
-                </a:cxn>
-              </a:cxnLst>
-              <a:rect l="0" t="0" r="r" b="b"/>
-              <a:pathLst>
-                <a:path w="404" h="385">
-                  <a:moveTo>
-                    <a:pt x="0" y="385"/>
-                  </a:moveTo>
-                  <a:cubicBezTo>
-                    <a:pt x="146" y="272"/>
-                    <a:pt x="285" y="142"/>
-                    <a:pt x="404" y="0"/>
-                  </a:cubicBezTo>
-                </a:path>
-              </a:pathLst>
-            </a:custGeom>
-            <a:noFill/>
-            <a:ln w="9525" cap="flat">
-              <a:solidFill>
-                <a:schemeClr val="tx1">
-                  <a:alpha val="10000"/>
-                </a:schemeClr>
-              </a:solidFill>
-              <a:prstDash val="solid"/>
-              <a:miter lim="800000"/>
-              <a:headEnd/>
-              <a:tailEnd/>
-            </a:ln>
-            <a:extLst>
-              <a:ext uri="{909E8E84-426E-40DD-AFC4-6F175D3DCCD1}">
-                <a14:hiddenFill xmlns:a14="http://schemas.microsoft.com/office/drawing/2010/main">
-                  <a:solidFill>
-                    <a:srgbClr val="FFFFFF"/>
-                  </a:solidFill>
-                </a14:hiddenFill>
-              </a:ext>
-            </a:extLst>
-          </p:spPr>
-          <p:txBody>
-            <a:bodyPr vert="horz" wrap="square" lIns="91440" tIns="45720" rIns="91440" bIns="45720" numCol="1" anchor="t" anchorCtr="0" compatLnSpc="1">
-              <a:prstTxWarp prst="textNoShape">
-                <a:avLst/>
-              </a:prstTxWarp>
-            </a:bodyPr>
-            <a:lstStyle/>
-            <a:p>
-              <a:endParaRPr lang="en-US"/>
-            </a:p>
-          </p:txBody>
-        </p:sp>
-        <p:sp>
-          <p:nvSpPr>
-            <p:cNvPr id="94" name="Freeform 8">
-              <a:extLst>
-                <a:ext uri="{FF2B5EF4-FFF2-40B4-BE49-F238E27FC236}">
-                  <a16:creationId xmlns:a16="http://schemas.microsoft.com/office/drawing/2014/main" id="{F834CDD4-CAB8-4ACC-9AAC-5399C743DEC1}"/>
-                </a:ext>
-                <a:ext uri="{C183D7F6-B498-43B3-948B-1728B52AA6E4}">
-                  <adec:decorative xmlns:adec="http://schemas.microsoft.com/office/drawing/2017/decorative" val="1"/>
-                </a:ext>
-              </a:extLst>
-            </p:cNvPr>
-            <p:cNvSpPr>
-              <a:spLocks/>
-            </p:cNvSpPr>
-            <p:nvPr>
-              <p:extLst>
-                <p:ext uri="{386F3935-93C4-4BCD-93E2-E3B085C9AB24}">
-                  <p16:designElem xmlns:p16="http://schemas.microsoft.com/office/powerpoint/2015/main" val="1"/>
-                </p:ext>
-              </p:extLst>
-            </p:nvPr>
-          </p:nvSpPr>
-          <p:spPr bwMode="auto">
-            <a:xfrm>
-              <a:off x="1120775" y="0"/>
-              <a:ext cx="3676650" cy="6843713"/>
-            </a:xfrm>
-            <a:custGeom>
-              <a:avLst/>
-              <a:gdLst>
-                <a:gd name="T0" fmla="*/ 774 w 774"/>
-                <a:gd name="T1" fmla="*/ 0 h 1440"/>
-                <a:gd name="T2" fmla="*/ 411 w 774"/>
-                <a:gd name="T3" fmla="*/ 1440 h 1440"/>
-              </a:gdLst>
-              <a:ahLst/>
-              <a:cxnLst>
-                <a:cxn ang="0">
-                  <a:pos x="T0" y="T1"/>
-                </a:cxn>
-                <a:cxn ang="0">
-                  <a:pos x="T2" y="T3"/>
-                </a:cxn>
-              </a:cxnLst>
-              <a:rect l="0" t="0" r="r" b="b"/>
-              <a:pathLst>
-                <a:path w="774" h="1440">
-                  <a:moveTo>
-                    <a:pt x="774" y="0"/>
-                  </a:moveTo>
-                  <a:cubicBezTo>
-                    <a:pt x="312" y="240"/>
-                    <a:pt x="0" y="1034"/>
-                    <a:pt x="411" y="1440"/>
-                  </a:cubicBezTo>
-                </a:path>
-              </a:pathLst>
-            </a:custGeom>
-            <a:noFill/>
-            <a:ln w="9525" cap="flat">
-              <a:solidFill>
-                <a:schemeClr val="tx1">
-                  <a:alpha val="10000"/>
-                </a:schemeClr>
-              </a:solidFill>
-              <a:prstDash val="dash"/>
-              <a:miter lim="800000"/>
-              <a:headEnd/>
-              <a:tailEnd/>
-            </a:ln>
-            <a:extLst>
-              <a:ext uri="{909E8E84-426E-40DD-AFC4-6F175D3DCCD1}">
-                <a14:hiddenFill xmlns:a14="http://schemas.microsoft.com/office/drawing/2010/main">
-                  <a:solidFill>
-                    <a:srgbClr val="FFFFFF"/>
-                  </a:solidFill>
-                </a14:hiddenFill>
-              </a:ext>
-            </a:extLst>
-          </p:spPr>
-          <p:txBody>
-            <a:bodyPr vert="horz" wrap="square" lIns="91440" tIns="45720" rIns="91440" bIns="45720" numCol="1" anchor="t" anchorCtr="0" compatLnSpc="1">
-              <a:prstTxWarp prst="textNoShape">
-                <a:avLst/>
-              </a:prstTxWarp>
-            </a:bodyPr>
-            <a:lstStyle/>
-            <a:p>
-              <a:endParaRPr lang="en-US"/>
-            </a:p>
-          </p:txBody>
-        </p:sp>
-        <p:sp>
-          <p:nvSpPr>
-            <p:cNvPr id="95" name="Freeform 9">
-              <a:extLst>
-                <a:ext uri="{FF2B5EF4-FFF2-40B4-BE49-F238E27FC236}">
-                  <a16:creationId xmlns:a16="http://schemas.microsoft.com/office/drawing/2014/main" id="{1AEB045A-6821-475B-A28E-047437ABEF5E}"/>
-                </a:ext>
-                <a:ext uri="{C183D7F6-B498-43B3-948B-1728B52AA6E4}">
-                  <adec:decorative xmlns:adec="http://schemas.microsoft.com/office/drawing/2017/decorative" val="1"/>
-                </a:ext>
-              </a:extLst>
-            </p:cNvPr>
-            <p:cNvSpPr>
-              <a:spLocks/>
-            </p:cNvSpPr>
-            <p:nvPr>
-              <p:extLst>
-                <p:ext uri="{386F3935-93C4-4BCD-93E2-E3B085C9AB24}">
-                  <p16:designElem xmlns:p16="http://schemas.microsoft.com/office/powerpoint/2015/main" val="1"/>
-                </p:ext>
-              </p:extLst>
-            </p:nvPr>
-          </p:nvSpPr>
-          <p:spPr bwMode="auto">
-            <a:xfrm>
-              <a:off x="11202988" y="9525"/>
-              <a:ext cx="963613" cy="366713"/>
-            </a:xfrm>
-            <a:custGeom>
-              <a:avLst/>
-              <a:gdLst>
-                <a:gd name="T0" fmla="*/ 203 w 203"/>
-                <a:gd name="T1" fmla="*/ 77 h 77"/>
-                <a:gd name="T2" fmla="*/ 0 w 203"/>
-                <a:gd name="T3" fmla="*/ 0 h 77"/>
-              </a:gdLst>
-              <a:ahLst/>
-              <a:cxnLst>
-                <a:cxn ang="0">
-                  <a:pos x="T0" y="T1"/>
-                </a:cxn>
-                <a:cxn ang="0">
-                  <a:pos x="T2" y="T3"/>
-                </a:cxn>
-              </a:cxnLst>
-              <a:rect l="0" t="0" r="r" b="b"/>
-              <a:pathLst>
-                <a:path w="203" h="77">
-                  <a:moveTo>
-                    <a:pt x="203" y="77"/>
-                  </a:moveTo>
-                  <a:cubicBezTo>
-                    <a:pt x="138" y="46"/>
-                    <a:pt x="68" y="21"/>
-                    <a:pt x="0" y="0"/>
-                  </a:cubicBezTo>
-                </a:path>
-              </a:pathLst>
-            </a:custGeom>
-            <a:noFill/>
-            <a:ln w="9525" cap="flat">
-              <a:solidFill>
-                <a:schemeClr val="tx1">
-                  <a:alpha val="10000"/>
-                </a:schemeClr>
-              </a:solidFill>
-              <a:prstDash val="dash"/>
-              <a:miter lim="800000"/>
-              <a:headEnd/>
-              <a:tailEnd/>
-            </a:ln>
-            <a:extLst>
-              <a:ext uri="{909E8E84-426E-40DD-AFC4-6F175D3DCCD1}">
-                <a14:hiddenFill xmlns:a14="http://schemas.microsoft.com/office/drawing/2010/main">
-                  <a:solidFill>
-                    <a:srgbClr val="FFFFFF"/>
-                  </a:solidFill>
-                </a14:hiddenFill>
-              </a:ext>
-            </a:extLst>
-          </p:spPr>
-          <p:txBody>
-            <a:bodyPr vert="horz" wrap="square" lIns="91440" tIns="45720" rIns="91440" bIns="45720" numCol="1" anchor="t" anchorCtr="0" compatLnSpc="1">
-              <a:prstTxWarp prst="textNoShape">
-                <a:avLst/>
-              </a:prstTxWarp>
-            </a:bodyPr>
-            <a:lstStyle/>
-            <a:p>
-              <a:endParaRPr lang="en-US"/>
-            </a:p>
-          </p:txBody>
-        </p:sp>
-        <p:sp>
-          <p:nvSpPr>
-            <p:cNvPr id="96" name="Freeform 10">
-              <a:extLst>
-                <a:ext uri="{FF2B5EF4-FFF2-40B4-BE49-F238E27FC236}">
-                  <a16:creationId xmlns:a16="http://schemas.microsoft.com/office/drawing/2014/main" id="{D9B790C0-3D34-4626-BAFB-6EB473F40C72}"/>
-                </a:ext>
-                <a:ext uri="{C183D7F6-B498-43B3-948B-1728B52AA6E4}">
-                  <adec:decorative xmlns:adec="http://schemas.microsoft.com/office/drawing/2017/decorative" val="1"/>
-                </a:ext>
-              </a:extLst>
-            </p:cNvPr>
-            <p:cNvSpPr>
-              <a:spLocks/>
-            </p:cNvSpPr>
-            <p:nvPr>
-              <p:extLst>
-                <p:ext uri="{386F3935-93C4-4BCD-93E2-E3B085C9AB24}">
-                  <p16:designElem xmlns:p16="http://schemas.microsoft.com/office/powerpoint/2015/main" val="1"/>
-                </p:ext>
-              </p:extLst>
-            </p:nvPr>
-          </p:nvSpPr>
-          <p:spPr bwMode="auto">
-            <a:xfrm>
-              <a:off x="10494963" y="5275263"/>
-              <a:ext cx="1666875" cy="1577975"/>
-            </a:xfrm>
-            <a:custGeom>
-              <a:avLst/>
-              <a:gdLst>
-                <a:gd name="T0" fmla="*/ 0 w 351"/>
-                <a:gd name="T1" fmla="*/ 332 h 332"/>
-                <a:gd name="T2" fmla="*/ 351 w 351"/>
-                <a:gd name="T3" fmla="*/ 0 h 332"/>
-              </a:gdLst>
-              <a:ahLst/>
-              <a:cxnLst>
-                <a:cxn ang="0">
-                  <a:pos x="T0" y="T1"/>
-                </a:cxn>
-                <a:cxn ang="0">
-                  <a:pos x="T2" y="T3"/>
-                </a:cxn>
-              </a:cxnLst>
-              <a:rect l="0" t="0" r="r" b="b"/>
-              <a:pathLst>
-                <a:path w="351" h="332">
-                  <a:moveTo>
-                    <a:pt x="0" y="332"/>
-                  </a:moveTo>
-                  <a:cubicBezTo>
-                    <a:pt x="125" y="232"/>
-                    <a:pt x="245" y="121"/>
-                    <a:pt x="351" y="0"/>
-                  </a:cubicBezTo>
-                </a:path>
-              </a:pathLst>
-            </a:custGeom>
-            <a:noFill/>
-            <a:ln w="9525" cap="flat">
-              <a:solidFill>
-                <a:schemeClr val="tx1">
-                  <a:alpha val="10000"/>
-                </a:schemeClr>
-              </a:solidFill>
-              <a:prstDash val="dash"/>
-              <a:miter lim="800000"/>
-              <a:headEnd/>
-              <a:tailEnd/>
-            </a:ln>
-            <a:extLst>
-              <a:ext uri="{909E8E84-426E-40DD-AFC4-6F175D3DCCD1}">
-                <a14:hiddenFill xmlns:a14="http://schemas.microsoft.com/office/drawing/2010/main">
-                  <a:solidFill>
-                    <a:srgbClr val="FFFFFF"/>
-                  </a:solidFill>
-                </a14:hiddenFill>
-              </a:ext>
-            </a:extLst>
-          </p:spPr>
-          <p:txBody>
-            <a:bodyPr vert="horz" wrap="square" lIns="91440" tIns="45720" rIns="91440" bIns="45720" numCol="1" anchor="t" anchorCtr="0" compatLnSpc="1">
-              <a:prstTxWarp prst="textNoShape">
-                <a:avLst/>
-              </a:prstTxWarp>
-            </a:bodyPr>
-            <a:lstStyle/>
-            <a:p>
-              <a:endParaRPr lang="en-US"/>
-            </a:p>
-          </p:txBody>
-        </p:sp>
-        <p:sp>
-          <p:nvSpPr>
-            <p:cNvPr id="97" name="Freeform 11">
-              <a:extLst>
-                <a:ext uri="{FF2B5EF4-FFF2-40B4-BE49-F238E27FC236}">
-                  <a16:creationId xmlns:a16="http://schemas.microsoft.com/office/drawing/2014/main" id="{EDA4D87F-91A4-4628-9A6E-F01820A7EE54}"/>
-                </a:ext>
-                <a:ext uri="{C183D7F6-B498-43B3-948B-1728B52AA6E4}">
-                  <adec:decorative xmlns:adec="http://schemas.microsoft.com/office/drawing/2017/decorative" val="1"/>
-                </a:ext>
-              </a:extLst>
-            </p:cNvPr>
-            <p:cNvSpPr>
-              <a:spLocks/>
-            </p:cNvSpPr>
-            <p:nvPr>
-              <p:extLst>
-                <p:ext uri="{386F3935-93C4-4BCD-93E2-E3B085C9AB24}">
-                  <p16:designElem xmlns:p16="http://schemas.microsoft.com/office/powerpoint/2015/main" val="1"/>
-                </p:ext>
-              </p:extLst>
-            </p:nvPr>
-          </p:nvSpPr>
-          <p:spPr bwMode="auto">
-            <a:xfrm>
-              <a:off x="1001713" y="0"/>
-              <a:ext cx="3621088" cy="6843713"/>
-            </a:xfrm>
-            <a:custGeom>
-              <a:avLst/>
-              <a:gdLst>
-                <a:gd name="T0" fmla="*/ 762 w 762"/>
-                <a:gd name="T1" fmla="*/ 0 h 1440"/>
-                <a:gd name="T2" fmla="*/ 403 w 762"/>
-                <a:gd name="T3" fmla="*/ 1440 h 1440"/>
-              </a:gdLst>
-              <a:ahLst/>
-              <a:cxnLst>
-                <a:cxn ang="0">
-                  <a:pos x="T0" y="T1"/>
-                </a:cxn>
-                <a:cxn ang="0">
-                  <a:pos x="T2" y="T3"/>
-                </a:cxn>
-              </a:cxnLst>
-              <a:rect l="0" t="0" r="r" b="b"/>
-              <a:pathLst>
-                <a:path w="762" h="1440">
-                  <a:moveTo>
-                    <a:pt x="762" y="0"/>
-                  </a:moveTo>
-                  <a:cubicBezTo>
-                    <a:pt x="308" y="245"/>
-                    <a:pt x="0" y="1033"/>
-                    <a:pt x="403" y="1440"/>
-                  </a:cubicBezTo>
-                </a:path>
-              </a:pathLst>
-            </a:custGeom>
-            <a:noFill/>
-            <a:ln w="9525" cap="flat">
-              <a:solidFill>
-                <a:schemeClr val="tx1">
-                  <a:alpha val="10000"/>
-                </a:schemeClr>
-              </a:solidFill>
-              <a:prstDash val="solid"/>
-              <a:miter lim="800000"/>
-              <a:headEnd/>
-              <a:tailEnd/>
-            </a:ln>
-            <a:extLst>
-              <a:ext uri="{909E8E84-426E-40DD-AFC4-6F175D3DCCD1}">
-                <a14:hiddenFill xmlns:a14="http://schemas.microsoft.com/office/drawing/2010/main">
-                  <a:solidFill>
-                    <a:srgbClr val="FFFFFF"/>
-                  </a:solidFill>
-                </a14:hiddenFill>
-              </a:ext>
-            </a:extLst>
-          </p:spPr>
-          <p:txBody>
-            <a:bodyPr vert="horz" wrap="square" lIns="91440" tIns="45720" rIns="91440" bIns="45720" numCol="1" anchor="t" anchorCtr="0" compatLnSpc="1">
-              <a:prstTxWarp prst="textNoShape">
-                <a:avLst/>
-              </a:prstTxWarp>
-            </a:bodyPr>
-            <a:lstStyle/>
-            <a:p>
-              <a:endParaRPr lang="en-US"/>
-            </a:p>
-          </p:txBody>
-        </p:sp>
-        <p:sp>
-          <p:nvSpPr>
-            <p:cNvPr id="98" name="Freeform 12">
-              <a:extLst>
-                <a:ext uri="{FF2B5EF4-FFF2-40B4-BE49-F238E27FC236}">
-                  <a16:creationId xmlns:a16="http://schemas.microsoft.com/office/drawing/2014/main" id="{045DAB88-124C-459C-A889-DAE9C9BE285A}"/>
-                </a:ext>
-                <a:ext uri="{C183D7F6-B498-43B3-948B-1728B52AA6E4}">
-                  <adec:decorative xmlns:adec="http://schemas.microsoft.com/office/drawing/2017/decorative" val="1"/>
-                </a:ext>
-              </a:extLst>
-            </p:cNvPr>
-            <p:cNvSpPr>
-              <a:spLocks/>
-            </p:cNvSpPr>
-            <p:nvPr>
-              <p:extLst>
-                <p:ext uri="{386F3935-93C4-4BCD-93E2-E3B085C9AB24}">
-                  <p16:designElem xmlns:p16="http://schemas.microsoft.com/office/powerpoint/2015/main" val="1"/>
-                </p:ext>
-              </p:extLst>
-            </p:nvPr>
-          </p:nvSpPr>
-          <p:spPr bwMode="auto">
-            <a:xfrm>
-              <a:off x="11501438" y="9525"/>
-              <a:ext cx="665163" cy="257175"/>
-            </a:xfrm>
-            <a:custGeom>
-              <a:avLst/>
-              <a:gdLst>
-                <a:gd name="T0" fmla="*/ 140 w 140"/>
-                <a:gd name="T1" fmla="*/ 54 h 54"/>
-                <a:gd name="T2" fmla="*/ 0 w 140"/>
-                <a:gd name="T3" fmla="*/ 0 h 54"/>
-              </a:gdLst>
-              <a:ahLst/>
-              <a:cxnLst>
-                <a:cxn ang="0">
-                  <a:pos x="T0" y="T1"/>
-                </a:cxn>
-                <a:cxn ang="0">
-                  <a:pos x="T2" y="T3"/>
-                </a:cxn>
-              </a:cxnLst>
-              <a:rect l="0" t="0" r="r" b="b"/>
-              <a:pathLst>
-                <a:path w="140" h="54">
-                  <a:moveTo>
-                    <a:pt x="140" y="54"/>
-                  </a:moveTo>
-                  <a:cubicBezTo>
-                    <a:pt x="95" y="34"/>
-                    <a:pt x="48" y="16"/>
-                    <a:pt x="0" y="0"/>
-                  </a:cubicBezTo>
-                </a:path>
-              </a:pathLst>
-            </a:custGeom>
-            <a:noFill/>
-            <a:ln w="9525" cap="flat">
-              <a:solidFill>
-                <a:schemeClr val="tx1">
-                  <a:alpha val="10000"/>
-                </a:schemeClr>
-              </a:solidFill>
-              <a:prstDash val="solid"/>
-              <a:miter lim="800000"/>
-              <a:headEnd/>
-              <a:tailEnd/>
-            </a:ln>
-            <a:extLst>
-              <a:ext uri="{909E8E84-426E-40DD-AFC4-6F175D3DCCD1}">
-                <a14:hiddenFill xmlns:a14="http://schemas.microsoft.com/office/drawing/2010/main">
-                  <a:solidFill>
-                    <a:srgbClr val="FFFFFF"/>
-                  </a:solidFill>
-                </a14:hiddenFill>
-              </a:ext>
-            </a:extLst>
-          </p:spPr>
-          <p:txBody>
-            <a:bodyPr vert="horz" wrap="square" lIns="91440" tIns="45720" rIns="91440" bIns="45720" numCol="1" anchor="t" anchorCtr="0" compatLnSpc="1">
-              <a:prstTxWarp prst="textNoShape">
-                <a:avLst/>
-              </a:prstTxWarp>
-            </a:bodyPr>
-            <a:lstStyle/>
-            <a:p>
-              <a:endParaRPr lang="en-US"/>
-            </a:p>
-          </p:txBody>
-        </p:sp>
-        <p:sp>
-          <p:nvSpPr>
-            <p:cNvPr id="99" name="Freeform 13">
-              <a:extLst>
-                <a:ext uri="{FF2B5EF4-FFF2-40B4-BE49-F238E27FC236}">
-                  <a16:creationId xmlns:a16="http://schemas.microsoft.com/office/drawing/2014/main" id="{85D44010-1DAA-4CAC-B83F-7E3E8C455D4F}"/>
-                </a:ext>
-                <a:ext uri="{C183D7F6-B498-43B3-948B-1728B52AA6E4}">
-                  <adec:decorative xmlns:adec="http://schemas.microsoft.com/office/drawing/2017/decorative" val="1"/>
-                </a:ext>
-              </a:extLst>
-            </p:cNvPr>
-            <p:cNvSpPr>
-              <a:spLocks/>
-            </p:cNvSpPr>
-            <p:nvPr>
-              <p:extLst>
-                <p:ext uri="{386F3935-93C4-4BCD-93E2-E3B085C9AB24}">
-                  <p16:designElem xmlns:p16="http://schemas.microsoft.com/office/powerpoint/2015/main" val="1"/>
-                </p:ext>
-              </p:extLst>
-            </p:nvPr>
-          </p:nvSpPr>
-          <p:spPr bwMode="auto">
-            <a:xfrm>
-              <a:off x="10641013" y="5408613"/>
-              <a:ext cx="1525588" cy="1435100"/>
-            </a:xfrm>
-            <a:custGeom>
-              <a:avLst/>
-              <a:gdLst>
-                <a:gd name="T0" fmla="*/ 0 w 321"/>
-                <a:gd name="T1" fmla="*/ 302 h 302"/>
-                <a:gd name="T2" fmla="*/ 321 w 321"/>
-                <a:gd name="T3" fmla="*/ 0 h 302"/>
-              </a:gdLst>
-              <a:ahLst/>
-              <a:cxnLst>
-                <a:cxn ang="0">
-                  <a:pos x="T0" y="T1"/>
-                </a:cxn>
-                <a:cxn ang="0">
-                  <a:pos x="T2" y="T3"/>
-                </a:cxn>
-              </a:cxnLst>
-              <a:rect l="0" t="0" r="r" b="b"/>
-              <a:pathLst>
-                <a:path w="321" h="302">
-                  <a:moveTo>
-                    <a:pt x="0" y="302"/>
-                  </a:moveTo>
-                  <a:cubicBezTo>
-                    <a:pt x="114" y="210"/>
-                    <a:pt x="223" y="109"/>
-                    <a:pt x="321" y="0"/>
-                  </a:cubicBezTo>
-                </a:path>
-              </a:pathLst>
-            </a:custGeom>
-            <a:noFill/>
-            <a:ln w="9525" cap="flat">
-              <a:solidFill>
-                <a:schemeClr val="tx1">
-                  <a:alpha val="10000"/>
-                </a:schemeClr>
-              </a:solidFill>
-              <a:prstDash val="solid"/>
-              <a:miter lim="800000"/>
-              <a:headEnd/>
-              <a:tailEnd/>
-            </a:ln>
-            <a:extLst>
-              <a:ext uri="{909E8E84-426E-40DD-AFC4-6F175D3DCCD1}">
-                <a14:hiddenFill xmlns:a14="http://schemas.microsoft.com/office/drawing/2010/main">
-                  <a:solidFill>
-                    <a:srgbClr val="FFFFFF"/>
-                  </a:solidFill>
-                </a14:hiddenFill>
-              </a:ext>
-            </a:extLst>
-          </p:spPr>
-          <p:txBody>
-            <a:bodyPr vert="horz" wrap="square" lIns="91440" tIns="45720" rIns="91440" bIns="45720" numCol="1" anchor="t" anchorCtr="0" compatLnSpc="1">
-              <a:prstTxWarp prst="textNoShape">
-                <a:avLst/>
-              </a:prstTxWarp>
-            </a:bodyPr>
-            <a:lstStyle/>
-            <a:p>
-              <a:endParaRPr lang="en-US"/>
-            </a:p>
-          </p:txBody>
-        </p:sp>
-        <p:sp>
-          <p:nvSpPr>
-            <p:cNvPr id="100" name="Freeform 14">
-              <a:extLst>
-                <a:ext uri="{FF2B5EF4-FFF2-40B4-BE49-F238E27FC236}">
-                  <a16:creationId xmlns:a16="http://schemas.microsoft.com/office/drawing/2014/main" id="{E8C01D66-5C93-4A2E-AA74-DE97574EA4E9}"/>
-                </a:ext>
-                <a:ext uri="{C183D7F6-B498-43B3-948B-1728B52AA6E4}">
-                  <adec:decorative xmlns:adec="http://schemas.microsoft.com/office/drawing/2017/decorative" val="1"/>
-                </a:ext>
-              </a:extLst>
-            </p:cNvPr>
-            <p:cNvSpPr>
-              <a:spLocks/>
-            </p:cNvSpPr>
-            <p:nvPr>
-              <p:extLst>
-                <p:ext uri="{386F3935-93C4-4BCD-93E2-E3B085C9AB24}">
-                  <p16:designElem xmlns:p16="http://schemas.microsoft.com/office/powerpoint/2015/main" val="1"/>
-                </p:ext>
-              </p:extLst>
-            </p:nvPr>
-          </p:nvSpPr>
-          <p:spPr bwMode="auto">
-            <a:xfrm>
-              <a:off x="1001713" y="0"/>
-              <a:ext cx="3244850" cy="6843713"/>
-            </a:xfrm>
-            <a:custGeom>
-              <a:avLst/>
-              <a:gdLst>
-                <a:gd name="T0" fmla="*/ 683 w 683"/>
-                <a:gd name="T1" fmla="*/ 0 h 1440"/>
-                <a:gd name="T2" fmla="*/ 355 w 683"/>
-                <a:gd name="T3" fmla="*/ 1440 h 1440"/>
-              </a:gdLst>
-              <a:ahLst/>
-              <a:cxnLst>
-                <a:cxn ang="0">
-                  <a:pos x="T0" y="T1"/>
-                </a:cxn>
-                <a:cxn ang="0">
-                  <a:pos x="T2" y="T3"/>
-                </a:cxn>
-              </a:cxnLst>
-              <a:rect l="0" t="0" r="r" b="b"/>
-              <a:pathLst>
-                <a:path w="683" h="1440">
-                  <a:moveTo>
-                    <a:pt x="683" y="0"/>
-                  </a:moveTo>
-                  <a:cubicBezTo>
-                    <a:pt x="258" y="256"/>
-                    <a:pt x="0" y="1041"/>
-                    <a:pt x="355" y="1440"/>
-                  </a:cubicBezTo>
-                </a:path>
-              </a:pathLst>
-            </a:custGeom>
-            <a:noFill/>
-            <a:ln w="9525" cap="flat">
-              <a:solidFill>
-                <a:schemeClr val="tx1">
-                  <a:alpha val="10000"/>
-                </a:schemeClr>
-              </a:solidFill>
-              <a:prstDash val="solid"/>
-              <a:miter lim="800000"/>
-              <a:headEnd/>
-              <a:tailEnd/>
-            </a:ln>
-            <a:extLst>
-              <a:ext uri="{909E8E84-426E-40DD-AFC4-6F175D3DCCD1}">
-                <a14:hiddenFill xmlns:a14="http://schemas.microsoft.com/office/drawing/2010/main">
-                  <a:solidFill>
-                    <a:srgbClr val="FFFFFF"/>
-                  </a:solidFill>
-                </a14:hiddenFill>
-              </a:ext>
-            </a:extLst>
-          </p:spPr>
-          <p:txBody>
-            <a:bodyPr vert="horz" wrap="square" lIns="91440" tIns="45720" rIns="91440" bIns="45720" numCol="1" anchor="t" anchorCtr="0" compatLnSpc="1">
-              <a:prstTxWarp prst="textNoShape">
-                <a:avLst/>
-              </a:prstTxWarp>
-            </a:bodyPr>
-            <a:lstStyle/>
-            <a:p>
-              <a:endParaRPr lang="en-US"/>
-            </a:p>
-          </p:txBody>
-        </p:sp>
-        <p:sp>
-          <p:nvSpPr>
-            <p:cNvPr id="101" name="Freeform 15">
-              <a:extLst>
-                <a:ext uri="{FF2B5EF4-FFF2-40B4-BE49-F238E27FC236}">
-                  <a16:creationId xmlns:a16="http://schemas.microsoft.com/office/drawing/2014/main" id="{E2E1A6E1-6C4A-47D3-81E2-9F8624F1BBE0}"/>
-                </a:ext>
-                <a:ext uri="{C183D7F6-B498-43B3-948B-1728B52AA6E4}">
-                  <adec:decorative xmlns:adec="http://schemas.microsoft.com/office/drawing/2017/decorative" val="1"/>
-                </a:ext>
-              </a:extLst>
-            </p:cNvPr>
-            <p:cNvSpPr>
-              <a:spLocks/>
-            </p:cNvSpPr>
-            <p:nvPr>
-              <p:extLst>
-                <p:ext uri="{386F3935-93C4-4BCD-93E2-E3B085C9AB24}">
-                  <p16:designElem xmlns:p16="http://schemas.microsoft.com/office/powerpoint/2015/main" val="1"/>
-                </p:ext>
-              </p:extLst>
-            </p:nvPr>
-          </p:nvSpPr>
-          <p:spPr bwMode="auto">
-            <a:xfrm>
-              <a:off x="10802938" y="5518150"/>
-              <a:ext cx="1363663" cy="1325563"/>
-            </a:xfrm>
-            <a:custGeom>
-              <a:avLst/>
-              <a:gdLst>
-                <a:gd name="T0" fmla="*/ 0 w 287"/>
-                <a:gd name="T1" fmla="*/ 279 h 279"/>
-                <a:gd name="T2" fmla="*/ 287 w 287"/>
-                <a:gd name="T3" fmla="*/ 0 h 279"/>
-              </a:gdLst>
-              <a:ahLst/>
-              <a:cxnLst>
-                <a:cxn ang="0">
-                  <a:pos x="T0" y="T1"/>
-                </a:cxn>
-                <a:cxn ang="0">
-                  <a:pos x="T2" y="T3"/>
-                </a:cxn>
-              </a:cxnLst>
-              <a:rect l="0" t="0" r="r" b="b"/>
-              <a:pathLst>
-                <a:path w="287" h="279">
-                  <a:moveTo>
-                    <a:pt x="0" y="279"/>
-                  </a:moveTo>
-                  <a:cubicBezTo>
-                    <a:pt x="101" y="193"/>
-                    <a:pt x="198" y="100"/>
-                    <a:pt x="287" y="0"/>
-                  </a:cubicBezTo>
-                </a:path>
-              </a:pathLst>
-            </a:custGeom>
-            <a:noFill/>
-            <a:ln w="9525" cap="flat">
-              <a:solidFill>
-                <a:schemeClr val="tx1">
-                  <a:alpha val="10000"/>
-                </a:schemeClr>
-              </a:solidFill>
-              <a:prstDash val="solid"/>
-              <a:miter lim="800000"/>
-              <a:headEnd/>
-              <a:tailEnd/>
-            </a:ln>
-            <a:extLst>
-              <a:ext uri="{909E8E84-426E-40DD-AFC4-6F175D3DCCD1}">
-                <a14:hiddenFill xmlns:a14="http://schemas.microsoft.com/office/drawing/2010/main">
-                  <a:solidFill>
-                    <a:srgbClr val="FFFFFF"/>
-                  </a:solidFill>
-                </a14:hiddenFill>
-              </a:ext>
-            </a:extLst>
-          </p:spPr>
-          <p:txBody>
-            <a:bodyPr vert="horz" wrap="square" lIns="91440" tIns="45720" rIns="91440" bIns="45720" numCol="1" anchor="t" anchorCtr="0" compatLnSpc="1">
-              <a:prstTxWarp prst="textNoShape">
-                <a:avLst/>
-              </a:prstTxWarp>
-            </a:bodyPr>
-            <a:lstStyle/>
-            <a:p>
-              <a:endParaRPr lang="en-US"/>
-            </a:p>
-          </p:txBody>
-        </p:sp>
-        <p:sp>
-          <p:nvSpPr>
-            <p:cNvPr id="102" name="Freeform 16">
-              <a:extLst>
-                <a:ext uri="{FF2B5EF4-FFF2-40B4-BE49-F238E27FC236}">
-                  <a16:creationId xmlns:a16="http://schemas.microsoft.com/office/drawing/2014/main" id="{3E849CB5-4526-49DC-B77B-A20FDB7FFDA4}"/>
-                </a:ext>
-                <a:ext uri="{C183D7F6-B498-43B3-948B-1728B52AA6E4}">
-                  <adec:decorative xmlns:adec="http://schemas.microsoft.com/office/drawing/2017/decorative" val="1"/>
-                </a:ext>
-              </a:extLst>
-            </p:cNvPr>
-            <p:cNvSpPr>
-              <a:spLocks/>
-            </p:cNvSpPr>
-            <p:nvPr>
-              <p:extLst>
-                <p:ext uri="{386F3935-93C4-4BCD-93E2-E3B085C9AB24}">
-                  <p16:designElem xmlns:p16="http://schemas.microsoft.com/office/powerpoint/2015/main" val="1"/>
-                </p:ext>
-              </p:extLst>
-            </p:nvPr>
-          </p:nvSpPr>
-          <p:spPr bwMode="auto">
-            <a:xfrm>
-              <a:off x="889000" y="0"/>
-              <a:ext cx="3230563" cy="6843713"/>
-            </a:xfrm>
-            <a:custGeom>
-              <a:avLst/>
-              <a:gdLst>
-                <a:gd name="T0" fmla="*/ 680 w 680"/>
-                <a:gd name="T1" fmla="*/ 0 h 1440"/>
-                <a:gd name="T2" fmla="*/ 337 w 680"/>
-                <a:gd name="T3" fmla="*/ 1440 h 1440"/>
-              </a:gdLst>
-              <a:ahLst/>
-              <a:cxnLst>
-                <a:cxn ang="0">
-                  <a:pos x="T0" y="T1"/>
-                </a:cxn>
-                <a:cxn ang="0">
-                  <a:pos x="T2" y="T3"/>
-                </a:cxn>
-              </a:cxnLst>
-              <a:rect l="0" t="0" r="r" b="b"/>
-              <a:pathLst>
-                <a:path w="680" h="1440">
-                  <a:moveTo>
-                    <a:pt x="680" y="0"/>
-                  </a:moveTo>
-                  <a:cubicBezTo>
-                    <a:pt x="257" y="265"/>
-                    <a:pt x="0" y="1026"/>
-                    <a:pt x="337" y="1440"/>
-                  </a:cubicBezTo>
-                </a:path>
-              </a:pathLst>
-            </a:custGeom>
-            <a:noFill/>
-            <a:ln w="9525" cap="flat">
-              <a:solidFill>
-                <a:schemeClr val="tx1">
-                  <a:alpha val="10000"/>
-                </a:schemeClr>
-              </a:solidFill>
-              <a:prstDash val="solid"/>
-              <a:miter lim="800000"/>
-              <a:headEnd/>
-              <a:tailEnd/>
-            </a:ln>
-            <a:extLst>
-              <a:ext uri="{909E8E84-426E-40DD-AFC4-6F175D3DCCD1}">
-                <a14:hiddenFill xmlns:a14="http://schemas.microsoft.com/office/drawing/2010/main">
-                  <a:solidFill>
-                    <a:srgbClr val="FFFFFF"/>
-                  </a:solidFill>
-                </a14:hiddenFill>
-              </a:ext>
-            </a:extLst>
-          </p:spPr>
-          <p:txBody>
-            <a:bodyPr vert="horz" wrap="square" lIns="91440" tIns="45720" rIns="91440" bIns="45720" numCol="1" anchor="t" anchorCtr="0" compatLnSpc="1">
-              <a:prstTxWarp prst="textNoShape">
-                <a:avLst/>
-              </a:prstTxWarp>
-            </a:bodyPr>
-            <a:lstStyle/>
-            <a:p>
-              <a:endParaRPr lang="en-US"/>
-            </a:p>
-          </p:txBody>
-        </p:sp>
-        <p:sp>
-          <p:nvSpPr>
-            <p:cNvPr id="103" name="Freeform 17">
-              <a:extLst>
-                <a:ext uri="{FF2B5EF4-FFF2-40B4-BE49-F238E27FC236}">
-                  <a16:creationId xmlns:a16="http://schemas.microsoft.com/office/drawing/2014/main" id="{5A18C8A4-FB2A-44C1-93D3-26C6DDFE0CC4}"/>
-                </a:ext>
-                <a:ext uri="{C183D7F6-B498-43B3-948B-1728B52AA6E4}">
-                  <adec:decorative xmlns:adec="http://schemas.microsoft.com/office/drawing/2017/decorative" val="1"/>
-                </a:ext>
-              </a:extLst>
-            </p:cNvPr>
-            <p:cNvSpPr>
-              <a:spLocks/>
-            </p:cNvSpPr>
-            <p:nvPr>
-              <p:extLst>
-                <p:ext uri="{386F3935-93C4-4BCD-93E2-E3B085C9AB24}">
-                  <p16:designElem xmlns:p16="http://schemas.microsoft.com/office/powerpoint/2015/main" val="1"/>
-                </p:ext>
-              </p:extLst>
-            </p:nvPr>
-          </p:nvSpPr>
-          <p:spPr bwMode="auto">
-            <a:xfrm>
-              <a:off x="10979150" y="5694363"/>
-              <a:ext cx="1187450" cy="1149350"/>
-            </a:xfrm>
-            <a:custGeom>
-              <a:avLst/>
-              <a:gdLst>
-                <a:gd name="T0" fmla="*/ 0 w 250"/>
-                <a:gd name="T1" fmla="*/ 242 h 242"/>
-                <a:gd name="T2" fmla="*/ 250 w 250"/>
-                <a:gd name="T3" fmla="*/ 0 h 242"/>
-              </a:gdLst>
-              <a:ahLst/>
-              <a:cxnLst>
-                <a:cxn ang="0">
-                  <a:pos x="T0" y="T1"/>
-                </a:cxn>
-                <a:cxn ang="0">
-                  <a:pos x="T2" y="T3"/>
-                </a:cxn>
-              </a:cxnLst>
-              <a:rect l="0" t="0" r="r" b="b"/>
-              <a:pathLst>
-                <a:path w="250" h="242">
-                  <a:moveTo>
-                    <a:pt x="0" y="242"/>
-                  </a:moveTo>
-                  <a:cubicBezTo>
-                    <a:pt x="88" y="166"/>
-                    <a:pt x="172" y="85"/>
-                    <a:pt x="250" y="0"/>
-                  </a:cubicBezTo>
-                </a:path>
-              </a:pathLst>
-            </a:custGeom>
-            <a:noFill/>
-            <a:ln w="9525" cap="flat">
-              <a:solidFill>
-                <a:schemeClr val="tx1">
-                  <a:alpha val="10000"/>
-                </a:schemeClr>
-              </a:solidFill>
-              <a:prstDash val="solid"/>
-              <a:miter lim="800000"/>
-              <a:headEnd/>
-              <a:tailEnd/>
-            </a:ln>
-            <a:extLst>
-              <a:ext uri="{909E8E84-426E-40DD-AFC4-6F175D3DCCD1}">
-                <a14:hiddenFill xmlns:a14="http://schemas.microsoft.com/office/drawing/2010/main">
-                  <a:solidFill>
-                    <a:srgbClr val="FFFFFF"/>
-                  </a:solidFill>
-                </a14:hiddenFill>
-              </a:ext>
-            </a:extLst>
-          </p:spPr>
-          <p:txBody>
-            <a:bodyPr vert="horz" wrap="square" lIns="91440" tIns="45720" rIns="91440" bIns="45720" numCol="1" anchor="t" anchorCtr="0" compatLnSpc="1">
-              <a:prstTxWarp prst="textNoShape">
-                <a:avLst/>
-              </a:prstTxWarp>
-            </a:bodyPr>
-            <a:lstStyle/>
-            <a:p>
-              <a:endParaRPr lang="en-US"/>
-            </a:p>
-          </p:txBody>
-        </p:sp>
-        <p:sp>
-          <p:nvSpPr>
-            <p:cNvPr id="104" name="Freeform 18">
-              <a:extLst>
-                <a:ext uri="{FF2B5EF4-FFF2-40B4-BE49-F238E27FC236}">
-                  <a16:creationId xmlns:a16="http://schemas.microsoft.com/office/drawing/2014/main" id="{85D014FD-8C5A-4071-B19E-4910AAB6186B}"/>
-                </a:ext>
-                <a:ext uri="{C183D7F6-B498-43B3-948B-1728B52AA6E4}">
-                  <adec:decorative xmlns:adec="http://schemas.microsoft.com/office/drawing/2017/decorative" val="1"/>
-                </a:ext>
-              </a:extLst>
-            </p:cNvPr>
-            <p:cNvSpPr>
-              <a:spLocks/>
-            </p:cNvSpPr>
-            <p:nvPr>
-              <p:extLst>
-                <p:ext uri="{386F3935-93C4-4BCD-93E2-E3B085C9AB24}">
-                  <p16:designElem xmlns:p16="http://schemas.microsoft.com/office/powerpoint/2015/main" val="1"/>
-                </p:ext>
-              </p:extLst>
-            </p:nvPr>
-          </p:nvSpPr>
-          <p:spPr bwMode="auto">
-            <a:xfrm>
-              <a:off x="484188" y="0"/>
-              <a:ext cx="3421063" cy="6843713"/>
-            </a:xfrm>
-            <a:custGeom>
-              <a:avLst/>
-              <a:gdLst>
-                <a:gd name="T0" fmla="*/ 720 w 720"/>
-                <a:gd name="T1" fmla="*/ 0 h 1440"/>
-                <a:gd name="T2" fmla="*/ 362 w 720"/>
-                <a:gd name="T3" fmla="*/ 1440 h 1440"/>
-              </a:gdLst>
-              <a:ahLst/>
-              <a:cxnLst>
-                <a:cxn ang="0">
-                  <a:pos x="T0" y="T1"/>
-                </a:cxn>
-                <a:cxn ang="0">
-                  <a:pos x="T2" y="T3"/>
-                </a:cxn>
-              </a:cxnLst>
-              <a:rect l="0" t="0" r="r" b="b"/>
-              <a:pathLst>
-                <a:path w="720" h="1440">
-                  <a:moveTo>
-                    <a:pt x="720" y="0"/>
-                  </a:moveTo>
-                  <a:cubicBezTo>
-                    <a:pt x="316" y="282"/>
-                    <a:pt x="0" y="1018"/>
-                    <a:pt x="362" y="1440"/>
-                  </a:cubicBezTo>
-                </a:path>
-              </a:pathLst>
-            </a:custGeom>
-            <a:noFill/>
-            <a:ln w="9525" cap="flat">
-              <a:solidFill>
-                <a:schemeClr val="tx1">
-                  <a:alpha val="10000"/>
-                </a:schemeClr>
-              </a:solidFill>
-              <a:prstDash val="solid"/>
-              <a:miter lim="800000"/>
-              <a:headEnd/>
-              <a:tailEnd/>
-            </a:ln>
-            <a:extLst>
-              <a:ext uri="{909E8E84-426E-40DD-AFC4-6F175D3DCCD1}">
-                <a14:hiddenFill xmlns:a14="http://schemas.microsoft.com/office/drawing/2010/main">
-                  <a:solidFill>
-                    <a:srgbClr val="FFFFFF"/>
-                  </a:solidFill>
-                </a14:hiddenFill>
-              </a:ext>
-            </a:extLst>
-          </p:spPr>
-          <p:txBody>
-            <a:bodyPr vert="horz" wrap="square" lIns="91440" tIns="45720" rIns="91440" bIns="45720" numCol="1" anchor="t" anchorCtr="0" compatLnSpc="1">
-              <a:prstTxWarp prst="textNoShape">
-                <a:avLst/>
-              </a:prstTxWarp>
-            </a:bodyPr>
-            <a:lstStyle/>
-            <a:p>
-              <a:endParaRPr lang="en-US"/>
-            </a:p>
-          </p:txBody>
-        </p:sp>
-        <p:sp>
-          <p:nvSpPr>
-            <p:cNvPr id="105" name="Freeform 19">
-              <a:extLst>
-                <a:ext uri="{FF2B5EF4-FFF2-40B4-BE49-F238E27FC236}">
-                  <a16:creationId xmlns:a16="http://schemas.microsoft.com/office/drawing/2014/main" id="{A37D7262-3596-4026-9AD4-E94332E52603}"/>
-                </a:ext>
-                <a:ext uri="{C183D7F6-B498-43B3-948B-1728B52AA6E4}">
-                  <adec:decorative xmlns:adec="http://schemas.microsoft.com/office/drawing/2017/decorative" val="1"/>
-                </a:ext>
-              </a:extLst>
-            </p:cNvPr>
-            <p:cNvSpPr>
-              <a:spLocks/>
-            </p:cNvSpPr>
-            <p:nvPr>
-              <p:extLst>
-                <p:ext uri="{386F3935-93C4-4BCD-93E2-E3B085C9AB24}">
-                  <p16:designElem xmlns:p16="http://schemas.microsoft.com/office/powerpoint/2015/main" val="1"/>
-                </p:ext>
-              </p:extLst>
-            </p:nvPr>
-          </p:nvSpPr>
-          <p:spPr bwMode="auto">
-            <a:xfrm>
-              <a:off x="11287125" y="6049963"/>
-              <a:ext cx="879475" cy="793750"/>
-            </a:xfrm>
-            <a:custGeom>
-              <a:avLst/>
-              <a:gdLst>
-                <a:gd name="T0" fmla="*/ 0 w 185"/>
-                <a:gd name="T1" fmla="*/ 167 h 167"/>
-                <a:gd name="T2" fmla="*/ 185 w 185"/>
-                <a:gd name="T3" fmla="*/ 0 h 167"/>
-              </a:gdLst>
-              <a:ahLst/>
-              <a:cxnLst>
-                <a:cxn ang="0">
-                  <a:pos x="T0" y="T1"/>
-                </a:cxn>
-                <a:cxn ang="0">
-                  <a:pos x="T2" y="T3"/>
-                </a:cxn>
-              </a:cxnLst>
-              <a:rect l="0" t="0" r="r" b="b"/>
-              <a:pathLst>
-                <a:path w="185" h="167">
-                  <a:moveTo>
-                    <a:pt x="0" y="167"/>
-                  </a:moveTo>
-                  <a:cubicBezTo>
-                    <a:pt x="63" y="114"/>
-                    <a:pt x="125" y="58"/>
-                    <a:pt x="185" y="0"/>
-                  </a:cubicBezTo>
-                </a:path>
-              </a:pathLst>
-            </a:custGeom>
-            <a:noFill/>
-            <a:ln w="9525" cap="flat">
-              <a:solidFill>
-                <a:schemeClr val="tx1">
-                  <a:alpha val="10000"/>
-                </a:schemeClr>
-              </a:solidFill>
-              <a:prstDash val="solid"/>
-              <a:miter lim="800000"/>
-              <a:headEnd/>
-              <a:tailEnd/>
-            </a:ln>
-            <a:extLst>
-              <a:ext uri="{909E8E84-426E-40DD-AFC4-6F175D3DCCD1}">
-                <a14:hiddenFill xmlns:a14="http://schemas.microsoft.com/office/drawing/2010/main">
-                  <a:solidFill>
-                    <a:srgbClr val="FFFFFF"/>
-                  </a:solidFill>
-                </a14:hiddenFill>
-              </a:ext>
-            </a:extLst>
-          </p:spPr>
-          <p:txBody>
-            <a:bodyPr vert="horz" wrap="square" lIns="91440" tIns="45720" rIns="91440" bIns="45720" numCol="1" anchor="t" anchorCtr="0" compatLnSpc="1">
-              <a:prstTxWarp prst="textNoShape">
-                <a:avLst/>
-              </a:prstTxWarp>
-            </a:bodyPr>
-            <a:lstStyle/>
-            <a:p>
-              <a:endParaRPr lang="en-US"/>
-            </a:p>
-          </p:txBody>
-        </p:sp>
-        <p:sp>
-          <p:nvSpPr>
-            <p:cNvPr id="106" name="Freeform 20">
-              <a:extLst>
-                <a:ext uri="{FF2B5EF4-FFF2-40B4-BE49-F238E27FC236}">
-                  <a16:creationId xmlns:a16="http://schemas.microsoft.com/office/drawing/2014/main" id="{187E37E0-AAC3-4B33-AF36-334ACCBD33C8}"/>
-                </a:ext>
-                <a:ext uri="{C183D7F6-B498-43B3-948B-1728B52AA6E4}">
-                  <adec:decorative xmlns:adec="http://schemas.microsoft.com/office/drawing/2017/decorative" val="1"/>
-                </a:ext>
-              </a:extLst>
-            </p:cNvPr>
-            <p:cNvSpPr>
-              <a:spLocks/>
-            </p:cNvSpPr>
-            <p:nvPr>
-              <p:extLst>
-                <p:ext uri="{386F3935-93C4-4BCD-93E2-E3B085C9AB24}">
-                  <p16:designElem xmlns:p16="http://schemas.microsoft.com/office/powerpoint/2015/main" val="1"/>
-                </p:ext>
-              </p:extLst>
-            </p:nvPr>
-          </p:nvSpPr>
-          <p:spPr bwMode="auto">
-            <a:xfrm>
-              <a:off x="598488" y="0"/>
-              <a:ext cx="2717800" cy="6843713"/>
-            </a:xfrm>
-            <a:custGeom>
-              <a:avLst/>
-              <a:gdLst>
-                <a:gd name="T0" fmla="*/ 572 w 572"/>
-                <a:gd name="T1" fmla="*/ 0 h 1440"/>
-                <a:gd name="T2" fmla="*/ 164 w 572"/>
-                <a:gd name="T3" fmla="*/ 1440 h 1440"/>
-              </a:gdLst>
-              <a:ahLst/>
-              <a:cxnLst>
-                <a:cxn ang="0">
-                  <a:pos x="T0" y="T1"/>
-                </a:cxn>
-                <a:cxn ang="0">
-                  <a:pos x="T2" y="T3"/>
-                </a:cxn>
-              </a:cxnLst>
-              <a:rect l="0" t="0" r="r" b="b"/>
-              <a:pathLst>
-                <a:path w="572" h="1440">
-                  <a:moveTo>
-                    <a:pt x="572" y="0"/>
-                  </a:moveTo>
-                  <a:cubicBezTo>
-                    <a:pt x="213" y="320"/>
-                    <a:pt x="0" y="979"/>
-                    <a:pt x="164" y="1440"/>
-                  </a:cubicBezTo>
-                </a:path>
-              </a:pathLst>
-            </a:custGeom>
-            <a:noFill/>
-            <a:ln w="12700" cap="flat">
-              <a:solidFill>
-                <a:schemeClr val="tx1">
-                  <a:alpha val="10000"/>
-                </a:schemeClr>
-              </a:solidFill>
-              <a:prstDash val="dashDot"/>
-              <a:miter lim="800000"/>
-              <a:headEnd/>
-              <a:tailEnd/>
-            </a:ln>
-            <a:extLst>
-              <a:ext uri="{909E8E84-426E-40DD-AFC4-6F175D3DCCD1}">
-                <a14:hiddenFill xmlns:a14="http://schemas.microsoft.com/office/drawing/2010/main">
-                  <a:solidFill>
-                    <a:srgbClr val="FFFFFF"/>
-                  </a:solidFill>
-                </a14:hiddenFill>
-              </a:ext>
-            </a:extLst>
-          </p:spPr>
-          <p:txBody>
-            <a:bodyPr vert="horz" wrap="square" lIns="91440" tIns="45720" rIns="91440" bIns="45720" numCol="1" anchor="t" anchorCtr="0" compatLnSpc="1">
-              <a:prstTxWarp prst="textNoShape">
-                <a:avLst/>
-              </a:prstTxWarp>
-            </a:bodyPr>
-            <a:lstStyle/>
-            <a:p>
-              <a:endParaRPr lang="en-US"/>
-            </a:p>
-          </p:txBody>
-        </p:sp>
-        <p:sp>
-          <p:nvSpPr>
-            <p:cNvPr id="107" name="Freeform 21">
-              <a:extLst>
-                <a:ext uri="{FF2B5EF4-FFF2-40B4-BE49-F238E27FC236}">
-                  <a16:creationId xmlns:a16="http://schemas.microsoft.com/office/drawing/2014/main" id="{409758BB-8A0E-4BEB-BC0C-F410AD98CDD9}"/>
-                </a:ext>
-                <a:ext uri="{C183D7F6-B498-43B3-948B-1728B52AA6E4}">
-                  <adec:decorative xmlns:adec="http://schemas.microsoft.com/office/drawing/2017/decorative" val="1"/>
-                </a:ext>
-              </a:extLst>
-            </p:cNvPr>
-            <p:cNvSpPr>
-              <a:spLocks/>
-            </p:cNvSpPr>
-            <p:nvPr>
-              <p:extLst>
-                <p:ext uri="{386F3935-93C4-4BCD-93E2-E3B085C9AB24}">
-                  <p16:designElem xmlns:p16="http://schemas.microsoft.com/office/powerpoint/2015/main" val="1"/>
-                </p:ext>
-              </p:extLst>
-            </p:nvPr>
-          </p:nvSpPr>
-          <p:spPr bwMode="auto">
-            <a:xfrm>
-              <a:off x="261938" y="0"/>
-              <a:ext cx="2944813" cy="6843713"/>
-            </a:xfrm>
-            <a:custGeom>
-              <a:avLst/>
-              <a:gdLst>
-                <a:gd name="T0" fmla="*/ 620 w 620"/>
-                <a:gd name="T1" fmla="*/ 0 h 1440"/>
-                <a:gd name="T2" fmla="*/ 186 w 620"/>
-                <a:gd name="T3" fmla="*/ 1440 h 1440"/>
-              </a:gdLst>
-              <a:ahLst/>
-              <a:cxnLst>
-                <a:cxn ang="0">
-                  <a:pos x="T0" y="T1"/>
-                </a:cxn>
-                <a:cxn ang="0">
-                  <a:pos x="T2" y="T3"/>
-                </a:cxn>
-              </a:cxnLst>
-              <a:rect l="0" t="0" r="r" b="b"/>
-              <a:pathLst>
-                <a:path w="620" h="1440">
-                  <a:moveTo>
-                    <a:pt x="620" y="0"/>
-                  </a:moveTo>
-                  <a:cubicBezTo>
-                    <a:pt x="248" y="325"/>
-                    <a:pt x="0" y="960"/>
-                    <a:pt x="186" y="1440"/>
-                  </a:cubicBezTo>
-                </a:path>
-              </a:pathLst>
-            </a:custGeom>
-            <a:noFill/>
-            <a:ln w="9525" cap="flat">
-              <a:solidFill>
-                <a:schemeClr val="tx1">
-                  <a:alpha val="10000"/>
-                </a:schemeClr>
-              </a:solidFill>
-              <a:prstDash val="lgDash"/>
-              <a:miter lim="800000"/>
-              <a:headEnd/>
-              <a:tailEnd/>
-            </a:ln>
-            <a:extLst>
-              <a:ext uri="{909E8E84-426E-40DD-AFC4-6F175D3DCCD1}">
-                <a14:hiddenFill xmlns:a14="http://schemas.microsoft.com/office/drawing/2010/main">
-                  <a:solidFill>
-                    <a:srgbClr val="FFFFFF"/>
-                  </a:solidFill>
-                </a14:hiddenFill>
-              </a:ext>
-            </a:extLst>
-          </p:spPr>
-          <p:txBody>
-            <a:bodyPr vert="horz" wrap="square" lIns="91440" tIns="45720" rIns="91440" bIns="45720" numCol="1" anchor="t" anchorCtr="0" compatLnSpc="1">
-              <a:prstTxWarp prst="textNoShape">
-                <a:avLst/>
-              </a:prstTxWarp>
-            </a:bodyPr>
-            <a:lstStyle/>
-            <a:p>
-              <a:endParaRPr lang="en-US"/>
-            </a:p>
-          </p:txBody>
-        </p:sp>
-        <p:sp>
-          <p:nvSpPr>
-            <p:cNvPr id="108" name="Freeform 22">
-              <a:extLst>
-                <a:ext uri="{FF2B5EF4-FFF2-40B4-BE49-F238E27FC236}">
-                  <a16:creationId xmlns:a16="http://schemas.microsoft.com/office/drawing/2014/main" id="{97C4EFE2-9D25-4978-BD9A-873B49270210}"/>
-                </a:ext>
-                <a:ext uri="{C183D7F6-B498-43B3-948B-1728B52AA6E4}">
-                  <adec:decorative xmlns:adec="http://schemas.microsoft.com/office/drawing/2017/decorative" val="1"/>
-                </a:ext>
-              </a:extLst>
-            </p:cNvPr>
-            <p:cNvSpPr>
-              <a:spLocks/>
-            </p:cNvSpPr>
-            <p:nvPr>
-              <p:extLst>
-                <p:ext uri="{386F3935-93C4-4BCD-93E2-E3B085C9AB24}">
-                  <p16:designElem xmlns:p16="http://schemas.microsoft.com/office/powerpoint/2015/main" val="1"/>
-                </p:ext>
-              </p:extLst>
-            </p:nvPr>
-          </p:nvSpPr>
-          <p:spPr bwMode="auto">
-            <a:xfrm>
-              <a:off x="-417513" y="0"/>
-              <a:ext cx="2403475" cy="6843713"/>
-            </a:xfrm>
-            <a:custGeom>
-              <a:avLst/>
-              <a:gdLst>
-                <a:gd name="T0" fmla="*/ 506 w 506"/>
-                <a:gd name="T1" fmla="*/ 0 h 1440"/>
-                <a:gd name="T2" fmla="*/ 171 w 506"/>
-                <a:gd name="T3" fmla="*/ 1440 h 1440"/>
-              </a:gdLst>
-              <a:ahLst/>
-              <a:cxnLst>
-                <a:cxn ang="0">
-                  <a:pos x="T0" y="T1"/>
-                </a:cxn>
-                <a:cxn ang="0">
-                  <a:pos x="T2" y="T3"/>
-                </a:cxn>
-              </a:cxnLst>
-              <a:rect l="0" t="0" r="r" b="b"/>
-              <a:pathLst>
-                <a:path w="506" h="1440">
-                  <a:moveTo>
-                    <a:pt x="506" y="0"/>
-                  </a:moveTo>
-                  <a:cubicBezTo>
-                    <a:pt x="109" y="356"/>
-                    <a:pt x="0" y="943"/>
-                    <a:pt x="171" y="1440"/>
-                  </a:cubicBezTo>
-                </a:path>
-              </a:pathLst>
-            </a:custGeom>
-            <a:noFill/>
-            <a:ln w="9525" cap="flat">
-              <a:solidFill>
-                <a:schemeClr val="tx1">
-                  <a:alpha val="10000"/>
-                </a:schemeClr>
-              </a:solidFill>
-              <a:prstDash val="solid"/>
-              <a:miter lim="800000"/>
-              <a:headEnd/>
-              <a:tailEnd/>
-            </a:ln>
-            <a:extLst>
-              <a:ext uri="{909E8E84-426E-40DD-AFC4-6F175D3DCCD1}">
-                <a14:hiddenFill xmlns:a14="http://schemas.microsoft.com/office/drawing/2010/main">
-                  <a:solidFill>
-                    <a:srgbClr val="FFFFFF"/>
-                  </a:solidFill>
-                </a14:hiddenFill>
-              </a:ext>
-            </a:extLst>
-          </p:spPr>
-          <p:txBody>
-            <a:bodyPr vert="horz" wrap="square" lIns="91440" tIns="45720" rIns="91440" bIns="45720" numCol="1" anchor="t" anchorCtr="0" compatLnSpc="1">
-              <a:prstTxWarp prst="textNoShape">
-                <a:avLst/>
-              </a:prstTxWarp>
-            </a:bodyPr>
-            <a:lstStyle/>
-            <a:p>
-              <a:endParaRPr lang="en-US"/>
-            </a:p>
-          </p:txBody>
-        </p:sp>
-        <p:sp>
-          <p:nvSpPr>
-            <p:cNvPr id="109" name="Freeform 23">
-              <a:extLst>
-                <a:ext uri="{FF2B5EF4-FFF2-40B4-BE49-F238E27FC236}">
-                  <a16:creationId xmlns:a16="http://schemas.microsoft.com/office/drawing/2014/main" id="{9CCAF82A-A0E0-4B55-A97B-EFFAE79AF7D2}"/>
-                </a:ext>
-                <a:ext uri="{C183D7F6-B498-43B3-948B-1728B52AA6E4}">
-                  <adec:decorative xmlns:adec="http://schemas.microsoft.com/office/drawing/2017/decorative" val="1"/>
-                </a:ext>
-              </a:extLst>
-            </p:cNvPr>
-            <p:cNvSpPr>
-              <a:spLocks/>
-            </p:cNvSpPr>
-            <p:nvPr>
-              <p:extLst>
-                <p:ext uri="{386F3935-93C4-4BCD-93E2-E3B085C9AB24}">
-                  <p16:designElem xmlns:p16="http://schemas.microsoft.com/office/powerpoint/2015/main" val="1"/>
-                </p:ext>
-              </p:extLst>
-            </p:nvPr>
-          </p:nvSpPr>
-          <p:spPr bwMode="auto">
-            <a:xfrm>
-              <a:off x="14288" y="9525"/>
-              <a:ext cx="1771650" cy="3198813"/>
-            </a:xfrm>
-            <a:custGeom>
-              <a:avLst/>
-              <a:gdLst>
-                <a:gd name="T0" fmla="*/ 373 w 373"/>
-                <a:gd name="T1" fmla="*/ 0 h 673"/>
-                <a:gd name="T2" fmla="*/ 0 w 373"/>
-                <a:gd name="T3" fmla="*/ 673 h 673"/>
-              </a:gdLst>
-              <a:ahLst/>
-              <a:cxnLst>
-                <a:cxn ang="0">
-                  <a:pos x="T0" y="T1"/>
-                </a:cxn>
-                <a:cxn ang="0">
-                  <a:pos x="T2" y="T3"/>
-                </a:cxn>
-              </a:cxnLst>
-              <a:rect l="0" t="0" r="r" b="b"/>
-              <a:pathLst>
-                <a:path w="373" h="673">
-                  <a:moveTo>
-                    <a:pt x="373" y="0"/>
-                  </a:moveTo>
-                  <a:cubicBezTo>
-                    <a:pt x="175" y="183"/>
-                    <a:pt x="51" y="409"/>
-                    <a:pt x="0" y="673"/>
-                  </a:cubicBezTo>
-                </a:path>
-              </a:pathLst>
-            </a:custGeom>
-            <a:noFill/>
-            <a:ln w="9525" cap="flat">
-              <a:solidFill>
-                <a:schemeClr val="tx1">
-                  <a:alpha val="10000"/>
-                </a:schemeClr>
-              </a:solidFill>
-              <a:prstDash val="solid"/>
-              <a:miter lim="800000"/>
-              <a:headEnd/>
-              <a:tailEnd/>
-            </a:ln>
-            <a:extLst>
-              <a:ext uri="{909E8E84-426E-40DD-AFC4-6F175D3DCCD1}">
-                <a14:hiddenFill xmlns:a14="http://schemas.microsoft.com/office/drawing/2010/main">
-                  <a:solidFill>
-                    <a:srgbClr val="FFFFFF"/>
-                  </a:solidFill>
-                </a14:hiddenFill>
-              </a:ext>
-            </a:extLst>
-          </p:spPr>
-          <p:txBody>
-            <a:bodyPr vert="horz" wrap="square" lIns="91440" tIns="45720" rIns="91440" bIns="45720" numCol="1" anchor="t" anchorCtr="0" compatLnSpc="1">
-              <a:prstTxWarp prst="textNoShape">
-                <a:avLst/>
-              </a:prstTxWarp>
-            </a:bodyPr>
-            <a:lstStyle/>
-            <a:p>
-              <a:endParaRPr lang="en-US"/>
-            </a:p>
-          </p:txBody>
-        </p:sp>
-        <p:sp>
-          <p:nvSpPr>
-            <p:cNvPr id="110" name="Freeform 24">
-              <a:extLst>
-                <a:ext uri="{FF2B5EF4-FFF2-40B4-BE49-F238E27FC236}">
-                  <a16:creationId xmlns:a16="http://schemas.microsoft.com/office/drawing/2014/main" id="{4F800DD8-3954-4F73-8807-16F1CFAC1EBA}"/>
-                </a:ext>
-                <a:ext uri="{C183D7F6-B498-43B3-948B-1728B52AA6E4}">
-                  <adec:decorative xmlns:adec="http://schemas.microsoft.com/office/drawing/2017/decorative" val="1"/>
-                </a:ext>
-              </a:extLst>
-            </p:cNvPr>
-            <p:cNvSpPr>
-              <a:spLocks/>
-            </p:cNvSpPr>
-            <p:nvPr>
-              <p:extLst>
-                <p:ext uri="{386F3935-93C4-4BCD-93E2-E3B085C9AB24}">
-                  <p16:designElem xmlns:p16="http://schemas.microsoft.com/office/powerpoint/2015/main" val="1"/>
-                </p:ext>
-              </p:extLst>
-            </p:nvPr>
-          </p:nvSpPr>
-          <p:spPr bwMode="auto">
-            <a:xfrm>
-              <a:off x="4763" y="6016625"/>
-              <a:ext cx="214313" cy="827088"/>
-            </a:xfrm>
-            <a:custGeom>
-              <a:avLst/>
-              <a:gdLst>
-                <a:gd name="T0" fmla="*/ 0 w 45"/>
-                <a:gd name="T1" fmla="*/ 0 h 174"/>
-                <a:gd name="T2" fmla="*/ 45 w 45"/>
-                <a:gd name="T3" fmla="*/ 174 h 174"/>
-              </a:gdLst>
-              <a:ahLst/>
-              <a:cxnLst>
-                <a:cxn ang="0">
-                  <a:pos x="T0" y="T1"/>
-                </a:cxn>
-                <a:cxn ang="0">
-                  <a:pos x="T2" y="T3"/>
-                </a:cxn>
-              </a:cxnLst>
-              <a:rect l="0" t="0" r="r" b="b"/>
-              <a:pathLst>
-                <a:path w="45" h="174">
-                  <a:moveTo>
-                    <a:pt x="0" y="0"/>
-                  </a:moveTo>
-                  <a:cubicBezTo>
-                    <a:pt x="11" y="59"/>
-                    <a:pt x="26" y="118"/>
-                    <a:pt x="45" y="174"/>
-                  </a:cubicBezTo>
-                </a:path>
-              </a:pathLst>
-            </a:custGeom>
-            <a:noFill/>
-            <a:ln w="9525" cap="flat">
-              <a:solidFill>
-                <a:schemeClr val="tx1">
-                  <a:alpha val="10000"/>
-                </a:schemeClr>
-              </a:solidFill>
-              <a:prstDash val="solid"/>
-              <a:miter lim="800000"/>
-              <a:headEnd/>
-              <a:tailEnd/>
-            </a:ln>
-            <a:extLst>
-              <a:ext uri="{909E8E84-426E-40DD-AFC4-6F175D3DCCD1}">
-                <a14:hiddenFill xmlns:a14="http://schemas.microsoft.com/office/drawing/2010/main">
-                  <a:solidFill>
-                    <a:srgbClr val="FFFFFF"/>
-                  </a:solidFill>
-                </a14:hiddenFill>
-              </a:ext>
-            </a:extLst>
-          </p:spPr>
-          <p:txBody>
-            <a:bodyPr vert="horz" wrap="square" lIns="91440" tIns="45720" rIns="91440" bIns="45720" numCol="1" anchor="t" anchorCtr="0" compatLnSpc="1">
-              <a:prstTxWarp prst="textNoShape">
-                <a:avLst/>
-              </a:prstTxWarp>
-            </a:bodyPr>
-            <a:lstStyle/>
-            <a:p>
-              <a:endParaRPr lang="en-US"/>
-            </a:p>
-          </p:txBody>
-        </p:sp>
-        <p:sp>
-          <p:nvSpPr>
-            <p:cNvPr id="111" name="Freeform 25">
-              <a:extLst>
-                <a:ext uri="{FF2B5EF4-FFF2-40B4-BE49-F238E27FC236}">
-                  <a16:creationId xmlns:a16="http://schemas.microsoft.com/office/drawing/2014/main" id="{84E1C91A-4B06-4852-918C-6380FA986BB2}"/>
-                </a:ext>
-                <a:ext uri="{C183D7F6-B498-43B3-948B-1728B52AA6E4}">
-                  <adec:decorative xmlns:adec="http://schemas.microsoft.com/office/drawing/2017/decorative" val="1"/>
-                </a:ext>
-              </a:extLst>
-            </p:cNvPr>
-            <p:cNvSpPr>
-              <a:spLocks/>
-            </p:cNvSpPr>
-            <p:nvPr>
-              <p:extLst>
-                <p:ext uri="{386F3935-93C4-4BCD-93E2-E3B085C9AB24}">
-                  <p16:designElem xmlns:p16="http://schemas.microsoft.com/office/powerpoint/2015/main" val="1"/>
-                </p:ext>
-              </p:extLst>
-            </p:nvPr>
-          </p:nvSpPr>
-          <p:spPr bwMode="auto">
-            <a:xfrm>
-              <a:off x="14288" y="0"/>
-              <a:ext cx="1562100" cy="2228850"/>
-            </a:xfrm>
-            <a:custGeom>
-              <a:avLst/>
-              <a:gdLst>
-                <a:gd name="T0" fmla="*/ 329 w 329"/>
-                <a:gd name="T1" fmla="*/ 0 h 469"/>
-                <a:gd name="T2" fmla="*/ 0 w 329"/>
-                <a:gd name="T3" fmla="*/ 469 h 469"/>
-              </a:gdLst>
-              <a:ahLst/>
-              <a:cxnLst>
-                <a:cxn ang="0">
-                  <a:pos x="T0" y="T1"/>
-                </a:cxn>
-                <a:cxn ang="0">
-                  <a:pos x="T2" y="T3"/>
-                </a:cxn>
-              </a:cxnLst>
-              <a:rect l="0" t="0" r="r" b="b"/>
-              <a:pathLst>
-                <a:path w="329" h="469">
-                  <a:moveTo>
-                    <a:pt x="329" y="0"/>
-                  </a:moveTo>
-                  <a:cubicBezTo>
-                    <a:pt x="189" y="133"/>
-                    <a:pt x="69" y="288"/>
-                    <a:pt x="0" y="469"/>
-                  </a:cubicBezTo>
-                </a:path>
-              </a:pathLst>
-            </a:custGeom>
-            <a:noFill/>
-            <a:ln w="9525" cap="flat">
-              <a:solidFill>
-                <a:schemeClr val="tx1">
-                  <a:alpha val="10000"/>
-                </a:schemeClr>
-              </a:solidFill>
-              <a:prstDash val="solid"/>
-              <a:miter lim="800000"/>
-              <a:headEnd/>
-              <a:tailEnd/>
-            </a:ln>
-            <a:extLst>
-              <a:ext uri="{909E8E84-426E-40DD-AFC4-6F175D3DCCD1}">
-                <a14:hiddenFill xmlns:a14="http://schemas.microsoft.com/office/drawing/2010/main">
-                  <a:solidFill>
-                    <a:srgbClr val="FFFFFF"/>
-                  </a:solidFill>
-                </a14:hiddenFill>
-              </a:ext>
-            </a:extLst>
-          </p:spPr>
-          <p:txBody>
-            <a:bodyPr vert="horz" wrap="square" lIns="91440" tIns="45720" rIns="91440" bIns="45720" numCol="1" anchor="t" anchorCtr="0" compatLnSpc="1">
-              <a:prstTxWarp prst="textNoShape">
-                <a:avLst/>
-              </a:prstTxWarp>
-            </a:bodyPr>
-            <a:lstStyle/>
-            <a:p>
-              <a:endParaRPr lang="en-US"/>
-            </a:p>
-          </p:txBody>
-        </p:sp>
-      </p:grpSp>
-      <p:sp>
-        <p:nvSpPr>
-          <p:cNvPr id="2" name="Title 1">
-            <a:extLst>
-              <a:ext uri="{FF2B5EF4-FFF2-40B4-BE49-F238E27FC236}">
-                <a16:creationId xmlns:a16="http://schemas.microsoft.com/office/drawing/2014/main" id="{52D95D0F-36E6-D248-9046-6BA200FEEF66}"/>
-              </a:ext>
-            </a:extLst>
-          </p:cNvPr>
-          <p:cNvSpPr>
-            <a:spLocks noGrp="1"/>
-          </p:cNvSpPr>
-          <p:nvPr>
-            <p:ph type="title"/>
-          </p:nvPr>
-        </p:nvSpPr>
-        <p:spPr>
-          <a:xfrm>
-            <a:off x="828916" y="488694"/>
-            <a:ext cx="10488547" cy="1436546"/>
-          </a:xfrm>
-        </p:spPr>
-        <p:txBody>
-          <a:bodyPr>
-            <a:normAutofit/>
-          </a:bodyPr>
-          <a:lstStyle/>
-          <a:p>
-            <a:r>
-              <a:rPr lang="en-US" dirty="0">
-                <a:solidFill>
-                  <a:schemeClr val="tx2"/>
-                </a:solidFill>
-              </a:rPr>
-              <a:t>ROC Curve (Julia)</a:t>
-            </a:r>
-          </a:p>
-        </p:txBody>
-      </p:sp>
-      <p:sp>
-        <p:nvSpPr>
-          <p:cNvPr id="112" name="Rectangle 63">
-            <a:extLst>
-              <a:ext uri="{FF2B5EF4-FFF2-40B4-BE49-F238E27FC236}">
-                <a16:creationId xmlns:a16="http://schemas.microsoft.com/office/drawing/2014/main" id="{E972DE0D-2E53-4159-ABD3-C601524262C2}"/>
-              </a:ext>
-              <a:ext uri="{C183D7F6-B498-43B3-948B-1728B52AA6E4}">
-                <adec:decorative xmlns:adec="http://schemas.microsoft.com/office/drawing/2017/decorative" val="1"/>
-              </a:ext>
-            </a:extLst>
-          </p:cNvPr>
-          <p:cNvSpPr>
-            <a:spLocks noGrp="1" noRot="1" noChangeAspect="1" noMove="1" noResize="1" noEditPoints="1" noAdjustHandles="1" noChangeArrowheads="1" noChangeShapeType="1" noTextEdit="1"/>
-          </p:cNvSpPr>
-          <p:nvPr>
-            <p:extLst>
-              <p:ext uri="{386F3935-93C4-4BCD-93E2-E3B085C9AB24}">
-                <p16:designElem xmlns:p16="http://schemas.microsoft.com/office/powerpoint/2015/main" val="1"/>
-              </p:ext>
-            </p:extLst>
-          </p:nvPr>
-        </p:nvSpPr>
-        <p:spPr>
-          <a:xfrm>
-            <a:off x="937030" y="2250281"/>
-            <a:ext cx="4959318" cy="3678237"/>
-          </a:xfrm>
-          <a:prstGeom prst="rect">
-            <a:avLst/>
-          </a:prstGeom>
-          <a:solidFill>
-            <a:schemeClr val="bg1"/>
-          </a:solidFill>
-          <a:ln w="19050">
-            <a:solidFill>
-              <a:srgbClr val="8CDDFE"/>
-            </a:solidFill>
-            <a:miter lim="800000"/>
-          </a:ln>
-        </p:spPr>
-        <p:style>
-          <a:lnRef idx="2">
-            <a:schemeClr val="accent1">
-              <a:shade val="50000"/>
-            </a:schemeClr>
-          </a:lnRef>
-          <a:fillRef idx="1">
-            <a:schemeClr val="accent1"/>
-          </a:fillRef>
-          <a:effectRef idx="0">
-            <a:schemeClr val="accent1"/>
-          </a:effectRef>
-          <a:fontRef idx="minor">
-            <a:schemeClr val="lt1"/>
-          </a:fontRef>
-        </p:style>
-        <p:txBody>
-          <a:bodyPr rtlCol="0" anchor="ctr"/>
-          <a:lstStyle/>
-          <a:p>
-            <a:pPr algn="ctr"/>
-            <a:endParaRPr lang="en-US"/>
-          </a:p>
-        </p:txBody>
-      </p:sp>
-      <p:pic>
-        <p:nvPicPr>
-          <p:cNvPr id="6" name="Picture 5" descr="Chart, line chart&#10;&#10;Description automatically generated">
-            <a:extLst>
-              <a:ext uri="{FF2B5EF4-FFF2-40B4-BE49-F238E27FC236}">
-                <a16:creationId xmlns:a16="http://schemas.microsoft.com/office/drawing/2014/main" id="{84892727-E2BE-3B48-9FF0-8F840D992DB0}"/>
-              </a:ext>
-            </a:extLst>
-          </p:cNvPr>
-          <p:cNvPicPr>
-            <a:picLocks noChangeAspect="1"/>
-          </p:cNvPicPr>
-          <p:nvPr/>
-        </p:nvPicPr>
-        <p:blipFill>
-          <a:blip r:embed="rId2"/>
-          <a:stretch>
-            <a:fillRect/>
-          </a:stretch>
-        </p:blipFill>
-        <p:spPr>
-          <a:xfrm>
-            <a:off x="1065545" y="2474839"/>
-            <a:ext cx="4726912" cy="3143396"/>
-          </a:xfrm>
-          <a:prstGeom prst="rect">
-            <a:avLst/>
-          </a:prstGeom>
-          <a:ln w="12700">
-            <a:noFill/>
-          </a:ln>
-        </p:spPr>
-      </p:pic>
-      <p:sp>
-        <p:nvSpPr>
-          <p:cNvPr id="3" name="Content Placeholder 2">
-            <a:extLst>
-              <a:ext uri="{FF2B5EF4-FFF2-40B4-BE49-F238E27FC236}">
-                <a16:creationId xmlns:a16="http://schemas.microsoft.com/office/drawing/2014/main" id="{42437789-16AA-DE48-86F2-28CE4174B73F}"/>
-              </a:ext>
-            </a:extLst>
-          </p:cNvPr>
-          <p:cNvSpPr>
-            <a:spLocks noGrp="1"/>
-          </p:cNvSpPr>
-          <p:nvPr>
-            <p:ph idx="1"/>
-          </p:nvPr>
-        </p:nvSpPr>
-        <p:spPr>
-          <a:xfrm>
-            <a:off x="6299472" y="2082390"/>
-            <a:ext cx="5028928" cy="4003279"/>
-          </a:xfrm>
-        </p:spPr>
-        <p:txBody>
-          <a:bodyPr>
-            <a:normAutofit fontScale="92500" lnSpcReduction="20000"/>
-          </a:bodyPr>
-          <a:lstStyle/>
-          <a:p>
-            <a:pPr>
-              <a:buClr>
-                <a:srgbClr val="8CDDFE"/>
-              </a:buClr>
-            </a:pPr>
-            <a:r>
-              <a:rPr lang="en-CA" dirty="0"/>
-              <a:t>Receiver Operating Characteristics curve is the evaluation metric used to evaluate the classification model based on its predictive power to predict class one’s accuracy and class zero’s accuracy.</a:t>
-            </a:r>
-          </a:p>
-          <a:p>
-            <a:r>
-              <a:rPr lang="en-CA" dirty="0"/>
-              <a:t>Ideally the curve should be close to the y-axis line and top line of the x-axis, but it’s far from it. That means it is not a good model.</a:t>
-            </a:r>
-          </a:p>
-          <a:p>
-            <a:r>
-              <a:rPr lang="en-CA" dirty="0"/>
-              <a:t>This is because of the high-class imbalance. i.e. while training the data, most of the data points were having class 0.</a:t>
-            </a:r>
-          </a:p>
-          <a:p>
-            <a:r>
-              <a:rPr lang="en-CA" dirty="0"/>
-              <a:t>Unfortunately,  we did not find a way to fix this issue.</a:t>
-            </a:r>
-          </a:p>
-          <a:p>
-            <a:pPr>
-              <a:buClr>
-                <a:srgbClr val="8CDDFE"/>
-              </a:buClr>
-            </a:pPr>
-            <a:endParaRPr lang="en-US" dirty="0"/>
-          </a:p>
-        </p:txBody>
-      </p:sp>
-      <p:sp>
-        <p:nvSpPr>
-          <p:cNvPr id="5" name="TextBox 4">
-            <a:extLst>
-              <a:ext uri="{FF2B5EF4-FFF2-40B4-BE49-F238E27FC236}">
-                <a16:creationId xmlns:a16="http://schemas.microsoft.com/office/drawing/2014/main" id="{05C8206B-2BC3-804A-BE7B-88026C36E799}"/>
-              </a:ext>
-            </a:extLst>
-          </p:cNvPr>
-          <p:cNvSpPr txBox="1"/>
-          <p:nvPr/>
-        </p:nvSpPr>
-        <p:spPr>
-          <a:xfrm>
-            <a:off x="951310" y="6262172"/>
-            <a:ext cx="4510882" cy="369332"/>
-          </a:xfrm>
-          <a:prstGeom prst="rect">
-            <a:avLst/>
-          </a:prstGeom>
-          <a:noFill/>
-        </p:spPr>
-        <p:txBody>
-          <a:bodyPr wrap="square" rtlCol="0">
-            <a:spAutoFit/>
-          </a:bodyPr>
-          <a:lstStyle/>
-          <a:p>
-            <a:pPr>
-              <a:spcAft>
-                <a:spcPts val="600"/>
-              </a:spcAft>
-            </a:pPr>
-            <a:r>
-              <a:rPr lang="en-US" dirty="0"/>
-              <a:t>Reference: </a:t>
-            </a:r>
-            <a:r>
-              <a:rPr lang="en-US" dirty="0">
-                <a:hlinkClick r:id="rId3"/>
-              </a:rPr>
-              <a:t>Logistic Regression in Julia</a:t>
-            </a:r>
-            <a:endParaRPr lang="en-US" dirty="0"/>
-          </a:p>
-        </p:txBody>
-      </p:sp>
-    </p:spTree>
-    <p:extLst>
-      <p:ext uri="{BB962C8B-B14F-4D97-AF65-F5344CB8AC3E}">
-        <p14:creationId xmlns:p14="http://schemas.microsoft.com/office/powerpoint/2010/main" val="566676690"/>
-      </p:ext>
-    </p:extLst>
-  </p:cSld>
-  <p:clrMapOvr>
-    <a:masterClrMapping/>
-  </p:clrMapOvr>
-</p:sld>
-</file>
-
-<file path=ppt/slides/slide5.xml><?xml version="1.0" encoding="utf-8"?>
+<file path=ppt/slides/slide10.xml><?xml version="1.0" encoding="utf-8"?>
 <p:sld xmlns:a="http://schemas.openxmlformats.org/drawingml/2006/main" xmlns:r="http://schemas.openxmlformats.org/officeDocument/2006/relationships" xmlns:p="http://schemas.openxmlformats.org/presentationml/2006/main">
   <p:cSld>
     <p:spTree>
@@ -18706,7 +16048,7 @@
 </p:sld>
 </file>
 
-<file path=ppt/slides/slide6.xml><?xml version="1.0" encoding="utf-8"?>
+<file path=ppt/slides/slide11.xml><?xml version="1.0" encoding="utf-8"?>
 <p:sld xmlns:a="http://schemas.openxmlformats.org/drawingml/2006/main" xmlns:r="http://schemas.openxmlformats.org/officeDocument/2006/relationships" xmlns:p="http://schemas.openxmlformats.org/presentationml/2006/main">
   <p:cSld>
     <p:spTree>
@@ -18865,7 +16207,7 @@
 </p:sld>
 </file>
 
-<file path=ppt/slides/slide7.xml><?xml version="1.0" encoding="utf-8"?>
+<file path=ppt/slides/slide12.xml><?xml version="1.0" encoding="utf-8"?>
 <p:sld xmlns:a="http://schemas.openxmlformats.org/drawingml/2006/main" xmlns:r="http://schemas.openxmlformats.org/officeDocument/2006/relationships" xmlns:p="http://schemas.openxmlformats.org/presentationml/2006/main">
   <p:cSld>
     <p:spTree>
@@ -18948,7 +16290,7 @@
 </p:sld>
 </file>
 
-<file path=ppt/slides/slide8.xml><?xml version="1.0" encoding="utf-8"?>
+<file path=ppt/slides/slide13.xml><?xml version="1.0" encoding="utf-8"?>
 <p:sld xmlns:a="http://schemas.openxmlformats.org/drawingml/2006/main" xmlns:r="http://schemas.openxmlformats.org/officeDocument/2006/relationships" xmlns:p="http://schemas.openxmlformats.org/presentationml/2006/main">
   <p:cSld>
     <p:spTree>
@@ -19038,7 +16380,7 @@
 </p:sld>
 </file>
 
-<file path=ppt/slides/slide9.xml><?xml version="1.0" encoding="utf-8"?>
+<file path=ppt/slides/slide14.xml><?xml version="1.0" encoding="utf-8"?>
 <p:sld xmlns:a="http://schemas.openxmlformats.org/drawingml/2006/main" xmlns:r="http://schemas.openxmlformats.org/officeDocument/2006/relationships" xmlns:p="http://schemas.openxmlformats.org/presentationml/2006/main">
   <p:cSld>
     <p:spTree>
@@ -19208,6 +16550,3941 @@
     <p:extLst>
       <p:ext uri="{BB962C8B-B14F-4D97-AF65-F5344CB8AC3E}">
         <p14:creationId xmlns:p14="http://schemas.microsoft.com/office/powerpoint/2010/main" val="4132829262"/>
+      </p:ext>
+    </p:extLst>
+  </p:cSld>
+  <p:clrMapOvr>
+    <a:masterClrMapping/>
+  </p:clrMapOvr>
+</p:sld>
+</file>
+
+<file path=ppt/slides/slide2.xml><?xml version="1.0" encoding="utf-8"?>
+<p:sld xmlns:a="http://schemas.openxmlformats.org/drawingml/2006/main" xmlns:r="http://schemas.openxmlformats.org/officeDocument/2006/relationships" xmlns:p="http://schemas.openxmlformats.org/presentationml/2006/main">
+  <p:cSld>
+    <p:spTree>
+      <p:nvGrpSpPr>
+        <p:cNvPr id="1" name=""/>
+        <p:cNvGrpSpPr/>
+        <p:nvPr/>
+      </p:nvGrpSpPr>
+      <p:grpSpPr>
+        <a:xfrm>
+          <a:off x="0" y="0"/>
+          <a:ext cx="0" cy="0"/>
+          <a:chOff x="0" y="0"/>
+          <a:chExt cx="0" cy="0"/>
+        </a:xfrm>
+      </p:grpSpPr>
+      <p:sp>
+        <p:nvSpPr>
+          <p:cNvPr id="2" name="Title 1">
+            <a:extLst>
+              <a:ext uri="{FF2B5EF4-FFF2-40B4-BE49-F238E27FC236}">
+                <a16:creationId xmlns:a16="http://schemas.microsoft.com/office/drawing/2014/main" id="{AA280ABE-4435-8647-98B9-590090FE179F}"/>
+              </a:ext>
+            </a:extLst>
+          </p:cNvPr>
+          <p:cNvSpPr>
+            <a:spLocks noGrp="1"/>
+          </p:cNvSpPr>
+          <p:nvPr>
+            <p:ph type="title"/>
+          </p:nvPr>
+        </p:nvSpPr>
+        <p:spPr/>
+        <p:txBody>
+          <a:bodyPr/>
+          <a:lstStyle/>
+          <a:p>
+            <a:r>
+              <a:rPr lang="en-US" dirty="0"/>
+              <a:t>Dataset we use</a:t>
+            </a:r>
+          </a:p>
+        </p:txBody>
+      </p:sp>
+      <p:sp>
+        <p:nvSpPr>
+          <p:cNvPr id="3" name="Content Placeholder 2">
+            <a:extLst>
+              <a:ext uri="{FF2B5EF4-FFF2-40B4-BE49-F238E27FC236}">
+                <a16:creationId xmlns:a16="http://schemas.microsoft.com/office/drawing/2014/main" id="{030550BA-B97B-2D45-A4FF-ECD5906A0509}"/>
+              </a:ext>
+            </a:extLst>
+          </p:cNvPr>
+          <p:cNvSpPr>
+            <a:spLocks noGrp="1"/>
+          </p:cNvSpPr>
+          <p:nvPr>
+            <p:ph idx="1"/>
+          </p:nvPr>
+        </p:nvSpPr>
+        <p:spPr/>
+        <p:txBody>
+          <a:bodyPr/>
+          <a:lstStyle/>
+          <a:p>
+            <a:endParaRPr lang="en-US" dirty="0"/>
+          </a:p>
+        </p:txBody>
+      </p:sp>
+    </p:spTree>
+    <p:extLst>
+      <p:ext uri="{BB962C8B-B14F-4D97-AF65-F5344CB8AC3E}">
+        <p14:creationId xmlns:p14="http://schemas.microsoft.com/office/powerpoint/2010/main" val="3242924778"/>
+      </p:ext>
+    </p:extLst>
+  </p:cSld>
+  <p:clrMapOvr>
+    <a:masterClrMapping/>
+  </p:clrMapOvr>
+</p:sld>
+</file>
+
+<file path=ppt/slides/slide3.xml><?xml version="1.0" encoding="utf-8"?>
+<p:sld xmlns:a="http://schemas.openxmlformats.org/drawingml/2006/main" xmlns:r="http://schemas.openxmlformats.org/officeDocument/2006/relationships" xmlns:p="http://schemas.openxmlformats.org/presentationml/2006/main">
+  <p:cSld>
+    <p:spTree>
+      <p:nvGrpSpPr>
+        <p:cNvPr id="1" name=""/>
+        <p:cNvGrpSpPr/>
+        <p:nvPr/>
+      </p:nvGrpSpPr>
+      <p:grpSpPr>
+        <a:xfrm>
+          <a:off x="0" y="0"/>
+          <a:ext cx="0" cy="0"/>
+          <a:chOff x="0" y="0"/>
+          <a:chExt cx="0" cy="0"/>
+        </a:xfrm>
+      </p:grpSpPr>
+      <p:sp>
+        <p:nvSpPr>
+          <p:cNvPr id="2" name="Title 1">
+            <a:extLst>
+              <a:ext uri="{FF2B5EF4-FFF2-40B4-BE49-F238E27FC236}">
+                <a16:creationId xmlns:a16="http://schemas.microsoft.com/office/drawing/2014/main" id="{0AFCCFDC-98F7-4A41-B1B0-7AD433F3DB17}"/>
+              </a:ext>
+            </a:extLst>
+          </p:cNvPr>
+          <p:cNvSpPr>
+            <a:spLocks noGrp="1"/>
+          </p:cNvSpPr>
+          <p:nvPr>
+            <p:ph type="title"/>
+          </p:nvPr>
+        </p:nvSpPr>
+        <p:spPr>
+          <a:xfrm>
+            <a:off x="878799" y="1553513"/>
+            <a:ext cx="3644040" cy="825894"/>
+          </a:xfrm>
+        </p:spPr>
+        <p:txBody>
+          <a:bodyPr>
+            <a:normAutofit fontScale="90000"/>
+          </a:bodyPr>
+          <a:lstStyle/>
+          <a:p>
+            <a:r>
+              <a:rPr lang="en-US" dirty="0"/>
+              <a:t>Logistic Regression</a:t>
+            </a:r>
+          </a:p>
+        </p:txBody>
+      </p:sp>
+      <p:sp>
+        <p:nvSpPr>
+          <p:cNvPr id="3" name="Content Placeholder 2">
+            <a:extLst>
+              <a:ext uri="{FF2B5EF4-FFF2-40B4-BE49-F238E27FC236}">
+                <a16:creationId xmlns:a16="http://schemas.microsoft.com/office/drawing/2014/main" id="{91AE8550-172A-3545-B6B1-F376EA7E82FA}"/>
+              </a:ext>
+            </a:extLst>
+          </p:cNvPr>
+          <p:cNvSpPr>
+            <a:spLocks noGrp="1"/>
+          </p:cNvSpPr>
+          <p:nvPr>
+            <p:ph idx="1"/>
+          </p:nvPr>
+        </p:nvSpPr>
+        <p:spPr>
+          <a:xfrm>
+            <a:off x="5118447" y="803186"/>
+            <a:ext cx="6281873" cy="974814"/>
+          </a:xfrm>
+        </p:spPr>
+        <p:txBody>
+          <a:bodyPr/>
+          <a:lstStyle/>
+          <a:p>
+            <a:r>
+              <a:rPr lang="en-US" dirty="0"/>
+              <a:t>Used the “@time” tag in Julia to measure performance:</a:t>
+            </a:r>
+          </a:p>
+          <a:p>
+            <a:endParaRPr lang="en-US" dirty="0"/>
+          </a:p>
+        </p:txBody>
+      </p:sp>
+      <p:sp>
+        <p:nvSpPr>
+          <p:cNvPr id="6" name="Title 1">
+            <a:extLst>
+              <a:ext uri="{FF2B5EF4-FFF2-40B4-BE49-F238E27FC236}">
+                <a16:creationId xmlns:a16="http://schemas.microsoft.com/office/drawing/2014/main" id="{3D06A374-F05B-8E44-BDA6-239B50994B61}"/>
+              </a:ext>
+            </a:extLst>
+          </p:cNvPr>
+          <p:cNvSpPr txBox="1">
+            <a:spLocks/>
+          </p:cNvSpPr>
+          <p:nvPr/>
+        </p:nvSpPr>
+        <p:spPr>
+          <a:xfrm>
+            <a:off x="633259" y="2379407"/>
+            <a:ext cx="4135120" cy="2567187"/>
+          </a:xfrm>
+          <a:prstGeom prst="rect">
+            <a:avLst/>
+          </a:prstGeom>
+        </p:spPr>
+        <p:txBody>
+          <a:bodyPr vert="horz" lIns="228600" tIns="228600" rIns="228600" bIns="228600" rtlCol="0" anchor="ctr">
+            <a:normAutofit fontScale="97500"/>
+          </a:bodyPr>
+          <a:lstStyle>
+            <a:lvl1pPr algn="ctr" defTabSz="914400" rtl="0" eaLnBrk="1" latinLnBrk="0" hangingPunct="1">
+              <a:lnSpc>
+                <a:spcPct val="85000"/>
+              </a:lnSpc>
+              <a:spcBef>
+                <a:spcPct val="0"/>
+              </a:spcBef>
+              <a:buNone/>
+              <a:defRPr sz="4000" b="0" i="0" kern="1200" cap="none" spc="-150">
+                <a:solidFill>
+                  <a:srgbClr val="FFFEFF"/>
+                </a:solidFill>
+                <a:effectLst/>
+                <a:latin typeface="+mj-lt"/>
+                <a:ea typeface="+mj-ea"/>
+                <a:cs typeface="+mj-cs"/>
+              </a:defRPr>
+            </a:lvl1pPr>
+          </a:lstStyle>
+          <a:p>
+            <a:r>
+              <a:rPr lang="en-US" dirty="0"/>
+              <a:t>Performance Comparison</a:t>
+            </a:r>
+          </a:p>
+          <a:p>
+            <a:r>
+              <a:rPr lang="en-US" dirty="0"/>
+              <a:t>(</a:t>
+            </a:r>
+            <a:r>
+              <a:rPr lang="en-US" dirty="0" err="1"/>
+              <a:t>w.r.t.</a:t>
+            </a:r>
+            <a:r>
+              <a:rPr lang="en-US" dirty="0"/>
+              <a:t> </a:t>
+            </a:r>
+          </a:p>
+          <a:p>
+            <a:r>
+              <a:rPr lang="en-US" dirty="0"/>
+              <a:t>Time and Space)</a:t>
+            </a:r>
+          </a:p>
+        </p:txBody>
+      </p:sp>
+      <p:pic>
+        <p:nvPicPr>
+          <p:cNvPr id="4" name="Picture 3">
+            <a:extLst>
+              <a:ext uri="{FF2B5EF4-FFF2-40B4-BE49-F238E27FC236}">
+                <a16:creationId xmlns:a16="http://schemas.microsoft.com/office/drawing/2014/main" id="{62E8B09F-2A35-6645-96B1-1ADE5BA94037}"/>
+              </a:ext>
+            </a:extLst>
+          </p:cNvPr>
+          <p:cNvPicPr>
+            <a:picLocks noChangeAspect="1"/>
+          </p:cNvPicPr>
+          <p:nvPr/>
+        </p:nvPicPr>
+        <p:blipFill>
+          <a:blip r:embed="rId2"/>
+          <a:stretch>
+            <a:fillRect/>
+          </a:stretch>
+        </p:blipFill>
+        <p:spPr>
+          <a:xfrm>
+            <a:off x="5080755" y="1507738"/>
+            <a:ext cx="6357256" cy="1370601"/>
+          </a:xfrm>
+          <a:prstGeom prst="rect">
+            <a:avLst/>
+          </a:prstGeom>
+        </p:spPr>
+      </p:pic>
+      <p:sp>
+        <p:nvSpPr>
+          <p:cNvPr id="7" name="Content Placeholder 2">
+            <a:extLst>
+              <a:ext uri="{FF2B5EF4-FFF2-40B4-BE49-F238E27FC236}">
+                <a16:creationId xmlns:a16="http://schemas.microsoft.com/office/drawing/2014/main" id="{865D1AED-4645-5246-AC01-5D74CBFD060B}"/>
+              </a:ext>
+            </a:extLst>
+          </p:cNvPr>
+          <p:cNvSpPr txBox="1">
+            <a:spLocks/>
+          </p:cNvSpPr>
+          <p:nvPr/>
+        </p:nvSpPr>
+        <p:spPr>
+          <a:xfrm>
+            <a:off x="5118447" y="2608076"/>
+            <a:ext cx="6281873" cy="4040122"/>
+          </a:xfrm>
+          <a:prstGeom prst="rect">
+            <a:avLst/>
+          </a:prstGeom>
+        </p:spPr>
+        <p:txBody>
+          <a:bodyPr vert="horz" lIns="91440" tIns="45720" rIns="91440" bIns="45720" rtlCol="0" anchor="ctr">
+            <a:normAutofit/>
+          </a:bodyPr>
+          <a:lstStyle>
+            <a:lvl1pPr marL="228600" indent="-228600" algn="l" defTabSz="914400" rtl="0" eaLnBrk="1" latinLnBrk="0" hangingPunct="1">
+              <a:lnSpc>
+                <a:spcPct val="120000"/>
+              </a:lnSpc>
+              <a:spcBef>
+                <a:spcPts val="1000"/>
+              </a:spcBef>
+              <a:buClr>
+                <a:schemeClr val="accent1"/>
+              </a:buClr>
+              <a:buSzPct val="110000"/>
+              <a:buFont typeface="Wingdings" panose="05000000000000000000" pitchFamily="2" charset="2"/>
+              <a:buChar char="§"/>
+              <a:defRPr sz="1800" kern="1200">
+                <a:solidFill>
+                  <a:schemeClr val="tx1"/>
+                </a:solidFill>
+                <a:effectLst/>
+                <a:latin typeface="+mn-lt"/>
+                <a:ea typeface="+mn-ea"/>
+                <a:cs typeface="+mn-cs"/>
+              </a:defRPr>
+            </a:lvl1pPr>
+            <a:lvl2pPr marL="685800" indent="-228600" algn="l" defTabSz="914400" rtl="0" eaLnBrk="1" latinLnBrk="0" hangingPunct="1">
+              <a:lnSpc>
+                <a:spcPct val="120000"/>
+              </a:lnSpc>
+              <a:spcBef>
+                <a:spcPts val="500"/>
+              </a:spcBef>
+              <a:buClr>
+                <a:schemeClr val="accent1"/>
+              </a:buClr>
+              <a:buSzPct val="110000"/>
+              <a:buFont typeface="Wingdings" panose="05000000000000000000" pitchFamily="2" charset="2"/>
+              <a:buChar char="§"/>
+              <a:defRPr sz="1600" kern="1200">
+                <a:solidFill>
+                  <a:schemeClr val="tx1"/>
+                </a:solidFill>
+                <a:effectLst/>
+                <a:latin typeface="+mn-lt"/>
+                <a:ea typeface="+mn-ea"/>
+                <a:cs typeface="+mn-cs"/>
+              </a:defRPr>
+            </a:lvl2pPr>
+            <a:lvl3pPr marL="1143000" indent="-228600" algn="l" defTabSz="914400" rtl="0" eaLnBrk="1" latinLnBrk="0" hangingPunct="1">
+              <a:lnSpc>
+                <a:spcPct val="120000"/>
+              </a:lnSpc>
+              <a:spcBef>
+                <a:spcPts val="500"/>
+              </a:spcBef>
+              <a:buClr>
+                <a:schemeClr val="accent1"/>
+              </a:buClr>
+              <a:buSzPct val="110000"/>
+              <a:buFont typeface="Wingdings" panose="05000000000000000000" pitchFamily="2" charset="2"/>
+              <a:buChar char="§"/>
+              <a:defRPr sz="1400" kern="1200">
+                <a:solidFill>
+                  <a:schemeClr val="tx1"/>
+                </a:solidFill>
+                <a:effectLst/>
+                <a:latin typeface="+mn-lt"/>
+                <a:ea typeface="+mn-ea"/>
+                <a:cs typeface="+mn-cs"/>
+              </a:defRPr>
+            </a:lvl3pPr>
+            <a:lvl4pPr marL="1600200" indent="-228600" algn="l" defTabSz="914400" rtl="0" eaLnBrk="1" latinLnBrk="0" hangingPunct="1">
+              <a:lnSpc>
+                <a:spcPct val="120000"/>
+              </a:lnSpc>
+              <a:spcBef>
+                <a:spcPts val="500"/>
+              </a:spcBef>
+              <a:buClr>
+                <a:schemeClr val="accent1"/>
+              </a:buClr>
+              <a:buSzPct val="110000"/>
+              <a:buFont typeface="Wingdings" panose="05000000000000000000" pitchFamily="2" charset="2"/>
+              <a:buChar char="§"/>
+              <a:defRPr sz="1200" kern="1200">
+                <a:solidFill>
+                  <a:schemeClr val="tx1"/>
+                </a:solidFill>
+                <a:effectLst/>
+                <a:latin typeface="+mn-lt"/>
+                <a:ea typeface="+mn-ea"/>
+                <a:cs typeface="+mn-cs"/>
+              </a:defRPr>
+            </a:lvl4pPr>
+            <a:lvl5pPr marL="2057400" indent="-228600" algn="l" defTabSz="914400" rtl="0" eaLnBrk="1" latinLnBrk="0" hangingPunct="1">
+              <a:lnSpc>
+                <a:spcPct val="120000"/>
+              </a:lnSpc>
+              <a:spcBef>
+                <a:spcPts val="500"/>
+              </a:spcBef>
+              <a:buClr>
+                <a:schemeClr val="accent1"/>
+              </a:buClr>
+              <a:buSzPct val="110000"/>
+              <a:buFont typeface="Wingdings" panose="05000000000000000000" pitchFamily="2" charset="2"/>
+              <a:buChar char="§"/>
+              <a:defRPr sz="1200" kern="1200">
+                <a:solidFill>
+                  <a:schemeClr val="tx1"/>
+                </a:solidFill>
+                <a:effectLst/>
+                <a:latin typeface="+mn-lt"/>
+                <a:ea typeface="+mn-ea"/>
+                <a:cs typeface="+mn-cs"/>
+              </a:defRPr>
+            </a:lvl5pPr>
+            <a:lvl6pPr marL="2514600" indent="-228600" algn="l" defTabSz="914400" rtl="0" eaLnBrk="1" latinLnBrk="0" hangingPunct="1">
+              <a:lnSpc>
+                <a:spcPct val="120000"/>
+              </a:lnSpc>
+              <a:spcBef>
+                <a:spcPts val="500"/>
+              </a:spcBef>
+              <a:buClr>
+                <a:schemeClr val="accent1"/>
+              </a:buClr>
+              <a:buSzPct val="110000"/>
+              <a:buFont typeface="Wingdings" panose="05000000000000000000" pitchFamily="2" charset="2"/>
+              <a:buChar char="§"/>
+              <a:defRPr sz="1200" kern="1200">
+                <a:solidFill>
+                  <a:schemeClr val="tx1"/>
+                </a:solidFill>
+                <a:effectLst/>
+                <a:latin typeface="+mn-lt"/>
+                <a:ea typeface="+mn-ea"/>
+                <a:cs typeface="+mn-cs"/>
+              </a:defRPr>
+            </a:lvl6pPr>
+            <a:lvl7pPr marL="2971800" indent="-228600" algn="l" defTabSz="914400" rtl="0" eaLnBrk="1" latinLnBrk="0" hangingPunct="1">
+              <a:lnSpc>
+                <a:spcPct val="120000"/>
+              </a:lnSpc>
+              <a:spcBef>
+                <a:spcPts val="500"/>
+              </a:spcBef>
+              <a:buClr>
+                <a:schemeClr val="accent1"/>
+              </a:buClr>
+              <a:buSzPct val="110000"/>
+              <a:buFont typeface="Wingdings" panose="05000000000000000000" pitchFamily="2" charset="2"/>
+              <a:buChar char="§"/>
+              <a:defRPr sz="1200" kern="1200">
+                <a:solidFill>
+                  <a:schemeClr val="tx1"/>
+                </a:solidFill>
+                <a:effectLst/>
+                <a:latin typeface="+mn-lt"/>
+                <a:ea typeface="+mn-ea"/>
+                <a:cs typeface="+mn-cs"/>
+              </a:defRPr>
+            </a:lvl7pPr>
+            <a:lvl8pPr marL="3429000" indent="-228600" algn="l" defTabSz="914400" rtl="0" eaLnBrk="1" latinLnBrk="0" hangingPunct="1">
+              <a:lnSpc>
+                <a:spcPct val="120000"/>
+              </a:lnSpc>
+              <a:spcBef>
+                <a:spcPts val="500"/>
+              </a:spcBef>
+              <a:buClr>
+                <a:schemeClr val="accent1"/>
+              </a:buClr>
+              <a:buSzPct val="110000"/>
+              <a:buFont typeface="Wingdings" panose="05000000000000000000" pitchFamily="2" charset="2"/>
+              <a:buChar char="§"/>
+              <a:defRPr sz="1200" kern="1200">
+                <a:solidFill>
+                  <a:schemeClr val="tx1"/>
+                </a:solidFill>
+                <a:effectLst/>
+                <a:latin typeface="+mn-lt"/>
+                <a:ea typeface="+mn-ea"/>
+                <a:cs typeface="+mn-cs"/>
+              </a:defRPr>
+            </a:lvl8pPr>
+            <a:lvl9pPr marL="3886200" indent="-228600" algn="l" defTabSz="914400" rtl="0" eaLnBrk="1" latinLnBrk="0" hangingPunct="1">
+              <a:lnSpc>
+                <a:spcPct val="120000"/>
+              </a:lnSpc>
+              <a:spcBef>
+                <a:spcPts val="500"/>
+              </a:spcBef>
+              <a:buClr>
+                <a:schemeClr val="accent1"/>
+              </a:buClr>
+              <a:buSzPct val="110000"/>
+              <a:buFont typeface="Wingdings" panose="05000000000000000000" pitchFamily="2" charset="2"/>
+              <a:buChar char="§"/>
+              <a:defRPr sz="1200" kern="1200">
+                <a:solidFill>
+                  <a:schemeClr val="tx1"/>
+                </a:solidFill>
+                <a:effectLst/>
+                <a:latin typeface="+mn-lt"/>
+                <a:ea typeface="+mn-ea"/>
+                <a:cs typeface="+mn-cs"/>
+              </a:defRPr>
+            </a:lvl9pPr>
+          </a:lstStyle>
+          <a:p>
+            <a:r>
+              <a:rPr lang="en-US" dirty="0"/>
+              <a:t>Used the “@time” tag in Julia to measure performance:</a:t>
+            </a:r>
+          </a:p>
+          <a:p>
+            <a:r>
+              <a:rPr lang="en-US" dirty="0"/>
+              <a:t>0.000406 seconds (479 allocations: 117.445 KiB) (per prediction)</a:t>
+            </a:r>
+          </a:p>
+          <a:p>
+            <a:r>
+              <a:rPr lang="en-US" dirty="0"/>
+              <a:t>6.229780 seconds (9.34 M allocations: 1.593 GiB, 10.32% </a:t>
+            </a:r>
+            <a:r>
+              <a:rPr lang="en-US" dirty="0" err="1"/>
+              <a:t>gc</a:t>
+            </a:r>
+            <a:r>
+              <a:rPr lang="en-US" dirty="0"/>
+              <a:t> time) (find the average accuracy of 10000 predictions)</a:t>
+            </a:r>
+          </a:p>
+        </p:txBody>
+      </p:sp>
+      <p:sp>
+        <p:nvSpPr>
+          <p:cNvPr id="8" name="TextBox 7">
+            <a:extLst>
+              <a:ext uri="{FF2B5EF4-FFF2-40B4-BE49-F238E27FC236}">
+                <a16:creationId xmlns:a16="http://schemas.microsoft.com/office/drawing/2014/main" id="{2AFB265C-A0D4-CF48-8F9C-2139872905B3}"/>
+              </a:ext>
+            </a:extLst>
+          </p:cNvPr>
+          <p:cNvSpPr txBox="1"/>
+          <p:nvPr/>
+        </p:nvSpPr>
+        <p:spPr>
+          <a:xfrm>
+            <a:off x="2183681" y="594004"/>
+            <a:ext cx="1341839" cy="646331"/>
+          </a:xfrm>
+          <a:prstGeom prst="rect">
+            <a:avLst/>
+          </a:prstGeom>
+          <a:noFill/>
+        </p:spPr>
+        <p:txBody>
+          <a:bodyPr wrap="square" rtlCol="0">
+            <a:spAutoFit/>
+          </a:bodyPr>
+          <a:lstStyle/>
+          <a:p>
+            <a:r>
+              <a:rPr lang="en-US" sz="3600" dirty="0"/>
+              <a:t>Julia</a:t>
+            </a:r>
+          </a:p>
+        </p:txBody>
+      </p:sp>
+    </p:spTree>
+    <p:extLst>
+      <p:ext uri="{BB962C8B-B14F-4D97-AF65-F5344CB8AC3E}">
+        <p14:creationId xmlns:p14="http://schemas.microsoft.com/office/powerpoint/2010/main" val="679169853"/>
+      </p:ext>
+    </p:extLst>
+  </p:cSld>
+  <p:clrMapOvr>
+    <a:masterClrMapping/>
+  </p:clrMapOvr>
+</p:sld>
+</file>
+
+<file path=ppt/slides/slide4.xml><?xml version="1.0" encoding="utf-8"?>
+<p:sld xmlns:a="http://schemas.openxmlformats.org/drawingml/2006/main" xmlns:r="http://schemas.openxmlformats.org/officeDocument/2006/relationships" xmlns:p="http://schemas.openxmlformats.org/presentationml/2006/main">
+  <p:cSld>
+    <p:spTree>
+      <p:nvGrpSpPr>
+        <p:cNvPr id="1" name=""/>
+        <p:cNvGrpSpPr/>
+        <p:nvPr/>
+      </p:nvGrpSpPr>
+      <p:grpSpPr>
+        <a:xfrm>
+          <a:off x="0" y="0"/>
+          <a:ext cx="0" cy="0"/>
+          <a:chOff x="0" y="0"/>
+          <a:chExt cx="0" cy="0"/>
+        </a:xfrm>
+      </p:grpSpPr>
+      <p:sp>
+        <p:nvSpPr>
+          <p:cNvPr id="2" name="Title 1">
+            <a:extLst>
+              <a:ext uri="{FF2B5EF4-FFF2-40B4-BE49-F238E27FC236}">
+                <a16:creationId xmlns:a16="http://schemas.microsoft.com/office/drawing/2014/main" id="{0AFCCFDC-98F7-4A41-B1B0-7AD433F3DB17}"/>
+              </a:ext>
+            </a:extLst>
+          </p:cNvPr>
+          <p:cNvSpPr>
+            <a:spLocks noGrp="1"/>
+          </p:cNvSpPr>
+          <p:nvPr>
+            <p:ph type="title"/>
+          </p:nvPr>
+        </p:nvSpPr>
+        <p:spPr>
+          <a:xfrm>
+            <a:off x="878799" y="1553513"/>
+            <a:ext cx="3644040" cy="825894"/>
+          </a:xfrm>
+        </p:spPr>
+        <p:txBody>
+          <a:bodyPr>
+            <a:normAutofit fontScale="90000"/>
+          </a:bodyPr>
+          <a:lstStyle/>
+          <a:p>
+            <a:r>
+              <a:rPr lang="en-US" dirty="0"/>
+              <a:t>Logistic Regression</a:t>
+            </a:r>
+          </a:p>
+        </p:txBody>
+      </p:sp>
+      <p:sp>
+        <p:nvSpPr>
+          <p:cNvPr id="3" name="Content Placeholder 2">
+            <a:extLst>
+              <a:ext uri="{FF2B5EF4-FFF2-40B4-BE49-F238E27FC236}">
+                <a16:creationId xmlns:a16="http://schemas.microsoft.com/office/drawing/2014/main" id="{91AE8550-172A-3545-B6B1-F376EA7E82FA}"/>
+              </a:ext>
+            </a:extLst>
+          </p:cNvPr>
+          <p:cNvSpPr>
+            <a:spLocks noGrp="1"/>
+          </p:cNvSpPr>
+          <p:nvPr>
+            <p:ph idx="1"/>
+          </p:nvPr>
+        </p:nvSpPr>
+        <p:spPr/>
+        <p:txBody>
+          <a:bodyPr/>
+          <a:lstStyle/>
+          <a:p>
+            <a:r>
+              <a:rPr lang="en-US" dirty="0"/>
+              <a:t>The average accuracy (</a:t>
+            </a:r>
+            <a:r>
+              <a:rPr lang="en-US"/>
+              <a:t>10000 predictions) </a:t>
+            </a:r>
+            <a:r>
+              <a:rPr lang="en-US" dirty="0"/>
+              <a:t>of the logistic regression model in the Julia implementation is 70%</a:t>
+            </a:r>
+          </a:p>
+        </p:txBody>
+      </p:sp>
+      <p:sp>
+        <p:nvSpPr>
+          <p:cNvPr id="6" name="Title 1">
+            <a:extLst>
+              <a:ext uri="{FF2B5EF4-FFF2-40B4-BE49-F238E27FC236}">
+                <a16:creationId xmlns:a16="http://schemas.microsoft.com/office/drawing/2014/main" id="{3D06A374-F05B-8E44-BDA6-239B50994B61}"/>
+              </a:ext>
+            </a:extLst>
+          </p:cNvPr>
+          <p:cNvSpPr txBox="1">
+            <a:spLocks/>
+          </p:cNvSpPr>
+          <p:nvPr/>
+        </p:nvSpPr>
+        <p:spPr>
+          <a:xfrm>
+            <a:off x="878798" y="2340093"/>
+            <a:ext cx="3555549" cy="2467881"/>
+          </a:xfrm>
+          <a:prstGeom prst="rect">
+            <a:avLst/>
+          </a:prstGeom>
+        </p:spPr>
+        <p:txBody>
+          <a:bodyPr vert="horz" lIns="228600" tIns="228600" rIns="228600" bIns="228600" rtlCol="0" anchor="ctr">
+            <a:normAutofit fontScale="97500"/>
+          </a:bodyPr>
+          <a:lstStyle>
+            <a:lvl1pPr algn="ctr" defTabSz="914400" rtl="0" eaLnBrk="1" latinLnBrk="0" hangingPunct="1">
+              <a:lnSpc>
+                <a:spcPct val="85000"/>
+              </a:lnSpc>
+              <a:spcBef>
+                <a:spcPct val="0"/>
+              </a:spcBef>
+              <a:buNone/>
+              <a:defRPr sz="4000" b="0" i="0" kern="1200" cap="none" spc="-150">
+                <a:solidFill>
+                  <a:srgbClr val="FFFEFF"/>
+                </a:solidFill>
+                <a:effectLst/>
+                <a:latin typeface="+mj-lt"/>
+                <a:ea typeface="+mj-ea"/>
+                <a:cs typeface="+mj-cs"/>
+              </a:defRPr>
+            </a:lvl1pPr>
+          </a:lstStyle>
+          <a:p>
+            <a:r>
+              <a:rPr lang="en-US" dirty="0"/>
+              <a:t>Performance Comparison</a:t>
+            </a:r>
+          </a:p>
+          <a:p>
+            <a:r>
+              <a:rPr lang="en-US" dirty="0"/>
+              <a:t>(</a:t>
+            </a:r>
+            <a:r>
+              <a:rPr lang="en-US" dirty="0" err="1"/>
+              <a:t>w.r.t.</a:t>
+            </a:r>
+            <a:r>
+              <a:rPr lang="en-US" dirty="0"/>
+              <a:t> Accuracy)</a:t>
+            </a:r>
+          </a:p>
+        </p:txBody>
+      </p:sp>
+      <p:sp>
+        <p:nvSpPr>
+          <p:cNvPr id="5" name="TextBox 4">
+            <a:extLst>
+              <a:ext uri="{FF2B5EF4-FFF2-40B4-BE49-F238E27FC236}">
+                <a16:creationId xmlns:a16="http://schemas.microsoft.com/office/drawing/2014/main" id="{189B7C17-1646-A44D-B06F-781B23A992B2}"/>
+              </a:ext>
+            </a:extLst>
+          </p:cNvPr>
+          <p:cNvSpPr txBox="1"/>
+          <p:nvPr/>
+        </p:nvSpPr>
+        <p:spPr>
+          <a:xfrm>
+            <a:off x="2183681" y="594004"/>
+            <a:ext cx="1341839" cy="646331"/>
+          </a:xfrm>
+          <a:prstGeom prst="rect">
+            <a:avLst/>
+          </a:prstGeom>
+          <a:noFill/>
+        </p:spPr>
+        <p:txBody>
+          <a:bodyPr wrap="square" rtlCol="0">
+            <a:spAutoFit/>
+          </a:bodyPr>
+          <a:lstStyle/>
+          <a:p>
+            <a:r>
+              <a:rPr lang="en-US" sz="3600" dirty="0"/>
+              <a:t>Julia</a:t>
+            </a:r>
+          </a:p>
+        </p:txBody>
+      </p:sp>
+    </p:spTree>
+    <p:extLst>
+      <p:ext uri="{BB962C8B-B14F-4D97-AF65-F5344CB8AC3E}">
+        <p14:creationId xmlns:p14="http://schemas.microsoft.com/office/powerpoint/2010/main" val="3944298514"/>
+      </p:ext>
+    </p:extLst>
+  </p:cSld>
+  <p:clrMapOvr>
+    <a:masterClrMapping/>
+  </p:clrMapOvr>
+</p:sld>
+</file>
+
+<file path=ppt/slides/slide5.xml><?xml version="1.0" encoding="utf-8"?>
+<p:sld xmlns:a="http://schemas.openxmlformats.org/drawingml/2006/main" xmlns:r="http://schemas.openxmlformats.org/officeDocument/2006/relationships" xmlns:p="http://schemas.openxmlformats.org/presentationml/2006/main">
+  <p:cSld>
+    <p:bg>
+      <p:bgPr>
+        <a:solidFill>
+          <a:schemeClr val="bg1"/>
+        </a:solidFill>
+        <a:effectLst/>
+      </p:bgPr>
+    </p:bg>
+    <p:spTree>
+      <p:nvGrpSpPr>
+        <p:cNvPr id="1" name=""/>
+        <p:cNvGrpSpPr/>
+        <p:nvPr/>
+      </p:nvGrpSpPr>
+      <p:grpSpPr>
+        <a:xfrm>
+          <a:off x="0" y="0"/>
+          <a:ext cx="0" cy="0"/>
+          <a:chOff x="0" y="0"/>
+          <a:chExt cx="0" cy="0"/>
+        </a:xfrm>
+      </p:grpSpPr>
+      <p:sp useBgFill="1">
+        <p:nvSpPr>
+          <p:cNvPr id="67" name="Rectangle 38">
+            <a:extLst>
+              <a:ext uri="{FF2B5EF4-FFF2-40B4-BE49-F238E27FC236}">
+                <a16:creationId xmlns:a16="http://schemas.microsoft.com/office/drawing/2014/main" id="{828D1E49-2A21-4A83-A0E0-FB1597B4B2ED}"/>
+              </a:ext>
+              <a:ext uri="{C183D7F6-B498-43B3-948B-1728B52AA6E4}">
+                <adec:decorative xmlns:adec="http://schemas.microsoft.com/office/drawing/2017/decorative" val="1"/>
+              </a:ext>
+            </a:extLst>
+          </p:cNvPr>
+          <p:cNvSpPr>
+            <a:spLocks noGrp="1" noRot="1" noChangeAspect="1" noMove="1" noResize="1" noEditPoints="1" noAdjustHandles="1" noChangeArrowheads="1" noChangeShapeType="1" noTextEdit="1"/>
+          </p:cNvSpPr>
+          <p:nvPr>
+            <p:extLst>
+              <p:ext uri="{386F3935-93C4-4BCD-93E2-E3B085C9AB24}">
+                <p16:designElem xmlns:p16="http://schemas.microsoft.com/office/powerpoint/2015/main" val="1"/>
+              </p:ext>
+            </p:extLst>
+          </p:nvPr>
+        </p:nvSpPr>
+        <p:spPr>
+          <a:xfrm>
+            <a:off x="0" y="0"/>
+            <a:ext cx="12191695" cy="6858000"/>
+          </a:xfrm>
+          <a:prstGeom prst="rect">
+            <a:avLst/>
+          </a:prstGeom>
+          <a:ln>
+            <a:noFill/>
+          </a:ln>
+        </p:spPr>
+        <p:style>
+          <a:lnRef idx="2">
+            <a:schemeClr val="accent1">
+              <a:shade val="50000"/>
+            </a:schemeClr>
+          </a:lnRef>
+          <a:fillRef idx="1">
+            <a:schemeClr val="accent1"/>
+          </a:fillRef>
+          <a:effectRef idx="0">
+            <a:schemeClr val="accent1"/>
+          </a:effectRef>
+          <a:fontRef idx="minor">
+            <a:schemeClr val="lt1"/>
+          </a:fontRef>
+        </p:style>
+        <p:txBody>
+          <a:bodyPr rtlCol="0" anchor="ctr"/>
+          <a:lstStyle/>
+          <a:p>
+            <a:pPr algn="ctr"/>
+            <a:endParaRPr lang="en-US"/>
+          </a:p>
+        </p:txBody>
+      </p:sp>
+      <p:grpSp>
+        <p:nvGrpSpPr>
+          <p:cNvPr id="90" name="Group 40">
+            <a:extLst>
+              <a:ext uri="{FF2B5EF4-FFF2-40B4-BE49-F238E27FC236}">
+                <a16:creationId xmlns:a16="http://schemas.microsoft.com/office/drawing/2014/main" id="{088B852E-5494-418B-A833-75CF016A9E20}"/>
+              </a:ext>
+              <a:ext uri="{C183D7F6-B498-43B3-948B-1728B52AA6E4}">
+                <adec:decorative xmlns:adec="http://schemas.microsoft.com/office/drawing/2017/decorative" val="1"/>
+              </a:ext>
+            </a:extLst>
+          </p:cNvPr>
+          <p:cNvGrpSpPr>
+            <a:grpSpLocks noGrp="1" noUngrp="1" noRot="1" noChangeAspect="1" noMove="1" noResize="1"/>
+          </p:cNvGrpSpPr>
+          <p:nvPr>
+            <p:extLst>
+              <p:ext uri="{386F3935-93C4-4BCD-93E2-E3B085C9AB24}">
+                <p16:designElem xmlns:p16="http://schemas.microsoft.com/office/powerpoint/2015/main" val="1"/>
+              </p:ext>
+            </p:extLst>
+          </p:nvPr>
+        </p:nvGrpSpPr>
+        <p:grpSpPr>
+          <a:xfrm>
+            <a:off x="-417513" y="0"/>
+            <a:ext cx="12584114" cy="6853238"/>
+            <a:chOff x="-417513" y="0"/>
+            <a:chExt cx="12584114" cy="6853238"/>
+          </a:xfrm>
+        </p:grpSpPr>
+        <p:sp>
+          <p:nvSpPr>
+            <p:cNvPr id="91" name="Freeform 5">
+              <a:extLst>
+                <a:ext uri="{FF2B5EF4-FFF2-40B4-BE49-F238E27FC236}">
+                  <a16:creationId xmlns:a16="http://schemas.microsoft.com/office/drawing/2014/main" id="{DF31E3C1-1A46-4329-9F80-B576692FEE43}"/>
+                </a:ext>
+                <a:ext uri="{C183D7F6-B498-43B3-948B-1728B52AA6E4}">
+                  <adec:decorative xmlns:adec="http://schemas.microsoft.com/office/drawing/2017/decorative" val="1"/>
+                </a:ext>
+              </a:extLst>
+            </p:cNvPr>
+            <p:cNvSpPr>
+              <a:spLocks/>
+            </p:cNvSpPr>
+            <p:nvPr>
+              <p:extLst>
+                <p:ext uri="{386F3935-93C4-4BCD-93E2-E3B085C9AB24}">
+                  <p16:designElem xmlns:p16="http://schemas.microsoft.com/office/powerpoint/2015/main" val="1"/>
+                </p:ext>
+              </p:extLst>
+            </p:nvPr>
+          </p:nvSpPr>
+          <p:spPr bwMode="auto">
+            <a:xfrm>
+              <a:off x="1306513" y="0"/>
+              <a:ext cx="3862388" cy="6843713"/>
+            </a:xfrm>
+            <a:custGeom>
+              <a:avLst/>
+              <a:gdLst>
+                <a:gd name="T0" fmla="*/ 813 w 813"/>
+                <a:gd name="T1" fmla="*/ 0 h 1440"/>
+                <a:gd name="T2" fmla="*/ 435 w 813"/>
+                <a:gd name="T3" fmla="*/ 1440 h 1440"/>
+              </a:gdLst>
+              <a:ahLst/>
+              <a:cxnLst>
+                <a:cxn ang="0">
+                  <a:pos x="T0" y="T1"/>
+                </a:cxn>
+                <a:cxn ang="0">
+                  <a:pos x="T2" y="T3"/>
+                </a:cxn>
+              </a:cxnLst>
+              <a:rect l="0" t="0" r="r" b="b"/>
+              <a:pathLst>
+                <a:path w="813" h="1440">
+                  <a:moveTo>
+                    <a:pt x="813" y="0"/>
+                  </a:moveTo>
+                  <a:cubicBezTo>
+                    <a:pt x="331" y="221"/>
+                    <a:pt x="0" y="1039"/>
+                    <a:pt x="435" y="1440"/>
+                  </a:cubicBezTo>
+                </a:path>
+              </a:pathLst>
+            </a:custGeom>
+            <a:noFill/>
+            <a:ln w="9525" cap="flat">
+              <a:solidFill>
+                <a:schemeClr val="tx1">
+                  <a:alpha val="10000"/>
+                </a:schemeClr>
+              </a:solidFill>
+              <a:prstDash val="solid"/>
+              <a:miter lim="800000"/>
+              <a:headEnd/>
+              <a:tailEnd/>
+            </a:ln>
+            <a:extLst>
+              <a:ext uri="{909E8E84-426E-40DD-AFC4-6F175D3DCCD1}">
+                <a14:hiddenFill xmlns:a14="http://schemas.microsoft.com/office/drawing/2010/main">
+                  <a:solidFill>
+                    <a:srgbClr val="FFFFFF"/>
+                  </a:solidFill>
+                </a14:hiddenFill>
+              </a:ext>
+            </a:extLst>
+          </p:spPr>
+          <p:txBody>
+            <a:bodyPr vert="horz" wrap="square" lIns="91440" tIns="45720" rIns="91440" bIns="45720" numCol="1" anchor="t" anchorCtr="0" compatLnSpc="1">
+              <a:prstTxWarp prst="textNoShape">
+                <a:avLst/>
+              </a:prstTxWarp>
+            </a:bodyPr>
+            <a:lstStyle/>
+            <a:p>
+              <a:endParaRPr lang="en-US"/>
+            </a:p>
+          </p:txBody>
+        </p:sp>
+        <p:sp>
+          <p:nvSpPr>
+            <p:cNvPr id="92" name="Freeform 6">
+              <a:extLst>
+                <a:ext uri="{FF2B5EF4-FFF2-40B4-BE49-F238E27FC236}">
+                  <a16:creationId xmlns:a16="http://schemas.microsoft.com/office/drawing/2014/main" id="{294B4592-99CA-47B1-816F-CE2D44F65BB2}"/>
+                </a:ext>
+                <a:ext uri="{C183D7F6-B498-43B3-948B-1728B52AA6E4}">
+                  <adec:decorative xmlns:adec="http://schemas.microsoft.com/office/drawing/2017/decorative" val="1"/>
+                </a:ext>
+              </a:extLst>
+            </p:cNvPr>
+            <p:cNvSpPr>
+              <a:spLocks/>
+            </p:cNvSpPr>
+            <p:nvPr>
+              <p:extLst>
+                <p:ext uri="{386F3935-93C4-4BCD-93E2-E3B085C9AB24}">
+                  <p16:designElem xmlns:p16="http://schemas.microsoft.com/office/powerpoint/2015/main" val="1"/>
+                </p:ext>
+              </p:extLst>
+            </p:nvPr>
+          </p:nvSpPr>
+          <p:spPr bwMode="auto">
+            <a:xfrm>
+              <a:off x="10626725" y="9525"/>
+              <a:ext cx="1539875" cy="555625"/>
+            </a:xfrm>
+            <a:custGeom>
+              <a:avLst/>
+              <a:gdLst>
+                <a:gd name="T0" fmla="*/ 324 w 324"/>
+                <a:gd name="T1" fmla="*/ 117 h 117"/>
+                <a:gd name="T2" fmla="*/ 0 w 324"/>
+                <a:gd name="T3" fmla="*/ 0 h 117"/>
+              </a:gdLst>
+              <a:ahLst/>
+              <a:cxnLst>
+                <a:cxn ang="0">
+                  <a:pos x="T0" y="T1"/>
+                </a:cxn>
+                <a:cxn ang="0">
+                  <a:pos x="T2" y="T3"/>
+                </a:cxn>
+              </a:cxnLst>
+              <a:rect l="0" t="0" r="r" b="b"/>
+              <a:pathLst>
+                <a:path w="324" h="117">
+                  <a:moveTo>
+                    <a:pt x="324" y="117"/>
+                  </a:moveTo>
+                  <a:cubicBezTo>
+                    <a:pt x="223" y="64"/>
+                    <a:pt x="107" y="28"/>
+                    <a:pt x="0" y="0"/>
+                  </a:cubicBezTo>
+                </a:path>
+              </a:pathLst>
+            </a:custGeom>
+            <a:noFill/>
+            <a:ln w="9525" cap="flat">
+              <a:solidFill>
+                <a:schemeClr val="tx1">
+                  <a:alpha val="10000"/>
+                </a:schemeClr>
+              </a:solidFill>
+              <a:prstDash val="solid"/>
+              <a:miter lim="800000"/>
+              <a:headEnd/>
+              <a:tailEnd/>
+            </a:ln>
+            <a:extLst>
+              <a:ext uri="{909E8E84-426E-40DD-AFC4-6F175D3DCCD1}">
+                <a14:hiddenFill xmlns:a14="http://schemas.microsoft.com/office/drawing/2010/main">
+                  <a:solidFill>
+                    <a:srgbClr val="FFFFFF"/>
+                  </a:solidFill>
+                </a14:hiddenFill>
+              </a:ext>
+            </a:extLst>
+          </p:spPr>
+          <p:txBody>
+            <a:bodyPr vert="horz" wrap="square" lIns="91440" tIns="45720" rIns="91440" bIns="45720" numCol="1" anchor="t" anchorCtr="0" compatLnSpc="1">
+              <a:prstTxWarp prst="textNoShape">
+                <a:avLst/>
+              </a:prstTxWarp>
+            </a:bodyPr>
+            <a:lstStyle/>
+            <a:p>
+              <a:endParaRPr lang="en-US"/>
+            </a:p>
+          </p:txBody>
+        </p:sp>
+        <p:sp>
+          <p:nvSpPr>
+            <p:cNvPr id="93" name="Freeform 7">
+              <a:extLst>
+                <a:ext uri="{FF2B5EF4-FFF2-40B4-BE49-F238E27FC236}">
+                  <a16:creationId xmlns:a16="http://schemas.microsoft.com/office/drawing/2014/main" id="{BF690E4C-72F8-4AC5-AF99-562763CC67B3}"/>
+                </a:ext>
+                <a:ext uri="{C183D7F6-B498-43B3-948B-1728B52AA6E4}">
+                  <adec:decorative xmlns:adec="http://schemas.microsoft.com/office/drawing/2017/decorative" val="1"/>
+                </a:ext>
+              </a:extLst>
+            </p:cNvPr>
+            <p:cNvSpPr>
+              <a:spLocks/>
+            </p:cNvSpPr>
+            <p:nvPr>
+              <p:extLst>
+                <p:ext uri="{386F3935-93C4-4BCD-93E2-E3B085C9AB24}">
+                  <p16:designElem xmlns:p16="http://schemas.microsoft.com/office/powerpoint/2015/main" val="1"/>
+                </p:ext>
+              </p:extLst>
+            </p:nvPr>
+          </p:nvSpPr>
+          <p:spPr bwMode="auto">
+            <a:xfrm>
+              <a:off x="10247313" y="5013325"/>
+              <a:ext cx="1919288" cy="1830388"/>
+            </a:xfrm>
+            <a:custGeom>
+              <a:avLst/>
+              <a:gdLst>
+                <a:gd name="T0" fmla="*/ 0 w 404"/>
+                <a:gd name="T1" fmla="*/ 385 h 385"/>
+                <a:gd name="T2" fmla="*/ 404 w 404"/>
+                <a:gd name="T3" fmla="*/ 0 h 385"/>
+              </a:gdLst>
+              <a:ahLst/>
+              <a:cxnLst>
+                <a:cxn ang="0">
+                  <a:pos x="T0" y="T1"/>
+                </a:cxn>
+                <a:cxn ang="0">
+                  <a:pos x="T2" y="T3"/>
+                </a:cxn>
+              </a:cxnLst>
+              <a:rect l="0" t="0" r="r" b="b"/>
+              <a:pathLst>
+                <a:path w="404" h="385">
+                  <a:moveTo>
+                    <a:pt x="0" y="385"/>
+                  </a:moveTo>
+                  <a:cubicBezTo>
+                    <a:pt x="146" y="272"/>
+                    <a:pt x="285" y="142"/>
+                    <a:pt x="404" y="0"/>
+                  </a:cubicBezTo>
+                </a:path>
+              </a:pathLst>
+            </a:custGeom>
+            <a:noFill/>
+            <a:ln w="9525" cap="flat">
+              <a:solidFill>
+                <a:schemeClr val="tx1">
+                  <a:alpha val="10000"/>
+                </a:schemeClr>
+              </a:solidFill>
+              <a:prstDash val="solid"/>
+              <a:miter lim="800000"/>
+              <a:headEnd/>
+              <a:tailEnd/>
+            </a:ln>
+            <a:extLst>
+              <a:ext uri="{909E8E84-426E-40DD-AFC4-6F175D3DCCD1}">
+                <a14:hiddenFill xmlns:a14="http://schemas.microsoft.com/office/drawing/2010/main">
+                  <a:solidFill>
+                    <a:srgbClr val="FFFFFF"/>
+                  </a:solidFill>
+                </a14:hiddenFill>
+              </a:ext>
+            </a:extLst>
+          </p:spPr>
+          <p:txBody>
+            <a:bodyPr vert="horz" wrap="square" lIns="91440" tIns="45720" rIns="91440" bIns="45720" numCol="1" anchor="t" anchorCtr="0" compatLnSpc="1">
+              <a:prstTxWarp prst="textNoShape">
+                <a:avLst/>
+              </a:prstTxWarp>
+            </a:bodyPr>
+            <a:lstStyle/>
+            <a:p>
+              <a:endParaRPr lang="en-US"/>
+            </a:p>
+          </p:txBody>
+        </p:sp>
+        <p:sp>
+          <p:nvSpPr>
+            <p:cNvPr id="94" name="Freeform 8">
+              <a:extLst>
+                <a:ext uri="{FF2B5EF4-FFF2-40B4-BE49-F238E27FC236}">
+                  <a16:creationId xmlns:a16="http://schemas.microsoft.com/office/drawing/2014/main" id="{F834CDD4-CAB8-4ACC-9AAC-5399C743DEC1}"/>
+                </a:ext>
+                <a:ext uri="{C183D7F6-B498-43B3-948B-1728B52AA6E4}">
+                  <adec:decorative xmlns:adec="http://schemas.microsoft.com/office/drawing/2017/decorative" val="1"/>
+                </a:ext>
+              </a:extLst>
+            </p:cNvPr>
+            <p:cNvSpPr>
+              <a:spLocks/>
+            </p:cNvSpPr>
+            <p:nvPr>
+              <p:extLst>
+                <p:ext uri="{386F3935-93C4-4BCD-93E2-E3B085C9AB24}">
+                  <p16:designElem xmlns:p16="http://schemas.microsoft.com/office/powerpoint/2015/main" val="1"/>
+                </p:ext>
+              </p:extLst>
+            </p:nvPr>
+          </p:nvSpPr>
+          <p:spPr bwMode="auto">
+            <a:xfrm>
+              <a:off x="1120775" y="0"/>
+              <a:ext cx="3676650" cy="6843713"/>
+            </a:xfrm>
+            <a:custGeom>
+              <a:avLst/>
+              <a:gdLst>
+                <a:gd name="T0" fmla="*/ 774 w 774"/>
+                <a:gd name="T1" fmla="*/ 0 h 1440"/>
+                <a:gd name="T2" fmla="*/ 411 w 774"/>
+                <a:gd name="T3" fmla="*/ 1440 h 1440"/>
+              </a:gdLst>
+              <a:ahLst/>
+              <a:cxnLst>
+                <a:cxn ang="0">
+                  <a:pos x="T0" y="T1"/>
+                </a:cxn>
+                <a:cxn ang="0">
+                  <a:pos x="T2" y="T3"/>
+                </a:cxn>
+              </a:cxnLst>
+              <a:rect l="0" t="0" r="r" b="b"/>
+              <a:pathLst>
+                <a:path w="774" h="1440">
+                  <a:moveTo>
+                    <a:pt x="774" y="0"/>
+                  </a:moveTo>
+                  <a:cubicBezTo>
+                    <a:pt x="312" y="240"/>
+                    <a:pt x="0" y="1034"/>
+                    <a:pt x="411" y="1440"/>
+                  </a:cubicBezTo>
+                </a:path>
+              </a:pathLst>
+            </a:custGeom>
+            <a:noFill/>
+            <a:ln w="9525" cap="flat">
+              <a:solidFill>
+                <a:schemeClr val="tx1">
+                  <a:alpha val="10000"/>
+                </a:schemeClr>
+              </a:solidFill>
+              <a:prstDash val="dash"/>
+              <a:miter lim="800000"/>
+              <a:headEnd/>
+              <a:tailEnd/>
+            </a:ln>
+            <a:extLst>
+              <a:ext uri="{909E8E84-426E-40DD-AFC4-6F175D3DCCD1}">
+                <a14:hiddenFill xmlns:a14="http://schemas.microsoft.com/office/drawing/2010/main">
+                  <a:solidFill>
+                    <a:srgbClr val="FFFFFF"/>
+                  </a:solidFill>
+                </a14:hiddenFill>
+              </a:ext>
+            </a:extLst>
+          </p:spPr>
+          <p:txBody>
+            <a:bodyPr vert="horz" wrap="square" lIns="91440" tIns="45720" rIns="91440" bIns="45720" numCol="1" anchor="t" anchorCtr="0" compatLnSpc="1">
+              <a:prstTxWarp prst="textNoShape">
+                <a:avLst/>
+              </a:prstTxWarp>
+            </a:bodyPr>
+            <a:lstStyle/>
+            <a:p>
+              <a:endParaRPr lang="en-US"/>
+            </a:p>
+          </p:txBody>
+        </p:sp>
+        <p:sp>
+          <p:nvSpPr>
+            <p:cNvPr id="95" name="Freeform 9">
+              <a:extLst>
+                <a:ext uri="{FF2B5EF4-FFF2-40B4-BE49-F238E27FC236}">
+                  <a16:creationId xmlns:a16="http://schemas.microsoft.com/office/drawing/2014/main" id="{1AEB045A-6821-475B-A28E-047437ABEF5E}"/>
+                </a:ext>
+                <a:ext uri="{C183D7F6-B498-43B3-948B-1728B52AA6E4}">
+                  <adec:decorative xmlns:adec="http://schemas.microsoft.com/office/drawing/2017/decorative" val="1"/>
+                </a:ext>
+              </a:extLst>
+            </p:cNvPr>
+            <p:cNvSpPr>
+              <a:spLocks/>
+            </p:cNvSpPr>
+            <p:nvPr>
+              <p:extLst>
+                <p:ext uri="{386F3935-93C4-4BCD-93E2-E3B085C9AB24}">
+                  <p16:designElem xmlns:p16="http://schemas.microsoft.com/office/powerpoint/2015/main" val="1"/>
+                </p:ext>
+              </p:extLst>
+            </p:nvPr>
+          </p:nvSpPr>
+          <p:spPr bwMode="auto">
+            <a:xfrm>
+              <a:off x="11202988" y="9525"/>
+              <a:ext cx="963613" cy="366713"/>
+            </a:xfrm>
+            <a:custGeom>
+              <a:avLst/>
+              <a:gdLst>
+                <a:gd name="T0" fmla="*/ 203 w 203"/>
+                <a:gd name="T1" fmla="*/ 77 h 77"/>
+                <a:gd name="T2" fmla="*/ 0 w 203"/>
+                <a:gd name="T3" fmla="*/ 0 h 77"/>
+              </a:gdLst>
+              <a:ahLst/>
+              <a:cxnLst>
+                <a:cxn ang="0">
+                  <a:pos x="T0" y="T1"/>
+                </a:cxn>
+                <a:cxn ang="0">
+                  <a:pos x="T2" y="T3"/>
+                </a:cxn>
+              </a:cxnLst>
+              <a:rect l="0" t="0" r="r" b="b"/>
+              <a:pathLst>
+                <a:path w="203" h="77">
+                  <a:moveTo>
+                    <a:pt x="203" y="77"/>
+                  </a:moveTo>
+                  <a:cubicBezTo>
+                    <a:pt x="138" y="46"/>
+                    <a:pt x="68" y="21"/>
+                    <a:pt x="0" y="0"/>
+                  </a:cubicBezTo>
+                </a:path>
+              </a:pathLst>
+            </a:custGeom>
+            <a:noFill/>
+            <a:ln w="9525" cap="flat">
+              <a:solidFill>
+                <a:schemeClr val="tx1">
+                  <a:alpha val="10000"/>
+                </a:schemeClr>
+              </a:solidFill>
+              <a:prstDash val="dash"/>
+              <a:miter lim="800000"/>
+              <a:headEnd/>
+              <a:tailEnd/>
+            </a:ln>
+            <a:extLst>
+              <a:ext uri="{909E8E84-426E-40DD-AFC4-6F175D3DCCD1}">
+                <a14:hiddenFill xmlns:a14="http://schemas.microsoft.com/office/drawing/2010/main">
+                  <a:solidFill>
+                    <a:srgbClr val="FFFFFF"/>
+                  </a:solidFill>
+                </a14:hiddenFill>
+              </a:ext>
+            </a:extLst>
+          </p:spPr>
+          <p:txBody>
+            <a:bodyPr vert="horz" wrap="square" lIns="91440" tIns="45720" rIns="91440" bIns="45720" numCol="1" anchor="t" anchorCtr="0" compatLnSpc="1">
+              <a:prstTxWarp prst="textNoShape">
+                <a:avLst/>
+              </a:prstTxWarp>
+            </a:bodyPr>
+            <a:lstStyle/>
+            <a:p>
+              <a:endParaRPr lang="en-US"/>
+            </a:p>
+          </p:txBody>
+        </p:sp>
+        <p:sp>
+          <p:nvSpPr>
+            <p:cNvPr id="96" name="Freeform 10">
+              <a:extLst>
+                <a:ext uri="{FF2B5EF4-FFF2-40B4-BE49-F238E27FC236}">
+                  <a16:creationId xmlns:a16="http://schemas.microsoft.com/office/drawing/2014/main" id="{D9B790C0-3D34-4626-BAFB-6EB473F40C72}"/>
+                </a:ext>
+                <a:ext uri="{C183D7F6-B498-43B3-948B-1728B52AA6E4}">
+                  <adec:decorative xmlns:adec="http://schemas.microsoft.com/office/drawing/2017/decorative" val="1"/>
+                </a:ext>
+              </a:extLst>
+            </p:cNvPr>
+            <p:cNvSpPr>
+              <a:spLocks/>
+            </p:cNvSpPr>
+            <p:nvPr>
+              <p:extLst>
+                <p:ext uri="{386F3935-93C4-4BCD-93E2-E3B085C9AB24}">
+                  <p16:designElem xmlns:p16="http://schemas.microsoft.com/office/powerpoint/2015/main" val="1"/>
+                </p:ext>
+              </p:extLst>
+            </p:nvPr>
+          </p:nvSpPr>
+          <p:spPr bwMode="auto">
+            <a:xfrm>
+              <a:off x="10494963" y="5275263"/>
+              <a:ext cx="1666875" cy="1577975"/>
+            </a:xfrm>
+            <a:custGeom>
+              <a:avLst/>
+              <a:gdLst>
+                <a:gd name="T0" fmla="*/ 0 w 351"/>
+                <a:gd name="T1" fmla="*/ 332 h 332"/>
+                <a:gd name="T2" fmla="*/ 351 w 351"/>
+                <a:gd name="T3" fmla="*/ 0 h 332"/>
+              </a:gdLst>
+              <a:ahLst/>
+              <a:cxnLst>
+                <a:cxn ang="0">
+                  <a:pos x="T0" y="T1"/>
+                </a:cxn>
+                <a:cxn ang="0">
+                  <a:pos x="T2" y="T3"/>
+                </a:cxn>
+              </a:cxnLst>
+              <a:rect l="0" t="0" r="r" b="b"/>
+              <a:pathLst>
+                <a:path w="351" h="332">
+                  <a:moveTo>
+                    <a:pt x="0" y="332"/>
+                  </a:moveTo>
+                  <a:cubicBezTo>
+                    <a:pt x="125" y="232"/>
+                    <a:pt x="245" y="121"/>
+                    <a:pt x="351" y="0"/>
+                  </a:cubicBezTo>
+                </a:path>
+              </a:pathLst>
+            </a:custGeom>
+            <a:noFill/>
+            <a:ln w="9525" cap="flat">
+              <a:solidFill>
+                <a:schemeClr val="tx1">
+                  <a:alpha val="10000"/>
+                </a:schemeClr>
+              </a:solidFill>
+              <a:prstDash val="dash"/>
+              <a:miter lim="800000"/>
+              <a:headEnd/>
+              <a:tailEnd/>
+            </a:ln>
+            <a:extLst>
+              <a:ext uri="{909E8E84-426E-40DD-AFC4-6F175D3DCCD1}">
+                <a14:hiddenFill xmlns:a14="http://schemas.microsoft.com/office/drawing/2010/main">
+                  <a:solidFill>
+                    <a:srgbClr val="FFFFFF"/>
+                  </a:solidFill>
+                </a14:hiddenFill>
+              </a:ext>
+            </a:extLst>
+          </p:spPr>
+          <p:txBody>
+            <a:bodyPr vert="horz" wrap="square" lIns="91440" tIns="45720" rIns="91440" bIns="45720" numCol="1" anchor="t" anchorCtr="0" compatLnSpc="1">
+              <a:prstTxWarp prst="textNoShape">
+                <a:avLst/>
+              </a:prstTxWarp>
+            </a:bodyPr>
+            <a:lstStyle/>
+            <a:p>
+              <a:endParaRPr lang="en-US"/>
+            </a:p>
+          </p:txBody>
+        </p:sp>
+        <p:sp>
+          <p:nvSpPr>
+            <p:cNvPr id="97" name="Freeform 11">
+              <a:extLst>
+                <a:ext uri="{FF2B5EF4-FFF2-40B4-BE49-F238E27FC236}">
+                  <a16:creationId xmlns:a16="http://schemas.microsoft.com/office/drawing/2014/main" id="{EDA4D87F-91A4-4628-9A6E-F01820A7EE54}"/>
+                </a:ext>
+                <a:ext uri="{C183D7F6-B498-43B3-948B-1728B52AA6E4}">
+                  <adec:decorative xmlns:adec="http://schemas.microsoft.com/office/drawing/2017/decorative" val="1"/>
+                </a:ext>
+              </a:extLst>
+            </p:cNvPr>
+            <p:cNvSpPr>
+              <a:spLocks/>
+            </p:cNvSpPr>
+            <p:nvPr>
+              <p:extLst>
+                <p:ext uri="{386F3935-93C4-4BCD-93E2-E3B085C9AB24}">
+                  <p16:designElem xmlns:p16="http://schemas.microsoft.com/office/powerpoint/2015/main" val="1"/>
+                </p:ext>
+              </p:extLst>
+            </p:nvPr>
+          </p:nvSpPr>
+          <p:spPr bwMode="auto">
+            <a:xfrm>
+              <a:off x="1001713" y="0"/>
+              <a:ext cx="3621088" cy="6843713"/>
+            </a:xfrm>
+            <a:custGeom>
+              <a:avLst/>
+              <a:gdLst>
+                <a:gd name="T0" fmla="*/ 762 w 762"/>
+                <a:gd name="T1" fmla="*/ 0 h 1440"/>
+                <a:gd name="T2" fmla="*/ 403 w 762"/>
+                <a:gd name="T3" fmla="*/ 1440 h 1440"/>
+              </a:gdLst>
+              <a:ahLst/>
+              <a:cxnLst>
+                <a:cxn ang="0">
+                  <a:pos x="T0" y="T1"/>
+                </a:cxn>
+                <a:cxn ang="0">
+                  <a:pos x="T2" y="T3"/>
+                </a:cxn>
+              </a:cxnLst>
+              <a:rect l="0" t="0" r="r" b="b"/>
+              <a:pathLst>
+                <a:path w="762" h="1440">
+                  <a:moveTo>
+                    <a:pt x="762" y="0"/>
+                  </a:moveTo>
+                  <a:cubicBezTo>
+                    <a:pt x="308" y="245"/>
+                    <a:pt x="0" y="1033"/>
+                    <a:pt x="403" y="1440"/>
+                  </a:cubicBezTo>
+                </a:path>
+              </a:pathLst>
+            </a:custGeom>
+            <a:noFill/>
+            <a:ln w="9525" cap="flat">
+              <a:solidFill>
+                <a:schemeClr val="tx1">
+                  <a:alpha val="10000"/>
+                </a:schemeClr>
+              </a:solidFill>
+              <a:prstDash val="solid"/>
+              <a:miter lim="800000"/>
+              <a:headEnd/>
+              <a:tailEnd/>
+            </a:ln>
+            <a:extLst>
+              <a:ext uri="{909E8E84-426E-40DD-AFC4-6F175D3DCCD1}">
+                <a14:hiddenFill xmlns:a14="http://schemas.microsoft.com/office/drawing/2010/main">
+                  <a:solidFill>
+                    <a:srgbClr val="FFFFFF"/>
+                  </a:solidFill>
+                </a14:hiddenFill>
+              </a:ext>
+            </a:extLst>
+          </p:spPr>
+          <p:txBody>
+            <a:bodyPr vert="horz" wrap="square" lIns="91440" tIns="45720" rIns="91440" bIns="45720" numCol="1" anchor="t" anchorCtr="0" compatLnSpc="1">
+              <a:prstTxWarp prst="textNoShape">
+                <a:avLst/>
+              </a:prstTxWarp>
+            </a:bodyPr>
+            <a:lstStyle/>
+            <a:p>
+              <a:endParaRPr lang="en-US"/>
+            </a:p>
+          </p:txBody>
+        </p:sp>
+        <p:sp>
+          <p:nvSpPr>
+            <p:cNvPr id="98" name="Freeform 12">
+              <a:extLst>
+                <a:ext uri="{FF2B5EF4-FFF2-40B4-BE49-F238E27FC236}">
+                  <a16:creationId xmlns:a16="http://schemas.microsoft.com/office/drawing/2014/main" id="{045DAB88-124C-459C-A889-DAE9C9BE285A}"/>
+                </a:ext>
+                <a:ext uri="{C183D7F6-B498-43B3-948B-1728B52AA6E4}">
+                  <adec:decorative xmlns:adec="http://schemas.microsoft.com/office/drawing/2017/decorative" val="1"/>
+                </a:ext>
+              </a:extLst>
+            </p:cNvPr>
+            <p:cNvSpPr>
+              <a:spLocks/>
+            </p:cNvSpPr>
+            <p:nvPr>
+              <p:extLst>
+                <p:ext uri="{386F3935-93C4-4BCD-93E2-E3B085C9AB24}">
+                  <p16:designElem xmlns:p16="http://schemas.microsoft.com/office/powerpoint/2015/main" val="1"/>
+                </p:ext>
+              </p:extLst>
+            </p:nvPr>
+          </p:nvSpPr>
+          <p:spPr bwMode="auto">
+            <a:xfrm>
+              <a:off x="11501438" y="9525"/>
+              <a:ext cx="665163" cy="257175"/>
+            </a:xfrm>
+            <a:custGeom>
+              <a:avLst/>
+              <a:gdLst>
+                <a:gd name="T0" fmla="*/ 140 w 140"/>
+                <a:gd name="T1" fmla="*/ 54 h 54"/>
+                <a:gd name="T2" fmla="*/ 0 w 140"/>
+                <a:gd name="T3" fmla="*/ 0 h 54"/>
+              </a:gdLst>
+              <a:ahLst/>
+              <a:cxnLst>
+                <a:cxn ang="0">
+                  <a:pos x="T0" y="T1"/>
+                </a:cxn>
+                <a:cxn ang="0">
+                  <a:pos x="T2" y="T3"/>
+                </a:cxn>
+              </a:cxnLst>
+              <a:rect l="0" t="0" r="r" b="b"/>
+              <a:pathLst>
+                <a:path w="140" h="54">
+                  <a:moveTo>
+                    <a:pt x="140" y="54"/>
+                  </a:moveTo>
+                  <a:cubicBezTo>
+                    <a:pt x="95" y="34"/>
+                    <a:pt x="48" y="16"/>
+                    <a:pt x="0" y="0"/>
+                  </a:cubicBezTo>
+                </a:path>
+              </a:pathLst>
+            </a:custGeom>
+            <a:noFill/>
+            <a:ln w="9525" cap="flat">
+              <a:solidFill>
+                <a:schemeClr val="tx1">
+                  <a:alpha val="10000"/>
+                </a:schemeClr>
+              </a:solidFill>
+              <a:prstDash val="solid"/>
+              <a:miter lim="800000"/>
+              <a:headEnd/>
+              <a:tailEnd/>
+            </a:ln>
+            <a:extLst>
+              <a:ext uri="{909E8E84-426E-40DD-AFC4-6F175D3DCCD1}">
+                <a14:hiddenFill xmlns:a14="http://schemas.microsoft.com/office/drawing/2010/main">
+                  <a:solidFill>
+                    <a:srgbClr val="FFFFFF"/>
+                  </a:solidFill>
+                </a14:hiddenFill>
+              </a:ext>
+            </a:extLst>
+          </p:spPr>
+          <p:txBody>
+            <a:bodyPr vert="horz" wrap="square" lIns="91440" tIns="45720" rIns="91440" bIns="45720" numCol="1" anchor="t" anchorCtr="0" compatLnSpc="1">
+              <a:prstTxWarp prst="textNoShape">
+                <a:avLst/>
+              </a:prstTxWarp>
+            </a:bodyPr>
+            <a:lstStyle/>
+            <a:p>
+              <a:endParaRPr lang="en-US"/>
+            </a:p>
+          </p:txBody>
+        </p:sp>
+        <p:sp>
+          <p:nvSpPr>
+            <p:cNvPr id="99" name="Freeform 13">
+              <a:extLst>
+                <a:ext uri="{FF2B5EF4-FFF2-40B4-BE49-F238E27FC236}">
+                  <a16:creationId xmlns:a16="http://schemas.microsoft.com/office/drawing/2014/main" id="{85D44010-1DAA-4CAC-B83F-7E3E8C455D4F}"/>
+                </a:ext>
+                <a:ext uri="{C183D7F6-B498-43B3-948B-1728B52AA6E4}">
+                  <adec:decorative xmlns:adec="http://schemas.microsoft.com/office/drawing/2017/decorative" val="1"/>
+                </a:ext>
+              </a:extLst>
+            </p:cNvPr>
+            <p:cNvSpPr>
+              <a:spLocks/>
+            </p:cNvSpPr>
+            <p:nvPr>
+              <p:extLst>
+                <p:ext uri="{386F3935-93C4-4BCD-93E2-E3B085C9AB24}">
+                  <p16:designElem xmlns:p16="http://schemas.microsoft.com/office/powerpoint/2015/main" val="1"/>
+                </p:ext>
+              </p:extLst>
+            </p:nvPr>
+          </p:nvSpPr>
+          <p:spPr bwMode="auto">
+            <a:xfrm>
+              <a:off x="10641013" y="5408613"/>
+              <a:ext cx="1525588" cy="1435100"/>
+            </a:xfrm>
+            <a:custGeom>
+              <a:avLst/>
+              <a:gdLst>
+                <a:gd name="T0" fmla="*/ 0 w 321"/>
+                <a:gd name="T1" fmla="*/ 302 h 302"/>
+                <a:gd name="T2" fmla="*/ 321 w 321"/>
+                <a:gd name="T3" fmla="*/ 0 h 302"/>
+              </a:gdLst>
+              <a:ahLst/>
+              <a:cxnLst>
+                <a:cxn ang="0">
+                  <a:pos x="T0" y="T1"/>
+                </a:cxn>
+                <a:cxn ang="0">
+                  <a:pos x="T2" y="T3"/>
+                </a:cxn>
+              </a:cxnLst>
+              <a:rect l="0" t="0" r="r" b="b"/>
+              <a:pathLst>
+                <a:path w="321" h="302">
+                  <a:moveTo>
+                    <a:pt x="0" y="302"/>
+                  </a:moveTo>
+                  <a:cubicBezTo>
+                    <a:pt x="114" y="210"/>
+                    <a:pt x="223" y="109"/>
+                    <a:pt x="321" y="0"/>
+                  </a:cubicBezTo>
+                </a:path>
+              </a:pathLst>
+            </a:custGeom>
+            <a:noFill/>
+            <a:ln w="9525" cap="flat">
+              <a:solidFill>
+                <a:schemeClr val="tx1">
+                  <a:alpha val="10000"/>
+                </a:schemeClr>
+              </a:solidFill>
+              <a:prstDash val="solid"/>
+              <a:miter lim="800000"/>
+              <a:headEnd/>
+              <a:tailEnd/>
+            </a:ln>
+            <a:extLst>
+              <a:ext uri="{909E8E84-426E-40DD-AFC4-6F175D3DCCD1}">
+                <a14:hiddenFill xmlns:a14="http://schemas.microsoft.com/office/drawing/2010/main">
+                  <a:solidFill>
+                    <a:srgbClr val="FFFFFF"/>
+                  </a:solidFill>
+                </a14:hiddenFill>
+              </a:ext>
+            </a:extLst>
+          </p:spPr>
+          <p:txBody>
+            <a:bodyPr vert="horz" wrap="square" lIns="91440" tIns="45720" rIns="91440" bIns="45720" numCol="1" anchor="t" anchorCtr="0" compatLnSpc="1">
+              <a:prstTxWarp prst="textNoShape">
+                <a:avLst/>
+              </a:prstTxWarp>
+            </a:bodyPr>
+            <a:lstStyle/>
+            <a:p>
+              <a:endParaRPr lang="en-US"/>
+            </a:p>
+          </p:txBody>
+        </p:sp>
+        <p:sp>
+          <p:nvSpPr>
+            <p:cNvPr id="100" name="Freeform 14">
+              <a:extLst>
+                <a:ext uri="{FF2B5EF4-FFF2-40B4-BE49-F238E27FC236}">
+                  <a16:creationId xmlns:a16="http://schemas.microsoft.com/office/drawing/2014/main" id="{E8C01D66-5C93-4A2E-AA74-DE97574EA4E9}"/>
+                </a:ext>
+                <a:ext uri="{C183D7F6-B498-43B3-948B-1728B52AA6E4}">
+                  <adec:decorative xmlns:adec="http://schemas.microsoft.com/office/drawing/2017/decorative" val="1"/>
+                </a:ext>
+              </a:extLst>
+            </p:cNvPr>
+            <p:cNvSpPr>
+              <a:spLocks/>
+            </p:cNvSpPr>
+            <p:nvPr>
+              <p:extLst>
+                <p:ext uri="{386F3935-93C4-4BCD-93E2-E3B085C9AB24}">
+                  <p16:designElem xmlns:p16="http://schemas.microsoft.com/office/powerpoint/2015/main" val="1"/>
+                </p:ext>
+              </p:extLst>
+            </p:nvPr>
+          </p:nvSpPr>
+          <p:spPr bwMode="auto">
+            <a:xfrm>
+              <a:off x="1001713" y="0"/>
+              <a:ext cx="3244850" cy="6843713"/>
+            </a:xfrm>
+            <a:custGeom>
+              <a:avLst/>
+              <a:gdLst>
+                <a:gd name="T0" fmla="*/ 683 w 683"/>
+                <a:gd name="T1" fmla="*/ 0 h 1440"/>
+                <a:gd name="T2" fmla="*/ 355 w 683"/>
+                <a:gd name="T3" fmla="*/ 1440 h 1440"/>
+              </a:gdLst>
+              <a:ahLst/>
+              <a:cxnLst>
+                <a:cxn ang="0">
+                  <a:pos x="T0" y="T1"/>
+                </a:cxn>
+                <a:cxn ang="0">
+                  <a:pos x="T2" y="T3"/>
+                </a:cxn>
+              </a:cxnLst>
+              <a:rect l="0" t="0" r="r" b="b"/>
+              <a:pathLst>
+                <a:path w="683" h="1440">
+                  <a:moveTo>
+                    <a:pt x="683" y="0"/>
+                  </a:moveTo>
+                  <a:cubicBezTo>
+                    <a:pt x="258" y="256"/>
+                    <a:pt x="0" y="1041"/>
+                    <a:pt x="355" y="1440"/>
+                  </a:cubicBezTo>
+                </a:path>
+              </a:pathLst>
+            </a:custGeom>
+            <a:noFill/>
+            <a:ln w="9525" cap="flat">
+              <a:solidFill>
+                <a:schemeClr val="tx1">
+                  <a:alpha val="10000"/>
+                </a:schemeClr>
+              </a:solidFill>
+              <a:prstDash val="solid"/>
+              <a:miter lim="800000"/>
+              <a:headEnd/>
+              <a:tailEnd/>
+            </a:ln>
+            <a:extLst>
+              <a:ext uri="{909E8E84-426E-40DD-AFC4-6F175D3DCCD1}">
+                <a14:hiddenFill xmlns:a14="http://schemas.microsoft.com/office/drawing/2010/main">
+                  <a:solidFill>
+                    <a:srgbClr val="FFFFFF"/>
+                  </a:solidFill>
+                </a14:hiddenFill>
+              </a:ext>
+            </a:extLst>
+          </p:spPr>
+          <p:txBody>
+            <a:bodyPr vert="horz" wrap="square" lIns="91440" tIns="45720" rIns="91440" bIns="45720" numCol="1" anchor="t" anchorCtr="0" compatLnSpc="1">
+              <a:prstTxWarp prst="textNoShape">
+                <a:avLst/>
+              </a:prstTxWarp>
+            </a:bodyPr>
+            <a:lstStyle/>
+            <a:p>
+              <a:endParaRPr lang="en-US"/>
+            </a:p>
+          </p:txBody>
+        </p:sp>
+        <p:sp>
+          <p:nvSpPr>
+            <p:cNvPr id="101" name="Freeform 15">
+              <a:extLst>
+                <a:ext uri="{FF2B5EF4-FFF2-40B4-BE49-F238E27FC236}">
+                  <a16:creationId xmlns:a16="http://schemas.microsoft.com/office/drawing/2014/main" id="{E2E1A6E1-6C4A-47D3-81E2-9F8624F1BBE0}"/>
+                </a:ext>
+                <a:ext uri="{C183D7F6-B498-43B3-948B-1728B52AA6E4}">
+                  <adec:decorative xmlns:adec="http://schemas.microsoft.com/office/drawing/2017/decorative" val="1"/>
+                </a:ext>
+              </a:extLst>
+            </p:cNvPr>
+            <p:cNvSpPr>
+              <a:spLocks/>
+            </p:cNvSpPr>
+            <p:nvPr>
+              <p:extLst>
+                <p:ext uri="{386F3935-93C4-4BCD-93E2-E3B085C9AB24}">
+                  <p16:designElem xmlns:p16="http://schemas.microsoft.com/office/powerpoint/2015/main" val="1"/>
+                </p:ext>
+              </p:extLst>
+            </p:nvPr>
+          </p:nvSpPr>
+          <p:spPr bwMode="auto">
+            <a:xfrm>
+              <a:off x="10802938" y="5518150"/>
+              <a:ext cx="1363663" cy="1325563"/>
+            </a:xfrm>
+            <a:custGeom>
+              <a:avLst/>
+              <a:gdLst>
+                <a:gd name="T0" fmla="*/ 0 w 287"/>
+                <a:gd name="T1" fmla="*/ 279 h 279"/>
+                <a:gd name="T2" fmla="*/ 287 w 287"/>
+                <a:gd name="T3" fmla="*/ 0 h 279"/>
+              </a:gdLst>
+              <a:ahLst/>
+              <a:cxnLst>
+                <a:cxn ang="0">
+                  <a:pos x="T0" y="T1"/>
+                </a:cxn>
+                <a:cxn ang="0">
+                  <a:pos x="T2" y="T3"/>
+                </a:cxn>
+              </a:cxnLst>
+              <a:rect l="0" t="0" r="r" b="b"/>
+              <a:pathLst>
+                <a:path w="287" h="279">
+                  <a:moveTo>
+                    <a:pt x="0" y="279"/>
+                  </a:moveTo>
+                  <a:cubicBezTo>
+                    <a:pt x="101" y="193"/>
+                    <a:pt x="198" y="100"/>
+                    <a:pt x="287" y="0"/>
+                  </a:cubicBezTo>
+                </a:path>
+              </a:pathLst>
+            </a:custGeom>
+            <a:noFill/>
+            <a:ln w="9525" cap="flat">
+              <a:solidFill>
+                <a:schemeClr val="tx1">
+                  <a:alpha val="10000"/>
+                </a:schemeClr>
+              </a:solidFill>
+              <a:prstDash val="solid"/>
+              <a:miter lim="800000"/>
+              <a:headEnd/>
+              <a:tailEnd/>
+            </a:ln>
+            <a:extLst>
+              <a:ext uri="{909E8E84-426E-40DD-AFC4-6F175D3DCCD1}">
+                <a14:hiddenFill xmlns:a14="http://schemas.microsoft.com/office/drawing/2010/main">
+                  <a:solidFill>
+                    <a:srgbClr val="FFFFFF"/>
+                  </a:solidFill>
+                </a14:hiddenFill>
+              </a:ext>
+            </a:extLst>
+          </p:spPr>
+          <p:txBody>
+            <a:bodyPr vert="horz" wrap="square" lIns="91440" tIns="45720" rIns="91440" bIns="45720" numCol="1" anchor="t" anchorCtr="0" compatLnSpc="1">
+              <a:prstTxWarp prst="textNoShape">
+                <a:avLst/>
+              </a:prstTxWarp>
+            </a:bodyPr>
+            <a:lstStyle/>
+            <a:p>
+              <a:endParaRPr lang="en-US"/>
+            </a:p>
+          </p:txBody>
+        </p:sp>
+        <p:sp>
+          <p:nvSpPr>
+            <p:cNvPr id="102" name="Freeform 16">
+              <a:extLst>
+                <a:ext uri="{FF2B5EF4-FFF2-40B4-BE49-F238E27FC236}">
+                  <a16:creationId xmlns:a16="http://schemas.microsoft.com/office/drawing/2014/main" id="{3E849CB5-4526-49DC-B77B-A20FDB7FFDA4}"/>
+                </a:ext>
+                <a:ext uri="{C183D7F6-B498-43B3-948B-1728B52AA6E4}">
+                  <adec:decorative xmlns:adec="http://schemas.microsoft.com/office/drawing/2017/decorative" val="1"/>
+                </a:ext>
+              </a:extLst>
+            </p:cNvPr>
+            <p:cNvSpPr>
+              <a:spLocks/>
+            </p:cNvSpPr>
+            <p:nvPr>
+              <p:extLst>
+                <p:ext uri="{386F3935-93C4-4BCD-93E2-E3B085C9AB24}">
+                  <p16:designElem xmlns:p16="http://schemas.microsoft.com/office/powerpoint/2015/main" val="1"/>
+                </p:ext>
+              </p:extLst>
+            </p:nvPr>
+          </p:nvSpPr>
+          <p:spPr bwMode="auto">
+            <a:xfrm>
+              <a:off x="889000" y="0"/>
+              <a:ext cx="3230563" cy="6843713"/>
+            </a:xfrm>
+            <a:custGeom>
+              <a:avLst/>
+              <a:gdLst>
+                <a:gd name="T0" fmla="*/ 680 w 680"/>
+                <a:gd name="T1" fmla="*/ 0 h 1440"/>
+                <a:gd name="T2" fmla="*/ 337 w 680"/>
+                <a:gd name="T3" fmla="*/ 1440 h 1440"/>
+              </a:gdLst>
+              <a:ahLst/>
+              <a:cxnLst>
+                <a:cxn ang="0">
+                  <a:pos x="T0" y="T1"/>
+                </a:cxn>
+                <a:cxn ang="0">
+                  <a:pos x="T2" y="T3"/>
+                </a:cxn>
+              </a:cxnLst>
+              <a:rect l="0" t="0" r="r" b="b"/>
+              <a:pathLst>
+                <a:path w="680" h="1440">
+                  <a:moveTo>
+                    <a:pt x="680" y="0"/>
+                  </a:moveTo>
+                  <a:cubicBezTo>
+                    <a:pt x="257" y="265"/>
+                    <a:pt x="0" y="1026"/>
+                    <a:pt x="337" y="1440"/>
+                  </a:cubicBezTo>
+                </a:path>
+              </a:pathLst>
+            </a:custGeom>
+            <a:noFill/>
+            <a:ln w="9525" cap="flat">
+              <a:solidFill>
+                <a:schemeClr val="tx1">
+                  <a:alpha val="10000"/>
+                </a:schemeClr>
+              </a:solidFill>
+              <a:prstDash val="solid"/>
+              <a:miter lim="800000"/>
+              <a:headEnd/>
+              <a:tailEnd/>
+            </a:ln>
+            <a:extLst>
+              <a:ext uri="{909E8E84-426E-40DD-AFC4-6F175D3DCCD1}">
+                <a14:hiddenFill xmlns:a14="http://schemas.microsoft.com/office/drawing/2010/main">
+                  <a:solidFill>
+                    <a:srgbClr val="FFFFFF"/>
+                  </a:solidFill>
+                </a14:hiddenFill>
+              </a:ext>
+            </a:extLst>
+          </p:spPr>
+          <p:txBody>
+            <a:bodyPr vert="horz" wrap="square" lIns="91440" tIns="45720" rIns="91440" bIns="45720" numCol="1" anchor="t" anchorCtr="0" compatLnSpc="1">
+              <a:prstTxWarp prst="textNoShape">
+                <a:avLst/>
+              </a:prstTxWarp>
+            </a:bodyPr>
+            <a:lstStyle/>
+            <a:p>
+              <a:endParaRPr lang="en-US"/>
+            </a:p>
+          </p:txBody>
+        </p:sp>
+        <p:sp>
+          <p:nvSpPr>
+            <p:cNvPr id="103" name="Freeform 17">
+              <a:extLst>
+                <a:ext uri="{FF2B5EF4-FFF2-40B4-BE49-F238E27FC236}">
+                  <a16:creationId xmlns:a16="http://schemas.microsoft.com/office/drawing/2014/main" id="{5A18C8A4-FB2A-44C1-93D3-26C6DDFE0CC4}"/>
+                </a:ext>
+                <a:ext uri="{C183D7F6-B498-43B3-948B-1728B52AA6E4}">
+                  <adec:decorative xmlns:adec="http://schemas.microsoft.com/office/drawing/2017/decorative" val="1"/>
+                </a:ext>
+              </a:extLst>
+            </p:cNvPr>
+            <p:cNvSpPr>
+              <a:spLocks/>
+            </p:cNvSpPr>
+            <p:nvPr>
+              <p:extLst>
+                <p:ext uri="{386F3935-93C4-4BCD-93E2-E3B085C9AB24}">
+                  <p16:designElem xmlns:p16="http://schemas.microsoft.com/office/powerpoint/2015/main" val="1"/>
+                </p:ext>
+              </p:extLst>
+            </p:nvPr>
+          </p:nvSpPr>
+          <p:spPr bwMode="auto">
+            <a:xfrm>
+              <a:off x="10979150" y="5694363"/>
+              <a:ext cx="1187450" cy="1149350"/>
+            </a:xfrm>
+            <a:custGeom>
+              <a:avLst/>
+              <a:gdLst>
+                <a:gd name="T0" fmla="*/ 0 w 250"/>
+                <a:gd name="T1" fmla="*/ 242 h 242"/>
+                <a:gd name="T2" fmla="*/ 250 w 250"/>
+                <a:gd name="T3" fmla="*/ 0 h 242"/>
+              </a:gdLst>
+              <a:ahLst/>
+              <a:cxnLst>
+                <a:cxn ang="0">
+                  <a:pos x="T0" y="T1"/>
+                </a:cxn>
+                <a:cxn ang="0">
+                  <a:pos x="T2" y="T3"/>
+                </a:cxn>
+              </a:cxnLst>
+              <a:rect l="0" t="0" r="r" b="b"/>
+              <a:pathLst>
+                <a:path w="250" h="242">
+                  <a:moveTo>
+                    <a:pt x="0" y="242"/>
+                  </a:moveTo>
+                  <a:cubicBezTo>
+                    <a:pt x="88" y="166"/>
+                    <a:pt x="172" y="85"/>
+                    <a:pt x="250" y="0"/>
+                  </a:cubicBezTo>
+                </a:path>
+              </a:pathLst>
+            </a:custGeom>
+            <a:noFill/>
+            <a:ln w="9525" cap="flat">
+              <a:solidFill>
+                <a:schemeClr val="tx1">
+                  <a:alpha val="10000"/>
+                </a:schemeClr>
+              </a:solidFill>
+              <a:prstDash val="solid"/>
+              <a:miter lim="800000"/>
+              <a:headEnd/>
+              <a:tailEnd/>
+            </a:ln>
+            <a:extLst>
+              <a:ext uri="{909E8E84-426E-40DD-AFC4-6F175D3DCCD1}">
+                <a14:hiddenFill xmlns:a14="http://schemas.microsoft.com/office/drawing/2010/main">
+                  <a:solidFill>
+                    <a:srgbClr val="FFFFFF"/>
+                  </a:solidFill>
+                </a14:hiddenFill>
+              </a:ext>
+            </a:extLst>
+          </p:spPr>
+          <p:txBody>
+            <a:bodyPr vert="horz" wrap="square" lIns="91440" tIns="45720" rIns="91440" bIns="45720" numCol="1" anchor="t" anchorCtr="0" compatLnSpc="1">
+              <a:prstTxWarp prst="textNoShape">
+                <a:avLst/>
+              </a:prstTxWarp>
+            </a:bodyPr>
+            <a:lstStyle/>
+            <a:p>
+              <a:endParaRPr lang="en-US"/>
+            </a:p>
+          </p:txBody>
+        </p:sp>
+        <p:sp>
+          <p:nvSpPr>
+            <p:cNvPr id="104" name="Freeform 18">
+              <a:extLst>
+                <a:ext uri="{FF2B5EF4-FFF2-40B4-BE49-F238E27FC236}">
+                  <a16:creationId xmlns:a16="http://schemas.microsoft.com/office/drawing/2014/main" id="{85D014FD-8C5A-4071-B19E-4910AAB6186B}"/>
+                </a:ext>
+                <a:ext uri="{C183D7F6-B498-43B3-948B-1728B52AA6E4}">
+                  <adec:decorative xmlns:adec="http://schemas.microsoft.com/office/drawing/2017/decorative" val="1"/>
+                </a:ext>
+              </a:extLst>
+            </p:cNvPr>
+            <p:cNvSpPr>
+              <a:spLocks/>
+            </p:cNvSpPr>
+            <p:nvPr>
+              <p:extLst>
+                <p:ext uri="{386F3935-93C4-4BCD-93E2-E3B085C9AB24}">
+                  <p16:designElem xmlns:p16="http://schemas.microsoft.com/office/powerpoint/2015/main" val="1"/>
+                </p:ext>
+              </p:extLst>
+            </p:nvPr>
+          </p:nvSpPr>
+          <p:spPr bwMode="auto">
+            <a:xfrm>
+              <a:off x="484188" y="0"/>
+              <a:ext cx="3421063" cy="6843713"/>
+            </a:xfrm>
+            <a:custGeom>
+              <a:avLst/>
+              <a:gdLst>
+                <a:gd name="T0" fmla="*/ 720 w 720"/>
+                <a:gd name="T1" fmla="*/ 0 h 1440"/>
+                <a:gd name="T2" fmla="*/ 362 w 720"/>
+                <a:gd name="T3" fmla="*/ 1440 h 1440"/>
+              </a:gdLst>
+              <a:ahLst/>
+              <a:cxnLst>
+                <a:cxn ang="0">
+                  <a:pos x="T0" y="T1"/>
+                </a:cxn>
+                <a:cxn ang="0">
+                  <a:pos x="T2" y="T3"/>
+                </a:cxn>
+              </a:cxnLst>
+              <a:rect l="0" t="0" r="r" b="b"/>
+              <a:pathLst>
+                <a:path w="720" h="1440">
+                  <a:moveTo>
+                    <a:pt x="720" y="0"/>
+                  </a:moveTo>
+                  <a:cubicBezTo>
+                    <a:pt x="316" y="282"/>
+                    <a:pt x="0" y="1018"/>
+                    <a:pt x="362" y="1440"/>
+                  </a:cubicBezTo>
+                </a:path>
+              </a:pathLst>
+            </a:custGeom>
+            <a:noFill/>
+            <a:ln w="9525" cap="flat">
+              <a:solidFill>
+                <a:schemeClr val="tx1">
+                  <a:alpha val="10000"/>
+                </a:schemeClr>
+              </a:solidFill>
+              <a:prstDash val="solid"/>
+              <a:miter lim="800000"/>
+              <a:headEnd/>
+              <a:tailEnd/>
+            </a:ln>
+            <a:extLst>
+              <a:ext uri="{909E8E84-426E-40DD-AFC4-6F175D3DCCD1}">
+                <a14:hiddenFill xmlns:a14="http://schemas.microsoft.com/office/drawing/2010/main">
+                  <a:solidFill>
+                    <a:srgbClr val="FFFFFF"/>
+                  </a:solidFill>
+                </a14:hiddenFill>
+              </a:ext>
+            </a:extLst>
+          </p:spPr>
+          <p:txBody>
+            <a:bodyPr vert="horz" wrap="square" lIns="91440" tIns="45720" rIns="91440" bIns="45720" numCol="1" anchor="t" anchorCtr="0" compatLnSpc="1">
+              <a:prstTxWarp prst="textNoShape">
+                <a:avLst/>
+              </a:prstTxWarp>
+            </a:bodyPr>
+            <a:lstStyle/>
+            <a:p>
+              <a:endParaRPr lang="en-US"/>
+            </a:p>
+          </p:txBody>
+        </p:sp>
+        <p:sp>
+          <p:nvSpPr>
+            <p:cNvPr id="105" name="Freeform 19">
+              <a:extLst>
+                <a:ext uri="{FF2B5EF4-FFF2-40B4-BE49-F238E27FC236}">
+                  <a16:creationId xmlns:a16="http://schemas.microsoft.com/office/drawing/2014/main" id="{A37D7262-3596-4026-9AD4-E94332E52603}"/>
+                </a:ext>
+                <a:ext uri="{C183D7F6-B498-43B3-948B-1728B52AA6E4}">
+                  <adec:decorative xmlns:adec="http://schemas.microsoft.com/office/drawing/2017/decorative" val="1"/>
+                </a:ext>
+              </a:extLst>
+            </p:cNvPr>
+            <p:cNvSpPr>
+              <a:spLocks/>
+            </p:cNvSpPr>
+            <p:nvPr>
+              <p:extLst>
+                <p:ext uri="{386F3935-93C4-4BCD-93E2-E3B085C9AB24}">
+                  <p16:designElem xmlns:p16="http://schemas.microsoft.com/office/powerpoint/2015/main" val="1"/>
+                </p:ext>
+              </p:extLst>
+            </p:nvPr>
+          </p:nvSpPr>
+          <p:spPr bwMode="auto">
+            <a:xfrm>
+              <a:off x="11287125" y="6049963"/>
+              <a:ext cx="879475" cy="793750"/>
+            </a:xfrm>
+            <a:custGeom>
+              <a:avLst/>
+              <a:gdLst>
+                <a:gd name="T0" fmla="*/ 0 w 185"/>
+                <a:gd name="T1" fmla="*/ 167 h 167"/>
+                <a:gd name="T2" fmla="*/ 185 w 185"/>
+                <a:gd name="T3" fmla="*/ 0 h 167"/>
+              </a:gdLst>
+              <a:ahLst/>
+              <a:cxnLst>
+                <a:cxn ang="0">
+                  <a:pos x="T0" y="T1"/>
+                </a:cxn>
+                <a:cxn ang="0">
+                  <a:pos x="T2" y="T3"/>
+                </a:cxn>
+              </a:cxnLst>
+              <a:rect l="0" t="0" r="r" b="b"/>
+              <a:pathLst>
+                <a:path w="185" h="167">
+                  <a:moveTo>
+                    <a:pt x="0" y="167"/>
+                  </a:moveTo>
+                  <a:cubicBezTo>
+                    <a:pt x="63" y="114"/>
+                    <a:pt x="125" y="58"/>
+                    <a:pt x="185" y="0"/>
+                  </a:cubicBezTo>
+                </a:path>
+              </a:pathLst>
+            </a:custGeom>
+            <a:noFill/>
+            <a:ln w="9525" cap="flat">
+              <a:solidFill>
+                <a:schemeClr val="tx1">
+                  <a:alpha val="10000"/>
+                </a:schemeClr>
+              </a:solidFill>
+              <a:prstDash val="solid"/>
+              <a:miter lim="800000"/>
+              <a:headEnd/>
+              <a:tailEnd/>
+            </a:ln>
+            <a:extLst>
+              <a:ext uri="{909E8E84-426E-40DD-AFC4-6F175D3DCCD1}">
+                <a14:hiddenFill xmlns:a14="http://schemas.microsoft.com/office/drawing/2010/main">
+                  <a:solidFill>
+                    <a:srgbClr val="FFFFFF"/>
+                  </a:solidFill>
+                </a14:hiddenFill>
+              </a:ext>
+            </a:extLst>
+          </p:spPr>
+          <p:txBody>
+            <a:bodyPr vert="horz" wrap="square" lIns="91440" tIns="45720" rIns="91440" bIns="45720" numCol="1" anchor="t" anchorCtr="0" compatLnSpc="1">
+              <a:prstTxWarp prst="textNoShape">
+                <a:avLst/>
+              </a:prstTxWarp>
+            </a:bodyPr>
+            <a:lstStyle/>
+            <a:p>
+              <a:endParaRPr lang="en-US"/>
+            </a:p>
+          </p:txBody>
+        </p:sp>
+        <p:sp>
+          <p:nvSpPr>
+            <p:cNvPr id="106" name="Freeform 20">
+              <a:extLst>
+                <a:ext uri="{FF2B5EF4-FFF2-40B4-BE49-F238E27FC236}">
+                  <a16:creationId xmlns:a16="http://schemas.microsoft.com/office/drawing/2014/main" id="{187E37E0-AAC3-4B33-AF36-334ACCBD33C8}"/>
+                </a:ext>
+                <a:ext uri="{C183D7F6-B498-43B3-948B-1728B52AA6E4}">
+                  <adec:decorative xmlns:adec="http://schemas.microsoft.com/office/drawing/2017/decorative" val="1"/>
+                </a:ext>
+              </a:extLst>
+            </p:cNvPr>
+            <p:cNvSpPr>
+              <a:spLocks/>
+            </p:cNvSpPr>
+            <p:nvPr>
+              <p:extLst>
+                <p:ext uri="{386F3935-93C4-4BCD-93E2-E3B085C9AB24}">
+                  <p16:designElem xmlns:p16="http://schemas.microsoft.com/office/powerpoint/2015/main" val="1"/>
+                </p:ext>
+              </p:extLst>
+            </p:nvPr>
+          </p:nvSpPr>
+          <p:spPr bwMode="auto">
+            <a:xfrm>
+              <a:off x="598488" y="0"/>
+              <a:ext cx="2717800" cy="6843713"/>
+            </a:xfrm>
+            <a:custGeom>
+              <a:avLst/>
+              <a:gdLst>
+                <a:gd name="T0" fmla="*/ 572 w 572"/>
+                <a:gd name="T1" fmla="*/ 0 h 1440"/>
+                <a:gd name="T2" fmla="*/ 164 w 572"/>
+                <a:gd name="T3" fmla="*/ 1440 h 1440"/>
+              </a:gdLst>
+              <a:ahLst/>
+              <a:cxnLst>
+                <a:cxn ang="0">
+                  <a:pos x="T0" y="T1"/>
+                </a:cxn>
+                <a:cxn ang="0">
+                  <a:pos x="T2" y="T3"/>
+                </a:cxn>
+              </a:cxnLst>
+              <a:rect l="0" t="0" r="r" b="b"/>
+              <a:pathLst>
+                <a:path w="572" h="1440">
+                  <a:moveTo>
+                    <a:pt x="572" y="0"/>
+                  </a:moveTo>
+                  <a:cubicBezTo>
+                    <a:pt x="213" y="320"/>
+                    <a:pt x="0" y="979"/>
+                    <a:pt x="164" y="1440"/>
+                  </a:cubicBezTo>
+                </a:path>
+              </a:pathLst>
+            </a:custGeom>
+            <a:noFill/>
+            <a:ln w="12700" cap="flat">
+              <a:solidFill>
+                <a:schemeClr val="tx1">
+                  <a:alpha val="10000"/>
+                </a:schemeClr>
+              </a:solidFill>
+              <a:prstDash val="dashDot"/>
+              <a:miter lim="800000"/>
+              <a:headEnd/>
+              <a:tailEnd/>
+            </a:ln>
+            <a:extLst>
+              <a:ext uri="{909E8E84-426E-40DD-AFC4-6F175D3DCCD1}">
+                <a14:hiddenFill xmlns:a14="http://schemas.microsoft.com/office/drawing/2010/main">
+                  <a:solidFill>
+                    <a:srgbClr val="FFFFFF"/>
+                  </a:solidFill>
+                </a14:hiddenFill>
+              </a:ext>
+            </a:extLst>
+          </p:spPr>
+          <p:txBody>
+            <a:bodyPr vert="horz" wrap="square" lIns="91440" tIns="45720" rIns="91440" bIns="45720" numCol="1" anchor="t" anchorCtr="0" compatLnSpc="1">
+              <a:prstTxWarp prst="textNoShape">
+                <a:avLst/>
+              </a:prstTxWarp>
+            </a:bodyPr>
+            <a:lstStyle/>
+            <a:p>
+              <a:endParaRPr lang="en-US"/>
+            </a:p>
+          </p:txBody>
+        </p:sp>
+        <p:sp>
+          <p:nvSpPr>
+            <p:cNvPr id="107" name="Freeform 21">
+              <a:extLst>
+                <a:ext uri="{FF2B5EF4-FFF2-40B4-BE49-F238E27FC236}">
+                  <a16:creationId xmlns:a16="http://schemas.microsoft.com/office/drawing/2014/main" id="{409758BB-8A0E-4BEB-BC0C-F410AD98CDD9}"/>
+                </a:ext>
+                <a:ext uri="{C183D7F6-B498-43B3-948B-1728B52AA6E4}">
+                  <adec:decorative xmlns:adec="http://schemas.microsoft.com/office/drawing/2017/decorative" val="1"/>
+                </a:ext>
+              </a:extLst>
+            </p:cNvPr>
+            <p:cNvSpPr>
+              <a:spLocks/>
+            </p:cNvSpPr>
+            <p:nvPr>
+              <p:extLst>
+                <p:ext uri="{386F3935-93C4-4BCD-93E2-E3B085C9AB24}">
+                  <p16:designElem xmlns:p16="http://schemas.microsoft.com/office/powerpoint/2015/main" val="1"/>
+                </p:ext>
+              </p:extLst>
+            </p:nvPr>
+          </p:nvSpPr>
+          <p:spPr bwMode="auto">
+            <a:xfrm>
+              <a:off x="261938" y="0"/>
+              <a:ext cx="2944813" cy="6843713"/>
+            </a:xfrm>
+            <a:custGeom>
+              <a:avLst/>
+              <a:gdLst>
+                <a:gd name="T0" fmla="*/ 620 w 620"/>
+                <a:gd name="T1" fmla="*/ 0 h 1440"/>
+                <a:gd name="T2" fmla="*/ 186 w 620"/>
+                <a:gd name="T3" fmla="*/ 1440 h 1440"/>
+              </a:gdLst>
+              <a:ahLst/>
+              <a:cxnLst>
+                <a:cxn ang="0">
+                  <a:pos x="T0" y="T1"/>
+                </a:cxn>
+                <a:cxn ang="0">
+                  <a:pos x="T2" y="T3"/>
+                </a:cxn>
+              </a:cxnLst>
+              <a:rect l="0" t="0" r="r" b="b"/>
+              <a:pathLst>
+                <a:path w="620" h="1440">
+                  <a:moveTo>
+                    <a:pt x="620" y="0"/>
+                  </a:moveTo>
+                  <a:cubicBezTo>
+                    <a:pt x="248" y="325"/>
+                    <a:pt x="0" y="960"/>
+                    <a:pt x="186" y="1440"/>
+                  </a:cubicBezTo>
+                </a:path>
+              </a:pathLst>
+            </a:custGeom>
+            <a:noFill/>
+            <a:ln w="9525" cap="flat">
+              <a:solidFill>
+                <a:schemeClr val="tx1">
+                  <a:alpha val="10000"/>
+                </a:schemeClr>
+              </a:solidFill>
+              <a:prstDash val="lgDash"/>
+              <a:miter lim="800000"/>
+              <a:headEnd/>
+              <a:tailEnd/>
+            </a:ln>
+            <a:extLst>
+              <a:ext uri="{909E8E84-426E-40DD-AFC4-6F175D3DCCD1}">
+                <a14:hiddenFill xmlns:a14="http://schemas.microsoft.com/office/drawing/2010/main">
+                  <a:solidFill>
+                    <a:srgbClr val="FFFFFF"/>
+                  </a:solidFill>
+                </a14:hiddenFill>
+              </a:ext>
+            </a:extLst>
+          </p:spPr>
+          <p:txBody>
+            <a:bodyPr vert="horz" wrap="square" lIns="91440" tIns="45720" rIns="91440" bIns="45720" numCol="1" anchor="t" anchorCtr="0" compatLnSpc="1">
+              <a:prstTxWarp prst="textNoShape">
+                <a:avLst/>
+              </a:prstTxWarp>
+            </a:bodyPr>
+            <a:lstStyle/>
+            <a:p>
+              <a:endParaRPr lang="en-US"/>
+            </a:p>
+          </p:txBody>
+        </p:sp>
+        <p:sp>
+          <p:nvSpPr>
+            <p:cNvPr id="108" name="Freeform 22">
+              <a:extLst>
+                <a:ext uri="{FF2B5EF4-FFF2-40B4-BE49-F238E27FC236}">
+                  <a16:creationId xmlns:a16="http://schemas.microsoft.com/office/drawing/2014/main" id="{97C4EFE2-9D25-4978-BD9A-873B49270210}"/>
+                </a:ext>
+                <a:ext uri="{C183D7F6-B498-43B3-948B-1728B52AA6E4}">
+                  <adec:decorative xmlns:adec="http://schemas.microsoft.com/office/drawing/2017/decorative" val="1"/>
+                </a:ext>
+              </a:extLst>
+            </p:cNvPr>
+            <p:cNvSpPr>
+              <a:spLocks/>
+            </p:cNvSpPr>
+            <p:nvPr>
+              <p:extLst>
+                <p:ext uri="{386F3935-93C4-4BCD-93E2-E3B085C9AB24}">
+                  <p16:designElem xmlns:p16="http://schemas.microsoft.com/office/powerpoint/2015/main" val="1"/>
+                </p:ext>
+              </p:extLst>
+            </p:nvPr>
+          </p:nvSpPr>
+          <p:spPr bwMode="auto">
+            <a:xfrm>
+              <a:off x="-417513" y="0"/>
+              <a:ext cx="2403475" cy="6843713"/>
+            </a:xfrm>
+            <a:custGeom>
+              <a:avLst/>
+              <a:gdLst>
+                <a:gd name="T0" fmla="*/ 506 w 506"/>
+                <a:gd name="T1" fmla="*/ 0 h 1440"/>
+                <a:gd name="T2" fmla="*/ 171 w 506"/>
+                <a:gd name="T3" fmla="*/ 1440 h 1440"/>
+              </a:gdLst>
+              <a:ahLst/>
+              <a:cxnLst>
+                <a:cxn ang="0">
+                  <a:pos x="T0" y="T1"/>
+                </a:cxn>
+                <a:cxn ang="0">
+                  <a:pos x="T2" y="T3"/>
+                </a:cxn>
+              </a:cxnLst>
+              <a:rect l="0" t="0" r="r" b="b"/>
+              <a:pathLst>
+                <a:path w="506" h="1440">
+                  <a:moveTo>
+                    <a:pt x="506" y="0"/>
+                  </a:moveTo>
+                  <a:cubicBezTo>
+                    <a:pt x="109" y="356"/>
+                    <a:pt x="0" y="943"/>
+                    <a:pt x="171" y="1440"/>
+                  </a:cubicBezTo>
+                </a:path>
+              </a:pathLst>
+            </a:custGeom>
+            <a:noFill/>
+            <a:ln w="9525" cap="flat">
+              <a:solidFill>
+                <a:schemeClr val="tx1">
+                  <a:alpha val="10000"/>
+                </a:schemeClr>
+              </a:solidFill>
+              <a:prstDash val="solid"/>
+              <a:miter lim="800000"/>
+              <a:headEnd/>
+              <a:tailEnd/>
+            </a:ln>
+            <a:extLst>
+              <a:ext uri="{909E8E84-426E-40DD-AFC4-6F175D3DCCD1}">
+                <a14:hiddenFill xmlns:a14="http://schemas.microsoft.com/office/drawing/2010/main">
+                  <a:solidFill>
+                    <a:srgbClr val="FFFFFF"/>
+                  </a:solidFill>
+                </a14:hiddenFill>
+              </a:ext>
+            </a:extLst>
+          </p:spPr>
+          <p:txBody>
+            <a:bodyPr vert="horz" wrap="square" lIns="91440" tIns="45720" rIns="91440" bIns="45720" numCol="1" anchor="t" anchorCtr="0" compatLnSpc="1">
+              <a:prstTxWarp prst="textNoShape">
+                <a:avLst/>
+              </a:prstTxWarp>
+            </a:bodyPr>
+            <a:lstStyle/>
+            <a:p>
+              <a:endParaRPr lang="en-US"/>
+            </a:p>
+          </p:txBody>
+        </p:sp>
+        <p:sp>
+          <p:nvSpPr>
+            <p:cNvPr id="109" name="Freeform 23">
+              <a:extLst>
+                <a:ext uri="{FF2B5EF4-FFF2-40B4-BE49-F238E27FC236}">
+                  <a16:creationId xmlns:a16="http://schemas.microsoft.com/office/drawing/2014/main" id="{9CCAF82A-A0E0-4B55-A97B-EFFAE79AF7D2}"/>
+                </a:ext>
+                <a:ext uri="{C183D7F6-B498-43B3-948B-1728B52AA6E4}">
+                  <adec:decorative xmlns:adec="http://schemas.microsoft.com/office/drawing/2017/decorative" val="1"/>
+                </a:ext>
+              </a:extLst>
+            </p:cNvPr>
+            <p:cNvSpPr>
+              <a:spLocks/>
+            </p:cNvSpPr>
+            <p:nvPr>
+              <p:extLst>
+                <p:ext uri="{386F3935-93C4-4BCD-93E2-E3B085C9AB24}">
+                  <p16:designElem xmlns:p16="http://schemas.microsoft.com/office/powerpoint/2015/main" val="1"/>
+                </p:ext>
+              </p:extLst>
+            </p:nvPr>
+          </p:nvSpPr>
+          <p:spPr bwMode="auto">
+            <a:xfrm>
+              <a:off x="14288" y="9525"/>
+              <a:ext cx="1771650" cy="3198813"/>
+            </a:xfrm>
+            <a:custGeom>
+              <a:avLst/>
+              <a:gdLst>
+                <a:gd name="T0" fmla="*/ 373 w 373"/>
+                <a:gd name="T1" fmla="*/ 0 h 673"/>
+                <a:gd name="T2" fmla="*/ 0 w 373"/>
+                <a:gd name="T3" fmla="*/ 673 h 673"/>
+              </a:gdLst>
+              <a:ahLst/>
+              <a:cxnLst>
+                <a:cxn ang="0">
+                  <a:pos x="T0" y="T1"/>
+                </a:cxn>
+                <a:cxn ang="0">
+                  <a:pos x="T2" y="T3"/>
+                </a:cxn>
+              </a:cxnLst>
+              <a:rect l="0" t="0" r="r" b="b"/>
+              <a:pathLst>
+                <a:path w="373" h="673">
+                  <a:moveTo>
+                    <a:pt x="373" y="0"/>
+                  </a:moveTo>
+                  <a:cubicBezTo>
+                    <a:pt x="175" y="183"/>
+                    <a:pt x="51" y="409"/>
+                    <a:pt x="0" y="673"/>
+                  </a:cubicBezTo>
+                </a:path>
+              </a:pathLst>
+            </a:custGeom>
+            <a:noFill/>
+            <a:ln w="9525" cap="flat">
+              <a:solidFill>
+                <a:schemeClr val="tx1">
+                  <a:alpha val="10000"/>
+                </a:schemeClr>
+              </a:solidFill>
+              <a:prstDash val="solid"/>
+              <a:miter lim="800000"/>
+              <a:headEnd/>
+              <a:tailEnd/>
+            </a:ln>
+            <a:extLst>
+              <a:ext uri="{909E8E84-426E-40DD-AFC4-6F175D3DCCD1}">
+                <a14:hiddenFill xmlns:a14="http://schemas.microsoft.com/office/drawing/2010/main">
+                  <a:solidFill>
+                    <a:srgbClr val="FFFFFF"/>
+                  </a:solidFill>
+                </a14:hiddenFill>
+              </a:ext>
+            </a:extLst>
+          </p:spPr>
+          <p:txBody>
+            <a:bodyPr vert="horz" wrap="square" lIns="91440" tIns="45720" rIns="91440" bIns="45720" numCol="1" anchor="t" anchorCtr="0" compatLnSpc="1">
+              <a:prstTxWarp prst="textNoShape">
+                <a:avLst/>
+              </a:prstTxWarp>
+            </a:bodyPr>
+            <a:lstStyle/>
+            <a:p>
+              <a:endParaRPr lang="en-US"/>
+            </a:p>
+          </p:txBody>
+        </p:sp>
+        <p:sp>
+          <p:nvSpPr>
+            <p:cNvPr id="110" name="Freeform 24">
+              <a:extLst>
+                <a:ext uri="{FF2B5EF4-FFF2-40B4-BE49-F238E27FC236}">
+                  <a16:creationId xmlns:a16="http://schemas.microsoft.com/office/drawing/2014/main" id="{4F800DD8-3954-4F73-8807-16F1CFAC1EBA}"/>
+                </a:ext>
+                <a:ext uri="{C183D7F6-B498-43B3-948B-1728B52AA6E4}">
+                  <adec:decorative xmlns:adec="http://schemas.microsoft.com/office/drawing/2017/decorative" val="1"/>
+                </a:ext>
+              </a:extLst>
+            </p:cNvPr>
+            <p:cNvSpPr>
+              <a:spLocks/>
+            </p:cNvSpPr>
+            <p:nvPr>
+              <p:extLst>
+                <p:ext uri="{386F3935-93C4-4BCD-93E2-E3B085C9AB24}">
+                  <p16:designElem xmlns:p16="http://schemas.microsoft.com/office/powerpoint/2015/main" val="1"/>
+                </p:ext>
+              </p:extLst>
+            </p:nvPr>
+          </p:nvSpPr>
+          <p:spPr bwMode="auto">
+            <a:xfrm>
+              <a:off x="4763" y="6016625"/>
+              <a:ext cx="214313" cy="827088"/>
+            </a:xfrm>
+            <a:custGeom>
+              <a:avLst/>
+              <a:gdLst>
+                <a:gd name="T0" fmla="*/ 0 w 45"/>
+                <a:gd name="T1" fmla="*/ 0 h 174"/>
+                <a:gd name="T2" fmla="*/ 45 w 45"/>
+                <a:gd name="T3" fmla="*/ 174 h 174"/>
+              </a:gdLst>
+              <a:ahLst/>
+              <a:cxnLst>
+                <a:cxn ang="0">
+                  <a:pos x="T0" y="T1"/>
+                </a:cxn>
+                <a:cxn ang="0">
+                  <a:pos x="T2" y="T3"/>
+                </a:cxn>
+              </a:cxnLst>
+              <a:rect l="0" t="0" r="r" b="b"/>
+              <a:pathLst>
+                <a:path w="45" h="174">
+                  <a:moveTo>
+                    <a:pt x="0" y="0"/>
+                  </a:moveTo>
+                  <a:cubicBezTo>
+                    <a:pt x="11" y="59"/>
+                    <a:pt x="26" y="118"/>
+                    <a:pt x="45" y="174"/>
+                  </a:cubicBezTo>
+                </a:path>
+              </a:pathLst>
+            </a:custGeom>
+            <a:noFill/>
+            <a:ln w="9525" cap="flat">
+              <a:solidFill>
+                <a:schemeClr val="tx1">
+                  <a:alpha val="10000"/>
+                </a:schemeClr>
+              </a:solidFill>
+              <a:prstDash val="solid"/>
+              <a:miter lim="800000"/>
+              <a:headEnd/>
+              <a:tailEnd/>
+            </a:ln>
+            <a:extLst>
+              <a:ext uri="{909E8E84-426E-40DD-AFC4-6F175D3DCCD1}">
+                <a14:hiddenFill xmlns:a14="http://schemas.microsoft.com/office/drawing/2010/main">
+                  <a:solidFill>
+                    <a:srgbClr val="FFFFFF"/>
+                  </a:solidFill>
+                </a14:hiddenFill>
+              </a:ext>
+            </a:extLst>
+          </p:spPr>
+          <p:txBody>
+            <a:bodyPr vert="horz" wrap="square" lIns="91440" tIns="45720" rIns="91440" bIns="45720" numCol="1" anchor="t" anchorCtr="0" compatLnSpc="1">
+              <a:prstTxWarp prst="textNoShape">
+                <a:avLst/>
+              </a:prstTxWarp>
+            </a:bodyPr>
+            <a:lstStyle/>
+            <a:p>
+              <a:endParaRPr lang="en-US"/>
+            </a:p>
+          </p:txBody>
+        </p:sp>
+        <p:sp>
+          <p:nvSpPr>
+            <p:cNvPr id="111" name="Freeform 25">
+              <a:extLst>
+                <a:ext uri="{FF2B5EF4-FFF2-40B4-BE49-F238E27FC236}">
+                  <a16:creationId xmlns:a16="http://schemas.microsoft.com/office/drawing/2014/main" id="{84E1C91A-4B06-4852-918C-6380FA986BB2}"/>
+                </a:ext>
+                <a:ext uri="{C183D7F6-B498-43B3-948B-1728B52AA6E4}">
+                  <adec:decorative xmlns:adec="http://schemas.microsoft.com/office/drawing/2017/decorative" val="1"/>
+                </a:ext>
+              </a:extLst>
+            </p:cNvPr>
+            <p:cNvSpPr>
+              <a:spLocks/>
+            </p:cNvSpPr>
+            <p:nvPr>
+              <p:extLst>
+                <p:ext uri="{386F3935-93C4-4BCD-93E2-E3B085C9AB24}">
+                  <p16:designElem xmlns:p16="http://schemas.microsoft.com/office/powerpoint/2015/main" val="1"/>
+                </p:ext>
+              </p:extLst>
+            </p:nvPr>
+          </p:nvSpPr>
+          <p:spPr bwMode="auto">
+            <a:xfrm>
+              <a:off x="14288" y="0"/>
+              <a:ext cx="1562100" cy="2228850"/>
+            </a:xfrm>
+            <a:custGeom>
+              <a:avLst/>
+              <a:gdLst>
+                <a:gd name="T0" fmla="*/ 329 w 329"/>
+                <a:gd name="T1" fmla="*/ 0 h 469"/>
+                <a:gd name="T2" fmla="*/ 0 w 329"/>
+                <a:gd name="T3" fmla="*/ 469 h 469"/>
+              </a:gdLst>
+              <a:ahLst/>
+              <a:cxnLst>
+                <a:cxn ang="0">
+                  <a:pos x="T0" y="T1"/>
+                </a:cxn>
+                <a:cxn ang="0">
+                  <a:pos x="T2" y="T3"/>
+                </a:cxn>
+              </a:cxnLst>
+              <a:rect l="0" t="0" r="r" b="b"/>
+              <a:pathLst>
+                <a:path w="329" h="469">
+                  <a:moveTo>
+                    <a:pt x="329" y="0"/>
+                  </a:moveTo>
+                  <a:cubicBezTo>
+                    <a:pt x="189" y="133"/>
+                    <a:pt x="69" y="288"/>
+                    <a:pt x="0" y="469"/>
+                  </a:cubicBezTo>
+                </a:path>
+              </a:pathLst>
+            </a:custGeom>
+            <a:noFill/>
+            <a:ln w="9525" cap="flat">
+              <a:solidFill>
+                <a:schemeClr val="tx1">
+                  <a:alpha val="10000"/>
+                </a:schemeClr>
+              </a:solidFill>
+              <a:prstDash val="solid"/>
+              <a:miter lim="800000"/>
+              <a:headEnd/>
+              <a:tailEnd/>
+            </a:ln>
+            <a:extLst>
+              <a:ext uri="{909E8E84-426E-40DD-AFC4-6F175D3DCCD1}">
+                <a14:hiddenFill xmlns:a14="http://schemas.microsoft.com/office/drawing/2010/main">
+                  <a:solidFill>
+                    <a:srgbClr val="FFFFFF"/>
+                  </a:solidFill>
+                </a14:hiddenFill>
+              </a:ext>
+            </a:extLst>
+          </p:spPr>
+          <p:txBody>
+            <a:bodyPr vert="horz" wrap="square" lIns="91440" tIns="45720" rIns="91440" bIns="45720" numCol="1" anchor="t" anchorCtr="0" compatLnSpc="1">
+              <a:prstTxWarp prst="textNoShape">
+                <a:avLst/>
+              </a:prstTxWarp>
+            </a:bodyPr>
+            <a:lstStyle/>
+            <a:p>
+              <a:endParaRPr lang="en-US"/>
+            </a:p>
+          </p:txBody>
+        </p:sp>
+      </p:grpSp>
+      <p:sp>
+        <p:nvSpPr>
+          <p:cNvPr id="2" name="Title 1">
+            <a:extLst>
+              <a:ext uri="{FF2B5EF4-FFF2-40B4-BE49-F238E27FC236}">
+                <a16:creationId xmlns:a16="http://schemas.microsoft.com/office/drawing/2014/main" id="{52D95D0F-36E6-D248-9046-6BA200FEEF66}"/>
+              </a:ext>
+            </a:extLst>
+          </p:cNvPr>
+          <p:cNvSpPr>
+            <a:spLocks noGrp="1"/>
+          </p:cNvSpPr>
+          <p:nvPr>
+            <p:ph type="title"/>
+          </p:nvPr>
+        </p:nvSpPr>
+        <p:spPr>
+          <a:xfrm>
+            <a:off x="828916" y="488694"/>
+            <a:ext cx="10488547" cy="1436546"/>
+          </a:xfrm>
+        </p:spPr>
+        <p:txBody>
+          <a:bodyPr>
+            <a:normAutofit/>
+          </a:bodyPr>
+          <a:lstStyle/>
+          <a:p>
+            <a:r>
+              <a:rPr lang="en-US" dirty="0">
+                <a:solidFill>
+                  <a:schemeClr val="tx2"/>
+                </a:solidFill>
+              </a:rPr>
+              <a:t>ROC Curve (Julia)</a:t>
+            </a:r>
+          </a:p>
+        </p:txBody>
+      </p:sp>
+      <p:sp>
+        <p:nvSpPr>
+          <p:cNvPr id="112" name="Rectangle 63">
+            <a:extLst>
+              <a:ext uri="{FF2B5EF4-FFF2-40B4-BE49-F238E27FC236}">
+                <a16:creationId xmlns:a16="http://schemas.microsoft.com/office/drawing/2014/main" id="{E972DE0D-2E53-4159-ABD3-C601524262C2}"/>
+              </a:ext>
+              <a:ext uri="{C183D7F6-B498-43B3-948B-1728B52AA6E4}">
+                <adec:decorative xmlns:adec="http://schemas.microsoft.com/office/drawing/2017/decorative" val="1"/>
+              </a:ext>
+            </a:extLst>
+          </p:cNvPr>
+          <p:cNvSpPr>
+            <a:spLocks noGrp="1" noRot="1" noChangeAspect="1" noMove="1" noResize="1" noEditPoints="1" noAdjustHandles="1" noChangeArrowheads="1" noChangeShapeType="1" noTextEdit="1"/>
+          </p:cNvSpPr>
+          <p:nvPr>
+            <p:extLst>
+              <p:ext uri="{386F3935-93C4-4BCD-93E2-E3B085C9AB24}">
+                <p16:designElem xmlns:p16="http://schemas.microsoft.com/office/powerpoint/2015/main" val="1"/>
+              </p:ext>
+            </p:extLst>
+          </p:nvPr>
+        </p:nvSpPr>
+        <p:spPr>
+          <a:xfrm>
+            <a:off x="937030" y="2250281"/>
+            <a:ext cx="4959318" cy="3678237"/>
+          </a:xfrm>
+          <a:prstGeom prst="rect">
+            <a:avLst/>
+          </a:prstGeom>
+          <a:solidFill>
+            <a:schemeClr val="bg1"/>
+          </a:solidFill>
+          <a:ln w="19050">
+            <a:solidFill>
+              <a:srgbClr val="8CDDFE"/>
+            </a:solidFill>
+            <a:miter lim="800000"/>
+          </a:ln>
+        </p:spPr>
+        <p:style>
+          <a:lnRef idx="2">
+            <a:schemeClr val="accent1">
+              <a:shade val="50000"/>
+            </a:schemeClr>
+          </a:lnRef>
+          <a:fillRef idx="1">
+            <a:schemeClr val="accent1"/>
+          </a:fillRef>
+          <a:effectRef idx="0">
+            <a:schemeClr val="accent1"/>
+          </a:effectRef>
+          <a:fontRef idx="minor">
+            <a:schemeClr val="lt1"/>
+          </a:fontRef>
+        </p:style>
+        <p:txBody>
+          <a:bodyPr rtlCol="0" anchor="ctr"/>
+          <a:lstStyle/>
+          <a:p>
+            <a:pPr algn="ctr"/>
+            <a:endParaRPr lang="en-US"/>
+          </a:p>
+        </p:txBody>
+      </p:sp>
+      <p:pic>
+        <p:nvPicPr>
+          <p:cNvPr id="6" name="Picture 5" descr="Chart, line chart&#10;&#10;Description automatically generated">
+            <a:extLst>
+              <a:ext uri="{FF2B5EF4-FFF2-40B4-BE49-F238E27FC236}">
+                <a16:creationId xmlns:a16="http://schemas.microsoft.com/office/drawing/2014/main" id="{84892727-E2BE-3B48-9FF0-8F840D992DB0}"/>
+              </a:ext>
+            </a:extLst>
+          </p:cNvPr>
+          <p:cNvPicPr>
+            <a:picLocks noChangeAspect="1"/>
+          </p:cNvPicPr>
+          <p:nvPr/>
+        </p:nvPicPr>
+        <p:blipFill>
+          <a:blip r:embed="rId2"/>
+          <a:stretch>
+            <a:fillRect/>
+          </a:stretch>
+        </p:blipFill>
+        <p:spPr>
+          <a:xfrm>
+            <a:off x="1065545" y="2474839"/>
+            <a:ext cx="4726912" cy="3143396"/>
+          </a:xfrm>
+          <a:prstGeom prst="rect">
+            <a:avLst/>
+          </a:prstGeom>
+          <a:ln w="12700">
+            <a:noFill/>
+          </a:ln>
+        </p:spPr>
+      </p:pic>
+      <p:sp>
+        <p:nvSpPr>
+          <p:cNvPr id="3" name="Content Placeholder 2">
+            <a:extLst>
+              <a:ext uri="{FF2B5EF4-FFF2-40B4-BE49-F238E27FC236}">
+                <a16:creationId xmlns:a16="http://schemas.microsoft.com/office/drawing/2014/main" id="{42437789-16AA-DE48-86F2-28CE4174B73F}"/>
+              </a:ext>
+            </a:extLst>
+          </p:cNvPr>
+          <p:cNvSpPr>
+            <a:spLocks noGrp="1"/>
+          </p:cNvSpPr>
+          <p:nvPr>
+            <p:ph idx="1"/>
+          </p:nvPr>
+        </p:nvSpPr>
+        <p:spPr>
+          <a:xfrm>
+            <a:off x="6299472" y="2082390"/>
+            <a:ext cx="5028928" cy="4003279"/>
+          </a:xfrm>
+        </p:spPr>
+        <p:txBody>
+          <a:bodyPr>
+            <a:normAutofit fontScale="92500" lnSpcReduction="20000"/>
+          </a:bodyPr>
+          <a:lstStyle/>
+          <a:p>
+            <a:pPr>
+              <a:buClr>
+                <a:srgbClr val="8CDDFE"/>
+              </a:buClr>
+            </a:pPr>
+            <a:r>
+              <a:rPr lang="en-CA" dirty="0"/>
+              <a:t>Receiver Operating Characteristics curve is the evaluation metric used to evaluate the classification model based on its predictive power to predict class one’s accuracy and class zero’s accuracy.</a:t>
+            </a:r>
+          </a:p>
+          <a:p>
+            <a:r>
+              <a:rPr lang="en-CA" dirty="0"/>
+              <a:t>Ideally the curve should be close to the y-axis line and top line of the x-axis, but it’s far from it. That means it is not a good model.</a:t>
+            </a:r>
+          </a:p>
+          <a:p>
+            <a:r>
+              <a:rPr lang="en-CA" dirty="0"/>
+              <a:t>This is because of the high-class imbalance. i.e. while training the data, most of the data points were having class 0.</a:t>
+            </a:r>
+          </a:p>
+          <a:p>
+            <a:r>
+              <a:rPr lang="en-CA" dirty="0"/>
+              <a:t>Unfortunately,  we did not find a way to fix this issue.</a:t>
+            </a:r>
+          </a:p>
+          <a:p>
+            <a:pPr>
+              <a:buClr>
+                <a:srgbClr val="8CDDFE"/>
+              </a:buClr>
+            </a:pPr>
+            <a:endParaRPr lang="en-US" dirty="0"/>
+          </a:p>
+        </p:txBody>
+      </p:sp>
+      <p:sp>
+        <p:nvSpPr>
+          <p:cNvPr id="5" name="TextBox 4">
+            <a:extLst>
+              <a:ext uri="{FF2B5EF4-FFF2-40B4-BE49-F238E27FC236}">
+                <a16:creationId xmlns:a16="http://schemas.microsoft.com/office/drawing/2014/main" id="{05C8206B-2BC3-804A-BE7B-88026C36E799}"/>
+              </a:ext>
+            </a:extLst>
+          </p:cNvPr>
+          <p:cNvSpPr txBox="1"/>
+          <p:nvPr/>
+        </p:nvSpPr>
+        <p:spPr>
+          <a:xfrm>
+            <a:off x="951310" y="6262172"/>
+            <a:ext cx="4510882" cy="369332"/>
+          </a:xfrm>
+          <a:prstGeom prst="rect">
+            <a:avLst/>
+          </a:prstGeom>
+          <a:noFill/>
+        </p:spPr>
+        <p:txBody>
+          <a:bodyPr wrap="square" rtlCol="0">
+            <a:spAutoFit/>
+          </a:bodyPr>
+          <a:lstStyle/>
+          <a:p>
+            <a:pPr>
+              <a:spcAft>
+                <a:spcPts val="600"/>
+              </a:spcAft>
+            </a:pPr>
+            <a:r>
+              <a:rPr lang="en-US" dirty="0"/>
+              <a:t>Reference: </a:t>
+            </a:r>
+            <a:r>
+              <a:rPr lang="en-US" dirty="0">
+                <a:hlinkClick r:id="rId3"/>
+              </a:rPr>
+              <a:t>Logistic Regression in Julia</a:t>
+            </a:r>
+            <a:endParaRPr lang="en-US" dirty="0"/>
+          </a:p>
+        </p:txBody>
+      </p:sp>
+    </p:spTree>
+    <p:extLst>
+      <p:ext uri="{BB962C8B-B14F-4D97-AF65-F5344CB8AC3E}">
+        <p14:creationId xmlns:p14="http://schemas.microsoft.com/office/powerpoint/2010/main" val="566676690"/>
+      </p:ext>
+    </p:extLst>
+  </p:cSld>
+  <p:clrMapOvr>
+    <a:masterClrMapping/>
+  </p:clrMapOvr>
+</p:sld>
+</file>
+
+<file path=ppt/slides/slide6.xml><?xml version="1.0" encoding="utf-8"?>
+<p:sld xmlns:a="http://schemas.openxmlformats.org/drawingml/2006/main" xmlns:r="http://schemas.openxmlformats.org/officeDocument/2006/relationships" xmlns:p="http://schemas.openxmlformats.org/presentationml/2006/main">
+  <p:cSld>
+    <p:spTree>
+      <p:nvGrpSpPr>
+        <p:cNvPr id="1" name=""/>
+        <p:cNvGrpSpPr/>
+        <p:nvPr/>
+      </p:nvGrpSpPr>
+      <p:grpSpPr>
+        <a:xfrm>
+          <a:off x="0" y="0"/>
+          <a:ext cx="0" cy="0"/>
+          <a:chOff x="0" y="0"/>
+          <a:chExt cx="0" cy="0"/>
+        </a:xfrm>
+      </p:grpSpPr>
+      <p:sp>
+        <p:nvSpPr>
+          <p:cNvPr id="2" name="Title 1">
+            <a:extLst>
+              <a:ext uri="{FF2B5EF4-FFF2-40B4-BE49-F238E27FC236}">
+                <a16:creationId xmlns:a16="http://schemas.microsoft.com/office/drawing/2014/main" id="{0AFCCFDC-98F7-4A41-B1B0-7AD433F3DB17}"/>
+              </a:ext>
+            </a:extLst>
+          </p:cNvPr>
+          <p:cNvSpPr>
+            <a:spLocks noGrp="1"/>
+          </p:cNvSpPr>
+          <p:nvPr>
+            <p:ph type="title"/>
+          </p:nvPr>
+        </p:nvSpPr>
+        <p:spPr>
+          <a:xfrm>
+            <a:off x="878799" y="1553513"/>
+            <a:ext cx="3644040" cy="825894"/>
+          </a:xfrm>
+        </p:spPr>
+        <p:txBody>
+          <a:bodyPr>
+            <a:normAutofit fontScale="90000"/>
+          </a:bodyPr>
+          <a:lstStyle/>
+          <a:p>
+            <a:r>
+              <a:rPr lang="en-US" dirty="0"/>
+              <a:t>Logistic Regression</a:t>
+            </a:r>
+          </a:p>
+        </p:txBody>
+      </p:sp>
+      <p:sp>
+        <p:nvSpPr>
+          <p:cNvPr id="6" name="Title 1">
+            <a:extLst>
+              <a:ext uri="{FF2B5EF4-FFF2-40B4-BE49-F238E27FC236}">
+                <a16:creationId xmlns:a16="http://schemas.microsoft.com/office/drawing/2014/main" id="{3D06A374-F05B-8E44-BDA6-239B50994B61}"/>
+              </a:ext>
+            </a:extLst>
+          </p:cNvPr>
+          <p:cNvSpPr txBox="1">
+            <a:spLocks/>
+          </p:cNvSpPr>
+          <p:nvPr/>
+        </p:nvSpPr>
+        <p:spPr>
+          <a:xfrm>
+            <a:off x="633259" y="2379407"/>
+            <a:ext cx="4135120" cy="2567187"/>
+          </a:xfrm>
+          <a:prstGeom prst="rect">
+            <a:avLst/>
+          </a:prstGeom>
+        </p:spPr>
+        <p:txBody>
+          <a:bodyPr vert="horz" lIns="228600" tIns="228600" rIns="228600" bIns="228600" rtlCol="0" anchor="ctr">
+            <a:normAutofit fontScale="97500"/>
+          </a:bodyPr>
+          <a:lstStyle>
+            <a:lvl1pPr algn="ctr" defTabSz="914400" rtl="0" eaLnBrk="1" latinLnBrk="0" hangingPunct="1">
+              <a:lnSpc>
+                <a:spcPct val="85000"/>
+              </a:lnSpc>
+              <a:spcBef>
+                <a:spcPct val="0"/>
+              </a:spcBef>
+              <a:buNone/>
+              <a:defRPr sz="4000" b="0" i="0" kern="1200" cap="none" spc="-150">
+                <a:solidFill>
+                  <a:srgbClr val="FFFEFF"/>
+                </a:solidFill>
+                <a:effectLst/>
+                <a:latin typeface="+mj-lt"/>
+                <a:ea typeface="+mj-ea"/>
+                <a:cs typeface="+mj-cs"/>
+              </a:defRPr>
+            </a:lvl1pPr>
+          </a:lstStyle>
+          <a:p>
+            <a:r>
+              <a:rPr lang="en-US" dirty="0"/>
+              <a:t>Performance Comparison</a:t>
+            </a:r>
+          </a:p>
+          <a:p>
+            <a:r>
+              <a:rPr lang="en-US" dirty="0"/>
+              <a:t>(</a:t>
+            </a:r>
+            <a:r>
+              <a:rPr lang="en-US" dirty="0" err="1"/>
+              <a:t>w.r.t.</a:t>
+            </a:r>
+            <a:r>
+              <a:rPr lang="en-US" dirty="0"/>
+              <a:t> </a:t>
+            </a:r>
+          </a:p>
+          <a:p>
+            <a:r>
+              <a:rPr lang="en-US" dirty="0"/>
+              <a:t>Time and Space)</a:t>
+            </a:r>
+          </a:p>
+        </p:txBody>
+      </p:sp>
+      <p:sp>
+        <p:nvSpPr>
+          <p:cNvPr id="8" name="TextBox 7">
+            <a:extLst>
+              <a:ext uri="{FF2B5EF4-FFF2-40B4-BE49-F238E27FC236}">
+                <a16:creationId xmlns:a16="http://schemas.microsoft.com/office/drawing/2014/main" id="{2AFB265C-A0D4-CF48-8F9C-2139872905B3}"/>
+              </a:ext>
+            </a:extLst>
+          </p:cNvPr>
+          <p:cNvSpPr txBox="1"/>
+          <p:nvPr/>
+        </p:nvSpPr>
+        <p:spPr>
+          <a:xfrm>
+            <a:off x="2183681" y="594004"/>
+            <a:ext cx="1341839" cy="646331"/>
+          </a:xfrm>
+          <a:prstGeom prst="rect">
+            <a:avLst/>
+          </a:prstGeom>
+          <a:noFill/>
+        </p:spPr>
+        <p:txBody>
+          <a:bodyPr wrap="square" rtlCol="0">
+            <a:spAutoFit/>
+          </a:bodyPr>
+          <a:lstStyle/>
+          <a:p>
+            <a:r>
+              <a:rPr lang="en-US" sz="3600" dirty="0"/>
+              <a:t>R</a:t>
+            </a:r>
+          </a:p>
+        </p:txBody>
+      </p:sp>
+      <p:sp>
+        <p:nvSpPr>
+          <p:cNvPr id="9" name="Content Placeholder 8">
+            <a:extLst>
+              <a:ext uri="{FF2B5EF4-FFF2-40B4-BE49-F238E27FC236}">
+                <a16:creationId xmlns:a16="http://schemas.microsoft.com/office/drawing/2014/main" id="{8E05B955-4701-D74E-B30C-BA5428F23ACF}"/>
+              </a:ext>
+            </a:extLst>
+          </p:cNvPr>
+          <p:cNvSpPr>
+            <a:spLocks noGrp="1"/>
+          </p:cNvSpPr>
+          <p:nvPr>
+            <p:ph idx="1"/>
+          </p:nvPr>
+        </p:nvSpPr>
+        <p:spPr>
+          <a:xfrm>
+            <a:off x="5013919" y="804689"/>
+            <a:ext cx="6281873" cy="5248622"/>
+          </a:xfrm>
+        </p:spPr>
+        <p:txBody>
+          <a:bodyPr/>
+          <a:lstStyle/>
+          <a:p>
+            <a:endParaRPr lang="en-US" dirty="0"/>
+          </a:p>
+        </p:txBody>
+      </p:sp>
+    </p:spTree>
+    <p:extLst>
+      <p:ext uri="{BB962C8B-B14F-4D97-AF65-F5344CB8AC3E}">
+        <p14:creationId xmlns:p14="http://schemas.microsoft.com/office/powerpoint/2010/main" val="3518779614"/>
+      </p:ext>
+    </p:extLst>
+  </p:cSld>
+  <p:clrMapOvr>
+    <a:masterClrMapping/>
+  </p:clrMapOvr>
+</p:sld>
+</file>
+
+<file path=ppt/slides/slide7.xml><?xml version="1.0" encoding="utf-8"?>
+<p:sld xmlns:a="http://schemas.openxmlformats.org/drawingml/2006/main" xmlns:r="http://schemas.openxmlformats.org/officeDocument/2006/relationships" xmlns:p="http://schemas.openxmlformats.org/presentationml/2006/main">
+  <p:cSld>
+    <p:spTree>
+      <p:nvGrpSpPr>
+        <p:cNvPr id="1" name=""/>
+        <p:cNvGrpSpPr/>
+        <p:nvPr/>
+      </p:nvGrpSpPr>
+      <p:grpSpPr>
+        <a:xfrm>
+          <a:off x="0" y="0"/>
+          <a:ext cx="0" cy="0"/>
+          <a:chOff x="0" y="0"/>
+          <a:chExt cx="0" cy="0"/>
+        </a:xfrm>
+      </p:grpSpPr>
+      <p:sp>
+        <p:nvSpPr>
+          <p:cNvPr id="2" name="Title 1">
+            <a:extLst>
+              <a:ext uri="{FF2B5EF4-FFF2-40B4-BE49-F238E27FC236}">
+                <a16:creationId xmlns:a16="http://schemas.microsoft.com/office/drawing/2014/main" id="{0AFCCFDC-98F7-4A41-B1B0-7AD433F3DB17}"/>
+              </a:ext>
+            </a:extLst>
+          </p:cNvPr>
+          <p:cNvSpPr>
+            <a:spLocks noGrp="1"/>
+          </p:cNvSpPr>
+          <p:nvPr>
+            <p:ph type="title"/>
+          </p:nvPr>
+        </p:nvSpPr>
+        <p:spPr>
+          <a:xfrm>
+            <a:off x="878799" y="1553513"/>
+            <a:ext cx="3644040" cy="825894"/>
+          </a:xfrm>
+        </p:spPr>
+        <p:txBody>
+          <a:bodyPr>
+            <a:normAutofit fontScale="90000"/>
+          </a:bodyPr>
+          <a:lstStyle/>
+          <a:p>
+            <a:r>
+              <a:rPr lang="en-US" dirty="0"/>
+              <a:t>Logistic Regression</a:t>
+            </a:r>
+          </a:p>
+        </p:txBody>
+      </p:sp>
+      <p:sp>
+        <p:nvSpPr>
+          <p:cNvPr id="6" name="Title 1">
+            <a:extLst>
+              <a:ext uri="{FF2B5EF4-FFF2-40B4-BE49-F238E27FC236}">
+                <a16:creationId xmlns:a16="http://schemas.microsoft.com/office/drawing/2014/main" id="{3D06A374-F05B-8E44-BDA6-239B50994B61}"/>
+              </a:ext>
+            </a:extLst>
+          </p:cNvPr>
+          <p:cNvSpPr txBox="1">
+            <a:spLocks/>
+          </p:cNvSpPr>
+          <p:nvPr/>
+        </p:nvSpPr>
+        <p:spPr>
+          <a:xfrm>
+            <a:off x="633259" y="2379407"/>
+            <a:ext cx="4135120" cy="2567187"/>
+          </a:xfrm>
+          <a:prstGeom prst="rect">
+            <a:avLst/>
+          </a:prstGeom>
+        </p:spPr>
+        <p:txBody>
+          <a:bodyPr vert="horz" lIns="228600" tIns="228600" rIns="228600" bIns="228600" rtlCol="0" anchor="ctr">
+            <a:normAutofit fontScale="97500"/>
+          </a:bodyPr>
+          <a:lstStyle>
+            <a:lvl1pPr algn="ctr" defTabSz="914400" rtl="0" eaLnBrk="1" latinLnBrk="0" hangingPunct="1">
+              <a:lnSpc>
+                <a:spcPct val="85000"/>
+              </a:lnSpc>
+              <a:spcBef>
+                <a:spcPct val="0"/>
+              </a:spcBef>
+              <a:buNone/>
+              <a:defRPr sz="4000" b="0" i="0" kern="1200" cap="none" spc="-150">
+                <a:solidFill>
+                  <a:srgbClr val="FFFEFF"/>
+                </a:solidFill>
+                <a:effectLst/>
+                <a:latin typeface="+mj-lt"/>
+                <a:ea typeface="+mj-ea"/>
+                <a:cs typeface="+mj-cs"/>
+              </a:defRPr>
+            </a:lvl1pPr>
+          </a:lstStyle>
+          <a:p>
+            <a:r>
+              <a:rPr lang="en-US" dirty="0"/>
+              <a:t>Performance Comparison</a:t>
+            </a:r>
+          </a:p>
+          <a:p>
+            <a:r>
+              <a:rPr lang="en-US" dirty="0"/>
+              <a:t>(</a:t>
+            </a:r>
+            <a:r>
+              <a:rPr lang="en-US" dirty="0" err="1"/>
+              <a:t>w.r.t.</a:t>
+            </a:r>
+            <a:r>
+              <a:rPr lang="en-US" dirty="0"/>
+              <a:t> Accuracy)</a:t>
+            </a:r>
+          </a:p>
+        </p:txBody>
+      </p:sp>
+      <p:sp>
+        <p:nvSpPr>
+          <p:cNvPr id="8" name="TextBox 7">
+            <a:extLst>
+              <a:ext uri="{FF2B5EF4-FFF2-40B4-BE49-F238E27FC236}">
+                <a16:creationId xmlns:a16="http://schemas.microsoft.com/office/drawing/2014/main" id="{2AFB265C-A0D4-CF48-8F9C-2139872905B3}"/>
+              </a:ext>
+            </a:extLst>
+          </p:cNvPr>
+          <p:cNvSpPr txBox="1"/>
+          <p:nvPr/>
+        </p:nvSpPr>
+        <p:spPr>
+          <a:xfrm>
+            <a:off x="2183681" y="594004"/>
+            <a:ext cx="1341839" cy="646331"/>
+          </a:xfrm>
+          <a:prstGeom prst="rect">
+            <a:avLst/>
+          </a:prstGeom>
+          <a:noFill/>
+        </p:spPr>
+        <p:txBody>
+          <a:bodyPr wrap="square" rtlCol="0">
+            <a:spAutoFit/>
+          </a:bodyPr>
+          <a:lstStyle/>
+          <a:p>
+            <a:r>
+              <a:rPr lang="en-US" sz="3600" dirty="0"/>
+              <a:t>R</a:t>
+            </a:r>
+          </a:p>
+        </p:txBody>
+      </p:sp>
+      <p:sp>
+        <p:nvSpPr>
+          <p:cNvPr id="9" name="Content Placeholder 8">
+            <a:extLst>
+              <a:ext uri="{FF2B5EF4-FFF2-40B4-BE49-F238E27FC236}">
+                <a16:creationId xmlns:a16="http://schemas.microsoft.com/office/drawing/2014/main" id="{8E05B955-4701-D74E-B30C-BA5428F23ACF}"/>
+              </a:ext>
+            </a:extLst>
+          </p:cNvPr>
+          <p:cNvSpPr>
+            <a:spLocks noGrp="1"/>
+          </p:cNvSpPr>
+          <p:nvPr>
+            <p:ph idx="1"/>
+          </p:nvPr>
+        </p:nvSpPr>
+        <p:spPr>
+          <a:xfrm>
+            <a:off x="5013919" y="804689"/>
+            <a:ext cx="6281873" cy="5248622"/>
+          </a:xfrm>
+        </p:spPr>
+        <p:txBody>
+          <a:bodyPr/>
+          <a:lstStyle/>
+          <a:p>
+            <a:endParaRPr lang="en-US" dirty="0"/>
+          </a:p>
+        </p:txBody>
+      </p:sp>
+    </p:spTree>
+    <p:extLst>
+      <p:ext uri="{BB962C8B-B14F-4D97-AF65-F5344CB8AC3E}">
+        <p14:creationId xmlns:p14="http://schemas.microsoft.com/office/powerpoint/2010/main" val="845897538"/>
+      </p:ext>
+    </p:extLst>
+  </p:cSld>
+  <p:clrMapOvr>
+    <a:masterClrMapping/>
+  </p:clrMapOvr>
+</p:sld>
+</file>
+
+<file path=ppt/slides/slide8.xml><?xml version="1.0" encoding="utf-8"?>
+<p:sld xmlns:a="http://schemas.openxmlformats.org/drawingml/2006/main" xmlns:r="http://schemas.openxmlformats.org/officeDocument/2006/relationships" xmlns:p="http://schemas.openxmlformats.org/presentationml/2006/main">
+  <p:cSld>
+    <p:spTree>
+      <p:nvGrpSpPr>
+        <p:cNvPr id="1" name=""/>
+        <p:cNvGrpSpPr/>
+        <p:nvPr/>
+      </p:nvGrpSpPr>
+      <p:grpSpPr>
+        <a:xfrm>
+          <a:off x="0" y="0"/>
+          <a:ext cx="0" cy="0"/>
+          <a:chOff x="0" y="0"/>
+          <a:chExt cx="0" cy="0"/>
+        </a:xfrm>
+      </p:grpSpPr>
+      <p:sp>
+        <p:nvSpPr>
+          <p:cNvPr id="2" name="Title 1">
+            <a:extLst>
+              <a:ext uri="{FF2B5EF4-FFF2-40B4-BE49-F238E27FC236}">
+                <a16:creationId xmlns:a16="http://schemas.microsoft.com/office/drawing/2014/main" id="{0AFCCFDC-98F7-4A41-B1B0-7AD433F3DB17}"/>
+              </a:ext>
+            </a:extLst>
+          </p:cNvPr>
+          <p:cNvSpPr>
+            <a:spLocks noGrp="1"/>
+          </p:cNvSpPr>
+          <p:nvPr>
+            <p:ph type="title"/>
+          </p:nvPr>
+        </p:nvSpPr>
+        <p:spPr>
+          <a:xfrm>
+            <a:off x="878799" y="1553513"/>
+            <a:ext cx="3644040" cy="825894"/>
+          </a:xfrm>
+        </p:spPr>
+        <p:txBody>
+          <a:bodyPr>
+            <a:normAutofit fontScale="90000"/>
+          </a:bodyPr>
+          <a:lstStyle/>
+          <a:p>
+            <a:r>
+              <a:rPr lang="en-US" dirty="0"/>
+              <a:t>Logistic Regression</a:t>
+            </a:r>
+          </a:p>
+        </p:txBody>
+      </p:sp>
+      <p:sp>
+        <p:nvSpPr>
+          <p:cNvPr id="6" name="Title 1">
+            <a:extLst>
+              <a:ext uri="{FF2B5EF4-FFF2-40B4-BE49-F238E27FC236}">
+                <a16:creationId xmlns:a16="http://schemas.microsoft.com/office/drawing/2014/main" id="{3D06A374-F05B-8E44-BDA6-239B50994B61}"/>
+              </a:ext>
+            </a:extLst>
+          </p:cNvPr>
+          <p:cNvSpPr txBox="1">
+            <a:spLocks/>
+          </p:cNvSpPr>
+          <p:nvPr/>
+        </p:nvSpPr>
+        <p:spPr>
+          <a:xfrm>
+            <a:off x="633259" y="2379407"/>
+            <a:ext cx="4135120" cy="2567187"/>
+          </a:xfrm>
+          <a:prstGeom prst="rect">
+            <a:avLst/>
+          </a:prstGeom>
+        </p:spPr>
+        <p:txBody>
+          <a:bodyPr vert="horz" lIns="228600" tIns="228600" rIns="228600" bIns="228600" rtlCol="0" anchor="ctr">
+            <a:normAutofit fontScale="97500"/>
+          </a:bodyPr>
+          <a:lstStyle>
+            <a:lvl1pPr algn="ctr" defTabSz="914400" rtl="0" eaLnBrk="1" latinLnBrk="0" hangingPunct="1">
+              <a:lnSpc>
+                <a:spcPct val="85000"/>
+              </a:lnSpc>
+              <a:spcBef>
+                <a:spcPct val="0"/>
+              </a:spcBef>
+              <a:buNone/>
+              <a:defRPr sz="4000" b="0" i="0" kern="1200" cap="none" spc="-150">
+                <a:solidFill>
+                  <a:srgbClr val="FFFEFF"/>
+                </a:solidFill>
+                <a:effectLst/>
+                <a:latin typeface="+mj-lt"/>
+                <a:ea typeface="+mj-ea"/>
+                <a:cs typeface="+mj-cs"/>
+              </a:defRPr>
+            </a:lvl1pPr>
+          </a:lstStyle>
+          <a:p>
+            <a:r>
+              <a:rPr lang="en-US" dirty="0"/>
+              <a:t>Performance Comparison</a:t>
+            </a:r>
+          </a:p>
+          <a:p>
+            <a:r>
+              <a:rPr lang="en-US" dirty="0"/>
+              <a:t>(</a:t>
+            </a:r>
+            <a:r>
+              <a:rPr lang="en-US" dirty="0" err="1"/>
+              <a:t>w.r.t.</a:t>
+            </a:r>
+            <a:r>
+              <a:rPr lang="en-US" dirty="0"/>
+              <a:t> </a:t>
+            </a:r>
+          </a:p>
+          <a:p>
+            <a:r>
+              <a:rPr lang="en-US" dirty="0"/>
+              <a:t>Time and Space)</a:t>
+            </a:r>
+          </a:p>
+        </p:txBody>
+      </p:sp>
+      <p:sp>
+        <p:nvSpPr>
+          <p:cNvPr id="8" name="TextBox 7">
+            <a:extLst>
+              <a:ext uri="{FF2B5EF4-FFF2-40B4-BE49-F238E27FC236}">
+                <a16:creationId xmlns:a16="http://schemas.microsoft.com/office/drawing/2014/main" id="{2AFB265C-A0D4-CF48-8F9C-2139872905B3}"/>
+              </a:ext>
+            </a:extLst>
+          </p:cNvPr>
+          <p:cNvSpPr txBox="1"/>
+          <p:nvPr/>
+        </p:nvSpPr>
+        <p:spPr>
+          <a:xfrm>
+            <a:off x="1858561" y="665124"/>
+            <a:ext cx="2174959" cy="646331"/>
+          </a:xfrm>
+          <a:prstGeom prst="rect">
+            <a:avLst/>
+          </a:prstGeom>
+          <a:noFill/>
+        </p:spPr>
+        <p:txBody>
+          <a:bodyPr wrap="square" rtlCol="0">
+            <a:spAutoFit/>
+          </a:bodyPr>
+          <a:lstStyle/>
+          <a:p>
+            <a:r>
+              <a:rPr lang="en-US" sz="3600" dirty="0"/>
+              <a:t>Python</a:t>
+            </a:r>
+          </a:p>
+        </p:txBody>
+      </p:sp>
+      <p:sp>
+        <p:nvSpPr>
+          <p:cNvPr id="9" name="Content Placeholder 8">
+            <a:extLst>
+              <a:ext uri="{FF2B5EF4-FFF2-40B4-BE49-F238E27FC236}">
+                <a16:creationId xmlns:a16="http://schemas.microsoft.com/office/drawing/2014/main" id="{8E05B955-4701-D74E-B30C-BA5428F23ACF}"/>
+              </a:ext>
+            </a:extLst>
+          </p:cNvPr>
+          <p:cNvSpPr>
+            <a:spLocks noGrp="1"/>
+          </p:cNvSpPr>
+          <p:nvPr>
+            <p:ph idx="1"/>
+          </p:nvPr>
+        </p:nvSpPr>
+        <p:spPr>
+          <a:xfrm>
+            <a:off x="5013919" y="804689"/>
+            <a:ext cx="6281873" cy="5248622"/>
+          </a:xfrm>
+        </p:spPr>
+        <p:txBody>
+          <a:bodyPr/>
+          <a:lstStyle/>
+          <a:p>
+            <a:endParaRPr lang="en-US" dirty="0"/>
+          </a:p>
+        </p:txBody>
+      </p:sp>
+    </p:spTree>
+    <p:extLst>
+      <p:ext uri="{BB962C8B-B14F-4D97-AF65-F5344CB8AC3E}">
+        <p14:creationId xmlns:p14="http://schemas.microsoft.com/office/powerpoint/2010/main" val="1411868246"/>
+      </p:ext>
+    </p:extLst>
+  </p:cSld>
+  <p:clrMapOvr>
+    <a:masterClrMapping/>
+  </p:clrMapOvr>
+</p:sld>
+</file>
+
+<file path=ppt/slides/slide9.xml><?xml version="1.0" encoding="utf-8"?>
+<p:sld xmlns:a="http://schemas.openxmlformats.org/drawingml/2006/main" xmlns:r="http://schemas.openxmlformats.org/officeDocument/2006/relationships" xmlns:p="http://schemas.openxmlformats.org/presentationml/2006/main">
+  <p:cSld>
+    <p:spTree>
+      <p:nvGrpSpPr>
+        <p:cNvPr id="1" name=""/>
+        <p:cNvGrpSpPr/>
+        <p:nvPr/>
+      </p:nvGrpSpPr>
+      <p:grpSpPr>
+        <a:xfrm>
+          <a:off x="0" y="0"/>
+          <a:ext cx="0" cy="0"/>
+          <a:chOff x="0" y="0"/>
+          <a:chExt cx="0" cy="0"/>
+        </a:xfrm>
+      </p:grpSpPr>
+      <p:sp>
+        <p:nvSpPr>
+          <p:cNvPr id="2" name="Title 1">
+            <a:extLst>
+              <a:ext uri="{FF2B5EF4-FFF2-40B4-BE49-F238E27FC236}">
+                <a16:creationId xmlns:a16="http://schemas.microsoft.com/office/drawing/2014/main" id="{0AFCCFDC-98F7-4A41-B1B0-7AD433F3DB17}"/>
+              </a:ext>
+            </a:extLst>
+          </p:cNvPr>
+          <p:cNvSpPr>
+            <a:spLocks noGrp="1"/>
+          </p:cNvSpPr>
+          <p:nvPr>
+            <p:ph type="title"/>
+          </p:nvPr>
+        </p:nvSpPr>
+        <p:spPr>
+          <a:xfrm>
+            <a:off x="878799" y="1553513"/>
+            <a:ext cx="3644040" cy="825894"/>
+          </a:xfrm>
+        </p:spPr>
+        <p:txBody>
+          <a:bodyPr>
+            <a:normAutofit fontScale="90000"/>
+          </a:bodyPr>
+          <a:lstStyle/>
+          <a:p>
+            <a:r>
+              <a:rPr lang="en-US" dirty="0"/>
+              <a:t>Logistic Regression</a:t>
+            </a:r>
+          </a:p>
+        </p:txBody>
+      </p:sp>
+      <p:sp>
+        <p:nvSpPr>
+          <p:cNvPr id="6" name="Title 1">
+            <a:extLst>
+              <a:ext uri="{FF2B5EF4-FFF2-40B4-BE49-F238E27FC236}">
+                <a16:creationId xmlns:a16="http://schemas.microsoft.com/office/drawing/2014/main" id="{3D06A374-F05B-8E44-BDA6-239B50994B61}"/>
+              </a:ext>
+            </a:extLst>
+          </p:cNvPr>
+          <p:cNvSpPr txBox="1">
+            <a:spLocks/>
+          </p:cNvSpPr>
+          <p:nvPr/>
+        </p:nvSpPr>
+        <p:spPr>
+          <a:xfrm>
+            <a:off x="633259" y="2379407"/>
+            <a:ext cx="4135120" cy="2567187"/>
+          </a:xfrm>
+          <a:prstGeom prst="rect">
+            <a:avLst/>
+          </a:prstGeom>
+        </p:spPr>
+        <p:txBody>
+          <a:bodyPr vert="horz" lIns="228600" tIns="228600" rIns="228600" bIns="228600" rtlCol="0" anchor="ctr">
+            <a:normAutofit fontScale="97500"/>
+          </a:bodyPr>
+          <a:lstStyle>
+            <a:lvl1pPr algn="ctr" defTabSz="914400" rtl="0" eaLnBrk="1" latinLnBrk="0" hangingPunct="1">
+              <a:lnSpc>
+                <a:spcPct val="85000"/>
+              </a:lnSpc>
+              <a:spcBef>
+                <a:spcPct val="0"/>
+              </a:spcBef>
+              <a:buNone/>
+              <a:defRPr sz="4000" b="0" i="0" kern="1200" cap="none" spc="-150">
+                <a:solidFill>
+                  <a:srgbClr val="FFFEFF"/>
+                </a:solidFill>
+                <a:effectLst/>
+                <a:latin typeface="+mj-lt"/>
+                <a:ea typeface="+mj-ea"/>
+                <a:cs typeface="+mj-cs"/>
+              </a:defRPr>
+            </a:lvl1pPr>
+          </a:lstStyle>
+          <a:p>
+            <a:r>
+              <a:rPr lang="en-US" dirty="0"/>
+              <a:t>Performance Comparison</a:t>
+            </a:r>
+          </a:p>
+          <a:p>
+            <a:r>
+              <a:rPr lang="en-US" dirty="0"/>
+              <a:t>(</a:t>
+            </a:r>
+            <a:r>
+              <a:rPr lang="en-US" dirty="0" err="1"/>
+              <a:t>w.r.t.</a:t>
+            </a:r>
+            <a:r>
+              <a:rPr lang="en-US" dirty="0"/>
+              <a:t> Accuracy)</a:t>
+            </a:r>
+          </a:p>
+        </p:txBody>
+      </p:sp>
+      <p:sp>
+        <p:nvSpPr>
+          <p:cNvPr id="9" name="Content Placeholder 8">
+            <a:extLst>
+              <a:ext uri="{FF2B5EF4-FFF2-40B4-BE49-F238E27FC236}">
+                <a16:creationId xmlns:a16="http://schemas.microsoft.com/office/drawing/2014/main" id="{8E05B955-4701-D74E-B30C-BA5428F23ACF}"/>
+              </a:ext>
+            </a:extLst>
+          </p:cNvPr>
+          <p:cNvSpPr>
+            <a:spLocks noGrp="1"/>
+          </p:cNvSpPr>
+          <p:nvPr>
+            <p:ph idx="1"/>
+          </p:nvPr>
+        </p:nvSpPr>
+        <p:spPr>
+          <a:xfrm>
+            <a:off x="5013919" y="804689"/>
+            <a:ext cx="6281873" cy="5248622"/>
+          </a:xfrm>
+        </p:spPr>
+        <p:txBody>
+          <a:bodyPr/>
+          <a:lstStyle/>
+          <a:p>
+            <a:endParaRPr lang="en-US" dirty="0"/>
+          </a:p>
+        </p:txBody>
+      </p:sp>
+      <p:sp>
+        <p:nvSpPr>
+          <p:cNvPr id="7" name="TextBox 6">
+            <a:extLst>
+              <a:ext uri="{FF2B5EF4-FFF2-40B4-BE49-F238E27FC236}">
+                <a16:creationId xmlns:a16="http://schemas.microsoft.com/office/drawing/2014/main" id="{94441FD0-CB59-6142-A924-6321735439A2}"/>
+              </a:ext>
+            </a:extLst>
+          </p:cNvPr>
+          <p:cNvSpPr txBox="1"/>
+          <p:nvPr/>
+        </p:nvSpPr>
+        <p:spPr>
+          <a:xfrm>
+            <a:off x="1858561" y="665124"/>
+            <a:ext cx="2174959" cy="646331"/>
+          </a:xfrm>
+          <a:prstGeom prst="rect">
+            <a:avLst/>
+          </a:prstGeom>
+          <a:noFill/>
+        </p:spPr>
+        <p:txBody>
+          <a:bodyPr wrap="square" rtlCol="0">
+            <a:spAutoFit/>
+          </a:bodyPr>
+          <a:lstStyle/>
+          <a:p>
+            <a:r>
+              <a:rPr lang="en-US" sz="3600" dirty="0"/>
+              <a:t>Python</a:t>
+            </a:r>
+          </a:p>
+        </p:txBody>
+      </p:sp>
+    </p:spTree>
+    <p:extLst>
+      <p:ext uri="{BB962C8B-B14F-4D97-AF65-F5344CB8AC3E}">
+        <p14:creationId xmlns:p14="http://schemas.microsoft.com/office/powerpoint/2010/main" val="1011470846"/>
       </p:ext>
     </p:extLst>
   </p:cSld>

--- a/Homework 1/hw1-pre.pptx
+++ b/Homework 1/hw1-pre.pptx
@@ -19,6 +19,7 @@
     <p:sldId id="258" r:id="rId13"/>
     <p:sldId id="263" r:id="rId14"/>
     <p:sldId id="264" r:id="rId15"/>
+    <p:sldId id="271" r:id="rId16"/>
   </p:sldIdLst>
   <p:sldSz cx="12192000" cy="6858000"/>
   <p:notesSz cx="6858000" cy="9144000"/>
@@ -16559,6 +16560,174 @@
 </p:sld>
 </file>
 
+<file path=ppt/slides/slide15.xml><?xml version="1.0" encoding="utf-8"?>
+<p:sld xmlns:a="http://schemas.openxmlformats.org/drawingml/2006/main" xmlns:r="http://schemas.openxmlformats.org/officeDocument/2006/relationships" xmlns:p="http://schemas.openxmlformats.org/presentationml/2006/main">
+  <p:cSld>
+    <p:spTree>
+      <p:nvGrpSpPr>
+        <p:cNvPr id="1" name=""/>
+        <p:cNvGrpSpPr/>
+        <p:nvPr/>
+      </p:nvGrpSpPr>
+      <p:grpSpPr>
+        <a:xfrm>
+          <a:off x="0" y="0"/>
+          <a:ext cx="0" cy="0"/>
+          <a:chOff x="0" y="0"/>
+          <a:chExt cx="0" cy="0"/>
+        </a:xfrm>
+      </p:grpSpPr>
+      <p:sp>
+        <p:nvSpPr>
+          <p:cNvPr id="2" name="Title 1">
+            <a:extLst>
+              <a:ext uri="{FF2B5EF4-FFF2-40B4-BE49-F238E27FC236}">
+                <a16:creationId xmlns:a16="http://schemas.microsoft.com/office/drawing/2014/main" id="{24D25D05-6AB1-DE4D-8F11-0D88D56E2CB7}"/>
+              </a:ext>
+            </a:extLst>
+          </p:cNvPr>
+          <p:cNvSpPr>
+            <a:spLocks noGrp="1"/>
+          </p:cNvSpPr>
+          <p:nvPr>
+            <p:ph type="title"/>
+          </p:nvPr>
+        </p:nvSpPr>
+        <p:spPr/>
+        <p:txBody>
+          <a:bodyPr/>
+          <a:lstStyle/>
+          <a:p>
+            <a:r>
+              <a:rPr lang="en-US" dirty="0"/>
+              <a:t>Pro/Con List: Julia</a:t>
+            </a:r>
+          </a:p>
+        </p:txBody>
+      </p:sp>
+      <p:sp>
+        <p:nvSpPr>
+          <p:cNvPr id="3" name="Content Placeholder 2">
+            <a:extLst>
+              <a:ext uri="{FF2B5EF4-FFF2-40B4-BE49-F238E27FC236}">
+                <a16:creationId xmlns:a16="http://schemas.microsoft.com/office/drawing/2014/main" id="{99C07128-1BA8-8E42-A764-F9F783CB9BEF}"/>
+              </a:ext>
+            </a:extLst>
+          </p:cNvPr>
+          <p:cNvSpPr>
+            <a:spLocks noGrp="1"/>
+          </p:cNvSpPr>
+          <p:nvPr>
+            <p:ph idx="1"/>
+          </p:nvPr>
+        </p:nvSpPr>
+        <p:spPr>
+          <a:xfrm>
+            <a:off x="4592783" y="803186"/>
+            <a:ext cx="6807538" cy="1160696"/>
+          </a:xfrm>
+        </p:spPr>
+        <p:txBody>
+          <a:bodyPr/>
+          <a:lstStyle/>
+          <a:p>
+            <a:r>
+              <a:rPr lang="en-US" dirty="0"/>
+              <a:t>Cons:</a:t>
+            </a:r>
+          </a:p>
+          <a:p>
+            <a:pPr marL="0" indent="0">
+              <a:buNone/>
+            </a:pPr>
+            <a:r>
+              <a:rPr lang="en-US" dirty="0"/>
+              <a:t>    </a:t>
+            </a:r>
+            <a:r>
+              <a:rPr lang="en-CA" dirty="0"/>
+              <a:t>search “logistic regression” and “random forest” on GitHub</a:t>
+            </a:r>
+            <a:endParaRPr lang="en-US" dirty="0"/>
+          </a:p>
+          <a:p>
+            <a:endParaRPr lang="en-US" dirty="0"/>
+          </a:p>
+        </p:txBody>
+      </p:sp>
+      <p:pic>
+        <p:nvPicPr>
+          <p:cNvPr id="4" name="Picture 3">
+            <a:extLst>
+              <a:ext uri="{FF2B5EF4-FFF2-40B4-BE49-F238E27FC236}">
+                <a16:creationId xmlns:a16="http://schemas.microsoft.com/office/drawing/2014/main" id="{33E6F8BC-0CAA-3B41-BB9F-B1EEB026E5A5}"/>
+              </a:ext>
+            </a:extLst>
+          </p:cNvPr>
+          <p:cNvPicPr>
+            <a:picLocks noChangeAspect="1"/>
+          </p:cNvPicPr>
+          <p:nvPr/>
+        </p:nvPicPr>
+        <p:blipFill>
+          <a:blip r:embed="rId2"/>
+          <a:stretch>
+            <a:fillRect/>
+          </a:stretch>
+        </p:blipFill>
+        <p:spPr>
+          <a:xfrm>
+            <a:off x="5275407" y="1933944"/>
+            <a:ext cx="2378941" cy="4029015"/>
+          </a:xfrm>
+          <a:prstGeom prst="rect">
+            <a:avLst/>
+          </a:prstGeom>
+        </p:spPr>
+      </p:pic>
+      <p:pic>
+        <p:nvPicPr>
+          <p:cNvPr id="5" name="Picture 4">
+            <a:extLst>
+              <a:ext uri="{FF2B5EF4-FFF2-40B4-BE49-F238E27FC236}">
+                <a16:creationId xmlns:a16="http://schemas.microsoft.com/office/drawing/2014/main" id="{7665689A-C624-2640-85D3-C10035949A02}"/>
+              </a:ext>
+            </a:extLst>
+          </p:cNvPr>
+          <p:cNvPicPr>
+            <a:picLocks noChangeAspect="1"/>
+          </p:cNvPicPr>
+          <p:nvPr/>
+        </p:nvPicPr>
+        <p:blipFill>
+          <a:blip r:embed="rId3"/>
+          <a:stretch>
+            <a:fillRect/>
+          </a:stretch>
+        </p:blipFill>
+        <p:spPr>
+          <a:xfrm>
+            <a:off x="8336972" y="1933943"/>
+            <a:ext cx="2378941" cy="4029015"/>
+          </a:xfrm>
+          <a:prstGeom prst="rect">
+            <a:avLst/>
+          </a:prstGeom>
+        </p:spPr>
+      </p:pic>
+    </p:spTree>
+    <p:extLst>
+      <p:ext uri="{BB962C8B-B14F-4D97-AF65-F5344CB8AC3E}">
+        <p14:creationId xmlns:p14="http://schemas.microsoft.com/office/powerpoint/2010/main" val="836586008"/>
+      </p:ext>
+    </p:extLst>
+  </p:cSld>
+  <p:clrMapOvr>
+    <a:masterClrMapping/>
+  </p:clrMapOvr>
+</p:sld>
+</file>
+
 <file path=ppt/slides/slide2.xml><?xml version="1.0" encoding="utf-8"?>
 <p:sld xmlns:a="http://schemas.openxmlformats.org/drawingml/2006/main" xmlns:r="http://schemas.openxmlformats.org/officeDocument/2006/relationships" xmlns:p="http://schemas.openxmlformats.org/presentationml/2006/main">
   <p:cSld>

--- a/Homework 1/hw1-pre.pptx
+++ b/Homework 1/hw1-pre.pptx
@@ -5,21 +5,19 @@
     <p:sldMasterId id="2147483648" r:id="rId1"/>
   </p:sldMasterIdLst>
   <p:sldIdLst>
-    <p:sldId id="256" r:id="rId3"/>
-    <p:sldId id="266" r:id="rId4"/>
-    <p:sldId id="257" r:id="rId5"/>
-    <p:sldId id="260" r:id="rId6"/>
-    <p:sldId id="265" r:id="rId7"/>
-    <p:sldId id="267" r:id="rId8"/>
-    <p:sldId id="268" r:id="rId9"/>
-    <p:sldId id="269" r:id="rId10"/>
-    <p:sldId id="270" r:id="rId11"/>
-    <p:sldId id="261" r:id="rId12"/>
-    <p:sldId id="262" r:id="rId13"/>
-    <p:sldId id="258" r:id="rId14"/>
-    <p:sldId id="263" r:id="rId15"/>
-    <p:sldId id="264" r:id="rId16"/>
-    <p:sldId id="271" r:id="rId17"/>
+    <p:sldId id="256" r:id="rId2"/>
+    <p:sldId id="266" r:id="rId3"/>
+    <p:sldId id="257" r:id="rId4"/>
+    <p:sldId id="260" r:id="rId5"/>
+    <p:sldId id="265" r:id="rId6"/>
+    <p:sldId id="267" r:id="rId7"/>
+    <p:sldId id="272" r:id="rId8"/>
+    <p:sldId id="269" r:id="rId9"/>
+    <p:sldId id="270" r:id="rId10"/>
+    <p:sldId id="258" r:id="rId11"/>
+    <p:sldId id="263" r:id="rId12"/>
+    <p:sldId id="264" r:id="rId13"/>
+    <p:sldId id="271" r:id="rId14"/>
   </p:sldIdLst>
   <p:sldSz cx="12192000" cy="6858000"/>
   <p:notesSz cx="6858000" cy="9144000"/>
@@ -118,6 +116,11 @@
       </a:defRPr>
     </a:lvl9pPr>
   </p:defaultTextStyle>
+  <p:extLst>
+    <p:ext uri="{EFAFB233-063F-42B5-8137-9DF3F51BA10A}">
+      <p15:sldGuideLst xmlns:p15="http://schemas.microsoft.com/office/powerpoint/2012/main"/>
+    </p:ext>
+  </p:extLst>
 </p:presentation>
 </file>
 
@@ -1492,6 +1495,7 @@
           <a:p>
             <a:fld id="{48A87A34-81AB-432B-8DAE-1953F412C126}" type="datetimeFigureOut">
               <a:rPr lang="en-US" dirty="0"/>
+              <a:t>10/30/20</a:t>
             </a:fld>
             <a:endParaRPr lang="en-US" dirty="0"/>
           </a:p>
@@ -1547,6 +1551,7 @@
           <a:p>
             <a:fld id="{6D22F896-40B5-4ADD-8801-0D06FADFA095}" type="slidenum">
               <a:rPr lang="en-US" dirty="0"/>
+              <a:t>‹#›</a:t>
             </a:fld>
             <a:endParaRPr lang="en-US" dirty="0"/>
           </a:p>
@@ -2853,7 +2858,6 @@
               <a:rPr lang="en-US"/>
               <a:t>Click to edit Master text styles</a:t>
             </a:r>
-            <a:endParaRPr lang="en-US"/>
           </a:p>
           <a:p>
             <a:pPr lvl="1"/>
@@ -2861,7 +2865,6 @@
               <a:rPr lang="en-US"/>
               <a:t>Second level</a:t>
             </a:r>
-            <a:endParaRPr lang="en-US"/>
           </a:p>
           <a:p>
             <a:pPr lvl="2"/>
@@ -2869,7 +2872,6 @@
               <a:rPr lang="en-US"/>
               <a:t>Third level</a:t>
             </a:r>
-            <a:endParaRPr lang="en-US"/>
           </a:p>
           <a:p>
             <a:pPr lvl="3"/>
@@ -2877,7 +2879,6 @@
               <a:rPr lang="en-US"/>
               <a:t>Fourth level</a:t>
             </a:r>
-            <a:endParaRPr lang="en-US"/>
           </a:p>
           <a:p>
             <a:pPr lvl="4"/>
@@ -2906,6 +2907,7 @@
           <a:p>
             <a:fld id="{48A87A34-81AB-432B-8DAE-1953F412C126}" type="datetimeFigureOut">
               <a:rPr lang="en-US" dirty="0"/>
+              <a:t>10/30/20</a:t>
             </a:fld>
             <a:endParaRPr lang="en-US" dirty="0"/>
           </a:p>
@@ -2947,6 +2949,7 @@
           <a:p>
             <a:fld id="{6D22F896-40B5-4ADD-8801-0D06FADFA095}" type="slidenum">
               <a:rPr lang="en-US" dirty="0"/>
+              <a:t>‹#›</a:t>
             </a:fld>
             <a:endParaRPr lang="en-US" dirty="0"/>
           </a:p>
@@ -4256,7 +4259,6 @@
               <a:rPr lang="en-US"/>
               <a:t>Click to edit Master text styles</a:t>
             </a:r>
-            <a:endParaRPr lang="en-US"/>
           </a:p>
           <a:p>
             <a:pPr lvl="1"/>
@@ -4264,7 +4266,6 @@
               <a:rPr lang="en-US"/>
               <a:t>Second level</a:t>
             </a:r>
-            <a:endParaRPr lang="en-US"/>
           </a:p>
           <a:p>
             <a:pPr lvl="2"/>
@@ -4272,7 +4273,6 @@
               <a:rPr lang="en-US"/>
               <a:t>Third level</a:t>
             </a:r>
-            <a:endParaRPr lang="en-US"/>
           </a:p>
           <a:p>
             <a:pPr lvl="3"/>
@@ -4280,7 +4280,6 @@
               <a:rPr lang="en-US"/>
               <a:t>Fourth level</a:t>
             </a:r>
-            <a:endParaRPr lang="en-US"/>
           </a:p>
           <a:p>
             <a:pPr lvl="4"/>
@@ -4314,6 +4313,7 @@
           <a:p>
             <a:fld id="{48A87A34-81AB-432B-8DAE-1953F412C126}" type="datetimeFigureOut">
               <a:rPr lang="en-US" dirty="0"/>
+              <a:t>10/30/20</a:t>
             </a:fld>
             <a:endParaRPr lang="en-US" dirty="0"/>
           </a:p>
@@ -4365,6 +4365,7 @@
           <a:p>
             <a:fld id="{6D22F896-40B5-4ADD-8801-0D06FADFA095}" type="slidenum">
               <a:rPr lang="en-US" dirty="0"/>
+              <a:t>‹#›</a:t>
             </a:fld>
             <a:endParaRPr lang="en-US" dirty="0"/>
           </a:p>
@@ -5671,7 +5672,6 @@
               <a:rPr lang="en-US"/>
               <a:t>Click to edit Master text styles</a:t>
             </a:r>
-            <a:endParaRPr lang="en-US"/>
           </a:p>
           <a:p>
             <a:pPr lvl="1"/>
@@ -5679,7 +5679,6 @@
               <a:rPr lang="en-US"/>
               <a:t>Second level</a:t>
             </a:r>
-            <a:endParaRPr lang="en-US"/>
           </a:p>
           <a:p>
             <a:pPr lvl="2"/>
@@ -5687,7 +5686,6 @@
               <a:rPr lang="en-US"/>
               <a:t>Third level</a:t>
             </a:r>
-            <a:endParaRPr lang="en-US"/>
           </a:p>
           <a:p>
             <a:pPr lvl="3"/>
@@ -5695,7 +5693,6 @@
               <a:rPr lang="en-US"/>
               <a:t>Fourth level</a:t>
             </a:r>
-            <a:endParaRPr lang="en-US"/>
           </a:p>
           <a:p>
             <a:pPr lvl="4"/>
@@ -5724,6 +5721,7 @@
           <a:p>
             <a:fld id="{48A87A34-81AB-432B-8DAE-1953F412C126}" type="datetimeFigureOut">
               <a:rPr lang="en-US" dirty="0"/>
+              <a:t>10/30/20</a:t>
             </a:fld>
             <a:endParaRPr lang="en-US" dirty="0"/>
           </a:p>
@@ -5765,6 +5763,7 @@
           <a:p>
             <a:fld id="{6D22F896-40B5-4ADD-8801-0D06FADFA095}" type="slidenum">
               <a:rPr lang="en-US" dirty="0"/>
+              <a:t>‹#›</a:t>
             </a:fld>
             <a:endParaRPr lang="en-US" dirty="0"/>
           </a:p>
@@ -7162,7 +7161,6 @@
               <a:rPr lang="en-US"/>
               <a:t>Click to edit Master text styles</a:t>
             </a:r>
-            <a:endParaRPr lang="en-US"/>
           </a:p>
         </p:txBody>
       </p:sp>
@@ -7188,6 +7186,7 @@
           <a:p>
             <a:fld id="{48A87A34-81AB-432B-8DAE-1953F412C126}" type="datetimeFigureOut">
               <a:rPr lang="en-US" dirty="0"/>
+              <a:t>10/30/20</a:t>
             </a:fld>
             <a:endParaRPr lang="en-US" dirty="0"/>
           </a:p>
@@ -7243,6 +7242,7 @@
           <a:p>
             <a:fld id="{6D22F896-40B5-4ADD-8801-0D06FADFA095}" type="slidenum">
               <a:rPr lang="en-US" dirty="0"/>
+              <a:t>‹#›</a:t>
             </a:fld>
             <a:endParaRPr lang="en-US" dirty="0"/>
           </a:p>
@@ -8549,7 +8549,6 @@
               <a:rPr lang="en-US"/>
               <a:t>Click to edit Master text styles</a:t>
             </a:r>
-            <a:endParaRPr lang="en-US"/>
           </a:p>
           <a:p>
             <a:pPr lvl="1"/>
@@ -8557,7 +8556,6 @@
               <a:rPr lang="en-US"/>
               <a:t>Second level</a:t>
             </a:r>
-            <a:endParaRPr lang="en-US"/>
           </a:p>
           <a:p>
             <a:pPr lvl="2"/>
@@ -8565,7 +8563,6 @@
               <a:rPr lang="en-US"/>
               <a:t>Third level</a:t>
             </a:r>
-            <a:endParaRPr lang="en-US"/>
           </a:p>
           <a:p>
             <a:pPr lvl="3"/>
@@ -8573,7 +8570,6 @@
               <a:rPr lang="en-US"/>
               <a:t>Fourth level</a:t>
             </a:r>
-            <a:endParaRPr lang="en-US"/>
           </a:p>
           <a:p>
             <a:pPr lvl="4"/>
@@ -8610,7 +8606,6 @@
               <a:rPr lang="en-US"/>
               <a:t>Click to edit Master text styles</a:t>
             </a:r>
-            <a:endParaRPr lang="en-US"/>
           </a:p>
           <a:p>
             <a:pPr lvl="1"/>
@@ -8618,7 +8613,6 @@
               <a:rPr lang="en-US"/>
               <a:t>Second level</a:t>
             </a:r>
-            <a:endParaRPr lang="en-US"/>
           </a:p>
           <a:p>
             <a:pPr lvl="2"/>
@@ -8626,7 +8620,6 @@
               <a:rPr lang="en-US"/>
               <a:t>Third level</a:t>
             </a:r>
-            <a:endParaRPr lang="en-US"/>
           </a:p>
           <a:p>
             <a:pPr lvl="3"/>
@@ -8634,7 +8627,6 @@
               <a:rPr lang="en-US"/>
               <a:t>Fourth level</a:t>
             </a:r>
-            <a:endParaRPr lang="en-US"/>
           </a:p>
           <a:p>
             <a:pPr lvl="4"/>
@@ -8668,6 +8660,7 @@
           <a:p>
             <a:fld id="{48A87A34-81AB-432B-8DAE-1953F412C126}" type="datetimeFigureOut">
               <a:rPr lang="en-US" dirty="0"/>
+              <a:t>10/30/20</a:t>
             </a:fld>
             <a:endParaRPr lang="en-US" dirty="0"/>
           </a:p>
@@ -8719,6 +8712,7 @@
           <a:p>
             <a:fld id="{6D22F896-40B5-4ADD-8801-0D06FADFA095}" type="slidenum">
               <a:rPr lang="en-US" dirty="0"/>
+              <a:t>‹#›</a:t>
             </a:fld>
             <a:endParaRPr lang="en-US" dirty="0"/>
           </a:p>
@@ -10071,7 +10065,6 @@
               <a:rPr lang="en-US"/>
               <a:t>Click to edit Master text styles</a:t>
             </a:r>
-            <a:endParaRPr lang="en-US"/>
           </a:p>
         </p:txBody>
       </p:sp>
@@ -10100,7 +10093,6 @@
               <a:rPr lang="en-US"/>
               <a:t>Click to edit Master text styles</a:t>
             </a:r>
-            <a:endParaRPr lang="en-US"/>
           </a:p>
           <a:p>
             <a:pPr lvl="1"/>
@@ -10108,7 +10100,6 @@
               <a:rPr lang="en-US"/>
               <a:t>Second level</a:t>
             </a:r>
-            <a:endParaRPr lang="en-US"/>
           </a:p>
           <a:p>
             <a:pPr lvl="2"/>
@@ -10116,7 +10107,6 @@
               <a:rPr lang="en-US"/>
               <a:t>Third level</a:t>
             </a:r>
-            <a:endParaRPr lang="en-US"/>
           </a:p>
           <a:p>
             <a:pPr lvl="3"/>
@@ -10124,7 +10114,6 @@
               <a:rPr lang="en-US"/>
               <a:t>Fourth level</a:t>
             </a:r>
-            <a:endParaRPr lang="en-US"/>
           </a:p>
           <a:p>
             <a:pPr lvl="4"/>
@@ -10207,7 +10196,6 @@
               <a:rPr lang="en-US"/>
               <a:t>Click to edit Master text styles</a:t>
             </a:r>
-            <a:endParaRPr lang="en-US"/>
           </a:p>
         </p:txBody>
       </p:sp>
@@ -10236,7 +10224,6 @@
               <a:rPr lang="en-US"/>
               <a:t>Click to edit Master text styles</a:t>
             </a:r>
-            <a:endParaRPr lang="en-US"/>
           </a:p>
           <a:p>
             <a:pPr lvl="1"/>
@@ -10244,7 +10231,6 @@
               <a:rPr lang="en-US"/>
               <a:t>Second level</a:t>
             </a:r>
-            <a:endParaRPr lang="en-US"/>
           </a:p>
           <a:p>
             <a:pPr lvl="2"/>
@@ -10252,7 +10238,6 @@
               <a:rPr lang="en-US"/>
               <a:t>Third level</a:t>
             </a:r>
-            <a:endParaRPr lang="en-US"/>
           </a:p>
           <a:p>
             <a:pPr lvl="3"/>
@@ -10260,7 +10245,6 @@
               <a:rPr lang="en-US"/>
               <a:t>Fourth level</a:t>
             </a:r>
-            <a:endParaRPr lang="en-US"/>
           </a:p>
           <a:p>
             <a:pPr lvl="4"/>
@@ -10294,6 +10278,7 @@
           <a:p>
             <a:fld id="{48A87A34-81AB-432B-8DAE-1953F412C126}" type="datetimeFigureOut">
               <a:rPr lang="en-US" dirty="0"/>
+              <a:t>10/30/20</a:t>
             </a:fld>
             <a:endParaRPr lang="en-US" dirty="0"/>
           </a:p>
@@ -10345,6 +10330,7 @@
           <a:p>
             <a:fld id="{6D22F896-40B5-4ADD-8801-0D06FADFA095}" type="slidenum">
               <a:rPr lang="en-US" dirty="0"/>
+              <a:t>‹#›</a:t>
             </a:fld>
             <a:endParaRPr lang="en-US" dirty="0"/>
           </a:p>
@@ -11643,6 +11629,7 @@
           <a:p>
             <a:fld id="{48A87A34-81AB-432B-8DAE-1953F412C126}" type="datetimeFigureOut">
               <a:rPr lang="en-US" dirty="0"/>
+              <a:t>10/30/20</a:t>
             </a:fld>
             <a:endParaRPr lang="en-US" dirty="0"/>
           </a:p>
@@ -11684,6 +11671,7 @@
           <a:p>
             <a:fld id="{6D22F896-40B5-4ADD-8801-0D06FADFA095}" type="slidenum">
               <a:rPr lang="en-US" dirty="0"/>
+              <a:t>‹#›</a:t>
             </a:fld>
             <a:endParaRPr lang="en-US" dirty="0"/>
           </a:p>
@@ -11736,6 +11724,7 @@
           <a:p>
             <a:fld id="{48A87A34-81AB-432B-8DAE-1953F412C126}" type="datetimeFigureOut">
               <a:rPr lang="en-US" dirty="0"/>
+              <a:t>10/30/20</a:t>
             </a:fld>
             <a:endParaRPr lang="en-US" dirty="0"/>
           </a:p>
@@ -11787,6 +11776,7 @@
           <a:p>
             <a:fld id="{6D22F896-40B5-4ADD-8801-0D06FADFA095}" type="slidenum">
               <a:rPr lang="en-US" dirty="0"/>
+              <a:t>‹#›</a:t>
             </a:fld>
             <a:endParaRPr lang="en-US" dirty="0"/>
           </a:p>
@@ -13095,7 +13085,6 @@
               <a:rPr lang="en-US"/>
               <a:t>Click to edit Master text styles</a:t>
             </a:r>
-            <a:endParaRPr lang="en-US"/>
           </a:p>
           <a:p>
             <a:pPr lvl="1"/>
@@ -13103,7 +13092,6 @@
               <a:rPr lang="en-US"/>
               <a:t>Second level</a:t>
             </a:r>
-            <a:endParaRPr lang="en-US"/>
           </a:p>
           <a:p>
             <a:pPr lvl="2"/>
@@ -13111,7 +13099,6 @@
               <a:rPr lang="en-US"/>
               <a:t>Third level</a:t>
             </a:r>
-            <a:endParaRPr lang="en-US"/>
           </a:p>
           <a:p>
             <a:pPr lvl="3"/>
@@ -13119,7 +13106,6 @@
               <a:rPr lang="en-US"/>
               <a:t>Fourth level</a:t>
             </a:r>
-            <a:endParaRPr lang="en-US"/>
           </a:p>
           <a:p>
             <a:pPr lvl="4"/>
@@ -13197,7 +13183,6 @@
               <a:rPr lang="en-US"/>
               <a:t>Click to edit Master text styles</a:t>
             </a:r>
-            <a:endParaRPr lang="en-US"/>
           </a:p>
         </p:txBody>
       </p:sp>
@@ -13218,6 +13203,7 @@
           <a:p>
             <a:fld id="{48A87A34-81AB-432B-8DAE-1953F412C126}" type="datetimeFigureOut">
               <a:rPr lang="en-US" dirty="0"/>
+              <a:t>10/30/20</a:t>
             </a:fld>
             <a:endParaRPr lang="en-US" dirty="0"/>
           </a:p>
@@ -13259,6 +13245,7 @@
           <a:p>
             <a:fld id="{6D22F896-40B5-4ADD-8801-0D06FADFA095}" type="slidenum">
               <a:rPr lang="en-US" dirty="0"/>
+              <a:t>‹#›</a:t>
             </a:fld>
             <a:endParaRPr lang="en-US" dirty="0"/>
           </a:p>
@@ -14684,7 +14671,6 @@
               <a:rPr lang="en-US"/>
               <a:t>Click to edit Master text styles</a:t>
             </a:r>
-            <a:endParaRPr lang="en-US"/>
           </a:p>
         </p:txBody>
       </p:sp>
@@ -14710,6 +14696,7 @@
           <a:p>
             <a:fld id="{48A87A34-81AB-432B-8DAE-1953F412C126}" type="datetimeFigureOut">
               <a:rPr lang="en-US" dirty="0"/>
+              <a:t>10/30/20</a:t>
             </a:fld>
             <a:endParaRPr lang="en-US" dirty="0"/>
           </a:p>
@@ -14761,6 +14748,7 @@
           <a:p>
             <a:fld id="{6D22F896-40B5-4ADD-8801-0D06FADFA095}" type="slidenum">
               <a:rPr lang="en-US" dirty="0"/>
+              <a:t>‹#›</a:t>
             </a:fld>
             <a:endParaRPr lang="en-US" dirty="0"/>
           </a:p>
@@ -14859,7 +14847,6 @@
               <a:rPr lang="en-US"/>
               <a:t>Click to edit Master text styles</a:t>
             </a:r>
-            <a:endParaRPr lang="en-US"/>
           </a:p>
           <a:p>
             <a:pPr lvl="1"/>
@@ -14867,7 +14854,6 @@
               <a:rPr lang="en-US"/>
               <a:t>Second level</a:t>
             </a:r>
-            <a:endParaRPr lang="en-US"/>
           </a:p>
           <a:p>
             <a:pPr lvl="2"/>
@@ -14875,7 +14861,6 @@
               <a:rPr lang="en-US"/>
               <a:t>Third level</a:t>
             </a:r>
-            <a:endParaRPr lang="en-US"/>
           </a:p>
           <a:p>
             <a:pPr lvl="3"/>
@@ -14883,7 +14868,6 @@
               <a:rPr lang="en-US"/>
               <a:t>Fourth level</a:t>
             </a:r>
-            <a:endParaRPr lang="en-US"/>
           </a:p>
           <a:p>
             <a:pPr lvl="4"/>
@@ -14930,6 +14914,7 @@
           <a:p>
             <a:fld id="{48A87A34-81AB-432B-8DAE-1953F412C126}" type="datetimeFigureOut">
               <a:rPr lang="en-US" dirty="0"/>
+              <a:t>10/30/20</a:t>
             </a:fld>
             <a:endParaRPr lang="en-US" dirty="0"/>
           </a:p>
@@ -15007,6 +14992,7 @@
           <a:p>
             <a:fld id="{6D22F896-40B5-4ADD-8801-0D06FADFA095}" type="slidenum">
               <a:rPr lang="en-US" dirty="0"/>
+              <a:t>‹#›</a:t>
             </a:fld>
             <a:endParaRPr lang="en-US" dirty="0"/>
           </a:p>
@@ -15398,7 +15384,6 @@
               <a:rPr lang="en-US" dirty="0"/>
               <a:t>Homework 1 Presentation</a:t>
             </a:r>
-            <a:endParaRPr lang="en-US" dirty="0"/>
           </a:p>
         </p:txBody>
       </p:sp>
@@ -15436,7 +15421,6 @@
               <a:rPr lang="en-US" dirty="0"/>
               <a:t> FAN</a:t>
             </a:r>
-            <a:endParaRPr lang="en-US" dirty="0"/>
           </a:p>
           <a:p>
             <a:r>
@@ -15451,7 +15435,6 @@
               <a:rPr lang="en-US" dirty="0"/>
               <a:t> XU</a:t>
             </a:r>
-            <a:endParaRPr lang="en-US" dirty="0"/>
           </a:p>
           <a:p>
             <a:r>
@@ -15466,7 +15449,6 @@
               <a:rPr lang="en-US" dirty="0"/>
               <a:t> YAN</a:t>
             </a:r>
-            <a:endParaRPr lang="en-US" dirty="0"/>
           </a:p>
         </p:txBody>
       </p:sp>
@@ -15505,23 +15487,15 @@
             <p:ph type="title"/>
           </p:nvPr>
         </p:nvSpPr>
-        <p:spPr>
-          <a:xfrm>
-            <a:off x="878799" y="1553513"/>
-            <a:ext cx="3644040" cy="825894"/>
-          </a:xfrm>
-        </p:spPr>
+        <p:spPr/>
         <p:txBody>
-          <a:bodyPr>
-            <a:normAutofit fontScale="90000"/>
-          </a:bodyPr>
+          <a:bodyPr/>
           <a:lstStyle/>
           <a:p>
             <a:r>
               <a:rPr lang="en-US" dirty="0"/>
-              <a:t>Random Forest</a:t>
+              <a:t>Pro/Con List: Python</a:t>
             </a:r>
-            <a:endParaRPr lang="en-US" dirty="0"/>
           </a:p>
         </p:txBody>
       </p:sp>
@@ -15541,69 +15515,6 @@
           <a:lstStyle/>
           <a:p>
             <a:endParaRPr lang="en-US"/>
-          </a:p>
-        </p:txBody>
-      </p:sp>
-      <p:sp>
-        <p:nvSpPr>
-          <p:cNvPr id="6" name="Title 1"/>
-          <p:cNvSpPr txBox="1"/>
-          <p:nvPr/>
-        </p:nvSpPr>
-        <p:spPr>
-          <a:xfrm>
-            <a:off x="878798" y="2340093"/>
-            <a:ext cx="3555549" cy="2467881"/>
-          </a:xfrm>
-          <a:prstGeom prst="rect">
-            <a:avLst/>
-          </a:prstGeom>
-        </p:spPr>
-        <p:txBody>
-          <a:bodyPr vert="horz" lIns="228600" tIns="228600" rIns="228600" bIns="228600" rtlCol="0" anchor="ctr">
-            <a:normAutofit fontScale="97500"/>
-          </a:bodyPr>
-          <a:lstStyle>
-            <a:lvl1pPr algn="ctr" defTabSz="914400" rtl="0" eaLnBrk="1" latinLnBrk="0" hangingPunct="1">
-              <a:lnSpc>
-                <a:spcPct val="85000"/>
-              </a:lnSpc>
-              <a:spcBef>
-                <a:spcPct val="0"/>
-              </a:spcBef>
-              <a:buNone/>
-              <a:defRPr sz="4000" b="0" i="0" kern="1200" cap="none" spc="-150">
-                <a:solidFill>
-                  <a:srgbClr val="FFFEFF"/>
-                </a:solidFill>
-                <a:effectLst/>
-                <a:latin typeface="+mj-lt"/>
-                <a:ea typeface="+mj-ea"/>
-                <a:cs typeface="+mj-cs"/>
-              </a:defRPr>
-            </a:lvl1pPr>
-          </a:lstStyle>
-          <a:p>
-            <a:r>
-              <a:rPr lang="en-US" dirty="0"/>
-              <a:t>Performance Comparison</a:t>
-            </a:r>
-            <a:endParaRPr lang="en-US" dirty="0"/>
-          </a:p>
-          <a:p>
-            <a:r>
-              <a:rPr lang="en-US" dirty="0"/>
-              <a:t>(</a:t>
-            </a:r>
-            <a:r>
-              <a:rPr lang="en-US" dirty="0" err="1"/>
-              <a:t>w.r.t.</a:t>
-            </a:r>
-            <a:r>
-              <a:rPr lang="en-US" dirty="0"/>
-              <a:t> Time)</a:t>
-            </a:r>
-            <a:endParaRPr lang="en-US" dirty="0"/>
           </a:p>
         </p:txBody>
       </p:sp>
@@ -15642,23 +15553,22 @@
             <p:ph type="title"/>
           </p:nvPr>
         </p:nvSpPr>
-        <p:spPr>
-          <a:xfrm>
-            <a:off x="878799" y="1553513"/>
-            <a:ext cx="3644040" cy="825894"/>
-          </a:xfrm>
-        </p:spPr>
+        <p:spPr/>
         <p:txBody>
-          <a:bodyPr>
-            <a:normAutofit fontScale="90000"/>
-          </a:bodyPr>
+          <a:bodyPr/>
           <a:lstStyle/>
           <a:p>
             <a:r>
               <a:rPr lang="en-US" dirty="0"/>
-              <a:t>Random Forest</a:t>
+              <a:t>Pro/Con List:</a:t>
             </a:r>
-            <a:endParaRPr lang="en-US" dirty="0"/>
+            <a:br>
+              <a:rPr lang="en-US" dirty="0"/>
+            </a:br>
+            <a:r>
+              <a:rPr lang="en-US" dirty="0"/>
+              <a:t>R</a:t>
+            </a:r>
           </a:p>
         </p:txBody>
       </p:sp>
@@ -15672,73 +15582,143 @@
             <p:ph idx="1"/>
           </p:nvPr>
         </p:nvSpPr>
-        <p:spPr/>
+        <p:spPr>
+          <a:xfrm>
+            <a:off x="5118447" y="803186"/>
+            <a:ext cx="6281873" cy="5063956"/>
+          </a:xfrm>
+        </p:spPr>
         <p:txBody>
           <a:bodyPr/>
           <a:lstStyle/>
           <a:p>
-            <a:endParaRPr lang="en-US"/>
+            <a:r>
+              <a:rPr lang="en-US" dirty="0"/>
+              <a:t>Pros:</a:t>
+            </a:r>
+          </a:p>
+          <a:p>
+            <a:pPr marL="0" indent="0">
+              <a:buNone/>
+            </a:pPr>
+            <a:r>
+              <a:rPr lang="en-US" dirty="0"/>
+              <a:t>    Amazing capability for Data visualization</a:t>
+            </a:r>
+          </a:p>
+          <a:p>
+            <a:pPr marL="0" indent="0">
+              <a:buNone/>
+            </a:pPr>
+            <a:r>
+              <a:rPr lang="en-US" dirty="0"/>
+              <a:t>    Various facilities for machine learning and data science</a:t>
+            </a:r>
+          </a:p>
+          <a:p>
+            <a:pPr marL="0" indent="0">
+              <a:buNone/>
+            </a:pPr>
+            <a:r>
+              <a:rPr lang="en-US" dirty="0"/>
+              <a:t>    Constantly growing programming language</a:t>
+            </a:r>
+          </a:p>
+          <a:p>
+            <a:endParaRPr lang="en-US" dirty="0"/>
+          </a:p>
+          <a:p>
+            <a:r>
+              <a:rPr lang="en-US" dirty="0"/>
+              <a:t>Cons:</a:t>
+            </a:r>
+          </a:p>
+          <a:p>
+            <a:pPr marL="0" indent="0">
+              <a:buNone/>
+            </a:pPr>
+            <a:r>
+              <a:rPr lang="en-US" dirty="0"/>
+              <a:t>    Slower than the other two</a:t>
+            </a:r>
+          </a:p>
+          <a:p>
+            <a:pPr marL="0" indent="0">
+              <a:buNone/>
+            </a:pPr>
+            <a:r>
+              <a:rPr lang="en-US" dirty="0"/>
+              <a:t>    Not an easy language to learn</a:t>
+            </a:r>
+          </a:p>
+          <a:p>
+            <a:pPr marL="0" indent="0">
+              <a:buNone/>
+            </a:pPr>
+            <a:r>
+              <a:rPr lang="en-US" dirty="0"/>
+              <a:t>    Use</a:t>
+            </a:r>
+            <a:r>
+              <a:rPr lang="zh-CN" altLang="en-US" dirty="0"/>
+              <a:t> </a:t>
+            </a:r>
+            <a:r>
+              <a:rPr lang="en-CA" altLang="zh-CN" dirty="0"/>
+              <a:t>more memory as compared to the others</a:t>
+            </a:r>
+            <a:endParaRPr lang="en-US" dirty="0"/>
+          </a:p>
+          <a:p>
+            <a:endParaRPr lang="en-US" dirty="0"/>
+          </a:p>
+          <a:p>
+            <a:endParaRPr lang="en-US" dirty="0"/>
           </a:p>
         </p:txBody>
       </p:sp>
       <p:sp>
         <p:nvSpPr>
-          <p:cNvPr id="6" name="Title 1"/>
+          <p:cNvPr id="4" name="TextBox 3">
+            <a:extLst>
+              <a:ext uri="{FF2B5EF4-FFF2-40B4-BE49-F238E27FC236}">
+                <a16:creationId xmlns:a16="http://schemas.microsoft.com/office/drawing/2014/main" id="{45973287-0C87-9741-A97B-2B5F482F7B9C}"/>
+              </a:ext>
+            </a:extLst>
+          </p:cNvPr>
           <p:cNvSpPr txBox="1"/>
           <p:nvPr/>
         </p:nvSpPr>
         <p:spPr>
           <a:xfrm>
-            <a:off x="878798" y="2340093"/>
-            <a:ext cx="3555549" cy="2467881"/>
+            <a:off x="791679" y="5867142"/>
+            <a:ext cx="6281873" cy="369332"/>
           </a:xfrm>
           <a:prstGeom prst="rect">
             <a:avLst/>
           </a:prstGeom>
+          <a:noFill/>
         </p:spPr>
         <p:txBody>
-          <a:bodyPr vert="horz" lIns="228600" tIns="228600" rIns="228600" bIns="228600" rtlCol="0" anchor="ctr">
-            <a:normAutofit fontScale="97500"/>
+          <a:bodyPr wrap="square" rtlCol="0">
+            <a:spAutoFit/>
           </a:bodyPr>
-          <a:lstStyle>
-            <a:lvl1pPr algn="ctr" defTabSz="914400" rtl="0" eaLnBrk="1" latinLnBrk="0" hangingPunct="1">
-              <a:lnSpc>
-                <a:spcPct val="85000"/>
-              </a:lnSpc>
-              <a:spcBef>
-                <a:spcPct val="0"/>
-              </a:spcBef>
-              <a:buNone/>
-              <a:defRPr sz="4000" b="0" i="0" kern="1200" cap="none" spc="-150">
-                <a:solidFill>
-                  <a:srgbClr val="FFFEFF"/>
-                </a:solidFill>
-                <a:effectLst/>
-                <a:latin typeface="+mj-lt"/>
-                <a:ea typeface="+mj-ea"/>
-                <a:cs typeface="+mj-cs"/>
-              </a:defRPr>
-            </a:lvl1pPr>
-          </a:lstStyle>
+          <a:lstStyle/>
           <a:p>
+            <a:pPr>
+              <a:spcAft>
+                <a:spcPts val="600"/>
+              </a:spcAft>
+            </a:pPr>
             <a:r>
               <a:rPr lang="en-US" dirty="0"/>
-              <a:t>Performance Comparison</a:t>
-            </a:r>
-            <a:endParaRPr lang="en-US" dirty="0"/>
-          </a:p>
-          <a:p>
-            <a:r>
-              <a:rPr lang="en-US" dirty="0"/>
-              <a:t>(</a:t>
+              <a:t>Reference: </a:t>
             </a:r>
             <a:r>
-              <a:rPr lang="en-US" dirty="0" err="1"/>
-              <a:t>w.r.t.</a:t>
-            </a:r>
-            <a:r>
-              <a:rPr lang="en-US" dirty="0"/>
-              <a:t> Space)</a:t>
+              <a:rPr lang="en-US" dirty="0">
+                <a:hlinkClick r:id="rId2"/>
+              </a:rPr>
+              <a:t>Pros and Cons of R Programming Language</a:t>
             </a:r>
             <a:endParaRPr lang="en-US" dirty="0"/>
           </a:p>
@@ -15786,9 +15766,8 @@
           <a:p>
             <a:r>
               <a:rPr lang="en-US" dirty="0"/>
-              <a:t>Pro/Con List: Python</a:t>
+              <a:t>Pro/Con List: Julia</a:t>
             </a:r>
-            <a:endParaRPr lang="en-US" dirty="0"/>
           </a:p>
         </p:txBody>
       </p:sp>
@@ -15802,12 +15781,108 @@
             <p:ph idx="1"/>
           </p:nvPr>
         </p:nvSpPr>
-        <p:spPr/>
+        <p:spPr>
+          <a:xfrm>
+            <a:off x="4857135" y="803186"/>
+            <a:ext cx="6543185" cy="5248622"/>
+          </a:xfrm>
+        </p:spPr>
         <p:txBody>
           <a:bodyPr/>
           <a:lstStyle/>
           <a:p>
-            <a:endParaRPr lang="en-US"/>
+            <a:r>
+              <a:rPr lang="en-US" dirty="0"/>
+              <a:t>Pros:</a:t>
+            </a:r>
+          </a:p>
+          <a:p>
+            <a:pPr marL="0" indent="0">
+              <a:buNone/>
+            </a:pPr>
+            <a:r>
+              <a:rPr lang="en-US" dirty="0"/>
+              <a:t>    Fast</a:t>
+            </a:r>
+          </a:p>
+          <a:p>
+            <a:pPr marL="0" indent="0">
+              <a:buNone/>
+            </a:pPr>
+            <a:r>
+              <a:rPr lang="en-US" dirty="0"/>
+              <a:t>    The syntax and grammar are straightforward</a:t>
+            </a:r>
+          </a:p>
+          <a:p>
+            <a:pPr marL="0" indent="0">
+              <a:buNone/>
+            </a:pPr>
+            <a:r>
+              <a:rPr lang="en-US" dirty="0"/>
+              <a:t>    Abundant Data Science libraries and packages to import</a:t>
+            </a:r>
+          </a:p>
+          <a:p>
+            <a:r>
+              <a:rPr lang="en-US" dirty="0"/>
+              <a:t>Cons:</a:t>
+            </a:r>
+          </a:p>
+          <a:p>
+            <a:pPr marL="0" indent="0">
+              <a:buNone/>
+            </a:pPr>
+            <a:r>
+              <a:rPr lang="en-US" dirty="0"/>
+              <a:t>    The size of the user population is small</a:t>
+            </a:r>
+          </a:p>
+          <a:p>
+            <a:pPr marL="0" indent="0">
+              <a:buNone/>
+            </a:pPr>
+            <a:r>
+              <a:rPr lang="en-US" dirty="0"/>
+              <a:t>    Bad IDE support</a:t>
+            </a:r>
+          </a:p>
+          <a:p>
+            <a:pPr marL="0" indent="0">
+              <a:buNone/>
+            </a:pPr>
+            <a:r>
+              <a:rPr lang="en-US" dirty="0"/>
+              <a:t>    Hard to execute the codes in terminal</a:t>
+            </a:r>
+          </a:p>
+          <a:p>
+            <a:pPr marL="0" indent="0">
+              <a:buNone/>
+            </a:pPr>
+            <a:r>
+              <a:rPr lang="en-US" dirty="0"/>
+              <a:t>    The</a:t>
+            </a:r>
+            <a:r>
+              <a:rPr lang="zh-CN" altLang="en-US" dirty="0"/>
+              <a:t> </a:t>
+            </a:r>
+            <a:r>
+              <a:rPr lang="en-CA" altLang="zh-CN" dirty="0"/>
+              <a:t>re</a:t>
+            </a:r>
+            <a:r>
+              <a:rPr lang="en-US"/>
+              <a:t>sources </a:t>
+            </a:r>
+            <a:r>
+              <a:rPr lang="en-US" dirty="0"/>
+              <a:t>are fewer than the other two</a:t>
+            </a:r>
+          </a:p>
+          <a:p>
+            <a:endParaRPr lang="en-US" dirty="0"/>
           </a:p>
         </p:txBody>
       </p:sp>
@@ -15853,255 +15928,8 @@
           <a:p>
             <a:r>
               <a:rPr lang="en-US" dirty="0"/>
-              <a:t>Pro/Con List:</a:t>
-            </a:r>
-            <a:br>
-              <a:rPr lang="en-US" dirty="0"/>
-            </a:br>
-            <a:r>
-              <a:rPr lang="en-US" dirty="0"/>
-              <a:t>R</a:t>
-            </a:r>
-            <a:endParaRPr lang="en-US" dirty="0"/>
-          </a:p>
-        </p:txBody>
-      </p:sp>
-      <p:sp>
-        <p:nvSpPr>
-          <p:cNvPr id="3" name="Content Placeholder 2"/>
-          <p:cNvSpPr>
-            <a:spLocks noGrp="1"/>
-          </p:cNvSpPr>
-          <p:nvPr>
-            <p:ph idx="1"/>
-          </p:nvPr>
-        </p:nvSpPr>
-        <p:spPr/>
-        <p:txBody>
-          <a:bodyPr/>
-          <a:lstStyle/>
-          <a:p>
-            <a:endParaRPr lang="en-US"/>
-          </a:p>
-        </p:txBody>
-      </p:sp>
-    </p:spTree>
-  </p:cSld>
-  <p:clrMapOvr>
-    <a:masterClrMapping/>
-  </p:clrMapOvr>
-</p:sld>
-</file>
-
-<file path=ppt/slides/slide14.xml><?xml version="1.0" encoding="utf-8"?>
-<p:sld xmlns:a="http://schemas.openxmlformats.org/drawingml/2006/main" xmlns:r="http://schemas.openxmlformats.org/officeDocument/2006/relationships" xmlns:p="http://schemas.openxmlformats.org/presentationml/2006/main">
-  <p:cSld>
-    <p:spTree>
-      <p:nvGrpSpPr>
-        <p:cNvPr id="1" name=""/>
-        <p:cNvGrpSpPr/>
-        <p:nvPr/>
-      </p:nvGrpSpPr>
-      <p:grpSpPr>
-        <a:xfrm>
-          <a:off x="0" y="0"/>
-          <a:ext cx="0" cy="0"/>
-          <a:chOff x="0" y="0"/>
-          <a:chExt cx="0" cy="0"/>
-        </a:xfrm>
-      </p:grpSpPr>
-      <p:sp>
-        <p:nvSpPr>
-          <p:cNvPr id="2" name="Title 1"/>
-          <p:cNvSpPr>
-            <a:spLocks noGrp="1"/>
-          </p:cNvSpPr>
-          <p:nvPr>
-            <p:ph type="title"/>
-          </p:nvPr>
-        </p:nvSpPr>
-        <p:spPr/>
-        <p:txBody>
-          <a:bodyPr/>
-          <a:lstStyle/>
-          <a:p>
-            <a:r>
-              <a:rPr lang="en-US" dirty="0"/>
               <a:t>Pro/Con List: Julia</a:t>
             </a:r>
-            <a:endParaRPr lang="en-US" dirty="0"/>
-          </a:p>
-        </p:txBody>
-      </p:sp>
-      <p:sp>
-        <p:nvSpPr>
-          <p:cNvPr id="3" name="Content Placeholder 2"/>
-          <p:cNvSpPr>
-            <a:spLocks noGrp="1"/>
-          </p:cNvSpPr>
-          <p:nvPr>
-            <p:ph idx="1"/>
-          </p:nvPr>
-        </p:nvSpPr>
-        <p:spPr>
-          <a:xfrm>
-            <a:off x="4857135" y="803186"/>
-            <a:ext cx="6543185" cy="5248622"/>
-          </a:xfrm>
-        </p:spPr>
-        <p:txBody>
-          <a:bodyPr/>
-          <a:lstStyle/>
-          <a:p>
-            <a:r>
-              <a:rPr lang="en-US" dirty="0"/>
-              <a:t>Pros:</a:t>
-            </a:r>
-            <a:endParaRPr lang="en-US" dirty="0"/>
-          </a:p>
-          <a:p>
-            <a:pPr marL="0" indent="0">
-              <a:buNone/>
-            </a:pPr>
-            <a:r>
-              <a:rPr lang="en-US" dirty="0"/>
-              <a:t>    Fast</a:t>
-            </a:r>
-            <a:endParaRPr lang="en-US" dirty="0"/>
-          </a:p>
-          <a:p>
-            <a:pPr marL="0" indent="0">
-              <a:buNone/>
-            </a:pPr>
-            <a:r>
-              <a:rPr lang="en-US" dirty="0"/>
-              <a:t>    The syntax and grammar are straightforward</a:t>
-            </a:r>
-            <a:endParaRPr lang="en-US" dirty="0"/>
-          </a:p>
-          <a:p>
-            <a:pPr marL="0" indent="0">
-              <a:buNone/>
-            </a:pPr>
-            <a:r>
-              <a:rPr lang="en-US" dirty="0"/>
-              <a:t>    Abundant Data Science libraries and packages to import</a:t>
-            </a:r>
-            <a:endParaRPr lang="en-US" dirty="0"/>
-          </a:p>
-          <a:p>
-            <a:r>
-              <a:rPr lang="en-US" dirty="0"/>
-              <a:t>Cons:</a:t>
-            </a:r>
-            <a:endParaRPr lang="en-US" dirty="0"/>
-          </a:p>
-          <a:p>
-            <a:pPr marL="0" indent="0">
-              <a:buNone/>
-            </a:pPr>
-            <a:r>
-              <a:rPr lang="en-US" dirty="0"/>
-              <a:t>    The size of the user population is small</a:t>
-            </a:r>
-            <a:endParaRPr lang="en-US" dirty="0"/>
-          </a:p>
-          <a:p>
-            <a:pPr marL="0" indent="0">
-              <a:buNone/>
-            </a:pPr>
-            <a:r>
-              <a:rPr lang="en-US" dirty="0"/>
-              <a:t>    Bad IDE support</a:t>
-            </a:r>
-            <a:endParaRPr lang="en-US" dirty="0"/>
-          </a:p>
-          <a:p>
-            <a:pPr marL="0" indent="0">
-              <a:buNone/>
-            </a:pPr>
-            <a:r>
-              <a:rPr lang="en-US" dirty="0"/>
-              <a:t>    Hard to execute the codes in terminal</a:t>
-            </a:r>
-            <a:endParaRPr lang="en-US" dirty="0"/>
-          </a:p>
-          <a:p>
-            <a:pPr marL="0" indent="0">
-              <a:buNone/>
-            </a:pPr>
-            <a:r>
-              <a:rPr lang="en-US" dirty="0"/>
-              <a:t>    The</a:t>
-            </a:r>
-            <a:r>
-              <a:rPr lang="zh-CN" altLang="en-US" dirty="0"/>
-              <a:t> </a:t>
-            </a:r>
-            <a:r>
-              <a:rPr lang="en-CA" altLang="zh-CN" dirty="0"/>
-              <a:t>re</a:t>
-            </a:r>
-            <a:r>
-              <a:rPr lang="en-US"/>
-              <a:t>sources </a:t>
-            </a:r>
-            <a:r>
-              <a:rPr lang="en-US" dirty="0"/>
-              <a:t>are fewer than the other two</a:t>
-            </a:r>
-            <a:endParaRPr lang="en-US" dirty="0"/>
-          </a:p>
-          <a:p>
-            <a:endParaRPr lang="en-US" dirty="0"/>
-          </a:p>
-        </p:txBody>
-      </p:sp>
-    </p:spTree>
-  </p:cSld>
-  <p:clrMapOvr>
-    <a:masterClrMapping/>
-  </p:clrMapOvr>
-</p:sld>
-</file>
-
-<file path=ppt/slides/slide15.xml><?xml version="1.0" encoding="utf-8"?>
-<p:sld xmlns:a="http://schemas.openxmlformats.org/drawingml/2006/main" xmlns:r="http://schemas.openxmlformats.org/officeDocument/2006/relationships" xmlns:p="http://schemas.openxmlformats.org/presentationml/2006/main">
-  <p:cSld>
-    <p:spTree>
-      <p:nvGrpSpPr>
-        <p:cNvPr id="1" name=""/>
-        <p:cNvGrpSpPr/>
-        <p:nvPr/>
-      </p:nvGrpSpPr>
-      <p:grpSpPr>
-        <a:xfrm>
-          <a:off x="0" y="0"/>
-          <a:ext cx="0" cy="0"/>
-          <a:chOff x="0" y="0"/>
-          <a:chExt cx="0" cy="0"/>
-        </a:xfrm>
-      </p:grpSpPr>
-      <p:sp>
-        <p:nvSpPr>
-          <p:cNvPr id="2" name="Title 1"/>
-          <p:cNvSpPr>
-            <a:spLocks noGrp="1"/>
-          </p:cNvSpPr>
-          <p:nvPr>
-            <p:ph type="title"/>
-          </p:nvPr>
-        </p:nvSpPr>
-        <p:spPr/>
-        <p:txBody>
-          <a:bodyPr/>
-          <a:lstStyle/>
-          <a:p>
-            <a:r>
-              <a:rPr lang="en-US" dirty="0"/>
-              <a:t>Pro/Con List: Julia</a:t>
-            </a:r>
-            <a:endParaRPr lang="en-US" dirty="0"/>
           </a:p>
         </p:txBody>
       </p:sp>
@@ -16129,7 +15957,6 @@
               <a:rPr lang="en-US" dirty="0"/>
               <a:t>Cons:</a:t>
             </a:r>
-            <a:endParaRPr lang="en-US" dirty="0"/>
           </a:p>
           <a:p>
             <a:pPr marL="0" indent="0">
@@ -16159,7 +15986,7 @@
           <p:nvPr/>
         </p:nvPicPr>
         <p:blipFill>
-          <a:blip r:embed="rId1"/>
+          <a:blip r:embed="rId2"/>
           <a:stretch>
             <a:fillRect/>
           </a:stretch>
@@ -16183,7 +16010,7 @@
           <p:nvPr/>
         </p:nvPicPr>
         <p:blipFill>
-          <a:blip r:embed="rId2"/>
+          <a:blip r:embed="rId3"/>
           <a:stretch>
             <a:fillRect/>
           </a:stretch>
@@ -16242,7 +16069,6 @@
               <a:rPr lang="en-US" dirty="0"/>
               <a:t>Dataset we use</a:t>
             </a:r>
-            <a:endParaRPr lang="en-US" dirty="0"/>
           </a:p>
         </p:txBody>
       </p:sp>
@@ -16265,7 +16091,6 @@
               <a:rPr lang="en-US" dirty="0"/>
               <a:t>As an undergraduate student, we are interested in how variables, such as GRE (Graduate Record Exam scores), GPA (grade point average) and prestige of the undergraduate institution, effect admission into graduate school. The response variable, admit/don’t admit, is a binary variable.</a:t>
             </a:r>
-            <a:endParaRPr lang="en-US" dirty="0"/>
           </a:p>
           <a:p>
             <a:pPr marL="0" indent="0">
@@ -16278,7 +16103,6 @@
               <a:rPr lang="en-US" dirty="0"/>
               <a:t>In this dataset, there are 400 observations, we want to choose 75% as our training set,and the rest 25% as our testing set.</a:t>
             </a:r>
-            <a:endParaRPr lang="en-US" dirty="0"/>
           </a:p>
         </p:txBody>
       </p:sp>
@@ -16333,7 +16157,6 @@
               <a:rPr lang="en-US" dirty="0"/>
               <a:t>Logistic Regression</a:t>
             </a:r>
-            <a:endParaRPr lang="en-US" dirty="0"/>
           </a:p>
         </p:txBody>
       </p:sp>
@@ -16349,7 +16172,7 @@
         </p:nvSpPr>
         <p:spPr>
           <a:xfrm>
-            <a:off x="5118447" y="803186"/>
+            <a:off x="5080755" y="106597"/>
             <a:ext cx="6281873" cy="974814"/>
           </a:xfrm>
         </p:spPr>
@@ -16361,7 +16184,6 @@
               <a:rPr lang="en-US" dirty="0"/>
               <a:t>Used the “@time” tag in Julia to measure performance:</a:t>
             </a:r>
-            <a:endParaRPr lang="en-US" dirty="0"/>
           </a:p>
           <a:p>
             <a:endParaRPr lang="en-US" dirty="0"/>
@@ -16412,7 +16234,6 @@
               <a:rPr lang="en-US" dirty="0"/>
               <a:t>Performance Comparison</a:t>
             </a:r>
-            <a:endParaRPr lang="en-US" dirty="0"/>
           </a:p>
           <a:p>
             <a:r>
@@ -16427,14 +16248,12 @@
               <a:rPr lang="en-US" dirty="0"/>
               <a:t> </a:t>
             </a:r>
-            <a:endParaRPr lang="en-US" dirty="0"/>
           </a:p>
           <a:p>
             <a:r>
               <a:rPr lang="en-US" dirty="0"/>
               <a:t>Time and Space)</a:t>
             </a:r>
-            <a:endParaRPr lang="en-US" dirty="0"/>
           </a:p>
         </p:txBody>
       </p:sp>
@@ -16447,14 +16266,14 @@
           <p:nvPr/>
         </p:nvPicPr>
         <p:blipFill>
-          <a:blip r:embed="rId1"/>
+          <a:blip r:embed="rId2"/>
           <a:stretch>
             <a:fillRect/>
           </a:stretch>
         </p:blipFill>
         <p:spPr>
           <a:xfrm>
-            <a:off x="5080755" y="1507738"/>
+            <a:off x="5080755" y="595859"/>
             <a:ext cx="6357256" cy="1370601"/>
           </a:xfrm>
           <a:prstGeom prst="rect">
@@ -16470,8 +16289,8 @@
         </p:nvSpPr>
         <p:spPr>
           <a:xfrm>
-            <a:off x="5118447" y="2608076"/>
-            <a:ext cx="6281873" cy="4040122"/>
+            <a:off x="5080755" y="2979502"/>
+            <a:ext cx="6281873" cy="2324985"/>
           </a:xfrm>
           <a:prstGeom prst="rect">
             <a:avLst/>
@@ -16695,14 +16514,12 @@
               <a:rPr lang="en-US" dirty="0"/>
               <a:t>Used the “@time” tag in Julia to measure performance:</a:t>
             </a:r>
-            <a:endParaRPr lang="en-US" dirty="0"/>
           </a:p>
           <a:p>
             <a:r>
               <a:rPr lang="en-US" dirty="0"/>
               <a:t>0.000406 seconds (479 allocations: 117.445 KiB) (per prediction)</a:t>
             </a:r>
-            <a:endParaRPr lang="en-US" dirty="0"/>
           </a:p>
           <a:p>
             <a:r>
@@ -16717,6 +16534,20 @@
               <a:rPr lang="en-US" dirty="0"/>
               <a:t> time) (find the average accuracy of 10000 predictions)</a:t>
             </a:r>
+          </a:p>
+          <a:p>
+            <a:endParaRPr lang="en-US" dirty="0"/>
+          </a:p>
+          <a:p>
+            <a:pPr marL="0" indent="0">
+              <a:buNone/>
+            </a:pPr>
+            <a:endParaRPr lang="en-US" dirty="0"/>
+          </a:p>
+          <a:p>
+            <a:endParaRPr lang="en-US" dirty="0"/>
+          </a:p>
+          <a:p>
             <a:endParaRPr lang="en-US" dirty="0"/>
           </a:p>
         </p:txBody>
@@ -16747,10 +16578,128 @@
               <a:rPr lang="en-US" sz="3600" dirty="0"/>
               <a:t>Julia</a:t>
             </a:r>
-            <a:endParaRPr lang="en-US" sz="3600" dirty="0"/>
           </a:p>
         </p:txBody>
       </p:sp>
+      <p:sp>
+        <p:nvSpPr>
+          <p:cNvPr id="9" name="Title 1">
+            <a:extLst>
+              <a:ext uri="{FF2B5EF4-FFF2-40B4-BE49-F238E27FC236}">
+                <a16:creationId xmlns:a16="http://schemas.microsoft.com/office/drawing/2014/main" id="{8D742735-2D6C-D445-BC9D-E80723E2E09D}"/>
+              </a:ext>
+            </a:extLst>
+          </p:cNvPr>
+          <p:cNvSpPr txBox="1">
+            <a:spLocks/>
+          </p:cNvSpPr>
+          <p:nvPr/>
+        </p:nvSpPr>
+        <p:spPr>
+          <a:xfrm>
+            <a:off x="878799" y="5304487"/>
+            <a:ext cx="3644040" cy="825894"/>
+          </a:xfrm>
+          <a:prstGeom prst="rect">
+            <a:avLst/>
+          </a:prstGeom>
+        </p:spPr>
+        <p:txBody>
+          <a:bodyPr vert="horz" lIns="228600" tIns="228600" rIns="228600" bIns="228600" rtlCol="0" anchor="ctr">
+            <a:normAutofit fontScale="82500" lnSpcReduction="20000"/>
+          </a:bodyPr>
+          <a:lstStyle>
+            <a:lvl1pPr algn="ctr" defTabSz="914400" rtl="0" eaLnBrk="1" latinLnBrk="0" hangingPunct="1">
+              <a:lnSpc>
+                <a:spcPct val="85000"/>
+              </a:lnSpc>
+              <a:spcBef>
+                <a:spcPct val="0"/>
+              </a:spcBef>
+              <a:buNone/>
+              <a:defRPr sz="4000" b="0" i="0" kern="1200" cap="none" spc="-150">
+                <a:solidFill>
+                  <a:srgbClr val="FFFEFF"/>
+                </a:solidFill>
+                <a:effectLst/>
+                <a:latin typeface="+mj-lt"/>
+                <a:ea typeface="+mj-ea"/>
+                <a:cs typeface="+mj-cs"/>
+              </a:defRPr>
+            </a:lvl1pPr>
+          </a:lstStyle>
+          <a:p>
+            <a:r>
+              <a:rPr lang="en-US" dirty="0">
+                <a:solidFill>
+                  <a:schemeClr val="accent1"/>
+                </a:solidFill>
+              </a:rPr>
+              <a:t>Random Forest</a:t>
+            </a:r>
+          </a:p>
+        </p:txBody>
+      </p:sp>
+      <p:pic>
+        <p:nvPicPr>
+          <p:cNvPr id="5" name="Picture 4">
+            <a:extLst>
+              <a:ext uri="{FF2B5EF4-FFF2-40B4-BE49-F238E27FC236}">
+                <a16:creationId xmlns:a16="http://schemas.microsoft.com/office/drawing/2014/main" id="{6B3F4010-90C4-C640-80DA-8CF986B29FF2}"/>
+              </a:ext>
+            </a:extLst>
+          </p:cNvPr>
+          <p:cNvPicPr>
+            <a:picLocks noChangeAspect="1"/>
+          </p:cNvPicPr>
+          <p:nvPr/>
+        </p:nvPicPr>
+        <p:blipFill>
+          <a:blip r:embed="rId3"/>
+          <a:stretch>
+            <a:fillRect/>
+          </a:stretch>
+        </p:blipFill>
+        <p:spPr>
+          <a:xfrm>
+            <a:off x="5800409" y="4598408"/>
+            <a:ext cx="4842563" cy="1119026"/>
+          </a:xfrm>
+          <a:prstGeom prst="rect">
+            <a:avLst/>
+          </a:prstGeom>
+        </p:spPr>
+      </p:pic>
+      <p:pic>
+        <p:nvPicPr>
+          <p:cNvPr id="10" name="Picture 9">
+            <a:extLst>
+              <a:ext uri="{FF2B5EF4-FFF2-40B4-BE49-F238E27FC236}">
+                <a16:creationId xmlns:a16="http://schemas.microsoft.com/office/drawing/2014/main" id="{8F4A92D7-F052-AA48-86B1-4A1C58C4ACD3}"/>
+              </a:ext>
+            </a:extLst>
+          </p:cNvPr>
+          <p:cNvPicPr>
+            <a:picLocks noChangeAspect="1"/>
+          </p:cNvPicPr>
+          <p:nvPr/>
+        </p:nvPicPr>
+        <p:blipFill>
+          <a:blip r:embed="rId4"/>
+          <a:stretch>
+            <a:fillRect/>
+          </a:stretch>
+        </p:blipFill>
+        <p:spPr>
+          <a:xfrm>
+            <a:off x="5725733" y="5927181"/>
+            <a:ext cx="5067300" cy="406400"/>
+          </a:xfrm>
+          <a:prstGeom prst="rect">
+            <a:avLst/>
+          </a:prstGeom>
+        </p:spPr>
+      </p:pic>
     </p:spTree>
   </p:cSld>
   <p:clrMapOvr>
@@ -16802,7 +16751,6 @@
               <a:rPr lang="en-US" dirty="0"/>
               <a:t>Logistic Regression</a:t>
             </a:r>
-            <a:endParaRPr lang="en-US" dirty="0"/>
           </a:p>
         </p:txBody>
       </p:sp>
@@ -16823,17 +16771,17 @@
           <a:p>
             <a:r>
               <a:rPr lang="en-US" dirty="0"/>
-              <a:t>The average accuracy (</a:t>
+              <a:t>The average accuracy (10000 predictions) of the logistic regression model in our Julia implementation is 70%</a:t>
             </a:r>
-            <a:r>
-              <a:rPr lang="en-US"/>
-              <a:t>10000 predictions) </a:t>
-            </a:r>
+          </a:p>
+          <a:p>
+            <a:endParaRPr lang="en-US" dirty="0"/>
+          </a:p>
+          <a:p>
             <a:r>
               <a:rPr lang="en-US" dirty="0"/>
-              <a:t>of the logistic regression model in the Julia implementation is 70%</a:t>
+              <a:t>The average accuracy of the random forest model in our Julia implementation is 63%</a:t>
             </a:r>
-            <a:endParaRPr lang="en-US" dirty="0"/>
           </a:p>
         </p:txBody>
       </p:sp>
@@ -16881,7 +16829,6 @@
               <a:rPr lang="en-US" dirty="0"/>
               <a:t>Performance Comparison</a:t>
             </a:r>
-            <a:endParaRPr lang="en-US" dirty="0"/>
           </a:p>
           <a:p>
             <a:r>
@@ -16896,7 +16843,6 @@
               <a:rPr lang="en-US" dirty="0"/>
               <a:t> Accuracy)</a:t>
             </a:r>
-            <a:endParaRPr lang="en-US" dirty="0"/>
           </a:p>
         </p:txBody>
       </p:sp>
@@ -16926,7 +16872,65 @@
               <a:rPr lang="en-US" sz="3600" dirty="0"/>
               <a:t>Julia</a:t>
             </a:r>
-            <a:endParaRPr lang="en-US" sz="3600" dirty="0"/>
+          </a:p>
+        </p:txBody>
+      </p:sp>
+      <p:sp>
+        <p:nvSpPr>
+          <p:cNvPr id="7" name="Title 1">
+            <a:extLst>
+              <a:ext uri="{FF2B5EF4-FFF2-40B4-BE49-F238E27FC236}">
+                <a16:creationId xmlns:a16="http://schemas.microsoft.com/office/drawing/2014/main" id="{1A82D7F8-1D42-FB4E-AC8A-4ED4868E59CD}"/>
+              </a:ext>
+            </a:extLst>
+          </p:cNvPr>
+          <p:cNvSpPr txBox="1">
+            <a:spLocks/>
+          </p:cNvSpPr>
+          <p:nvPr/>
+        </p:nvSpPr>
+        <p:spPr>
+          <a:xfrm>
+            <a:off x="878799" y="5304487"/>
+            <a:ext cx="3644040" cy="825894"/>
+          </a:xfrm>
+          <a:prstGeom prst="rect">
+            <a:avLst/>
+          </a:prstGeom>
+        </p:spPr>
+        <p:txBody>
+          <a:bodyPr vert="horz" lIns="228600" tIns="228600" rIns="228600" bIns="228600" rtlCol="0" anchor="ctr">
+            <a:normAutofit fontScale="82500" lnSpcReduction="20000"/>
+          </a:bodyPr>
+          <a:lstStyle>
+            <a:lvl1pPr algn="ctr" defTabSz="914400" rtl="0" eaLnBrk="1" latinLnBrk="0" hangingPunct="1">
+              <a:lnSpc>
+                <a:spcPct val="85000"/>
+              </a:lnSpc>
+              <a:spcBef>
+                <a:spcPct val="0"/>
+              </a:spcBef>
+              <a:buNone/>
+              <a:defRPr sz="4000" b="0" i="0" kern="1200" cap="none" spc="-150">
+                <a:solidFill>
+                  <a:srgbClr val="FFFEFF"/>
+                </a:solidFill>
+                <a:effectLst/>
+                <a:latin typeface="+mj-lt"/>
+                <a:ea typeface="+mj-ea"/>
+                <a:cs typeface="+mj-cs"/>
+              </a:defRPr>
+            </a:lvl1pPr>
+          </a:lstStyle>
+          <a:p>
+            <a:r>
+              <a:rPr lang="en-US" dirty="0">
+                <a:solidFill>
+                  <a:schemeClr val="accent1"/>
+                </a:solidFill>
+              </a:rPr>
+              <a:t>Random Forest</a:t>
+            </a:r>
           </a:p>
         </p:txBody>
       </p:sp>
@@ -17012,7 +17016,7 @@
         <p:nvGrpSpPr>
           <p:cNvPr id="90" name="Group 40"/>
           <p:cNvGrpSpPr>
-            <a:grpSpLocks noGrp="1" noRot="1" noChangeAspect="1" noMove="1" noResize="1" noUngrp="1"/>
+            <a:grpSpLocks noGrp="1" noUngrp="1" noRot="1" noChangeAspect="1" noMove="1" noResize="1"/>
           </p:cNvGrpSpPr>
           <p:nvPr/>
         </p:nvGrpSpPr>
@@ -18525,11 +18529,6 @@
               </a:rPr>
               <a:t>ROC Curve (Julia)</a:t>
             </a:r>
-            <a:endParaRPr lang="en-US" dirty="0">
-              <a:solidFill>
-                <a:schemeClr val="tx2"/>
-              </a:solidFill>
-            </a:endParaRPr>
           </a:p>
         </p:txBody>
       </p:sp>
@@ -18593,7 +18592,7 @@
           <p:nvPr/>
         </p:nvPicPr>
         <p:blipFill>
-          <a:blip r:embed="rId1"/>
+          <a:blip r:embed="rId2"/>
           <a:stretch>
             <a:fillRect/>
           </a:stretch>
@@ -18642,28 +18641,24 @@
               <a:rPr lang="en-CA" dirty="0"/>
               <a:t>Receiver Operating Characteristics curve is the evaluation metric used to evaluate the classification model based on its predictive power to predict class one’s accuracy and class zero’s accuracy.</a:t>
             </a:r>
-            <a:endParaRPr lang="en-CA" dirty="0"/>
           </a:p>
           <a:p>
             <a:r>
               <a:rPr lang="en-CA" dirty="0"/>
               <a:t>Ideally the curve should be close to the y-axis line and top line of the x-axis, but it’s far from it. That means it is not a good model.</a:t>
             </a:r>
-            <a:endParaRPr lang="en-CA" dirty="0"/>
           </a:p>
           <a:p>
             <a:r>
               <a:rPr lang="en-CA" dirty="0"/>
               <a:t>This is because of the high-class imbalance. i.e. while training the data, most of the data points were having class 0.</a:t>
             </a:r>
-            <a:endParaRPr lang="en-CA" dirty="0"/>
           </a:p>
           <a:p>
             <a:r>
               <a:rPr lang="en-CA" dirty="0"/>
               <a:t>Unfortunately,  we did not find a way to fix this issue.</a:t>
             </a:r>
-            <a:endParaRPr lang="en-CA" dirty="0"/>
           </a:p>
           <a:p>
             <a:pPr>
@@ -18708,7 +18703,7 @@
             </a:r>
             <a:r>
               <a:rPr lang="en-US" dirty="0">
-                <a:hlinkClick r:id="rId2"/>
+                <a:hlinkClick r:id="rId3"/>
               </a:rPr>
               <a:t>Logistic Regression in Julia</a:t>
             </a:r>
@@ -18753,7 +18748,7 @@
         </p:nvSpPr>
         <p:spPr>
           <a:xfrm>
-            <a:off x="878799" y="1553513"/>
+            <a:off x="847255" y="2717406"/>
             <a:ext cx="3644040" cy="825894"/>
           </a:xfrm>
         </p:spPr>
@@ -18767,77 +18762,6 @@
               <a:rPr lang="en-US" dirty="0"/>
               <a:t>Logistic Regression</a:t>
             </a:r>
-            <a:endParaRPr lang="en-US" dirty="0"/>
-          </a:p>
-        </p:txBody>
-      </p:sp>
-      <p:sp>
-        <p:nvSpPr>
-          <p:cNvPr id="6" name="Title 1"/>
-          <p:cNvSpPr txBox="1"/>
-          <p:nvPr/>
-        </p:nvSpPr>
-        <p:spPr>
-          <a:xfrm>
-            <a:off x="633259" y="2379407"/>
-            <a:ext cx="4135120" cy="2567187"/>
-          </a:xfrm>
-          <a:prstGeom prst="rect">
-            <a:avLst/>
-          </a:prstGeom>
-        </p:spPr>
-        <p:txBody>
-          <a:bodyPr vert="horz" lIns="228600" tIns="228600" rIns="228600" bIns="228600" rtlCol="0" anchor="ctr">
-            <a:normAutofit fontScale="97500"/>
-          </a:bodyPr>
-          <a:lstStyle>
-            <a:lvl1pPr algn="ctr" defTabSz="914400" rtl="0" eaLnBrk="1" latinLnBrk="0" hangingPunct="1">
-              <a:lnSpc>
-                <a:spcPct val="85000"/>
-              </a:lnSpc>
-              <a:spcBef>
-                <a:spcPct val="0"/>
-              </a:spcBef>
-              <a:buNone/>
-              <a:defRPr sz="4000" b="0" i="0" kern="1200" cap="none" spc="-150">
-                <a:solidFill>
-                  <a:srgbClr val="FFFEFF"/>
-                </a:solidFill>
-                <a:effectLst/>
-                <a:latin typeface="+mj-lt"/>
-                <a:ea typeface="+mj-ea"/>
-                <a:cs typeface="+mj-cs"/>
-              </a:defRPr>
-            </a:lvl1pPr>
-          </a:lstStyle>
-          <a:p>
-            <a:r>
-              <a:rPr lang="en-US" dirty="0"/>
-              <a:t>Performance Comparison</a:t>
-            </a:r>
-            <a:endParaRPr lang="en-US" dirty="0"/>
-          </a:p>
-          <a:p>
-            <a:r>
-              <a:rPr lang="en-US" dirty="0"/>
-              <a:t>(</a:t>
-            </a:r>
-            <a:r>
-              <a:rPr lang="en-US" dirty="0" err="1"/>
-              <a:t>w.r.t.</a:t>
-            </a:r>
-            <a:r>
-              <a:rPr lang="en-US" dirty="0"/>
-              <a:t> </a:t>
-            </a:r>
-            <a:endParaRPr lang="en-US" dirty="0"/>
-          </a:p>
-          <a:p>
-            <a:r>
-              <a:rPr lang="en-US" dirty="0"/>
-              <a:t>Time and Space)</a:t>
-            </a:r>
-            <a:endParaRPr lang="en-US" dirty="0"/>
           </a:p>
         </p:txBody>
       </p:sp>
@@ -18867,34 +18791,213 @@
               <a:rPr lang="en-US" sz="3600" dirty="0"/>
               <a:t>R</a:t>
             </a:r>
-            <a:endParaRPr lang="en-US" sz="3600" dirty="0"/>
           </a:p>
         </p:txBody>
       </p:sp>
       <p:sp>
         <p:nvSpPr>
-          <p:cNvPr id="9" name="Content Placeholder 8"/>
-          <p:cNvSpPr>
-            <a:spLocks noGrp="1"/>
+          <p:cNvPr id="7" name="Title 1">
+            <a:extLst>
+              <a:ext uri="{FF2B5EF4-FFF2-40B4-BE49-F238E27FC236}">
+                <a16:creationId xmlns:a16="http://schemas.microsoft.com/office/drawing/2014/main" id="{66DEF3DC-6533-724C-B165-D1B43C7E3686}"/>
+              </a:ext>
+            </a:extLst>
+          </p:cNvPr>
+          <p:cNvSpPr txBox="1">
+            <a:spLocks/>
           </p:cNvSpPr>
-          <p:nvPr>
-            <p:ph idx="1"/>
-          </p:nvPr>
+          <p:nvPr/>
         </p:nvSpPr>
         <p:spPr>
           <a:xfrm>
-            <a:off x="5013919" y="804689"/>
-            <a:ext cx="6281873" cy="5248622"/>
+            <a:off x="847255" y="3553690"/>
+            <a:ext cx="3644040" cy="825894"/>
           </a:xfrm>
+          <a:prstGeom prst="rect">
+            <a:avLst/>
+          </a:prstGeom>
         </p:spPr>
         <p:txBody>
-          <a:bodyPr/>
-          <a:lstStyle/>
+          <a:bodyPr vert="horz" lIns="228600" tIns="228600" rIns="228600" bIns="228600" rtlCol="0" anchor="ctr">
+            <a:normAutofit fontScale="82500" lnSpcReduction="20000"/>
+          </a:bodyPr>
+          <a:lstStyle>
+            <a:lvl1pPr algn="ctr" defTabSz="914400" rtl="0" eaLnBrk="1" latinLnBrk="0" hangingPunct="1">
+              <a:lnSpc>
+                <a:spcPct val="85000"/>
+              </a:lnSpc>
+              <a:spcBef>
+                <a:spcPct val="0"/>
+              </a:spcBef>
+              <a:buNone/>
+              <a:defRPr sz="4000" b="0" i="0" kern="1200" cap="none" spc="-150">
+                <a:solidFill>
+                  <a:srgbClr val="FFFEFF"/>
+                </a:solidFill>
+                <a:effectLst/>
+                <a:latin typeface="+mj-lt"/>
+                <a:ea typeface="+mj-ea"/>
+                <a:cs typeface="+mj-cs"/>
+              </a:defRPr>
+            </a:lvl1pPr>
+          </a:lstStyle>
           <a:p>
-            <a:endParaRPr lang="en-US" dirty="0"/>
+            <a:r>
+              <a:rPr lang="en-US" dirty="0">
+                <a:solidFill>
+                  <a:schemeClr val="bg1"/>
+                </a:solidFill>
+              </a:rPr>
+              <a:t>Random Forest</a:t>
+            </a:r>
           </a:p>
         </p:txBody>
       </p:sp>
+      <p:sp>
+        <p:nvSpPr>
+          <p:cNvPr id="10" name="Title 1">
+            <a:extLst>
+              <a:ext uri="{FF2B5EF4-FFF2-40B4-BE49-F238E27FC236}">
+                <a16:creationId xmlns:a16="http://schemas.microsoft.com/office/drawing/2014/main" id="{1AE213C0-8DBB-834E-997B-C72A10E803E2}"/>
+              </a:ext>
+            </a:extLst>
+          </p:cNvPr>
+          <p:cNvSpPr txBox="1">
+            <a:spLocks/>
+          </p:cNvSpPr>
+          <p:nvPr/>
+        </p:nvSpPr>
+        <p:spPr>
+          <a:xfrm>
+            <a:off x="756739" y="1653282"/>
+            <a:ext cx="3734556" cy="825894"/>
+          </a:xfrm>
+          <a:prstGeom prst="rect">
+            <a:avLst/>
+          </a:prstGeom>
+        </p:spPr>
+        <p:txBody>
+          <a:bodyPr vert="horz" lIns="228600" tIns="228600" rIns="228600" bIns="228600" rtlCol="0" anchor="ctr">
+            <a:normAutofit fontScale="82500" lnSpcReduction="20000"/>
+          </a:bodyPr>
+          <a:lstStyle>
+            <a:lvl1pPr algn="ctr" defTabSz="914400" rtl="0" eaLnBrk="1" latinLnBrk="0" hangingPunct="1">
+              <a:lnSpc>
+                <a:spcPct val="85000"/>
+              </a:lnSpc>
+              <a:spcBef>
+                <a:spcPct val="0"/>
+              </a:spcBef>
+              <a:buNone/>
+              <a:defRPr sz="4000" b="0" i="0" kern="1200" cap="none" spc="-150">
+                <a:solidFill>
+                  <a:srgbClr val="FFFEFF"/>
+                </a:solidFill>
+                <a:effectLst/>
+                <a:latin typeface="+mj-lt"/>
+                <a:ea typeface="+mj-ea"/>
+                <a:cs typeface="+mj-cs"/>
+              </a:defRPr>
+            </a:lvl1pPr>
+          </a:lstStyle>
+          <a:p>
+            <a:r>
+              <a:rPr lang="en-US" dirty="0"/>
+              <a:t>Data Visualization</a:t>
+            </a:r>
+          </a:p>
+        </p:txBody>
+      </p:sp>
+      <p:pic>
+        <p:nvPicPr>
+          <p:cNvPr id="3" name="Picture 2">
+            <a:extLst>
+              <a:ext uri="{FF2B5EF4-FFF2-40B4-BE49-F238E27FC236}">
+                <a16:creationId xmlns:a16="http://schemas.microsoft.com/office/drawing/2014/main" id="{97EF5F1F-2A0D-B54E-A434-127E98ABD32F}"/>
+              </a:ext>
+            </a:extLst>
+          </p:cNvPr>
+          <p:cNvPicPr>
+            <a:picLocks noChangeAspect="1"/>
+          </p:cNvPicPr>
+          <p:nvPr/>
+        </p:nvPicPr>
+        <p:blipFill>
+          <a:blip r:embed="rId2"/>
+          <a:stretch>
+            <a:fillRect/>
+          </a:stretch>
+        </p:blipFill>
+        <p:spPr>
+          <a:xfrm>
+            <a:off x="4536199" y="3419044"/>
+            <a:ext cx="4962328" cy="3399390"/>
+          </a:xfrm>
+          <a:prstGeom prst="rect">
+            <a:avLst/>
+          </a:prstGeom>
+        </p:spPr>
+      </p:pic>
+      <p:pic>
+        <p:nvPicPr>
+          <p:cNvPr id="4" name="Picture 3">
+            <a:extLst>
+              <a:ext uri="{FF2B5EF4-FFF2-40B4-BE49-F238E27FC236}">
+                <a16:creationId xmlns:a16="http://schemas.microsoft.com/office/drawing/2014/main" id="{4DFA42A2-EBEB-794E-9F3E-83BD7B8FA86C}"/>
+              </a:ext>
+            </a:extLst>
+          </p:cNvPr>
+          <p:cNvPicPr>
+            <a:picLocks noChangeAspect="1"/>
+          </p:cNvPicPr>
+          <p:nvPr/>
+        </p:nvPicPr>
+        <p:blipFill>
+          <a:blip r:embed="rId3"/>
+          <a:stretch>
+            <a:fillRect/>
+          </a:stretch>
+        </p:blipFill>
+        <p:spPr>
+          <a:xfrm>
+            <a:off x="4655128" y="177772"/>
+            <a:ext cx="4330542" cy="3200835"/>
+          </a:xfrm>
+          <a:prstGeom prst="rect">
+            <a:avLst/>
+          </a:prstGeom>
+        </p:spPr>
+      </p:pic>
+      <p:pic>
+        <p:nvPicPr>
+          <p:cNvPr id="5" name="Picture 4">
+            <a:extLst>
+              <a:ext uri="{FF2B5EF4-FFF2-40B4-BE49-F238E27FC236}">
+                <a16:creationId xmlns:a16="http://schemas.microsoft.com/office/drawing/2014/main" id="{BC6A9939-3571-6645-BB25-FB752418782E}"/>
+              </a:ext>
+            </a:extLst>
+          </p:cNvPr>
+          <p:cNvPicPr>
+            <a:picLocks noChangeAspect="1"/>
+          </p:cNvPicPr>
+          <p:nvPr/>
+        </p:nvPicPr>
+        <p:blipFill>
+          <a:blip r:embed="rId4"/>
+          <a:stretch>
+            <a:fillRect/>
+          </a:stretch>
+        </p:blipFill>
+        <p:spPr>
+          <a:xfrm>
+            <a:off x="8126610" y="1800415"/>
+            <a:ext cx="3812825" cy="2659875"/>
+          </a:xfrm>
+          <a:prstGeom prst="rect">
+            <a:avLst/>
+          </a:prstGeom>
+        </p:spPr>
+      </p:pic>
     </p:spTree>
   </p:cSld>
   <p:clrMapOvr>
@@ -18946,7 +19049,53 @@
               <a:rPr lang="en-US" dirty="0"/>
               <a:t>Logistic Regression</a:t>
             </a:r>
+          </a:p>
+        </p:txBody>
+      </p:sp>
+      <p:sp>
+        <p:nvSpPr>
+          <p:cNvPr id="3" name="Content Placeholder 2"/>
+          <p:cNvSpPr>
+            <a:spLocks noGrp="1"/>
+          </p:cNvSpPr>
+          <p:nvPr>
+            <p:ph idx="1"/>
+          </p:nvPr>
+        </p:nvSpPr>
+        <p:spPr/>
+        <p:txBody>
+          <a:bodyPr/>
+          <a:lstStyle/>
+          <a:p>
+            <a:r>
+              <a:rPr lang="en-US" dirty="0"/>
+              <a:t>The average accuracy of the logistic regression model in our R implementation is </a:t>
+            </a:r>
+            <a:r>
+              <a:rPr lang="en-US" altLang="zh-CN" dirty="0"/>
+              <a:t>68</a:t>
+            </a:r>
+            <a:r>
+              <a:rPr lang="en-US" dirty="0"/>
+              <a:t>%</a:t>
+            </a:r>
+          </a:p>
+          <a:p>
             <a:endParaRPr lang="en-US" dirty="0"/>
+          </a:p>
+          <a:p>
+            <a:r>
+              <a:rPr lang="en-US" dirty="0"/>
+              <a:t>The average accuracy of the random forest model in our R implementation is </a:t>
+            </a:r>
+            <a:r>
+              <a:rPr lang="en-US" altLang="zh-CN" dirty="0"/>
+              <a:t>72</a:t>
+            </a:r>
+            <a:r>
+              <a:rPr lang="en-US" dirty="0"/>
+              <a:t>%</a:t>
+            </a:r>
           </a:p>
         </p:txBody>
       </p:sp>
@@ -18958,8 +19107,8 @@
         </p:nvSpPr>
         <p:spPr>
           <a:xfrm>
-            <a:off x="633259" y="2379407"/>
-            <a:ext cx="4135120" cy="2567187"/>
+            <a:off x="878798" y="2340093"/>
+            <a:ext cx="3555549" cy="2467881"/>
           </a:xfrm>
           <a:prstGeom prst="rect">
             <a:avLst/>
@@ -18994,7 +19143,6 @@
               <a:rPr lang="en-US" dirty="0"/>
               <a:t>Performance Comparison</a:t>
             </a:r>
-            <a:endParaRPr lang="en-US" dirty="0"/>
           </a:p>
           <a:p>
             <a:r>
@@ -19009,13 +19157,12 @@
               <a:rPr lang="en-US" dirty="0"/>
               <a:t> Accuracy)</a:t>
             </a:r>
-            <a:endParaRPr lang="en-US" dirty="0"/>
           </a:p>
         </p:txBody>
       </p:sp>
       <p:sp>
         <p:nvSpPr>
-          <p:cNvPr id="8" name="TextBox 7"/>
+          <p:cNvPr id="5" name="TextBox 4"/>
           <p:cNvSpPr txBox="1"/>
           <p:nvPr/>
         </p:nvSpPr>
@@ -19039,35 +19186,74 @@
               <a:rPr lang="en-US" sz="3600" dirty="0"/>
               <a:t>R</a:t>
             </a:r>
-            <a:endParaRPr lang="en-US" sz="3600" dirty="0"/>
           </a:p>
         </p:txBody>
       </p:sp>
       <p:sp>
         <p:nvSpPr>
-          <p:cNvPr id="9" name="Content Placeholder 8"/>
-          <p:cNvSpPr>
-            <a:spLocks noGrp="1"/>
+          <p:cNvPr id="7" name="Title 1">
+            <a:extLst>
+              <a:ext uri="{FF2B5EF4-FFF2-40B4-BE49-F238E27FC236}">
+                <a16:creationId xmlns:a16="http://schemas.microsoft.com/office/drawing/2014/main" id="{1A82D7F8-1D42-FB4E-AC8A-4ED4868E59CD}"/>
+              </a:ext>
+            </a:extLst>
+          </p:cNvPr>
+          <p:cNvSpPr txBox="1">
+            <a:spLocks/>
           </p:cNvSpPr>
-          <p:nvPr>
-            <p:ph idx="1"/>
-          </p:nvPr>
+          <p:nvPr/>
         </p:nvSpPr>
         <p:spPr>
           <a:xfrm>
-            <a:off x="5013919" y="804689"/>
-            <a:ext cx="6281873" cy="5248622"/>
+            <a:off x="878799" y="5304487"/>
+            <a:ext cx="3644040" cy="825894"/>
           </a:xfrm>
+          <a:prstGeom prst="rect">
+            <a:avLst/>
+          </a:prstGeom>
         </p:spPr>
         <p:txBody>
-          <a:bodyPr/>
-          <a:lstStyle/>
+          <a:bodyPr vert="horz" lIns="228600" tIns="228600" rIns="228600" bIns="228600" rtlCol="0" anchor="ctr">
+            <a:normAutofit fontScale="82500" lnSpcReduction="20000"/>
+          </a:bodyPr>
+          <a:lstStyle>
+            <a:lvl1pPr algn="ctr" defTabSz="914400" rtl="0" eaLnBrk="1" latinLnBrk="0" hangingPunct="1">
+              <a:lnSpc>
+                <a:spcPct val="85000"/>
+              </a:lnSpc>
+              <a:spcBef>
+                <a:spcPct val="0"/>
+              </a:spcBef>
+              <a:buNone/>
+              <a:defRPr sz="4000" b="0" i="0" kern="1200" cap="none" spc="-150">
+                <a:solidFill>
+                  <a:srgbClr val="FFFEFF"/>
+                </a:solidFill>
+                <a:effectLst/>
+                <a:latin typeface="+mj-lt"/>
+                <a:ea typeface="+mj-ea"/>
+                <a:cs typeface="+mj-cs"/>
+              </a:defRPr>
+            </a:lvl1pPr>
+          </a:lstStyle>
           <a:p>
-            <a:endParaRPr lang="en-US" dirty="0"/>
+            <a:r>
+              <a:rPr lang="en-US" dirty="0">
+                <a:solidFill>
+                  <a:schemeClr val="accent1"/>
+                </a:solidFill>
+              </a:rPr>
+              <a:t>Random Forest</a:t>
+            </a:r>
           </a:p>
         </p:txBody>
       </p:sp>
     </p:spTree>
+    <p:extLst>
+      <p:ext uri="{BB962C8B-B14F-4D97-AF65-F5344CB8AC3E}">
+        <p14:creationId xmlns:p14="http://schemas.microsoft.com/office/powerpoint/2010/main" val="136188685"/>
+      </p:ext>
+    </p:extLst>
   </p:cSld>
   <p:clrMapOvr>
     <a:masterClrMapping/>
@@ -19118,7 +19304,6 @@
               <a:rPr lang="en-US" dirty="0"/>
               <a:t>Logistic Regression</a:t>
             </a:r>
-            <a:endParaRPr lang="en-US" dirty="0"/>
           </a:p>
         </p:txBody>
       </p:sp>
@@ -19166,7 +19351,6 @@
               <a:rPr lang="en-US" dirty="0"/>
               <a:t>Performance Comparison</a:t>
             </a:r>
-            <a:endParaRPr lang="en-US" dirty="0"/>
           </a:p>
           <a:p>
             <a:r>
@@ -19181,14 +19365,12 @@
               <a:rPr lang="en-US" dirty="0"/>
               <a:t> </a:t>
             </a:r>
-            <a:endParaRPr lang="en-US" dirty="0"/>
           </a:p>
           <a:p>
             <a:r>
               <a:rPr lang="en-US" dirty="0"/>
               <a:t>Time and Space)</a:t>
             </a:r>
-            <a:endParaRPr lang="en-US" dirty="0"/>
           </a:p>
         </p:txBody>
       </p:sp>
@@ -19218,7 +19400,6 @@
               <a:rPr lang="en-US" sz="3600" dirty="0"/>
               <a:t>Python</a:t>
             </a:r>
-            <a:endParaRPr lang="en-US" sz="3600" dirty="0"/>
           </a:p>
         </p:txBody>
       </p:sp>
@@ -19297,7 +19478,6 @@
               <a:rPr lang="en-US" dirty="0"/>
               <a:t>Logistic Regression</a:t>
             </a:r>
-            <a:endParaRPr lang="en-US" dirty="0"/>
           </a:p>
         </p:txBody>
       </p:sp>
@@ -19345,7 +19525,6 @@
               <a:rPr lang="en-US" dirty="0"/>
               <a:t>Performance Comparison</a:t>
             </a:r>
-            <a:endParaRPr lang="en-US" dirty="0"/>
           </a:p>
           <a:p>
             <a:r>
@@ -19360,7 +19539,6 @@
               <a:rPr lang="en-US" dirty="0"/>
               <a:t> Accuracy)</a:t>
             </a:r>
-            <a:endParaRPr lang="en-US" dirty="0"/>
           </a:p>
         </p:txBody>
       </p:sp>
@@ -19414,7 +19592,6 @@
               <a:rPr lang="en-US" sz="3600" dirty="0"/>
               <a:t>Python</a:t>
             </a:r>
-            <a:endParaRPr lang="en-US" sz="3600" dirty="0"/>
           </a:p>
         </p:txBody>
       </p:sp>
@@ -19673,6 +19850,8 @@
       </a:bgFillStyleLst>
     </a:fmtScheme>
   </a:themeElements>
+  <a:objectDefaults/>
+  <a:extraClrSchemeLst/>
   <a:extLst>
     <a:ext uri="{05A4C25C-085E-4340-85A3-A5531E510DB2}">
       <thm15:themeFamily xmlns:thm15="http://schemas.microsoft.com/office/thememl/2012/main" name="Office Theme" id="{62F939B6-93AF-4DB8-9C6B-D6C7DFDC589F}" vid="{4A3C46E8-61CC-4603-A589-7422A47A8E4A}"/>

--- a/Homework 1/hw1-pre.pptx
+++ b/Homework 1/hw1-pre.pptx
@@ -13,11 +13,13 @@
     <p:sldId id="267" r:id="rId7"/>
     <p:sldId id="272" r:id="rId8"/>
     <p:sldId id="269" r:id="rId9"/>
-    <p:sldId id="270" r:id="rId10"/>
-    <p:sldId id="258" r:id="rId11"/>
-    <p:sldId id="263" r:id="rId12"/>
-    <p:sldId id="264" r:id="rId13"/>
-    <p:sldId id="271" r:id="rId14"/>
+    <p:sldId id="274" r:id="rId10"/>
+    <p:sldId id="270" r:id="rId11"/>
+    <p:sldId id="273" r:id="rId12"/>
+    <p:sldId id="258" r:id="rId13"/>
+    <p:sldId id="263" r:id="rId14"/>
+    <p:sldId id="264" r:id="rId15"/>
+    <p:sldId id="271" r:id="rId16"/>
   </p:sldIdLst>
   <p:sldSz cx="12192000" cy="6858000"/>
   <p:notesSz cx="6858000" cy="9144000"/>
@@ -1495,7 +1497,7 @@
           <a:p>
             <a:fld id="{48A87A34-81AB-432B-8DAE-1953F412C126}" type="datetimeFigureOut">
               <a:rPr lang="en-US" dirty="0"/>
-              <a:t>10/30/20</a:t>
+              <a:t>10/31/2020</a:t>
             </a:fld>
             <a:endParaRPr lang="en-US" dirty="0"/>
           </a:p>
@@ -2907,7 +2909,7 @@
           <a:p>
             <a:fld id="{48A87A34-81AB-432B-8DAE-1953F412C126}" type="datetimeFigureOut">
               <a:rPr lang="en-US" dirty="0"/>
-              <a:t>10/30/20</a:t>
+              <a:t>10/31/2020</a:t>
             </a:fld>
             <a:endParaRPr lang="en-US" dirty="0"/>
           </a:p>
@@ -4313,7 +4315,7 @@
           <a:p>
             <a:fld id="{48A87A34-81AB-432B-8DAE-1953F412C126}" type="datetimeFigureOut">
               <a:rPr lang="en-US" dirty="0"/>
-              <a:t>10/30/20</a:t>
+              <a:t>10/31/2020</a:t>
             </a:fld>
             <a:endParaRPr lang="en-US" dirty="0"/>
           </a:p>
@@ -5721,7 +5723,7 @@
           <a:p>
             <a:fld id="{48A87A34-81AB-432B-8DAE-1953F412C126}" type="datetimeFigureOut">
               <a:rPr lang="en-US" dirty="0"/>
-              <a:t>10/30/20</a:t>
+              <a:t>10/31/2020</a:t>
             </a:fld>
             <a:endParaRPr lang="en-US" dirty="0"/>
           </a:p>
@@ -7186,7 +7188,7 @@
           <a:p>
             <a:fld id="{48A87A34-81AB-432B-8DAE-1953F412C126}" type="datetimeFigureOut">
               <a:rPr lang="en-US" dirty="0"/>
-              <a:t>10/30/20</a:t>
+              <a:t>10/31/2020</a:t>
             </a:fld>
             <a:endParaRPr lang="en-US" dirty="0"/>
           </a:p>
@@ -8660,7 +8662,7 @@
           <a:p>
             <a:fld id="{48A87A34-81AB-432B-8DAE-1953F412C126}" type="datetimeFigureOut">
               <a:rPr lang="en-US" dirty="0"/>
-              <a:t>10/30/20</a:t>
+              <a:t>10/31/2020</a:t>
             </a:fld>
             <a:endParaRPr lang="en-US" dirty="0"/>
           </a:p>
@@ -10278,7 +10280,7 @@
           <a:p>
             <a:fld id="{48A87A34-81AB-432B-8DAE-1953F412C126}" type="datetimeFigureOut">
               <a:rPr lang="en-US" dirty="0"/>
-              <a:t>10/30/20</a:t>
+              <a:t>10/31/2020</a:t>
             </a:fld>
             <a:endParaRPr lang="en-US" dirty="0"/>
           </a:p>
@@ -11629,7 +11631,7 @@
           <a:p>
             <a:fld id="{48A87A34-81AB-432B-8DAE-1953F412C126}" type="datetimeFigureOut">
               <a:rPr lang="en-US" dirty="0"/>
-              <a:t>10/30/20</a:t>
+              <a:t>10/31/2020</a:t>
             </a:fld>
             <a:endParaRPr lang="en-US" dirty="0"/>
           </a:p>
@@ -11724,7 +11726,7 @@
           <a:p>
             <a:fld id="{48A87A34-81AB-432B-8DAE-1953F412C126}" type="datetimeFigureOut">
               <a:rPr lang="en-US" dirty="0"/>
-              <a:t>10/30/20</a:t>
+              <a:t>10/31/2020</a:t>
             </a:fld>
             <a:endParaRPr lang="en-US" dirty="0"/>
           </a:p>
@@ -13203,7 +13205,7 @@
           <a:p>
             <a:fld id="{48A87A34-81AB-432B-8DAE-1953F412C126}" type="datetimeFigureOut">
               <a:rPr lang="en-US" dirty="0"/>
-              <a:t>10/30/20</a:t>
+              <a:t>10/31/2020</a:t>
             </a:fld>
             <a:endParaRPr lang="en-US" dirty="0"/>
           </a:p>
@@ -14696,7 +14698,7 @@
           <a:p>
             <a:fld id="{48A87A34-81AB-432B-8DAE-1953F412C126}" type="datetimeFigureOut">
               <a:rPr lang="en-US" dirty="0"/>
-              <a:t>10/30/20</a:t>
+              <a:t>10/31/2020</a:t>
             </a:fld>
             <a:endParaRPr lang="en-US" dirty="0"/>
           </a:p>
@@ -14914,7 +14916,7 @@
           <a:p>
             <a:fld id="{48A87A34-81AB-432B-8DAE-1953F412C126}" type="datetimeFigureOut">
               <a:rPr lang="en-US" dirty="0"/>
-              <a:t>10/30/20</a:t>
+              <a:t>10/31/2020</a:t>
             </a:fld>
             <a:endParaRPr lang="en-US" dirty="0"/>
           </a:p>
@@ -15487,21 +15489,77 @@
             <p:ph type="title"/>
           </p:nvPr>
         </p:nvSpPr>
-        <p:spPr/>
+        <p:spPr>
+          <a:xfrm>
+            <a:off x="878799" y="1553513"/>
+            <a:ext cx="3644040" cy="825894"/>
+          </a:xfrm>
+        </p:spPr>
         <p:txBody>
-          <a:bodyPr/>
+          <a:bodyPr>
+            <a:normAutofit fontScale="90000"/>
+          </a:bodyPr>
           <a:lstStyle/>
           <a:p>
             <a:r>
-              <a:rPr lang="en-US" dirty="0"/>
-              <a:t>Pro/Con List: Python</a:t>
-            </a:r>
+              <a:rPr lang="en-US" altLang="zh-CN" dirty="0"/>
+              <a:t>Random Forest</a:t>
+            </a:r>
+            <a:endParaRPr lang="en-US" dirty="0"/>
           </a:p>
         </p:txBody>
       </p:sp>
       <p:sp>
         <p:nvSpPr>
-          <p:cNvPr id="3" name="Content Placeholder 2"/>
+          <p:cNvPr id="6" name="Title 1"/>
+          <p:cNvSpPr txBox="1"/>
+          <p:nvPr/>
+        </p:nvSpPr>
+        <p:spPr>
+          <a:xfrm>
+            <a:off x="633259" y="2379407"/>
+            <a:ext cx="4135120" cy="2567187"/>
+          </a:xfrm>
+          <a:prstGeom prst="rect">
+            <a:avLst/>
+          </a:prstGeom>
+        </p:spPr>
+        <p:txBody>
+          <a:bodyPr vert="horz" lIns="228600" tIns="228600" rIns="228600" bIns="228600" rtlCol="0" anchor="ctr">
+            <a:normAutofit fontScale="97500"/>
+          </a:bodyPr>
+          <a:lstStyle>
+            <a:lvl1pPr algn="ctr" defTabSz="914400" rtl="0" eaLnBrk="1" latinLnBrk="0" hangingPunct="1">
+              <a:lnSpc>
+                <a:spcPct val="85000"/>
+              </a:lnSpc>
+              <a:spcBef>
+                <a:spcPct val="0"/>
+              </a:spcBef>
+              <a:buNone/>
+              <a:defRPr sz="4000" b="0" i="0" kern="1200" cap="none" spc="-150">
+                <a:solidFill>
+                  <a:srgbClr val="FFFEFF"/>
+                </a:solidFill>
+                <a:effectLst/>
+                <a:latin typeface="+mj-lt"/>
+                <a:ea typeface="+mj-ea"/>
+                <a:cs typeface="+mj-cs"/>
+              </a:defRPr>
+            </a:lvl1pPr>
+          </a:lstStyle>
+          <a:p>
+            <a:r>
+              <a:rPr lang="en-US" altLang="zh-CN" dirty="0"/>
+              <a:t>Implementation</a:t>
+            </a:r>
+            <a:endParaRPr lang="en-US" dirty="0"/>
+          </a:p>
+        </p:txBody>
+      </p:sp>
+      <p:sp>
+        <p:nvSpPr>
+          <p:cNvPr id="9" name="Content Placeholder 8"/>
           <p:cNvSpPr>
             <a:spLocks noGrp="1"/>
           </p:cNvSpPr>
@@ -15509,15 +15567,212 @@
             <p:ph idx="1"/>
           </p:nvPr>
         </p:nvSpPr>
-        <p:spPr/>
+        <p:spPr>
+          <a:xfrm>
+            <a:off x="5013919" y="496465"/>
+            <a:ext cx="6281873" cy="5248622"/>
+          </a:xfrm>
+        </p:spPr>
         <p:txBody>
           <a:bodyPr/>
           <a:lstStyle/>
           <a:p>
-            <a:endParaRPr lang="en-US"/>
+            <a:r>
+              <a:rPr lang="en-US" altLang="zh-CN" dirty="0"/>
+              <a:t>Implementation</a:t>
+            </a:r>
+            <a:r>
+              <a:rPr lang="zh-CN" altLang="en-US" dirty="0"/>
+              <a:t>：</a:t>
+            </a:r>
+            <a:endParaRPr lang="en-US" altLang="zh-CN" dirty="0"/>
+          </a:p>
+          <a:p>
+            <a:pPr marL="0" indent="0">
+              <a:buNone/>
+            </a:pPr>
+            <a:r>
+              <a:rPr lang="en-US" altLang="zh-CN" dirty="0"/>
+              <a:t>    Import </a:t>
+            </a:r>
+            <a:r>
+              <a:rPr lang="en-US" altLang="zh-CN" dirty="0" err="1"/>
+              <a:t>Sklearn</a:t>
+            </a:r>
+            <a:r>
+              <a:rPr lang="en-US" altLang="zh-CN" dirty="0"/>
+              <a:t> </a:t>
+            </a:r>
+            <a:r>
+              <a:rPr lang="en-US" altLang="zh-CN" dirty="0" err="1"/>
+              <a:t>Framewaork</a:t>
+            </a:r>
+            <a:r>
+              <a:rPr lang="en-US" altLang="zh-CN" dirty="0"/>
+              <a:t> </a:t>
+            </a:r>
+          </a:p>
+          <a:p>
+            <a:pPr marL="0" indent="0">
+              <a:buNone/>
+            </a:pPr>
+            <a:endParaRPr lang="en-US" altLang="zh-CN" dirty="0"/>
+          </a:p>
+          <a:p>
+            <a:pPr marL="0" indent="0">
+              <a:buNone/>
+            </a:pPr>
+            <a:endParaRPr lang="en-US" altLang="zh-CN" dirty="0"/>
+          </a:p>
+          <a:p>
+            <a:pPr marL="0" indent="0">
+              <a:buNone/>
+            </a:pPr>
+            <a:endParaRPr lang="en-US" altLang="zh-CN" dirty="0"/>
+          </a:p>
+          <a:p>
+            <a:pPr marL="0" indent="0">
+              <a:buNone/>
+            </a:pPr>
+            <a:endParaRPr lang="en-US" altLang="zh-CN" dirty="0"/>
+          </a:p>
+          <a:p>
+            <a:endParaRPr lang="en-US" altLang="zh-CN" dirty="0"/>
+          </a:p>
+          <a:p>
+            <a:r>
+              <a:rPr lang="en-US" altLang="zh-CN" dirty="0"/>
+              <a:t>Output</a:t>
+            </a:r>
+            <a:r>
+              <a:rPr lang="zh-CN" altLang="en-US" dirty="0"/>
+              <a:t>：</a:t>
+            </a:r>
+            <a:endParaRPr lang="en-US" altLang="zh-CN" dirty="0"/>
+          </a:p>
+          <a:p>
+            <a:endParaRPr lang="en-US" dirty="0"/>
           </a:p>
         </p:txBody>
       </p:sp>
+      <p:sp>
+        <p:nvSpPr>
+          <p:cNvPr id="7" name="TextBox 6"/>
+          <p:cNvSpPr txBox="1"/>
+          <p:nvPr/>
+        </p:nvSpPr>
+        <p:spPr>
+          <a:xfrm>
+            <a:off x="1858561" y="665124"/>
+            <a:ext cx="2174959" cy="646331"/>
+          </a:xfrm>
+          <a:prstGeom prst="rect">
+            <a:avLst/>
+          </a:prstGeom>
+          <a:noFill/>
+        </p:spPr>
+        <p:txBody>
+          <a:bodyPr wrap="square" rtlCol="0">
+            <a:spAutoFit/>
+          </a:bodyPr>
+          <a:lstStyle/>
+          <a:p>
+            <a:r>
+              <a:rPr lang="en-US" sz="3600" dirty="0"/>
+              <a:t>Python</a:t>
+            </a:r>
+          </a:p>
+        </p:txBody>
+      </p:sp>
+      <p:pic>
+        <p:nvPicPr>
+          <p:cNvPr id="4" name="图片 3" descr="文本&#10;&#10;描述已自动生成">
+            <a:extLst>
+              <a:ext uri="{FF2B5EF4-FFF2-40B4-BE49-F238E27FC236}">
+                <a16:creationId xmlns:a16="http://schemas.microsoft.com/office/drawing/2014/main" id="{94CE51E6-0038-40EE-A0A6-AC58A085CFA9}"/>
+              </a:ext>
+            </a:extLst>
+          </p:cNvPr>
+          <p:cNvPicPr>
+            <a:picLocks noChangeAspect="1"/>
+          </p:cNvPicPr>
+          <p:nvPr/>
+        </p:nvPicPr>
+        <p:blipFill>
+          <a:blip r:embed="rId2"/>
+          <a:stretch>
+            <a:fillRect/>
+          </a:stretch>
+        </p:blipFill>
+        <p:spPr>
+          <a:xfrm>
+            <a:off x="5186606" y="2649460"/>
+            <a:ext cx="4884843" cy="1325995"/>
+          </a:xfrm>
+          <a:prstGeom prst="rect">
+            <a:avLst/>
+          </a:prstGeom>
+        </p:spPr>
+      </p:pic>
+      <p:pic>
+        <p:nvPicPr>
+          <p:cNvPr id="8" name="图片 7" descr="手机屏幕的截图&#10;&#10;描述已自动生成">
+            <a:extLst>
+              <a:ext uri="{FF2B5EF4-FFF2-40B4-BE49-F238E27FC236}">
+                <a16:creationId xmlns:a16="http://schemas.microsoft.com/office/drawing/2014/main" id="{9CF4636D-6701-4680-887A-8F8F517803A8}"/>
+              </a:ext>
+            </a:extLst>
+          </p:cNvPr>
+          <p:cNvPicPr>
+            <a:picLocks noChangeAspect="1"/>
+          </p:cNvPicPr>
+          <p:nvPr/>
+        </p:nvPicPr>
+        <p:blipFill>
+          <a:blip r:embed="rId3"/>
+          <a:stretch>
+            <a:fillRect/>
+          </a:stretch>
+        </p:blipFill>
+        <p:spPr>
+          <a:xfrm>
+            <a:off x="5186606" y="2050431"/>
+            <a:ext cx="4138263" cy="458705"/>
+          </a:xfrm>
+          <a:prstGeom prst="rect">
+            <a:avLst/>
+          </a:prstGeom>
+        </p:spPr>
+      </p:pic>
+      <p:pic>
+        <p:nvPicPr>
+          <p:cNvPr id="11" name="图片 10" descr="文本&#10;&#10;描述已自动生成">
+            <a:extLst>
+              <a:ext uri="{FF2B5EF4-FFF2-40B4-BE49-F238E27FC236}">
+                <a16:creationId xmlns:a16="http://schemas.microsoft.com/office/drawing/2014/main" id="{1A21A30D-15B3-4763-9F91-02238FB7221D}"/>
+              </a:ext>
+            </a:extLst>
+          </p:cNvPr>
+          <p:cNvPicPr>
+            <a:picLocks noChangeAspect="1"/>
+          </p:cNvPicPr>
+          <p:nvPr/>
+        </p:nvPicPr>
+        <p:blipFill rotWithShape="1">
+          <a:blip r:embed="rId4"/>
+          <a:srcRect b="23077"/>
+          <a:stretch/>
+        </p:blipFill>
+        <p:spPr>
+          <a:xfrm>
+            <a:off x="5186606" y="4713102"/>
+            <a:ext cx="3555459" cy="1172309"/>
+          </a:xfrm>
+          <a:prstGeom prst="rect">
+            <a:avLst/>
+          </a:prstGeom>
+        </p:spPr>
+      </p:pic>
     </p:spTree>
   </p:cSld>
   <p:clrMapOvr>
@@ -15553,28 +15808,90 @@
             <p:ph type="title"/>
           </p:nvPr>
         </p:nvSpPr>
-        <p:spPr/>
+        <p:spPr>
+          <a:xfrm>
+            <a:off x="878799" y="1553513"/>
+            <a:ext cx="3644040" cy="825894"/>
+          </a:xfrm>
+        </p:spPr>
         <p:txBody>
-          <a:bodyPr/>
+          <a:bodyPr>
+            <a:normAutofit fontScale="90000"/>
+          </a:bodyPr>
           <a:lstStyle/>
           <a:p>
             <a:r>
-              <a:rPr lang="en-US" dirty="0"/>
-              <a:t>Pro/Con List:</a:t>
-            </a:r>
-            <a:br>
-              <a:rPr lang="en-US" dirty="0"/>
-            </a:br>
-            <a:r>
-              <a:rPr lang="en-US" dirty="0"/>
-              <a:t>R</a:t>
-            </a:r>
+              <a:rPr lang="en-US" altLang="zh-CN" dirty="0"/>
+              <a:t>Random Forest</a:t>
+            </a:r>
+            <a:endParaRPr lang="en-US" dirty="0"/>
           </a:p>
         </p:txBody>
       </p:sp>
       <p:sp>
         <p:nvSpPr>
-          <p:cNvPr id="3" name="Content Placeholder 2"/>
+          <p:cNvPr id="6" name="Title 1"/>
+          <p:cNvSpPr txBox="1"/>
+          <p:nvPr/>
+        </p:nvSpPr>
+        <p:spPr>
+          <a:xfrm>
+            <a:off x="633259" y="2379407"/>
+            <a:ext cx="4135120" cy="2567187"/>
+          </a:xfrm>
+          <a:prstGeom prst="rect">
+            <a:avLst/>
+          </a:prstGeom>
+        </p:spPr>
+        <p:txBody>
+          <a:bodyPr vert="horz" lIns="228600" tIns="228600" rIns="228600" bIns="228600" rtlCol="0" anchor="ctr">
+            <a:normAutofit fontScale="97500"/>
+          </a:bodyPr>
+          <a:lstStyle>
+            <a:lvl1pPr algn="ctr" defTabSz="914400" rtl="0" eaLnBrk="1" latinLnBrk="0" hangingPunct="1">
+              <a:lnSpc>
+                <a:spcPct val="85000"/>
+              </a:lnSpc>
+              <a:spcBef>
+                <a:spcPct val="0"/>
+              </a:spcBef>
+              <a:buNone/>
+              <a:defRPr sz="4000" b="0" i="0" kern="1200" cap="none" spc="-150">
+                <a:solidFill>
+                  <a:srgbClr val="FFFEFF"/>
+                </a:solidFill>
+                <a:effectLst/>
+                <a:latin typeface="+mj-lt"/>
+                <a:ea typeface="+mj-ea"/>
+                <a:cs typeface="+mj-cs"/>
+              </a:defRPr>
+            </a:lvl1pPr>
+          </a:lstStyle>
+          <a:p>
+            <a:r>
+              <a:rPr lang="en-US" dirty="0"/>
+              <a:t>Performance Comparison</a:t>
+            </a:r>
+          </a:p>
+          <a:p>
+            <a:r>
+              <a:rPr lang="en-US" dirty="0"/>
+              <a:t>(</a:t>
+            </a:r>
+            <a:r>
+              <a:rPr lang="en-US" dirty="0" err="1"/>
+              <a:t>w.r.t.</a:t>
+            </a:r>
+            <a:r>
+              <a:rPr lang="en-US" dirty="0"/>
+              <a:t> Accuracy)</a:t>
+            </a:r>
+          </a:p>
+        </p:txBody>
+      </p:sp>
+      <p:sp>
+        <p:nvSpPr>
+          <p:cNvPr id="9" name="Content Placeholder 8"/>
           <p:cNvSpPr>
             <a:spLocks noGrp="1"/>
           </p:cNvSpPr>
@@ -15584,8 +15901,8 @@
         </p:nvSpPr>
         <p:spPr>
           <a:xfrm>
-            <a:off x="5118447" y="803186"/>
-            <a:ext cx="6281873" cy="5063956"/>
+            <a:off x="5013919" y="269613"/>
+            <a:ext cx="6281873" cy="5248622"/>
           </a:xfrm>
         </p:spPr>
         <p:txBody>
@@ -15593,8 +15910,8 @@
           <a:lstStyle/>
           <a:p>
             <a:r>
-              <a:rPr lang="en-US" dirty="0"/>
-              <a:t>Pros:</a:t>
+              <a:rPr lang="en-US" altLang="zh-CN" dirty="0"/>
+              <a:t>Time Performance :</a:t>
             </a:r>
           </a:p>
           <a:p>
@@ -15602,75 +15919,41 @@
               <a:buNone/>
             </a:pPr>
             <a:r>
-              <a:rPr lang="en-US" dirty="0"/>
-              <a:t>    Amazing capability for Data visualization</a:t>
+              <a:rPr lang="en-US" altLang="zh-CN" dirty="0"/>
+              <a:t>    Average time spent training the model: 0.019s</a:t>
             </a:r>
           </a:p>
           <a:p>
             <a:pPr marL="0" indent="0">
               <a:buNone/>
             </a:pPr>
-            <a:r>
-              <a:rPr lang="en-US" dirty="0"/>
-              <a:t>    Various facilities for machine learning and data science</a:t>
-            </a:r>
+            <a:endParaRPr lang="en-US" altLang="zh-CN" dirty="0"/>
           </a:p>
           <a:p>
             <a:pPr marL="0" indent="0">
               <a:buNone/>
             </a:pPr>
-            <a:r>
-              <a:rPr lang="en-US" dirty="0"/>
-              <a:t>    Constantly growing programming language</a:t>
-            </a:r>
-          </a:p>
-          <a:p>
-            <a:endParaRPr lang="en-US" dirty="0"/>
-          </a:p>
-          <a:p>
-            <a:r>
-              <a:rPr lang="en-US" dirty="0"/>
-              <a:t>Cons:</a:t>
-            </a:r>
+            <a:endParaRPr lang="en-US" altLang="zh-CN" dirty="0"/>
           </a:p>
           <a:p>
             <a:pPr marL="0" indent="0">
               <a:buNone/>
             </a:pPr>
-            <a:r>
-              <a:rPr lang="en-US" dirty="0"/>
-              <a:t>    Slower than the other two</a:t>
-            </a:r>
-          </a:p>
-          <a:p>
-            <a:pPr marL="0" indent="0">
-              <a:buNone/>
-            </a:pPr>
-            <a:r>
-              <a:rPr lang="en-US" dirty="0"/>
-              <a:t>    Not an easy language to learn</a:t>
-            </a:r>
-          </a:p>
-          <a:p>
-            <a:pPr marL="0" indent="0">
-              <a:buNone/>
-            </a:pPr>
-            <a:r>
-              <a:rPr lang="en-US" dirty="0"/>
-              <a:t>    Use</a:t>
+            <a:endParaRPr lang="en-US" altLang="zh-CN" dirty="0"/>
+          </a:p>
+          <a:p>
+            <a:r>
+              <a:rPr lang="en-US" altLang="zh-CN" dirty="0"/>
+              <a:t>Accuracy</a:t>
             </a:r>
             <a:r>
               <a:rPr lang="zh-CN" altLang="en-US" dirty="0"/>
-              <a:t> </a:t>
-            </a:r>
-            <a:r>
-              <a:rPr lang="en-CA" altLang="zh-CN" dirty="0"/>
-              <a:t>more memory as compared to the others</a:t>
-            </a:r>
-            <a:endParaRPr lang="en-US" dirty="0"/>
-          </a:p>
-          <a:p>
-            <a:endParaRPr lang="en-US" dirty="0"/>
+              <a:t>：</a:t>
+            </a:r>
+            <a:r>
+              <a:rPr lang="en-US" altLang="zh-CN" dirty="0"/>
+              <a:t>64%</a:t>
+            </a:r>
           </a:p>
           <a:p>
             <a:endParaRPr lang="en-US" dirty="0"/>
@@ -15679,20 +15962,14 @@
       </p:sp>
       <p:sp>
         <p:nvSpPr>
-          <p:cNvPr id="4" name="TextBox 3">
-            <a:extLst>
-              <a:ext uri="{FF2B5EF4-FFF2-40B4-BE49-F238E27FC236}">
-                <a16:creationId xmlns:a16="http://schemas.microsoft.com/office/drawing/2014/main" id="{45973287-0C87-9741-A97B-2B5F482F7B9C}"/>
-              </a:ext>
-            </a:extLst>
-          </p:cNvPr>
+          <p:cNvPr id="7" name="TextBox 6"/>
           <p:cNvSpPr txBox="1"/>
           <p:nvPr/>
         </p:nvSpPr>
         <p:spPr>
           <a:xfrm>
-            <a:off x="791679" y="5867142"/>
-            <a:ext cx="6281873" cy="369332"/>
+            <a:off x="1858561" y="665124"/>
+            <a:ext cx="2174959" cy="646331"/>
           </a:xfrm>
           <a:prstGeom prst="rect">
             <a:avLst/>
@@ -15705,26 +15982,77 @@
           </a:bodyPr>
           <a:lstStyle/>
           <a:p>
-            <a:pPr>
-              <a:spcAft>
-                <a:spcPts val="600"/>
-              </a:spcAft>
-            </a:pPr>
-            <a:r>
-              <a:rPr lang="en-US" dirty="0"/>
-              <a:t>Reference: </a:t>
-            </a:r>
-            <a:r>
-              <a:rPr lang="en-US" dirty="0">
-                <a:hlinkClick r:id="rId2"/>
-              </a:rPr>
-              <a:t>Pros and Cons of R Programming Language</a:t>
-            </a:r>
-            <a:endParaRPr lang="en-US" dirty="0"/>
+            <a:r>
+              <a:rPr lang="en-US" sz="3600" dirty="0"/>
+              <a:t>Python</a:t>
+            </a:r>
           </a:p>
         </p:txBody>
       </p:sp>
+      <p:pic>
+        <p:nvPicPr>
+          <p:cNvPr id="5" name="图片 4">
+            <a:extLst>
+              <a:ext uri="{FF2B5EF4-FFF2-40B4-BE49-F238E27FC236}">
+                <a16:creationId xmlns:a16="http://schemas.microsoft.com/office/drawing/2014/main" id="{D6D54F5B-EE8D-448F-9483-EB52AB688919}"/>
+              </a:ext>
+            </a:extLst>
+          </p:cNvPr>
+          <p:cNvPicPr>
+            <a:picLocks noChangeAspect="1"/>
+          </p:cNvPicPr>
+          <p:nvPr/>
+        </p:nvPicPr>
+        <p:blipFill rotWithShape="1">
+          <a:blip r:embed="rId2"/>
+          <a:srcRect t="28184" b="14092"/>
+          <a:stretch/>
+        </p:blipFill>
+        <p:spPr>
+          <a:xfrm>
+            <a:off x="5276868" y="2270926"/>
+            <a:ext cx="3675879" cy="535075"/>
+          </a:xfrm>
+          <a:prstGeom prst="rect">
+            <a:avLst/>
+          </a:prstGeom>
+        </p:spPr>
+      </p:pic>
+      <p:pic>
+        <p:nvPicPr>
+          <p:cNvPr id="12" name="图片 11">
+            <a:extLst>
+              <a:ext uri="{FF2B5EF4-FFF2-40B4-BE49-F238E27FC236}">
+                <a16:creationId xmlns:a16="http://schemas.microsoft.com/office/drawing/2014/main" id="{B3B577F7-6CBB-4C3E-9B09-955DD3E8A31B}"/>
+              </a:ext>
+            </a:extLst>
+          </p:cNvPr>
+          <p:cNvPicPr>
+            <a:picLocks noChangeAspect="1"/>
+          </p:cNvPicPr>
+          <p:nvPr/>
+        </p:nvPicPr>
+        <p:blipFill rotWithShape="1">
+          <a:blip r:embed="rId3"/>
+          <a:srcRect r="7476" b="19837"/>
+          <a:stretch/>
+        </p:blipFill>
+        <p:spPr>
+          <a:xfrm>
+            <a:off x="5186433" y="4132387"/>
+            <a:ext cx="4929165" cy="535075"/>
+          </a:xfrm>
+          <a:prstGeom prst="rect">
+            <a:avLst/>
+          </a:prstGeom>
+        </p:spPr>
+      </p:pic>
     </p:spTree>
+    <p:extLst>
+      <p:ext uri="{BB962C8B-B14F-4D97-AF65-F5344CB8AC3E}">
+        <p14:creationId xmlns:p14="http://schemas.microsoft.com/office/powerpoint/2010/main" val="1662362444"/>
+      </p:ext>
+    </p:extLst>
   </p:cSld>
   <p:clrMapOvr>
     <a:masterClrMapping/>
@@ -15766,6 +16094,383 @@
           <a:p>
             <a:r>
               <a:rPr lang="en-US" dirty="0"/>
+              <a:t>Pro/Con List: Python</a:t>
+            </a:r>
+          </a:p>
+        </p:txBody>
+      </p:sp>
+      <p:sp>
+        <p:nvSpPr>
+          <p:cNvPr id="3" name="Content Placeholder 2"/>
+          <p:cNvSpPr>
+            <a:spLocks noGrp="1"/>
+          </p:cNvSpPr>
+          <p:nvPr>
+            <p:ph idx="1"/>
+          </p:nvPr>
+        </p:nvSpPr>
+        <p:spPr/>
+        <p:txBody>
+          <a:bodyPr>
+            <a:normAutofit lnSpcReduction="10000"/>
+          </a:bodyPr>
+          <a:lstStyle/>
+          <a:p>
+            <a:r>
+              <a:rPr lang="en-US" dirty="0"/>
+              <a:t>Pros:</a:t>
+            </a:r>
+          </a:p>
+          <a:p>
+            <a:r>
+              <a:rPr lang="en-US" dirty="0"/>
+              <a:t>    Excellent data processing ability</a:t>
+            </a:r>
+          </a:p>
+          <a:p>
+            <a:r>
+              <a:rPr lang="en-US" dirty="0"/>
+              <a:t>    Easy for novice </a:t>
+            </a:r>
+          </a:p>
+          <a:p>
+            <a:r>
+              <a:rPr lang="en-US" dirty="0"/>
+              <a:t>    Support Polymorphism and </a:t>
+            </a:r>
+            <a:r>
+              <a:rPr lang="en-US" altLang="zh-CN" dirty="0"/>
+              <a:t>Generic</a:t>
+            </a:r>
+          </a:p>
+          <a:p>
+            <a:r>
+              <a:rPr lang="en-US" dirty="0"/>
+              <a:t>    Less memory issue exp. </a:t>
+            </a:r>
+            <a:r>
+              <a:rPr lang="en-US" altLang="zh-CN" dirty="0"/>
+              <a:t>memory overflow</a:t>
+            </a:r>
+          </a:p>
+          <a:p>
+            <a:r>
+              <a:rPr lang="en-US" dirty="0"/>
+              <a:t>    Good portability (Windows, MacOS, Linux…)</a:t>
+            </a:r>
+          </a:p>
+          <a:p>
+            <a:r>
+              <a:rPr lang="en-US" dirty="0"/>
+              <a:t>    Massive frameworks and libraries</a:t>
+            </a:r>
+          </a:p>
+          <a:p>
+            <a:r>
+              <a:rPr lang="en-US" dirty="0"/>
+              <a:t>Cons:</a:t>
+            </a:r>
+          </a:p>
+          <a:p>
+            <a:r>
+              <a:rPr lang="en-US" dirty="0"/>
+              <a:t>    Not fast enough</a:t>
+            </a:r>
+          </a:p>
+          <a:p>
+            <a:r>
+              <a:rPr lang="en-US" dirty="0"/>
+              <a:t>    Rely on </a:t>
+            </a:r>
+            <a:r>
+              <a:rPr lang="en-US" dirty="0" err="1"/>
+              <a:t>CPython</a:t>
+            </a:r>
+            <a:endParaRPr lang="en-US" dirty="0"/>
+          </a:p>
+          <a:p>
+            <a:r>
+              <a:rPr lang="en-US" dirty="0"/>
+              <a:t>    Too many grammar tricks</a:t>
+            </a:r>
+          </a:p>
+          <a:p>
+            <a:r>
+              <a:rPr lang="en-US" altLang="zh-CN" dirty="0"/>
+              <a:t>    Not cool</a:t>
+            </a:r>
+            <a:r>
+              <a:rPr lang="zh-CN" altLang="en-US" dirty="0"/>
+              <a:t>！！！</a:t>
+            </a:r>
+            <a:r>
+              <a:rPr lang="en-US" altLang="zh-CN" dirty="0"/>
+              <a:t>I </a:t>
+            </a:r>
+            <a:r>
+              <a:rPr lang="en-US" altLang="zh-CN"/>
+              <a:t>can’t handle </a:t>
+            </a:r>
+            <a:r>
+              <a:rPr lang="en-US" altLang="zh-CN" dirty="0"/>
+              <a:t>everything</a:t>
+            </a:r>
+            <a:r>
+              <a:rPr lang="zh-CN" altLang="en-US" dirty="0"/>
+              <a:t>！！！</a:t>
+            </a:r>
+            <a:endParaRPr lang="en-US" dirty="0"/>
+          </a:p>
+        </p:txBody>
+      </p:sp>
+    </p:spTree>
+  </p:cSld>
+  <p:clrMapOvr>
+    <a:masterClrMapping/>
+  </p:clrMapOvr>
+</p:sld>
+</file>
+
+<file path=ppt/slides/slide13.xml><?xml version="1.0" encoding="utf-8"?>
+<p:sld xmlns:a="http://schemas.openxmlformats.org/drawingml/2006/main" xmlns:r="http://schemas.openxmlformats.org/officeDocument/2006/relationships" xmlns:p="http://schemas.openxmlformats.org/presentationml/2006/main">
+  <p:cSld>
+    <p:spTree>
+      <p:nvGrpSpPr>
+        <p:cNvPr id="1" name=""/>
+        <p:cNvGrpSpPr/>
+        <p:nvPr/>
+      </p:nvGrpSpPr>
+      <p:grpSpPr>
+        <a:xfrm>
+          <a:off x="0" y="0"/>
+          <a:ext cx="0" cy="0"/>
+          <a:chOff x="0" y="0"/>
+          <a:chExt cx="0" cy="0"/>
+        </a:xfrm>
+      </p:grpSpPr>
+      <p:sp>
+        <p:nvSpPr>
+          <p:cNvPr id="2" name="Title 1"/>
+          <p:cNvSpPr>
+            <a:spLocks noGrp="1"/>
+          </p:cNvSpPr>
+          <p:nvPr>
+            <p:ph type="title"/>
+          </p:nvPr>
+        </p:nvSpPr>
+        <p:spPr/>
+        <p:txBody>
+          <a:bodyPr/>
+          <a:lstStyle/>
+          <a:p>
+            <a:r>
+              <a:rPr lang="en-US" dirty="0"/>
+              <a:t>Pro/Con List:</a:t>
+            </a:r>
+            <a:br>
+              <a:rPr lang="en-US" dirty="0"/>
+            </a:br>
+            <a:r>
+              <a:rPr lang="en-US" dirty="0"/>
+              <a:t>R</a:t>
+            </a:r>
+          </a:p>
+        </p:txBody>
+      </p:sp>
+      <p:sp>
+        <p:nvSpPr>
+          <p:cNvPr id="3" name="Content Placeholder 2"/>
+          <p:cNvSpPr>
+            <a:spLocks noGrp="1"/>
+          </p:cNvSpPr>
+          <p:nvPr>
+            <p:ph idx="1"/>
+          </p:nvPr>
+        </p:nvSpPr>
+        <p:spPr>
+          <a:xfrm>
+            <a:off x="5118447" y="803186"/>
+            <a:ext cx="6281873" cy="5063956"/>
+          </a:xfrm>
+        </p:spPr>
+        <p:txBody>
+          <a:bodyPr/>
+          <a:lstStyle/>
+          <a:p>
+            <a:r>
+              <a:rPr lang="en-US" dirty="0"/>
+              <a:t>Pros:</a:t>
+            </a:r>
+          </a:p>
+          <a:p>
+            <a:pPr marL="0" indent="0">
+              <a:buNone/>
+            </a:pPr>
+            <a:r>
+              <a:rPr lang="en-US" dirty="0"/>
+              <a:t>    Amazing capability for Data visualization</a:t>
+            </a:r>
+          </a:p>
+          <a:p>
+            <a:pPr marL="0" indent="0">
+              <a:buNone/>
+            </a:pPr>
+            <a:r>
+              <a:rPr lang="en-US" dirty="0"/>
+              <a:t>    Various facilities for machine learning and data science</a:t>
+            </a:r>
+          </a:p>
+          <a:p>
+            <a:pPr marL="0" indent="0">
+              <a:buNone/>
+            </a:pPr>
+            <a:r>
+              <a:rPr lang="en-US" dirty="0"/>
+              <a:t>    Constantly growing programming language</a:t>
+            </a:r>
+          </a:p>
+          <a:p>
+            <a:endParaRPr lang="en-US" dirty="0"/>
+          </a:p>
+          <a:p>
+            <a:r>
+              <a:rPr lang="en-US" dirty="0"/>
+              <a:t>Cons:</a:t>
+            </a:r>
+          </a:p>
+          <a:p>
+            <a:pPr marL="0" indent="0">
+              <a:buNone/>
+            </a:pPr>
+            <a:r>
+              <a:rPr lang="en-US" dirty="0"/>
+              <a:t>    Slower than the other two</a:t>
+            </a:r>
+          </a:p>
+          <a:p>
+            <a:pPr marL="0" indent="0">
+              <a:buNone/>
+            </a:pPr>
+            <a:r>
+              <a:rPr lang="en-US" dirty="0"/>
+              <a:t>    Not an easy language to learn</a:t>
+            </a:r>
+          </a:p>
+          <a:p>
+            <a:pPr marL="0" indent="0">
+              <a:buNone/>
+            </a:pPr>
+            <a:r>
+              <a:rPr lang="en-US" dirty="0"/>
+              <a:t>    Use</a:t>
+            </a:r>
+            <a:r>
+              <a:rPr lang="zh-CN" altLang="en-US" dirty="0"/>
+              <a:t> </a:t>
+            </a:r>
+            <a:r>
+              <a:rPr lang="en-CA" altLang="zh-CN" dirty="0"/>
+              <a:t>more memory as compared to the others</a:t>
+            </a:r>
+            <a:endParaRPr lang="en-US" dirty="0"/>
+          </a:p>
+          <a:p>
+            <a:endParaRPr lang="en-US" dirty="0"/>
+          </a:p>
+          <a:p>
+            <a:endParaRPr lang="en-US" dirty="0"/>
+          </a:p>
+        </p:txBody>
+      </p:sp>
+      <p:sp>
+        <p:nvSpPr>
+          <p:cNvPr id="4" name="TextBox 3">
+            <a:extLst>
+              <a:ext uri="{FF2B5EF4-FFF2-40B4-BE49-F238E27FC236}">
+                <a16:creationId xmlns:a16="http://schemas.microsoft.com/office/drawing/2014/main" id="{45973287-0C87-9741-A97B-2B5F482F7B9C}"/>
+              </a:ext>
+            </a:extLst>
+          </p:cNvPr>
+          <p:cNvSpPr txBox="1"/>
+          <p:nvPr/>
+        </p:nvSpPr>
+        <p:spPr>
+          <a:xfrm>
+            <a:off x="791679" y="5867142"/>
+            <a:ext cx="6281873" cy="369332"/>
+          </a:xfrm>
+          <a:prstGeom prst="rect">
+            <a:avLst/>
+          </a:prstGeom>
+          <a:noFill/>
+        </p:spPr>
+        <p:txBody>
+          <a:bodyPr wrap="square" rtlCol="0">
+            <a:spAutoFit/>
+          </a:bodyPr>
+          <a:lstStyle/>
+          <a:p>
+            <a:pPr>
+              <a:spcAft>
+                <a:spcPts val="600"/>
+              </a:spcAft>
+            </a:pPr>
+            <a:r>
+              <a:rPr lang="en-US" dirty="0"/>
+              <a:t>Reference: </a:t>
+            </a:r>
+            <a:r>
+              <a:rPr lang="en-US" dirty="0">
+                <a:hlinkClick r:id="rId2"/>
+              </a:rPr>
+              <a:t>Pros and Cons of R Programming Language</a:t>
+            </a:r>
+            <a:endParaRPr lang="en-US" dirty="0"/>
+          </a:p>
+        </p:txBody>
+      </p:sp>
+    </p:spTree>
+  </p:cSld>
+  <p:clrMapOvr>
+    <a:masterClrMapping/>
+  </p:clrMapOvr>
+</p:sld>
+</file>
+
+<file path=ppt/slides/slide14.xml><?xml version="1.0" encoding="utf-8"?>
+<p:sld xmlns:a="http://schemas.openxmlformats.org/drawingml/2006/main" xmlns:r="http://schemas.openxmlformats.org/officeDocument/2006/relationships" xmlns:p="http://schemas.openxmlformats.org/presentationml/2006/main">
+  <p:cSld>
+    <p:spTree>
+      <p:nvGrpSpPr>
+        <p:cNvPr id="1" name=""/>
+        <p:cNvGrpSpPr/>
+        <p:nvPr/>
+      </p:nvGrpSpPr>
+      <p:grpSpPr>
+        <a:xfrm>
+          <a:off x="0" y="0"/>
+          <a:ext cx="0" cy="0"/>
+          <a:chOff x="0" y="0"/>
+          <a:chExt cx="0" cy="0"/>
+        </a:xfrm>
+      </p:grpSpPr>
+      <p:sp>
+        <p:nvSpPr>
+          <p:cNvPr id="2" name="Title 1"/>
+          <p:cNvSpPr>
+            <a:spLocks noGrp="1"/>
+          </p:cNvSpPr>
+          <p:nvPr>
+            <p:ph type="title"/>
+          </p:nvPr>
+        </p:nvSpPr>
+        <p:spPr/>
+        <p:txBody>
+          <a:bodyPr/>
+          <a:lstStyle/>
+          <a:p>
+            <a:r>
+              <a:rPr lang="en-US" dirty="0"/>
               <a:t>Pro/Con List: Julia</a:t>
             </a:r>
           </a:p>
@@ -15894,7 +16599,7 @@
 </p:sld>
 </file>
 
-<file path=ppt/slides/slide13.xml><?xml version="1.0" encoding="utf-8"?>
+<file path=ppt/slides/slide15.xml><?xml version="1.0" encoding="utf-8"?>
 <p:sld xmlns:a="http://schemas.openxmlformats.org/drawingml/2006/main" xmlns:r="http://schemas.openxmlformats.org/officeDocument/2006/relationships" xmlns:p="http://schemas.openxmlformats.org/presentationml/2006/main">
   <p:cSld>
     <p:spTree>
@@ -16548,6 +17253,9 @@
             <a:endParaRPr lang="en-US" dirty="0"/>
           </a:p>
           <a:p>
+            <a:pPr marL="0" indent="0">
+              <a:buNone/>
+            </a:pPr>
             <a:endParaRPr lang="en-US" dirty="0"/>
           </a:p>
         </p:txBody>
@@ -19349,27 +20057,7 @@
           <a:p>
             <a:r>
               <a:rPr lang="en-US" dirty="0"/>
-              <a:t>Performance Comparison</a:t>
-            </a:r>
-          </a:p>
-          <a:p>
-            <a:r>
-              <a:rPr lang="en-US" dirty="0"/>
-              <a:t>(</a:t>
-            </a:r>
-            <a:r>
-              <a:rPr lang="en-US" dirty="0" err="1"/>
-              <a:t>w.r.t.</a:t>
-            </a:r>
-            <a:r>
-              <a:rPr lang="en-US" dirty="0"/>
-              <a:t> </a:t>
-            </a:r>
-          </a:p>
-          <a:p>
-            <a:r>
-              <a:rPr lang="en-US" dirty="0"/>
-              <a:t>Time and Space)</a:t>
+              <a:t>Implementation</a:t>
             </a:r>
           </a:p>
         </p:txBody>
@@ -19415,7 +20103,7 @@
         </p:nvSpPr>
         <p:spPr>
           <a:xfrm>
-            <a:off x="5013919" y="804689"/>
+            <a:off x="5031328" y="105442"/>
             <a:ext cx="6281873" cy="5248622"/>
           </a:xfrm>
         </p:spPr>
@@ -19423,10 +20111,128 @@
           <a:bodyPr/>
           <a:lstStyle/>
           <a:p>
+            <a:pPr marL="0" indent="0">
+              <a:buNone/>
+            </a:pPr>
+            <a:endParaRPr lang="en-US" altLang="zh-CN" dirty="0"/>
+          </a:p>
+          <a:p>
+            <a:r>
+              <a:rPr lang="en-US" altLang="zh-CN" dirty="0"/>
+              <a:t>Implementation</a:t>
+            </a:r>
+            <a:r>
+              <a:rPr lang="zh-CN" altLang="en-US" dirty="0"/>
+              <a:t>：</a:t>
+            </a:r>
+            <a:endParaRPr lang="en-US" altLang="zh-CN" dirty="0"/>
+          </a:p>
+          <a:p>
+            <a:pPr marL="0" indent="0">
+              <a:buNone/>
+            </a:pPr>
+            <a:r>
+              <a:rPr lang="en-US" altLang="zh-CN" dirty="0"/>
+              <a:t>    </a:t>
+            </a:r>
+          </a:p>
+          <a:p>
+            <a:pPr marL="0" indent="0">
+              <a:buNone/>
+            </a:pPr>
+            <a:endParaRPr lang="en-US" altLang="zh-CN" dirty="0"/>
+          </a:p>
+          <a:p>
+            <a:pPr marL="0" indent="0">
+              <a:buNone/>
+            </a:pPr>
+            <a:endParaRPr lang="en-US" altLang="zh-CN" dirty="0"/>
+          </a:p>
+          <a:p>
+            <a:pPr marL="0" indent="0">
+              <a:buNone/>
+            </a:pPr>
+            <a:endParaRPr lang="en-US" altLang="zh-CN" dirty="0"/>
+          </a:p>
+          <a:p>
+            <a:pPr marL="0" indent="0">
+              <a:buNone/>
+            </a:pPr>
+            <a:endParaRPr lang="en-US" altLang="zh-CN" dirty="0"/>
+          </a:p>
+          <a:p>
+            <a:r>
+              <a:rPr lang="en-US" altLang="zh-CN" dirty="0"/>
+              <a:t>Output</a:t>
+            </a:r>
+            <a:r>
+              <a:rPr lang="zh-CN" altLang="en-US" dirty="0"/>
+              <a:t>：</a:t>
+            </a:r>
             <a:endParaRPr lang="en-US" dirty="0"/>
           </a:p>
         </p:txBody>
       </p:sp>
+      <p:pic>
+        <p:nvPicPr>
+          <p:cNvPr id="4" name="图片 3" descr="文本&#10;&#10;描述已自动生成">
+            <a:extLst>
+              <a:ext uri="{FF2B5EF4-FFF2-40B4-BE49-F238E27FC236}">
+                <a16:creationId xmlns:a16="http://schemas.microsoft.com/office/drawing/2014/main" id="{30920ACD-4640-46BF-9441-469EB23657FB}"/>
+              </a:ext>
+            </a:extLst>
+          </p:cNvPr>
+          <p:cNvPicPr>
+            <a:picLocks noChangeAspect="1"/>
+          </p:cNvPicPr>
+          <p:nvPr/>
+        </p:nvPicPr>
+        <p:blipFill>
+          <a:blip r:embed="rId2"/>
+          <a:stretch>
+            <a:fillRect/>
+          </a:stretch>
+        </p:blipFill>
+        <p:spPr>
+          <a:xfrm>
+            <a:off x="5031328" y="1936920"/>
+            <a:ext cx="4915326" cy="1150720"/>
+          </a:xfrm>
+          <a:prstGeom prst="rect">
+            <a:avLst/>
+          </a:prstGeom>
+        </p:spPr>
+      </p:pic>
+      <p:pic>
+        <p:nvPicPr>
+          <p:cNvPr id="10" name="图片 9" descr="文本&#10;&#10;描述已自动生成">
+            <a:extLst>
+              <a:ext uri="{FF2B5EF4-FFF2-40B4-BE49-F238E27FC236}">
+                <a16:creationId xmlns:a16="http://schemas.microsoft.com/office/drawing/2014/main" id="{B486A0A3-8B6F-42AC-836F-725CA7AC2F87}"/>
+              </a:ext>
+            </a:extLst>
+          </p:cNvPr>
+          <p:cNvPicPr>
+            <a:picLocks noChangeAspect="1"/>
+          </p:cNvPicPr>
+          <p:nvPr/>
+        </p:nvPicPr>
+        <p:blipFill>
+          <a:blip r:embed="rId3"/>
+          <a:stretch>
+            <a:fillRect/>
+          </a:stretch>
+        </p:blipFill>
+        <p:spPr>
+          <a:xfrm>
+            <a:off x="5031328" y="4584845"/>
+            <a:ext cx="4675380" cy="1303489"/>
+          </a:xfrm>
+          <a:prstGeom prst="rect">
+            <a:avLst/>
+          </a:prstGeom>
+        </p:spPr>
+      </p:pic>
     </p:spTree>
   </p:cSld>
   <p:clrMapOvr>
@@ -19521,12 +20327,14 @@
             </a:lvl1pPr>
           </a:lstStyle>
           <a:p>
+            <a:pPr lvl="0"/>
             <a:r>
               <a:rPr lang="en-US" dirty="0"/>
               <a:t>Performance Comparison</a:t>
             </a:r>
           </a:p>
           <a:p>
+            <a:pPr lvl="0"/>
             <a:r>
               <a:rPr lang="en-US" dirty="0"/>
               <a:t>(</a:t>
@@ -19544,31 +20352,7 @@
       </p:sp>
       <p:sp>
         <p:nvSpPr>
-          <p:cNvPr id="9" name="Content Placeholder 8"/>
-          <p:cNvSpPr>
-            <a:spLocks noGrp="1"/>
-          </p:cNvSpPr>
-          <p:nvPr>
-            <p:ph idx="1"/>
-          </p:nvPr>
-        </p:nvSpPr>
-        <p:spPr>
-          <a:xfrm>
-            <a:off x="5013919" y="804689"/>
-            <a:ext cx="6281873" cy="5248622"/>
-          </a:xfrm>
-        </p:spPr>
-        <p:txBody>
-          <a:bodyPr/>
-          <a:lstStyle/>
-          <a:p>
-            <a:endParaRPr lang="en-US" dirty="0"/>
-          </a:p>
-        </p:txBody>
-      </p:sp>
-      <p:sp>
-        <p:nvSpPr>
-          <p:cNvPr id="7" name="TextBox 6"/>
+          <p:cNvPr id="8" name="TextBox 7"/>
           <p:cNvSpPr txBox="1"/>
           <p:nvPr/>
         </p:nvSpPr>
@@ -19588,14 +20372,194 @@
           </a:bodyPr>
           <a:lstStyle/>
           <a:p>
-            <a:r>
-              <a:rPr lang="en-US" sz="3600" dirty="0"/>
+            <a:pPr marL="0" marR="0" lvl="0" indent="0" algn="l" defTabSz="457200" rtl="0" eaLnBrk="1" fontAlgn="auto" latinLnBrk="0" hangingPunct="1">
+              <a:lnSpc>
+                <a:spcPct val="100000"/>
+              </a:lnSpc>
+              <a:spcBef>
+                <a:spcPts val="0"/>
+              </a:spcBef>
+              <a:spcAft>
+                <a:spcPts val="0"/>
+              </a:spcAft>
+              <a:buClrTx/>
+              <a:buSzTx/>
+              <a:buFontTx/>
+              <a:buNone/>
+              <a:tabLst/>
+              <a:defRPr/>
+            </a:pPr>
+            <a:r>
+              <a:rPr kumimoji="0" lang="en-US" sz="3600" b="0" i="0" u="none" strike="noStrike" kern="1200" cap="none" spc="0" normalizeH="0" baseline="0" noProof="0" dirty="0">
+                <a:ln>
+                  <a:noFill/>
+                </a:ln>
+                <a:solidFill>
+                  <a:prstClr val="black"/>
+                </a:solidFill>
+                <a:effectLst/>
+                <a:uLnTx/>
+                <a:uFillTx/>
+                <a:latin typeface="Rockwell"/>
+                <a:ea typeface="+mn-ea"/>
+                <a:cs typeface="+mn-cs"/>
+              </a:rPr>
               <a:t>Python</a:t>
             </a:r>
           </a:p>
         </p:txBody>
       </p:sp>
+      <p:sp>
+        <p:nvSpPr>
+          <p:cNvPr id="9" name="Content Placeholder 8"/>
+          <p:cNvSpPr>
+            <a:spLocks noGrp="1"/>
+          </p:cNvSpPr>
+          <p:nvPr>
+            <p:ph idx="1"/>
+          </p:nvPr>
+        </p:nvSpPr>
+        <p:spPr>
+          <a:xfrm>
+            <a:off x="5031328" y="105442"/>
+            <a:ext cx="6281873" cy="5248622"/>
+          </a:xfrm>
+        </p:spPr>
+        <p:txBody>
+          <a:bodyPr/>
+          <a:lstStyle/>
+          <a:p>
+            <a:pPr marL="0" indent="0">
+              <a:buNone/>
+            </a:pPr>
+            <a:endParaRPr lang="en-US" altLang="zh-CN" dirty="0"/>
+          </a:p>
+          <a:p>
+            <a:r>
+              <a:rPr lang="en-US" altLang="zh-CN" dirty="0"/>
+              <a:t>Time Performance</a:t>
+            </a:r>
+            <a:r>
+              <a:rPr lang="zh-CN" altLang="en-US" dirty="0"/>
+              <a:t>：</a:t>
+            </a:r>
+            <a:endParaRPr lang="en-US" altLang="zh-CN" dirty="0"/>
+          </a:p>
+          <a:p>
+            <a:pPr marL="0" indent="0">
+              <a:buNone/>
+            </a:pPr>
+            <a:r>
+              <a:rPr lang="en-US" altLang="zh-CN" dirty="0"/>
+              <a:t>     Average time spent training the model: 0.030s</a:t>
+            </a:r>
+          </a:p>
+          <a:p>
+            <a:pPr marL="0" indent="0">
+              <a:buNone/>
+            </a:pPr>
+            <a:endParaRPr lang="en-US" altLang="zh-CN" dirty="0"/>
+          </a:p>
+          <a:p>
+            <a:pPr marL="0" indent="0">
+              <a:buNone/>
+            </a:pPr>
+            <a:endParaRPr lang="en-US" altLang="zh-CN" dirty="0"/>
+          </a:p>
+          <a:p>
+            <a:pPr marL="0" indent="0">
+              <a:buNone/>
+            </a:pPr>
+            <a:endParaRPr lang="en-US" altLang="zh-CN" dirty="0"/>
+          </a:p>
+          <a:p>
+            <a:pPr marL="0" indent="0">
+              <a:buNone/>
+            </a:pPr>
+            <a:endParaRPr lang="en-US" altLang="zh-CN" dirty="0"/>
+          </a:p>
+          <a:p>
+            <a:r>
+              <a:rPr lang="en-US" altLang="zh-CN" dirty="0"/>
+              <a:t>Accuracy</a:t>
+            </a:r>
+            <a:r>
+              <a:rPr lang="zh-CN" altLang="en-US" dirty="0"/>
+              <a:t>：</a:t>
+            </a:r>
+            <a:r>
+              <a:rPr lang="en-US" altLang="zh-CN" dirty="0"/>
+              <a:t>67%</a:t>
+            </a:r>
+          </a:p>
+        </p:txBody>
+      </p:sp>
+      <p:pic>
+        <p:nvPicPr>
+          <p:cNvPr id="5" name="图片 4">
+            <a:extLst>
+              <a:ext uri="{FF2B5EF4-FFF2-40B4-BE49-F238E27FC236}">
+                <a16:creationId xmlns:a16="http://schemas.microsoft.com/office/drawing/2014/main" id="{5966C8FF-EB3B-49B6-9B21-F6AD079F6EEC}"/>
+              </a:ext>
+            </a:extLst>
+          </p:cNvPr>
+          <p:cNvPicPr>
+            <a:picLocks noChangeAspect="1"/>
+          </p:cNvPicPr>
+          <p:nvPr/>
+        </p:nvPicPr>
+        <p:blipFill>
+          <a:blip r:embed="rId2"/>
+          <a:stretch>
+            <a:fillRect/>
+          </a:stretch>
+        </p:blipFill>
+        <p:spPr>
+          <a:xfrm>
+            <a:off x="5145687" y="2403320"/>
+            <a:ext cx="3602017" cy="652865"/>
+          </a:xfrm>
+          <a:prstGeom prst="rect">
+            <a:avLst/>
+          </a:prstGeom>
+        </p:spPr>
+      </p:pic>
+      <p:pic>
+        <p:nvPicPr>
+          <p:cNvPr id="11" name="图片 10">
+            <a:extLst>
+              <a:ext uri="{FF2B5EF4-FFF2-40B4-BE49-F238E27FC236}">
+                <a16:creationId xmlns:a16="http://schemas.microsoft.com/office/drawing/2014/main" id="{B672635E-0242-40EB-8035-6151DE796436}"/>
+              </a:ext>
+            </a:extLst>
+          </p:cNvPr>
+          <p:cNvPicPr>
+            <a:picLocks noChangeAspect="1"/>
+          </p:cNvPicPr>
+          <p:nvPr/>
+        </p:nvPicPr>
+        <p:blipFill>
+          <a:blip r:embed="rId3"/>
+          <a:stretch>
+            <a:fillRect/>
+          </a:stretch>
+        </p:blipFill>
+        <p:spPr>
+          <a:xfrm>
+            <a:off x="5145686" y="4737025"/>
+            <a:ext cx="5419105" cy="812127"/>
+          </a:xfrm>
+          <a:prstGeom prst="rect">
+            <a:avLst/>
+          </a:prstGeom>
+        </p:spPr>
+      </p:pic>
     </p:spTree>
+    <p:extLst>
+      <p:ext uri="{BB962C8B-B14F-4D97-AF65-F5344CB8AC3E}">
+        <p14:creationId xmlns:p14="http://schemas.microsoft.com/office/powerpoint/2010/main" val="2913267175"/>
+      </p:ext>
+    </p:extLst>
   </p:cSld>
   <p:clrMapOvr>
     <a:masterClrMapping/>

--- a/Homework 1/hw1-pre.pptx
+++ b/Homework 1/hw1-pre.pptx
@@ -4,14 +4,17 @@
   <p:sldMasterIdLst>
     <p:sldMasterId id="2147483648" r:id="rId1"/>
   </p:sldMasterIdLst>
+  <p:notesMasterIdLst>
+    <p:notesMasterId r:id="rId17"/>
+  </p:notesMasterIdLst>
   <p:sldIdLst>
     <p:sldId id="256" r:id="rId2"/>
     <p:sldId id="266" r:id="rId3"/>
     <p:sldId id="257" r:id="rId4"/>
     <p:sldId id="260" r:id="rId5"/>
     <p:sldId id="265" r:id="rId6"/>
-    <p:sldId id="267" r:id="rId7"/>
-    <p:sldId id="272" r:id="rId8"/>
+    <p:sldId id="272" r:id="rId7"/>
+    <p:sldId id="267" r:id="rId8"/>
     <p:sldId id="269" r:id="rId9"/>
     <p:sldId id="274" r:id="rId10"/>
     <p:sldId id="270" r:id="rId11"/>
@@ -126,6 +129,889 @@
 </p:presentation>
 </file>
 
+<file path=ppt/notesMasters/notesMaster1.xml><?xml version="1.0" encoding="utf-8"?>
+<p:notesMaster xmlns:a="http://schemas.openxmlformats.org/drawingml/2006/main" xmlns:r="http://schemas.openxmlformats.org/officeDocument/2006/relationships" xmlns:p="http://schemas.openxmlformats.org/presentationml/2006/main">
+  <p:cSld>
+    <p:bg>
+      <p:bgRef idx="1001">
+        <a:schemeClr val="bg1"/>
+      </p:bgRef>
+    </p:bg>
+    <p:spTree>
+      <p:nvGrpSpPr>
+        <p:cNvPr id="1" name=""/>
+        <p:cNvGrpSpPr/>
+        <p:nvPr/>
+      </p:nvGrpSpPr>
+      <p:grpSpPr>
+        <a:xfrm>
+          <a:off x="0" y="0"/>
+          <a:ext cx="0" cy="0"/>
+          <a:chOff x="0" y="0"/>
+          <a:chExt cx="0" cy="0"/>
+        </a:xfrm>
+      </p:grpSpPr>
+      <p:sp>
+        <p:nvSpPr>
+          <p:cNvPr id="2" name="Header Placeholder 1"/>
+          <p:cNvSpPr>
+            <a:spLocks noGrp="1"/>
+          </p:cNvSpPr>
+          <p:nvPr>
+            <p:ph type="hdr" sz="quarter"/>
+          </p:nvPr>
+        </p:nvSpPr>
+        <p:spPr>
+          <a:xfrm>
+            <a:off x="0" y="0"/>
+            <a:ext cx="2971800" cy="458788"/>
+          </a:xfrm>
+          <a:prstGeom prst="rect">
+            <a:avLst/>
+          </a:prstGeom>
+        </p:spPr>
+        <p:txBody>
+          <a:bodyPr vert="horz" lIns="91440" tIns="45720" rIns="91440" bIns="45720" rtlCol="0"/>
+          <a:lstStyle>
+            <a:lvl1pPr algn="l">
+              <a:defRPr sz="1200"/>
+            </a:lvl1pPr>
+          </a:lstStyle>
+          <a:p>
+            <a:endParaRPr lang="en-US"/>
+          </a:p>
+        </p:txBody>
+      </p:sp>
+      <p:sp>
+        <p:nvSpPr>
+          <p:cNvPr id="3" name="Date Placeholder 2"/>
+          <p:cNvSpPr>
+            <a:spLocks noGrp="1"/>
+          </p:cNvSpPr>
+          <p:nvPr>
+            <p:ph type="dt" idx="1"/>
+          </p:nvPr>
+        </p:nvSpPr>
+        <p:spPr>
+          <a:xfrm>
+            <a:off x="3884613" y="0"/>
+            <a:ext cx="2971800" cy="458788"/>
+          </a:xfrm>
+          <a:prstGeom prst="rect">
+            <a:avLst/>
+          </a:prstGeom>
+        </p:spPr>
+        <p:txBody>
+          <a:bodyPr vert="horz" lIns="91440" tIns="45720" rIns="91440" bIns="45720" rtlCol="0"/>
+          <a:lstStyle>
+            <a:lvl1pPr algn="r">
+              <a:defRPr sz="1200"/>
+            </a:lvl1pPr>
+          </a:lstStyle>
+          <a:p>
+            <a:fld id="{6F09847F-B521-804D-A3F1-DA9EBDA3AFF2}" type="datetimeFigureOut">
+              <a:rPr lang="en-US" smtClean="0"/>
+              <a:t>10/31/20</a:t>
+            </a:fld>
+            <a:endParaRPr lang="en-US"/>
+          </a:p>
+        </p:txBody>
+      </p:sp>
+      <p:sp>
+        <p:nvSpPr>
+          <p:cNvPr id="4" name="Slide Image Placeholder 3"/>
+          <p:cNvSpPr>
+            <a:spLocks noGrp="1" noRot="1" noChangeAspect="1"/>
+          </p:cNvSpPr>
+          <p:nvPr>
+            <p:ph type="sldImg" idx="2"/>
+          </p:nvPr>
+        </p:nvSpPr>
+        <p:spPr>
+          <a:xfrm>
+            <a:off x="685800" y="1143000"/>
+            <a:ext cx="5486400" cy="3086100"/>
+          </a:xfrm>
+          <a:prstGeom prst="rect">
+            <a:avLst/>
+          </a:prstGeom>
+          <a:noFill/>
+          <a:ln w="12700">
+            <a:solidFill>
+              <a:prstClr val="black"/>
+            </a:solidFill>
+          </a:ln>
+        </p:spPr>
+        <p:txBody>
+          <a:bodyPr vert="horz" lIns="91440" tIns="45720" rIns="91440" bIns="45720" rtlCol="0" anchor="ctr"/>
+          <a:lstStyle/>
+          <a:p>
+            <a:endParaRPr lang="en-US"/>
+          </a:p>
+        </p:txBody>
+      </p:sp>
+      <p:sp>
+        <p:nvSpPr>
+          <p:cNvPr id="5" name="Notes Placeholder 4"/>
+          <p:cNvSpPr>
+            <a:spLocks noGrp="1"/>
+          </p:cNvSpPr>
+          <p:nvPr>
+            <p:ph type="body" sz="quarter" idx="3"/>
+          </p:nvPr>
+        </p:nvSpPr>
+        <p:spPr>
+          <a:xfrm>
+            <a:off x="685800" y="4400550"/>
+            <a:ext cx="5486400" cy="3600450"/>
+          </a:xfrm>
+          <a:prstGeom prst="rect">
+            <a:avLst/>
+          </a:prstGeom>
+        </p:spPr>
+        <p:txBody>
+          <a:bodyPr vert="horz" lIns="91440" tIns="45720" rIns="91440" bIns="45720" rtlCol="0"/>
+          <a:lstStyle/>
+          <a:p>
+            <a:pPr lvl="0"/>
+            <a:r>
+              <a:rPr lang="en-US"/>
+              <a:t>Click to edit Master text styles</a:t>
+            </a:r>
+          </a:p>
+          <a:p>
+            <a:pPr lvl="1"/>
+            <a:r>
+              <a:rPr lang="en-US"/>
+              <a:t>Second level</a:t>
+            </a:r>
+          </a:p>
+          <a:p>
+            <a:pPr lvl="2"/>
+            <a:r>
+              <a:rPr lang="en-US"/>
+              <a:t>Third level</a:t>
+            </a:r>
+          </a:p>
+          <a:p>
+            <a:pPr lvl="3"/>
+            <a:r>
+              <a:rPr lang="en-US"/>
+              <a:t>Fourth level</a:t>
+            </a:r>
+          </a:p>
+          <a:p>
+            <a:pPr lvl="4"/>
+            <a:r>
+              <a:rPr lang="en-US"/>
+              <a:t>Fifth level</a:t>
+            </a:r>
+          </a:p>
+        </p:txBody>
+      </p:sp>
+      <p:sp>
+        <p:nvSpPr>
+          <p:cNvPr id="6" name="Footer Placeholder 5"/>
+          <p:cNvSpPr>
+            <a:spLocks noGrp="1"/>
+          </p:cNvSpPr>
+          <p:nvPr>
+            <p:ph type="ftr" sz="quarter" idx="4"/>
+          </p:nvPr>
+        </p:nvSpPr>
+        <p:spPr>
+          <a:xfrm>
+            <a:off x="0" y="8685213"/>
+            <a:ext cx="2971800" cy="458787"/>
+          </a:xfrm>
+          <a:prstGeom prst="rect">
+            <a:avLst/>
+          </a:prstGeom>
+        </p:spPr>
+        <p:txBody>
+          <a:bodyPr vert="horz" lIns="91440" tIns="45720" rIns="91440" bIns="45720" rtlCol="0" anchor="b"/>
+          <a:lstStyle>
+            <a:lvl1pPr algn="l">
+              <a:defRPr sz="1200"/>
+            </a:lvl1pPr>
+          </a:lstStyle>
+          <a:p>
+            <a:endParaRPr lang="en-US"/>
+          </a:p>
+        </p:txBody>
+      </p:sp>
+      <p:sp>
+        <p:nvSpPr>
+          <p:cNvPr id="7" name="Slide Number Placeholder 6"/>
+          <p:cNvSpPr>
+            <a:spLocks noGrp="1"/>
+          </p:cNvSpPr>
+          <p:nvPr>
+            <p:ph type="sldNum" sz="quarter" idx="5"/>
+          </p:nvPr>
+        </p:nvSpPr>
+        <p:spPr>
+          <a:xfrm>
+            <a:off x="3884613" y="8685213"/>
+            <a:ext cx="2971800" cy="458787"/>
+          </a:xfrm>
+          <a:prstGeom prst="rect">
+            <a:avLst/>
+          </a:prstGeom>
+        </p:spPr>
+        <p:txBody>
+          <a:bodyPr vert="horz" lIns="91440" tIns="45720" rIns="91440" bIns="45720" rtlCol="0" anchor="b"/>
+          <a:lstStyle>
+            <a:lvl1pPr algn="r">
+              <a:defRPr sz="1200"/>
+            </a:lvl1pPr>
+          </a:lstStyle>
+          <a:p>
+            <a:fld id="{53CCBAE8-FEE3-C44C-B81A-2E4B811BCB09}" type="slidenum">
+              <a:rPr lang="en-US" smtClean="0"/>
+              <a:t>‹#›</a:t>
+            </a:fld>
+            <a:endParaRPr lang="en-US"/>
+          </a:p>
+        </p:txBody>
+      </p:sp>
+    </p:spTree>
+    <p:extLst>
+      <p:ext uri="{BB962C8B-B14F-4D97-AF65-F5344CB8AC3E}">
+        <p14:creationId xmlns:p14="http://schemas.microsoft.com/office/powerpoint/2010/main" val="1541006769"/>
+      </p:ext>
+    </p:extLst>
+  </p:cSld>
+  <p:clrMap bg1="lt1" tx1="dk1" bg2="lt2" tx2="dk2" accent1="accent1" accent2="accent2" accent3="accent3" accent4="accent4" accent5="accent5" accent6="accent6" hlink="hlink" folHlink="folHlink"/>
+  <p:notesStyle>
+    <a:lvl1pPr marL="0" algn="l" defTabSz="914400" rtl="0" eaLnBrk="1" latinLnBrk="0" hangingPunct="1">
+      <a:defRPr sz="1200" kern="1200">
+        <a:solidFill>
+          <a:schemeClr val="tx1"/>
+        </a:solidFill>
+        <a:latin typeface="+mn-lt"/>
+        <a:ea typeface="+mn-ea"/>
+        <a:cs typeface="+mn-cs"/>
+      </a:defRPr>
+    </a:lvl1pPr>
+    <a:lvl2pPr marL="457200" algn="l" defTabSz="914400" rtl="0" eaLnBrk="1" latinLnBrk="0" hangingPunct="1">
+      <a:defRPr sz="1200" kern="1200">
+        <a:solidFill>
+          <a:schemeClr val="tx1"/>
+        </a:solidFill>
+        <a:latin typeface="+mn-lt"/>
+        <a:ea typeface="+mn-ea"/>
+        <a:cs typeface="+mn-cs"/>
+      </a:defRPr>
+    </a:lvl2pPr>
+    <a:lvl3pPr marL="914400" algn="l" defTabSz="914400" rtl="0" eaLnBrk="1" latinLnBrk="0" hangingPunct="1">
+      <a:defRPr sz="1200" kern="1200">
+        <a:solidFill>
+          <a:schemeClr val="tx1"/>
+        </a:solidFill>
+        <a:latin typeface="+mn-lt"/>
+        <a:ea typeface="+mn-ea"/>
+        <a:cs typeface="+mn-cs"/>
+      </a:defRPr>
+    </a:lvl3pPr>
+    <a:lvl4pPr marL="1371600" algn="l" defTabSz="914400" rtl="0" eaLnBrk="1" latinLnBrk="0" hangingPunct="1">
+      <a:defRPr sz="1200" kern="1200">
+        <a:solidFill>
+          <a:schemeClr val="tx1"/>
+        </a:solidFill>
+        <a:latin typeface="+mn-lt"/>
+        <a:ea typeface="+mn-ea"/>
+        <a:cs typeface="+mn-cs"/>
+      </a:defRPr>
+    </a:lvl4pPr>
+    <a:lvl5pPr marL="1828800" algn="l" defTabSz="914400" rtl="0" eaLnBrk="1" latinLnBrk="0" hangingPunct="1">
+      <a:defRPr sz="1200" kern="1200">
+        <a:solidFill>
+          <a:schemeClr val="tx1"/>
+        </a:solidFill>
+        <a:latin typeface="+mn-lt"/>
+        <a:ea typeface="+mn-ea"/>
+        <a:cs typeface="+mn-cs"/>
+      </a:defRPr>
+    </a:lvl5pPr>
+    <a:lvl6pPr marL="2286000" algn="l" defTabSz="914400" rtl="0" eaLnBrk="1" latinLnBrk="0" hangingPunct="1">
+      <a:defRPr sz="1200" kern="1200">
+        <a:solidFill>
+          <a:schemeClr val="tx1"/>
+        </a:solidFill>
+        <a:latin typeface="+mn-lt"/>
+        <a:ea typeface="+mn-ea"/>
+        <a:cs typeface="+mn-cs"/>
+      </a:defRPr>
+    </a:lvl6pPr>
+    <a:lvl7pPr marL="2743200" algn="l" defTabSz="914400" rtl="0" eaLnBrk="1" latinLnBrk="0" hangingPunct="1">
+      <a:defRPr sz="1200" kern="1200">
+        <a:solidFill>
+          <a:schemeClr val="tx1"/>
+        </a:solidFill>
+        <a:latin typeface="+mn-lt"/>
+        <a:ea typeface="+mn-ea"/>
+        <a:cs typeface="+mn-cs"/>
+      </a:defRPr>
+    </a:lvl7pPr>
+    <a:lvl8pPr marL="3200400" algn="l" defTabSz="914400" rtl="0" eaLnBrk="1" latinLnBrk="0" hangingPunct="1">
+      <a:defRPr sz="1200" kern="1200">
+        <a:solidFill>
+          <a:schemeClr val="tx1"/>
+        </a:solidFill>
+        <a:latin typeface="+mn-lt"/>
+        <a:ea typeface="+mn-ea"/>
+        <a:cs typeface="+mn-cs"/>
+      </a:defRPr>
+    </a:lvl8pPr>
+    <a:lvl9pPr marL="3657600" algn="l" defTabSz="914400" rtl="0" eaLnBrk="1" latinLnBrk="0" hangingPunct="1">
+      <a:defRPr sz="1200" kern="1200">
+        <a:solidFill>
+          <a:schemeClr val="tx1"/>
+        </a:solidFill>
+        <a:latin typeface="+mn-lt"/>
+        <a:ea typeface="+mn-ea"/>
+        <a:cs typeface="+mn-cs"/>
+      </a:defRPr>
+    </a:lvl9pPr>
+  </p:notesStyle>
+</p:notesMaster>
+</file>
+
+<file path=ppt/notesSlides/notesSlide1.xml><?xml version="1.0" encoding="utf-8"?>
+<p:notes xmlns:a="http://schemas.openxmlformats.org/drawingml/2006/main" xmlns:r="http://schemas.openxmlformats.org/officeDocument/2006/relationships" xmlns:p="http://schemas.openxmlformats.org/presentationml/2006/main">
+  <p:cSld>
+    <p:spTree>
+      <p:nvGrpSpPr>
+        <p:cNvPr id="1" name=""/>
+        <p:cNvGrpSpPr/>
+        <p:nvPr/>
+      </p:nvGrpSpPr>
+      <p:grpSpPr>
+        <a:xfrm>
+          <a:off x="0" y="0"/>
+          <a:ext cx="0" cy="0"/>
+          <a:chOff x="0" y="0"/>
+          <a:chExt cx="0" cy="0"/>
+        </a:xfrm>
+      </p:grpSpPr>
+      <p:sp>
+        <p:nvSpPr>
+          <p:cNvPr id="2" name="Slide Image Placeholder 1"/>
+          <p:cNvSpPr>
+            <a:spLocks noGrp="1" noRot="1" noChangeAspect="1"/>
+          </p:cNvSpPr>
+          <p:nvPr>
+            <p:ph type="sldImg"/>
+          </p:nvPr>
+        </p:nvSpPr>
+        <p:spPr/>
+      </p:sp>
+      <p:sp>
+        <p:nvSpPr>
+          <p:cNvPr id="3" name="Notes Placeholder 2"/>
+          <p:cNvSpPr>
+            <a:spLocks noGrp="1"/>
+          </p:cNvSpPr>
+          <p:nvPr>
+            <p:ph type="body" idx="1"/>
+          </p:nvPr>
+        </p:nvSpPr>
+        <p:spPr/>
+        <p:txBody>
+          <a:bodyPr/>
+          <a:lstStyle/>
+          <a:p>
+            <a:r>
+              <a:rPr lang="en-US" dirty="0"/>
+              <a:t>Good afternoon everyone. I'm Martin from Group 2. I'm delighted to share the results my group mates and I have got from our hard work</a:t>
+            </a:r>
+            <a:r>
+              <a:rPr lang="zh-CN" altLang="en-US" dirty="0"/>
+              <a:t> </a:t>
+            </a:r>
+            <a:r>
+              <a:rPr lang="en-CA" altLang="zh-CN" dirty="0"/>
+              <a:t>in this week</a:t>
+            </a:r>
+            <a:r>
+              <a:rPr lang="en-US" dirty="0"/>
+              <a:t>.</a:t>
+            </a:r>
+          </a:p>
+        </p:txBody>
+      </p:sp>
+      <p:sp>
+        <p:nvSpPr>
+          <p:cNvPr id="4" name="Slide Number Placeholder 3"/>
+          <p:cNvSpPr>
+            <a:spLocks noGrp="1"/>
+          </p:cNvSpPr>
+          <p:nvPr>
+            <p:ph type="sldNum" sz="quarter" idx="5"/>
+          </p:nvPr>
+        </p:nvSpPr>
+        <p:spPr/>
+        <p:txBody>
+          <a:bodyPr/>
+          <a:lstStyle/>
+          <a:p>
+            <a:fld id="{53CCBAE8-FEE3-C44C-B81A-2E4B811BCB09}" type="slidenum">
+              <a:rPr lang="en-US" smtClean="0"/>
+              <a:t>1</a:t>
+            </a:fld>
+            <a:endParaRPr lang="en-US"/>
+          </a:p>
+        </p:txBody>
+      </p:sp>
+    </p:spTree>
+    <p:extLst>
+      <p:ext uri="{BB962C8B-B14F-4D97-AF65-F5344CB8AC3E}">
+        <p14:creationId xmlns:p14="http://schemas.microsoft.com/office/powerpoint/2010/main" val="3401582992"/>
+      </p:ext>
+    </p:extLst>
+  </p:cSld>
+  <p:clrMapOvr>
+    <a:masterClrMapping/>
+  </p:clrMapOvr>
+</p:notes>
+</file>
+
+<file path=ppt/notesSlides/notesSlide2.xml><?xml version="1.0" encoding="utf-8"?>
+<p:notes xmlns:a="http://schemas.openxmlformats.org/drawingml/2006/main" xmlns:r="http://schemas.openxmlformats.org/officeDocument/2006/relationships" xmlns:p="http://schemas.openxmlformats.org/presentationml/2006/main">
+  <p:cSld>
+    <p:spTree>
+      <p:nvGrpSpPr>
+        <p:cNvPr id="1" name=""/>
+        <p:cNvGrpSpPr/>
+        <p:nvPr/>
+      </p:nvGrpSpPr>
+      <p:grpSpPr>
+        <a:xfrm>
+          <a:off x="0" y="0"/>
+          <a:ext cx="0" cy="0"/>
+          <a:chOff x="0" y="0"/>
+          <a:chExt cx="0" cy="0"/>
+        </a:xfrm>
+      </p:grpSpPr>
+      <p:sp>
+        <p:nvSpPr>
+          <p:cNvPr id="2" name="Slide Image Placeholder 1"/>
+          <p:cNvSpPr>
+            <a:spLocks noGrp="1" noRot="1" noChangeAspect="1"/>
+          </p:cNvSpPr>
+          <p:nvPr>
+            <p:ph type="sldImg"/>
+          </p:nvPr>
+        </p:nvSpPr>
+        <p:spPr/>
+      </p:sp>
+      <p:sp>
+        <p:nvSpPr>
+          <p:cNvPr id="3" name="Notes Placeholder 2"/>
+          <p:cNvSpPr>
+            <a:spLocks noGrp="1"/>
+          </p:cNvSpPr>
+          <p:nvPr>
+            <p:ph type="body" idx="1"/>
+          </p:nvPr>
+        </p:nvSpPr>
+        <p:spPr/>
+        <p:txBody>
+          <a:bodyPr/>
+          <a:lstStyle/>
+          <a:p>
+            <a:r>
+              <a:rPr lang="en-US" dirty="0"/>
+              <a:t>Firstly, let's have a look at the dataset we use</a:t>
+            </a:r>
+          </a:p>
+        </p:txBody>
+      </p:sp>
+      <p:sp>
+        <p:nvSpPr>
+          <p:cNvPr id="4" name="Slide Number Placeholder 3"/>
+          <p:cNvSpPr>
+            <a:spLocks noGrp="1"/>
+          </p:cNvSpPr>
+          <p:nvPr>
+            <p:ph type="sldNum" sz="quarter" idx="5"/>
+          </p:nvPr>
+        </p:nvSpPr>
+        <p:spPr/>
+        <p:txBody>
+          <a:bodyPr/>
+          <a:lstStyle/>
+          <a:p>
+            <a:fld id="{53CCBAE8-FEE3-C44C-B81A-2E4B811BCB09}" type="slidenum">
+              <a:rPr lang="en-US" smtClean="0"/>
+              <a:t>2</a:t>
+            </a:fld>
+            <a:endParaRPr lang="en-US"/>
+          </a:p>
+        </p:txBody>
+      </p:sp>
+    </p:spTree>
+    <p:extLst>
+      <p:ext uri="{BB962C8B-B14F-4D97-AF65-F5344CB8AC3E}">
+        <p14:creationId xmlns:p14="http://schemas.microsoft.com/office/powerpoint/2010/main" val="4082722363"/>
+      </p:ext>
+    </p:extLst>
+  </p:cSld>
+  <p:clrMapOvr>
+    <a:masterClrMapping/>
+  </p:clrMapOvr>
+</p:notes>
+</file>
+
+<file path=ppt/notesSlides/notesSlide3.xml><?xml version="1.0" encoding="utf-8"?>
+<p:notes xmlns:a="http://schemas.openxmlformats.org/drawingml/2006/main" xmlns:r="http://schemas.openxmlformats.org/officeDocument/2006/relationships" xmlns:p="http://schemas.openxmlformats.org/presentationml/2006/main">
+  <p:cSld>
+    <p:spTree>
+      <p:nvGrpSpPr>
+        <p:cNvPr id="1" name=""/>
+        <p:cNvGrpSpPr/>
+        <p:nvPr/>
+      </p:nvGrpSpPr>
+      <p:grpSpPr>
+        <a:xfrm>
+          <a:off x="0" y="0"/>
+          <a:ext cx="0" cy="0"/>
+          <a:chOff x="0" y="0"/>
+          <a:chExt cx="0" cy="0"/>
+        </a:xfrm>
+      </p:grpSpPr>
+      <p:sp>
+        <p:nvSpPr>
+          <p:cNvPr id="2" name="Slide Image Placeholder 1"/>
+          <p:cNvSpPr>
+            <a:spLocks noGrp="1" noRot="1" noChangeAspect="1"/>
+          </p:cNvSpPr>
+          <p:nvPr>
+            <p:ph type="sldImg"/>
+          </p:nvPr>
+        </p:nvSpPr>
+        <p:spPr/>
+      </p:sp>
+      <p:sp>
+        <p:nvSpPr>
+          <p:cNvPr id="3" name="Notes Placeholder 2"/>
+          <p:cNvSpPr>
+            <a:spLocks noGrp="1"/>
+          </p:cNvSpPr>
+          <p:nvPr>
+            <p:ph type="body" idx="1"/>
+          </p:nvPr>
+        </p:nvSpPr>
+        <p:spPr/>
+        <p:txBody>
+          <a:bodyPr/>
+          <a:lstStyle/>
+          <a:p>
+            <a:r>
+              <a:rPr lang="en-US" dirty="0"/>
+              <a:t>I will start with the most unfamiliar language among those three</a:t>
+            </a:r>
+          </a:p>
+        </p:txBody>
+      </p:sp>
+      <p:sp>
+        <p:nvSpPr>
+          <p:cNvPr id="4" name="Slide Number Placeholder 3"/>
+          <p:cNvSpPr>
+            <a:spLocks noGrp="1"/>
+          </p:cNvSpPr>
+          <p:nvPr>
+            <p:ph type="sldNum" sz="quarter" idx="5"/>
+          </p:nvPr>
+        </p:nvSpPr>
+        <p:spPr/>
+        <p:txBody>
+          <a:bodyPr/>
+          <a:lstStyle/>
+          <a:p>
+            <a:fld id="{53CCBAE8-FEE3-C44C-B81A-2E4B811BCB09}" type="slidenum">
+              <a:rPr lang="en-US" smtClean="0"/>
+              <a:t>3</a:t>
+            </a:fld>
+            <a:endParaRPr lang="en-US"/>
+          </a:p>
+        </p:txBody>
+      </p:sp>
+    </p:spTree>
+    <p:extLst>
+      <p:ext uri="{BB962C8B-B14F-4D97-AF65-F5344CB8AC3E}">
+        <p14:creationId xmlns:p14="http://schemas.microsoft.com/office/powerpoint/2010/main" val="4016372221"/>
+      </p:ext>
+    </p:extLst>
+  </p:cSld>
+  <p:clrMapOvr>
+    <a:masterClrMapping/>
+  </p:clrMapOvr>
+</p:notes>
+</file>
+
+<file path=ppt/notesSlides/notesSlide4.xml><?xml version="1.0" encoding="utf-8"?>
+<p:notes xmlns:a="http://schemas.openxmlformats.org/drawingml/2006/main" xmlns:r="http://schemas.openxmlformats.org/officeDocument/2006/relationships" xmlns:p="http://schemas.openxmlformats.org/presentationml/2006/main">
+  <p:cSld>
+    <p:spTree>
+      <p:nvGrpSpPr>
+        <p:cNvPr id="1" name=""/>
+        <p:cNvGrpSpPr/>
+        <p:nvPr/>
+      </p:nvGrpSpPr>
+      <p:grpSpPr>
+        <a:xfrm>
+          <a:off x="0" y="0"/>
+          <a:ext cx="0" cy="0"/>
+          <a:chOff x="0" y="0"/>
+          <a:chExt cx="0" cy="0"/>
+        </a:xfrm>
+      </p:grpSpPr>
+      <p:sp>
+        <p:nvSpPr>
+          <p:cNvPr id="2" name="Slide Image Placeholder 1"/>
+          <p:cNvSpPr>
+            <a:spLocks noGrp="1" noRot="1" noChangeAspect="1"/>
+          </p:cNvSpPr>
+          <p:nvPr>
+            <p:ph type="sldImg"/>
+          </p:nvPr>
+        </p:nvSpPr>
+        <p:spPr/>
+      </p:sp>
+      <p:sp>
+        <p:nvSpPr>
+          <p:cNvPr id="3" name="Notes Placeholder 2"/>
+          <p:cNvSpPr>
+            <a:spLocks noGrp="1"/>
+          </p:cNvSpPr>
+          <p:nvPr>
+            <p:ph type="body" idx="1"/>
+          </p:nvPr>
+        </p:nvSpPr>
+        <p:spPr/>
+        <p:txBody>
+          <a:bodyPr/>
+          <a:lstStyle/>
+          <a:p>
+            <a:r>
+              <a:rPr lang="en-US" dirty="0"/>
+              <a:t>So next is the R programming language</a:t>
+            </a:r>
+          </a:p>
+        </p:txBody>
+      </p:sp>
+      <p:sp>
+        <p:nvSpPr>
+          <p:cNvPr id="4" name="Slide Number Placeholder 3"/>
+          <p:cNvSpPr>
+            <a:spLocks noGrp="1"/>
+          </p:cNvSpPr>
+          <p:nvPr>
+            <p:ph type="sldNum" sz="quarter" idx="5"/>
+          </p:nvPr>
+        </p:nvSpPr>
+        <p:spPr/>
+        <p:txBody>
+          <a:bodyPr/>
+          <a:lstStyle/>
+          <a:p>
+            <a:fld id="{53CCBAE8-FEE3-C44C-B81A-2E4B811BCB09}" type="slidenum">
+              <a:rPr lang="en-US" smtClean="0"/>
+              <a:t>6</a:t>
+            </a:fld>
+            <a:endParaRPr lang="en-US"/>
+          </a:p>
+        </p:txBody>
+      </p:sp>
+    </p:spTree>
+    <p:extLst>
+      <p:ext uri="{BB962C8B-B14F-4D97-AF65-F5344CB8AC3E}">
+        <p14:creationId xmlns:p14="http://schemas.microsoft.com/office/powerpoint/2010/main" val="925480296"/>
+      </p:ext>
+    </p:extLst>
+  </p:cSld>
+  <p:clrMapOvr>
+    <a:masterClrMapping/>
+  </p:clrMapOvr>
+</p:notes>
+</file>
+
+<file path=ppt/notesSlides/notesSlide5.xml><?xml version="1.0" encoding="utf-8"?>
+<p:notes xmlns:a="http://schemas.openxmlformats.org/drawingml/2006/main" xmlns:r="http://schemas.openxmlformats.org/officeDocument/2006/relationships" xmlns:p="http://schemas.openxmlformats.org/presentationml/2006/main">
+  <p:cSld>
+    <p:spTree>
+      <p:nvGrpSpPr>
+        <p:cNvPr id="1" name=""/>
+        <p:cNvGrpSpPr/>
+        <p:nvPr/>
+      </p:nvGrpSpPr>
+      <p:grpSpPr>
+        <a:xfrm>
+          <a:off x="0" y="0"/>
+          <a:ext cx="0" cy="0"/>
+          <a:chOff x="0" y="0"/>
+          <a:chExt cx="0" cy="0"/>
+        </a:xfrm>
+      </p:grpSpPr>
+      <p:sp>
+        <p:nvSpPr>
+          <p:cNvPr id="2" name="Slide Image Placeholder 1"/>
+          <p:cNvSpPr>
+            <a:spLocks noGrp="1" noRot="1" noChangeAspect="1"/>
+          </p:cNvSpPr>
+          <p:nvPr>
+            <p:ph type="sldImg"/>
+          </p:nvPr>
+        </p:nvSpPr>
+        <p:spPr/>
+      </p:sp>
+      <p:sp>
+        <p:nvSpPr>
+          <p:cNvPr id="3" name="Notes Placeholder 2"/>
+          <p:cNvSpPr>
+            <a:spLocks noGrp="1"/>
+          </p:cNvSpPr>
+          <p:nvPr>
+            <p:ph type="body" idx="1"/>
+          </p:nvPr>
+        </p:nvSpPr>
+        <p:spPr/>
+        <p:txBody>
+          <a:bodyPr/>
+          <a:lstStyle/>
+          <a:p>
+            <a:r>
+              <a:rPr lang="en-US" dirty="0"/>
+              <a:t>Here's a peek of R's data visualization ability. This is one of the advantages of R, we will get back to this later</a:t>
+            </a:r>
+          </a:p>
+        </p:txBody>
+      </p:sp>
+      <p:sp>
+        <p:nvSpPr>
+          <p:cNvPr id="4" name="Slide Number Placeholder 3"/>
+          <p:cNvSpPr>
+            <a:spLocks noGrp="1"/>
+          </p:cNvSpPr>
+          <p:nvPr>
+            <p:ph type="sldNum" sz="quarter" idx="5"/>
+          </p:nvPr>
+        </p:nvSpPr>
+        <p:spPr/>
+        <p:txBody>
+          <a:bodyPr/>
+          <a:lstStyle/>
+          <a:p>
+            <a:fld id="{53CCBAE8-FEE3-C44C-B81A-2E4B811BCB09}" type="slidenum">
+              <a:rPr lang="en-US" smtClean="0"/>
+              <a:t>7</a:t>
+            </a:fld>
+            <a:endParaRPr lang="en-US"/>
+          </a:p>
+        </p:txBody>
+      </p:sp>
+    </p:spTree>
+    <p:extLst>
+      <p:ext uri="{BB962C8B-B14F-4D97-AF65-F5344CB8AC3E}">
+        <p14:creationId xmlns:p14="http://schemas.microsoft.com/office/powerpoint/2010/main" val="3374452473"/>
+      </p:ext>
+    </p:extLst>
+  </p:cSld>
+  <p:clrMapOvr>
+    <a:masterClrMapping/>
+  </p:clrMapOvr>
+</p:notes>
+</file>
+
+<file path=ppt/notesSlides/notesSlide6.xml><?xml version="1.0" encoding="utf-8"?>
+<p:notes xmlns:a="http://schemas.openxmlformats.org/drawingml/2006/main" xmlns:r="http://schemas.openxmlformats.org/officeDocument/2006/relationships" xmlns:p="http://schemas.openxmlformats.org/presentationml/2006/main">
+  <p:cSld>
+    <p:spTree>
+      <p:nvGrpSpPr>
+        <p:cNvPr id="1" name=""/>
+        <p:cNvGrpSpPr/>
+        <p:nvPr/>
+      </p:nvGrpSpPr>
+      <p:grpSpPr>
+        <a:xfrm>
+          <a:off x="0" y="0"/>
+          <a:ext cx="0" cy="0"/>
+          <a:chOff x="0" y="0"/>
+          <a:chExt cx="0" cy="0"/>
+        </a:xfrm>
+      </p:grpSpPr>
+      <p:sp>
+        <p:nvSpPr>
+          <p:cNvPr id="2" name="Slide Image Placeholder 1"/>
+          <p:cNvSpPr>
+            <a:spLocks noGrp="1" noRot="1" noChangeAspect="1"/>
+          </p:cNvSpPr>
+          <p:nvPr>
+            <p:ph type="sldImg"/>
+          </p:nvPr>
+        </p:nvSpPr>
+        <p:spPr/>
+      </p:sp>
+      <p:sp>
+        <p:nvSpPr>
+          <p:cNvPr id="3" name="Notes Placeholder 2"/>
+          <p:cNvSpPr>
+            <a:spLocks noGrp="1"/>
+          </p:cNvSpPr>
+          <p:nvPr>
+            <p:ph type="body" idx="1"/>
+          </p:nvPr>
+        </p:nvSpPr>
+        <p:spPr/>
+        <p:txBody>
+          <a:bodyPr/>
+          <a:lstStyle/>
+          <a:p>
+            <a:r>
+              <a:rPr lang="en-US" dirty="0"/>
+              <a:t>Here comes our old friend: Python. We used logit function from states model library</a:t>
+            </a:r>
+          </a:p>
+        </p:txBody>
+      </p:sp>
+      <p:sp>
+        <p:nvSpPr>
+          <p:cNvPr id="4" name="Slide Number Placeholder 3"/>
+          <p:cNvSpPr>
+            <a:spLocks noGrp="1"/>
+          </p:cNvSpPr>
+          <p:nvPr>
+            <p:ph type="sldNum" sz="quarter" idx="5"/>
+          </p:nvPr>
+        </p:nvSpPr>
+        <p:spPr/>
+        <p:txBody>
+          <a:bodyPr/>
+          <a:lstStyle/>
+          <a:p>
+            <a:fld id="{53CCBAE8-FEE3-C44C-B81A-2E4B811BCB09}" type="slidenum">
+              <a:rPr lang="en-US" smtClean="0"/>
+              <a:t>8</a:t>
+            </a:fld>
+            <a:endParaRPr lang="en-US"/>
+          </a:p>
+        </p:txBody>
+      </p:sp>
+    </p:spTree>
+    <p:extLst>
+      <p:ext uri="{BB962C8B-B14F-4D97-AF65-F5344CB8AC3E}">
+        <p14:creationId xmlns:p14="http://schemas.microsoft.com/office/powerpoint/2010/main" val="2854084405"/>
+      </p:ext>
+    </p:extLst>
+  </p:cSld>
+  <p:clrMapOvr>
+    <a:masterClrMapping/>
+  </p:clrMapOvr>
+</p:notes>
+</file>
+
 <file path=ppt/slideLayouts/slideLayout1.xml><?xml version="1.0" encoding="utf-8"?>
 <p:sldLayout xmlns:a="http://schemas.openxmlformats.org/drawingml/2006/main" xmlns:r="http://schemas.openxmlformats.org/officeDocument/2006/relationships" xmlns:p="http://schemas.openxmlformats.org/presentationml/2006/main" type="title" preserve="1">
   <p:cSld name="Title Slide">
@@ -1497,7 +2383,7 @@
           <a:p>
             <a:fld id="{48A87A34-81AB-432B-8DAE-1953F412C126}" type="datetimeFigureOut">
               <a:rPr lang="en-US" dirty="0"/>
-              <a:t>10/31/2020</a:t>
+              <a:t>10/31/20</a:t>
             </a:fld>
             <a:endParaRPr lang="en-US" dirty="0"/>
           </a:p>
@@ -2909,7 +3795,7 @@
           <a:p>
             <a:fld id="{48A87A34-81AB-432B-8DAE-1953F412C126}" type="datetimeFigureOut">
               <a:rPr lang="en-US" dirty="0"/>
-              <a:t>10/31/2020</a:t>
+              <a:t>10/31/20</a:t>
             </a:fld>
             <a:endParaRPr lang="en-US" dirty="0"/>
           </a:p>
@@ -4315,7 +5201,7 @@
           <a:p>
             <a:fld id="{48A87A34-81AB-432B-8DAE-1953F412C126}" type="datetimeFigureOut">
               <a:rPr lang="en-US" dirty="0"/>
-              <a:t>10/31/2020</a:t>
+              <a:t>10/31/20</a:t>
             </a:fld>
             <a:endParaRPr lang="en-US" dirty="0"/>
           </a:p>
@@ -5723,7 +6609,7 @@
           <a:p>
             <a:fld id="{48A87A34-81AB-432B-8DAE-1953F412C126}" type="datetimeFigureOut">
               <a:rPr lang="en-US" dirty="0"/>
-              <a:t>10/31/2020</a:t>
+              <a:t>10/31/20</a:t>
             </a:fld>
             <a:endParaRPr lang="en-US" dirty="0"/>
           </a:p>
@@ -7188,7 +8074,7 @@
           <a:p>
             <a:fld id="{48A87A34-81AB-432B-8DAE-1953F412C126}" type="datetimeFigureOut">
               <a:rPr lang="en-US" dirty="0"/>
-              <a:t>10/31/2020</a:t>
+              <a:t>10/31/20</a:t>
             </a:fld>
             <a:endParaRPr lang="en-US" dirty="0"/>
           </a:p>
@@ -8662,7 +9548,7 @@
           <a:p>
             <a:fld id="{48A87A34-81AB-432B-8DAE-1953F412C126}" type="datetimeFigureOut">
               <a:rPr lang="en-US" dirty="0"/>
-              <a:t>10/31/2020</a:t>
+              <a:t>10/31/20</a:t>
             </a:fld>
             <a:endParaRPr lang="en-US" dirty="0"/>
           </a:p>
@@ -10280,7 +11166,7 @@
           <a:p>
             <a:fld id="{48A87A34-81AB-432B-8DAE-1953F412C126}" type="datetimeFigureOut">
               <a:rPr lang="en-US" dirty="0"/>
-              <a:t>10/31/2020</a:t>
+              <a:t>10/31/20</a:t>
             </a:fld>
             <a:endParaRPr lang="en-US" dirty="0"/>
           </a:p>
@@ -11631,7 +12517,7 @@
           <a:p>
             <a:fld id="{48A87A34-81AB-432B-8DAE-1953F412C126}" type="datetimeFigureOut">
               <a:rPr lang="en-US" dirty="0"/>
-              <a:t>10/31/2020</a:t>
+              <a:t>10/31/20</a:t>
             </a:fld>
             <a:endParaRPr lang="en-US" dirty="0"/>
           </a:p>
@@ -11726,7 +12612,7 @@
           <a:p>
             <a:fld id="{48A87A34-81AB-432B-8DAE-1953F412C126}" type="datetimeFigureOut">
               <a:rPr lang="en-US" dirty="0"/>
-              <a:t>10/31/2020</a:t>
+              <a:t>10/31/20</a:t>
             </a:fld>
             <a:endParaRPr lang="en-US" dirty="0"/>
           </a:p>
@@ -13205,7 +14091,7 @@
           <a:p>
             <a:fld id="{48A87A34-81AB-432B-8DAE-1953F412C126}" type="datetimeFigureOut">
               <a:rPr lang="en-US" dirty="0"/>
-              <a:t>10/31/2020</a:t>
+              <a:t>10/31/20</a:t>
             </a:fld>
             <a:endParaRPr lang="en-US" dirty="0"/>
           </a:p>
@@ -14698,7 +15584,7 @@
           <a:p>
             <a:fld id="{48A87A34-81AB-432B-8DAE-1953F412C126}" type="datetimeFigureOut">
               <a:rPr lang="en-US" dirty="0"/>
-              <a:t>10/31/2020</a:t>
+              <a:t>10/31/20</a:t>
             </a:fld>
             <a:endParaRPr lang="en-US" dirty="0"/>
           </a:p>
@@ -14916,7 +15802,7 @@
           <a:p>
             <a:fld id="{48A87A34-81AB-432B-8DAE-1953F412C126}" type="datetimeFigureOut">
               <a:rPr lang="en-US" dirty="0"/>
-              <a:t>10/31/2020</a:t>
+              <a:t>10/31/20</a:t>
             </a:fld>
             <a:endParaRPr lang="en-US" dirty="0"/>
           </a:p>
@@ -15413,7 +16299,7 @@
           <a:p>
             <a:r>
               <a:rPr lang="en-US" dirty="0"/>
-              <a:t>						   Group: </a:t>
+              <a:t>				          Group 2: </a:t>
             </a:r>
             <a:r>
               <a:rPr lang="en-US" dirty="0" err="1"/>
@@ -15423,11 +16309,20 @@
               <a:rPr lang="en-US" dirty="0"/>
               <a:t> FAN</a:t>
             </a:r>
+            <a:r>
+              <a:rPr lang="zh-CN" altLang="en-US" dirty="0"/>
+              <a:t> </a:t>
+            </a:r>
+            <a:r>
+              <a:rPr lang="en-CA" altLang="zh-CN" dirty="0"/>
+              <a:t>(Leo)</a:t>
+            </a:r>
+            <a:endParaRPr lang="en-US" dirty="0"/>
           </a:p>
           <a:p>
             <a:r>
               <a:rPr lang="en-US" dirty="0"/>
-              <a:t>							 </a:t>
+              <a:t>					               </a:t>
             </a:r>
             <a:r>
               <a:rPr lang="en-US" dirty="0" err="1"/>
@@ -15435,13 +16330,13 @@
             </a:r>
             <a:r>
               <a:rPr lang="en-US" dirty="0"/>
-              <a:t> XU</a:t>
+              <a:t> XU (James)</a:t>
             </a:r>
           </a:p>
           <a:p>
             <a:r>
               <a:rPr lang="en-US" dirty="0"/>
-              <a:t>							         </a:t>
+              <a:t>						        </a:t>
             </a:r>
             <a:r>
               <a:rPr lang="en-US" dirty="0" err="1"/>
@@ -15449,7 +16344,15 @@
             </a:r>
             <a:r>
               <a:rPr lang="en-US" dirty="0"/>
-              <a:t> YAN</a:t>
+              <a:t> YAN (</a:t>
+            </a:r>
+            <a:r>
+              <a:rPr lang="en-US" dirty="0" err="1"/>
+              <a:t>Maritn</a:t>
+            </a:r>
+            <a:r>
+              <a:rPr lang="en-US" dirty="0"/>
+              <a:t>)</a:t>
             </a:r>
           </a:p>
         </p:txBody>
@@ -15870,21 +16773,7 @@
           <a:p>
             <a:r>
               <a:rPr lang="en-US" dirty="0"/>
-              <a:t>Performance Comparison</a:t>
-            </a:r>
-          </a:p>
-          <a:p>
-            <a:r>
-              <a:rPr lang="en-US" dirty="0"/>
-              <a:t>(</a:t>
-            </a:r>
-            <a:r>
-              <a:rPr lang="en-US" dirty="0" err="1"/>
-              <a:t>w.r.t.</a:t>
-            </a:r>
-            <a:r>
-              <a:rPr lang="en-US" dirty="0"/>
-              <a:t> Accuracy)</a:t>
+              <a:t>Performance</a:t>
             </a:r>
           </a:p>
         </p:txBody>
@@ -16109,10 +16998,15 @@
             <p:ph idx="1"/>
           </p:nvPr>
         </p:nvSpPr>
-        <p:spPr/>
+        <p:spPr>
+          <a:xfrm>
+            <a:off x="5118447" y="353085"/>
+            <a:ext cx="6281873" cy="6274052"/>
+          </a:xfrm>
+        </p:spPr>
         <p:txBody>
           <a:bodyPr>
-            <a:normAutofit lnSpcReduction="10000"/>
+            <a:normAutofit/>
           </a:bodyPr>
           <a:lstStyle/>
           <a:p>
@@ -16122,104 +17016,61 @@
             </a:r>
           </a:p>
           <a:p>
+            <a:pPr marL="0" indent="0">
+              <a:buNone/>
+            </a:pPr>
             <a:r>
               <a:rPr lang="en-US" dirty="0"/>
               <a:t>    Excellent data processing ability</a:t>
             </a:r>
           </a:p>
           <a:p>
+            <a:pPr marL="0" indent="0">
+              <a:buNone/>
+            </a:pPr>
             <a:r>
               <a:rPr lang="en-US" dirty="0"/>
-              <a:t>    Easy for novice </a:t>
+              <a:t>    Easy for beginners to get started</a:t>
             </a:r>
           </a:p>
           <a:p>
-            <a:r>
-              <a:rPr lang="en-US" dirty="0"/>
-              <a:t>    Support Polymorphism and </a:t>
-            </a:r>
-            <a:r>
-              <a:rPr lang="en-US" altLang="zh-CN" dirty="0"/>
-              <a:t>Generic</a:t>
-            </a:r>
-          </a:p>
-          <a:p>
-            <a:r>
-              <a:rPr lang="en-US" dirty="0"/>
-              <a:t>    Less memory issue exp. </a:t>
-            </a:r>
-            <a:r>
-              <a:rPr lang="en-US" altLang="zh-CN" dirty="0"/>
-              <a:t>memory overflow</a:t>
-            </a:r>
-          </a:p>
-          <a:p>
-            <a:r>
-              <a:rPr lang="en-US" dirty="0"/>
-              <a:t>    Good portability (Windows, MacOS, Linux…)</a:t>
-            </a:r>
-          </a:p>
-          <a:p>
+            <a:pPr marL="0" indent="0">
+              <a:buNone/>
+            </a:pPr>
             <a:r>
               <a:rPr lang="en-US" dirty="0"/>
               <a:t>    Massive frameworks and libraries</a:t>
             </a:r>
           </a:p>
           <a:p>
+            <a:pPr marL="0" indent="0">
+              <a:buNone/>
+            </a:pPr>
+            <a:r>
+              <a:rPr lang="en-US" dirty="0"/>
+              <a:t>    Community is active and helpful</a:t>
+            </a:r>
+          </a:p>
+          <a:p>
+            <a:pPr marL="0" indent="0">
+              <a:buNone/>
+            </a:pPr>
+            <a:endParaRPr lang="en-US" dirty="0"/>
+          </a:p>
+          <a:p>
             <a:r>
               <a:rPr lang="en-US" dirty="0"/>
               <a:t>Cons:</a:t>
             </a:r>
           </a:p>
           <a:p>
+            <a:pPr marL="0" indent="0">
+              <a:buNone/>
+            </a:pPr>
             <a:r>
               <a:rPr lang="en-US" dirty="0"/>
               <a:t>    Not fast enough</a:t>
             </a:r>
-          </a:p>
-          <a:p>
-            <a:r>
-              <a:rPr lang="en-US" dirty="0"/>
-              <a:t>    Rely on </a:t>
-            </a:r>
-            <a:r>
-              <a:rPr lang="en-US" dirty="0" err="1"/>
-              <a:t>CPython</a:t>
-            </a:r>
-            <a:endParaRPr lang="en-US" dirty="0"/>
-          </a:p>
-          <a:p>
-            <a:r>
-              <a:rPr lang="en-US" dirty="0"/>
-              <a:t>    Too many grammar tricks</a:t>
-            </a:r>
-          </a:p>
-          <a:p>
-            <a:r>
-              <a:rPr lang="en-US" altLang="zh-CN" dirty="0"/>
-              <a:t>    Not cool</a:t>
-            </a:r>
-            <a:r>
-              <a:rPr lang="zh-CN" altLang="en-US" dirty="0"/>
-              <a:t>！！！</a:t>
-            </a:r>
-            <a:r>
-              <a:rPr lang="en-US" altLang="zh-CN" dirty="0"/>
-              <a:t>I </a:t>
-            </a:r>
-            <a:r>
-              <a:rPr lang="en-US" altLang="zh-CN"/>
-              <a:t>can’t handle </a:t>
-            </a:r>
-            <a:r>
-              <a:rPr lang="en-US" altLang="zh-CN" dirty="0"/>
-              <a:t>everything</a:t>
-            </a:r>
-            <a:r>
-              <a:rPr lang="zh-CN" altLang="en-US" dirty="0"/>
-              <a:t>！！！</a:t>
-            </a:r>
-            <a:endParaRPr lang="en-US" dirty="0"/>
           </a:p>
         </p:txBody>
       </p:sp>
@@ -16806,7 +17657,7 @@
           <a:p>
             <a:r>
               <a:rPr lang="en-US" dirty="0"/>
-              <a:t>In this dataset, there are 400 observations, we want to choose 75% as our training set,and the rest 25% as our testing set.</a:t>
+              <a:t>In this dataset, there are 400 observations, we chose 75% of them as our training set, and the rest 25% as our testing set.</a:t>
             </a:r>
           </a:p>
         </p:txBody>
@@ -16937,7 +17788,7 @@
           <a:p>
             <a:r>
               <a:rPr lang="en-US" dirty="0"/>
-              <a:t>Performance Comparison</a:t>
+              <a:t>Performance </a:t>
             </a:r>
           </a:p>
           <a:p>
@@ -16971,7 +17822,7 @@
           <p:nvPr/>
         </p:nvPicPr>
         <p:blipFill>
-          <a:blip r:embed="rId2"/>
+          <a:blip r:embed="rId3"/>
           <a:stretch>
             <a:fillRect/>
           </a:stretch>
@@ -17363,7 +18214,7 @@
           <p:nvPr/>
         </p:nvPicPr>
         <p:blipFill>
-          <a:blip r:embed="rId3"/>
+          <a:blip r:embed="rId4"/>
           <a:stretch>
             <a:fillRect/>
           </a:stretch>
@@ -17393,7 +18244,7 @@
           <p:nvPr/>
         </p:nvPicPr>
         <p:blipFill>
-          <a:blip r:embed="rId4"/>
+          <a:blip r:embed="rId5"/>
           <a:stretch>
             <a:fillRect/>
           </a:stretch>
@@ -17535,13 +18386,7 @@
           <a:p>
             <a:r>
               <a:rPr lang="en-US" dirty="0"/>
-              <a:t>Performance Comparison</a:t>
-            </a:r>
-          </a:p>
-          <a:p>
-            <a:r>
-              <a:rPr lang="en-US" dirty="0"/>
-              <a:t>(</a:t>
+              <a:t>Performance (</a:t>
             </a:r>
             <a:r>
               <a:rPr lang="en-US" dirty="0" err="1"/>
@@ -19456,293 +20301,6 @@
         </p:nvSpPr>
         <p:spPr>
           <a:xfrm>
-            <a:off x="847255" y="2717406"/>
-            <a:ext cx="3644040" cy="825894"/>
-          </a:xfrm>
-        </p:spPr>
-        <p:txBody>
-          <a:bodyPr>
-            <a:normAutofit fontScale="90000"/>
-          </a:bodyPr>
-          <a:lstStyle/>
-          <a:p>
-            <a:r>
-              <a:rPr lang="en-US" dirty="0"/>
-              <a:t>Logistic Regression</a:t>
-            </a:r>
-          </a:p>
-        </p:txBody>
-      </p:sp>
-      <p:sp>
-        <p:nvSpPr>
-          <p:cNvPr id="8" name="TextBox 7"/>
-          <p:cNvSpPr txBox="1"/>
-          <p:nvPr/>
-        </p:nvSpPr>
-        <p:spPr>
-          <a:xfrm>
-            <a:off x="2183681" y="594004"/>
-            <a:ext cx="1341839" cy="646331"/>
-          </a:xfrm>
-          <a:prstGeom prst="rect">
-            <a:avLst/>
-          </a:prstGeom>
-          <a:noFill/>
-        </p:spPr>
-        <p:txBody>
-          <a:bodyPr wrap="square" rtlCol="0">
-            <a:spAutoFit/>
-          </a:bodyPr>
-          <a:lstStyle/>
-          <a:p>
-            <a:r>
-              <a:rPr lang="en-US" sz="3600" dirty="0"/>
-              <a:t>R</a:t>
-            </a:r>
-          </a:p>
-        </p:txBody>
-      </p:sp>
-      <p:sp>
-        <p:nvSpPr>
-          <p:cNvPr id="7" name="Title 1">
-            <a:extLst>
-              <a:ext uri="{FF2B5EF4-FFF2-40B4-BE49-F238E27FC236}">
-                <a16:creationId xmlns:a16="http://schemas.microsoft.com/office/drawing/2014/main" id="{66DEF3DC-6533-724C-B165-D1B43C7E3686}"/>
-              </a:ext>
-            </a:extLst>
-          </p:cNvPr>
-          <p:cNvSpPr txBox="1">
-            <a:spLocks/>
-          </p:cNvSpPr>
-          <p:nvPr/>
-        </p:nvSpPr>
-        <p:spPr>
-          <a:xfrm>
-            <a:off x="847255" y="3553690"/>
-            <a:ext cx="3644040" cy="825894"/>
-          </a:xfrm>
-          <a:prstGeom prst="rect">
-            <a:avLst/>
-          </a:prstGeom>
-        </p:spPr>
-        <p:txBody>
-          <a:bodyPr vert="horz" lIns="228600" tIns="228600" rIns="228600" bIns="228600" rtlCol="0" anchor="ctr">
-            <a:normAutofit fontScale="82500" lnSpcReduction="20000"/>
-          </a:bodyPr>
-          <a:lstStyle>
-            <a:lvl1pPr algn="ctr" defTabSz="914400" rtl="0" eaLnBrk="1" latinLnBrk="0" hangingPunct="1">
-              <a:lnSpc>
-                <a:spcPct val="85000"/>
-              </a:lnSpc>
-              <a:spcBef>
-                <a:spcPct val="0"/>
-              </a:spcBef>
-              <a:buNone/>
-              <a:defRPr sz="4000" b="0" i="0" kern="1200" cap="none" spc="-150">
-                <a:solidFill>
-                  <a:srgbClr val="FFFEFF"/>
-                </a:solidFill>
-                <a:effectLst/>
-                <a:latin typeface="+mj-lt"/>
-                <a:ea typeface="+mj-ea"/>
-                <a:cs typeface="+mj-cs"/>
-              </a:defRPr>
-            </a:lvl1pPr>
-          </a:lstStyle>
-          <a:p>
-            <a:r>
-              <a:rPr lang="en-US" dirty="0">
-                <a:solidFill>
-                  <a:schemeClr val="bg1"/>
-                </a:solidFill>
-              </a:rPr>
-              <a:t>Random Forest</a:t>
-            </a:r>
-          </a:p>
-        </p:txBody>
-      </p:sp>
-      <p:sp>
-        <p:nvSpPr>
-          <p:cNvPr id="10" name="Title 1">
-            <a:extLst>
-              <a:ext uri="{FF2B5EF4-FFF2-40B4-BE49-F238E27FC236}">
-                <a16:creationId xmlns:a16="http://schemas.microsoft.com/office/drawing/2014/main" id="{1AE213C0-8DBB-834E-997B-C72A10E803E2}"/>
-              </a:ext>
-            </a:extLst>
-          </p:cNvPr>
-          <p:cNvSpPr txBox="1">
-            <a:spLocks/>
-          </p:cNvSpPr>
-          <p:nvPr/>
-        </p:nvSpPr>
-        <p:spPr>
-          <a:xfrm>
-            <a:off x="756739" y="1653282"/>
-            <a:ext cx="3734556" cy="825894"/>
-          </a:xfrm>
-          <a:prstGeom prst="rect">
-            <a:avLst/>
-          </a:prstGeom>
-        </p:spPr>
-        <p:txBody>
-          <a:bodyPr vert="horz" lIns="228600" tIns="228600" rIns="228600" bIns="228600" rtlCol="0" anchor="ctr">
-            <a:normAutofit fontScale="82500" lnSpcReduction="20000"/>
-          </a:bodyPr>
-          <a:lstStyle>
-            <a:lvl1pPr algn="ctr" defTabSz="914400" rtl="0" eaLnBrk="1" latinLnBrk="0" hangingPunct="1">
-              <a:lnSpc>
-                <a:spcPct val="85000"/>
-              </a:lnSpc>
-              <a:spcBef>
-                <a:spcPct val="0"/>
-              </a:spcBef>
-              <a:buNone/>
-              <a:defRPr sz="4000" b="0" i="0" kern="1200" cap="none" spc="-150">
-                <a:solidFill>
-                  <a:srgbClr val="FFFEFF"/>
-                </a:solidFill>
-                <a:effectLst/>
-                <a:latin typeface="+mj-lt"/>
-                <a:ea typeface="+mj-ea"/>
-                <a:cs typeface="+mj-cs"/>
-              </a:defRPr>
-            </a:lvl1pPr>
-          </a:lstStyle>
-          <a:p>
-            <a:r>
-              <a:rPr lang="en-US" dirty="0"/>
-              <a:t>Data Visualization</a:t>
-            </a:r>
-          </a:p>
-        </p:txBody>
-      </p:sp>
-      <p:pic>
-        <p:nvPicPr>
-          <p:cNvPr id="3" name="Picture 2">
-            <a:extLst>
-              <a:ext uri="{FF2B5EF4-FFF2-40B4-BE49-F238E27FC236}">
-                <a16:creationId xmlns:a16="http://schemas.microsoft.com/office/drawing/2014/main" id="{97EF5F1F-2A0D-B54E-A434-127E98ABD32F}"/>
-              </a:ext>
-            </a:extLst>
-          </p:cNvPr>
-          <p:cNvPicPr>
-            <a:picLocks noChangeAspect="1"/>
-          </p:cNvPicPr>
-          <p:nvPr/>
-        </p:nvPicPr>
-        <p:blipFill>
-          <a:blip r:embed="rId2"/>
-          <a:stretch>
-            <a:fillRect/>
-          </a:stretch>
-        </p:blipFill>
-        <p:spPr>
-          <a:xfrm>
-            <a:off x="4536199" y="3419044"/>
-            <a:ext cx="4962328" cy="3399390"/>
-          </a:xfrm>
-          <a:prstGeom prst="rect">
-            <a:avLst/>
-          </a:prstGeom>
-        </p:spPr>
-      </p:pic>
-      <p:pic>
-        <p:nvPicPr>
-          <p:cNvPr id="4" name="Picture 3">
-            <a:extLst>
-              <a:ext uri="{FF2B5EF4-FFF2-40B4-BE49-F238E27FC236}">
-                <a16:creationId xmlns:a16="http://schemas.microsoft.com/office/drawing/2014/main" id="{4DFA42A2-EBEB-794E-9F3E-83BD7B8FA86C}"/>
-              </a:ext>
-            </a:extLst>
-          </p:cNvPr>
-          <p:cNvPicPr>
-            <a:picLocks noChangeAspect="1"/>
-          </p:cNvPicPr>
-          <p:nvPr/>
-        </p:nvPicPr>
-        <p:blipFill>
-          <a:blip r:embed="rId3"/>
-          <a:stretch>
-            <a:fillRect/>
-          </a:stretch>
-        </p:blipFill>
-        <p:spPr>
-          <a:xfrm>
-            <a:off x="4655128" y="177772"/>
-            <a:ext cx="4330542" cy="3200835"/>
-          </a:xfrm>
-          <a:prstGeom prst="rect">
-            <a:avLst/>
-          </a:prstGeom>
-        </p:spPr>
-      </p:pic>
-      <p:pic>
-        <p:nvPicPr>
-          <p:cNvPr id="5" name="Picture 4">
-            <a:extLst>
-              <a:ext uri="{FF2B5EF4-FFF2-40B4-BE49-F238E27FC236}">
-                <a16:creationId xmlns:a16="http://schemas.microsoft.com/office/drawing/2014/main" id="{BC6A9939-3571-6645-BB25-FB752418782E}"/>
-              </a:ext>
-            </a:extLst>
-          </p:cNvPr>
-          <p:cNvPicPr>
-            <a:picLocks noChangeAspect="1"/>
-          </p:cNvPicPr>
-          <p:nvPr/>
-        </p:nvPicPr>
-        <p:blipFill>
-          <a:blip r:embed="rId4"/>
-          <a:stretch>
-            <a:fillRect/>
-          </a:stretch>
-        </p:blipFill>
-        <p:spPr>
-          <a:xfrm>
-            <a:off x="8126610" y="1800415"/>
-            <a:ext cx="3812825" cy="2659875"/>
-          </a:xfrm>
-          <a:prstGeom prst="rect">
-            <a:avLst/>
-          </a:prstGeom>
-        </p:spPr>
-      </p:pic>
-    </p:spTree>
-  </p:cSld>
-  <p:clrMapOvr>
-    <a:masterClrMapping/>
-  </p:clrMapOvr>
-</p:sld>
-</file>
-
-<file path=ppt/slides/slide7.xml><?xml version="1.0" encoding="utf-8"?>
-<p:sld xmlns:a="http://schemas.openxmlformats.org/drawingml/2006/main" xmlns:r="http://schemas.openxmlformats.org/officeDocument/2006/relationships" xmlns:p="http://schemas.openxmlformats.org/presentationml/2006/main">
-  <p:cSld>
-    <p:spTree>
-      <p:nvGrpSpPr>
-        <p:cNvPr id="1" name=""/>
-        <p:cNvGrpSpPr/>
-        <p:nvPr/>
-      </p:nvGrpSpPr>
-      <p:grpSpPr>
-        <a:xfrm>
-          <a:off x="0" y="0"/>
-          <a:ext cx="0" cy="0"/>
-          <a:chOff x="0" y="0"/>
-          <a:chExt cx="0" cy="0"/>
-        </a:xfrm>
-      </p:grpSpPr>
-      <p:sp>
-        <p:nvSpPr>
-          <p:cNvPr id="2" name="Title 1"/>
-          <p:cNvSpPr>
-            <a:spLocks noGrp="1"/>
-          </p:cNvSpPr>
-          <p:nvPr>
-            <p:ph type="title"/>
-          </p:nvPr>
-        </p:nvSpPr>
-        <p:spPr>
-          <a:xfrm>
             <a:off x="878799" y="1553513"/>
             <a:ext cx="3644040" cy="825894"/>
           </a:xfrm>
@@ -19849,13 +20407,7 @@
           <a:p>
             <a:r>
               <a:rPr lang="en-US" dirty="0"/>
-              <a:t>Performance Comparison</a:t>
-            </a:r>
-          </a:p>
-          <a:p>
-            <a:r>
-              <a:rPr lang="en-US" dirty="0"/>
-              <a:t>(</a:t>
+              <a:t>Performance (</a:t>
             </a:r>
             <a:r>
               <a:rPr lang="en-US" dirty="0" err="1"/>
@@ -19962,6 +20514,293 @@
         <p14:creationId xmlns:p14="http://schemas.microsoft.com/office/powerpoint/2010/main" val="136188685"/>
       </p:ext>
     </p:extLst>
+  </p:cSld>
+  <p:clrMapOvr>
+    <a:masterClrMapping/>
+  </p:clrMapOvr>
+</p:sld>
+</file>
+
+<file path=ppt/slides/slide7.xml><?xml version="1.0" encoding="utf-8"?>
+<p:sld xmlns:a="http://schemas.openxmlformats.org/drawingml/2006/main" xmlns:r="http://schemas.openxmlformats.org/officeDocument/2006/relationships" xmlns:p="http://schemas.openxmlformats.org/presentationml/2006/main">
+  <p:cSld>
+    <p:spTree>
+      <p:nvGrpSpPr>
+        <p:cNvPr id="1" name=""/>
+        <p:cNvGrpSpPr/>
+        <p:nvPr/>
+      </p:nvGrpSpPr>
+      <p:grpSpPr>
+        <a:xfrm>
+          <a:off x="0" y="0"/>
+          <a:ext cx="0" cy="0"/>
+          <a:chOff x="0" y="0"/>
+          <a:chExt cx="0" cy="0"/>
+        </a:xfrm>
+      </p:grpSpPr>
+      <p:sp>
+        <p:nvSpPr>
+          <p:cNvPr id="2" name="Title 1"/>
+          <p:cNvSpPr>
+            <a:spLocks noGrp="1"/>
+          </p:cNvSpPr>
+          <p:nvPr>
+            <p:ph type="title"/>
+          </p:nvPr>
+        </p:nvSpPr>
+        <p:spPr>
+          <a:xfrm>
+            <a:off x="847255" y="2717406"/>
+            <a:ext cx="3644040" cy="825894"/>
+          </a:xfrm>
+        </p:spPr>
+        <p:txBody>
+          <a:bodyPr>
+            <a:normAutofit fontScale="90000"/>
+          </a:bodyPr>
+          <a:lstStyle/>
+          <a:p>
+            <a:r>
+              <a:rPr lang="en-US" dirty="0"/>
+              <a:t>Logistic Regression</a:t>
+            </a:r>
+          </a:p>
+        </p:txBody>
+      </p:sp>
+      <p:sp>
+        <p:nvSpPr>
+          <p:cNvPr id="8" name="TextBox 7"/>
+          <p:cNvSpPr txBox="1"/>
+          <p:nvPr/>
+        </p:nvSpPr>
+        <p:spPr>
+          <a:xfrm>
+            <a:off x="2183681" y="594004"/>
+            <a:ext cx="1341839" cy="646331"/>
+          </a:xfrm>
+          <a:prstGeom prst="rect">
+            <a:avLst/>
+          </a:prstGeom>
+          <a:noFill/>
+        </p:spPr>
+        <p:txBody>
+          <a:bodyPr wrap="square" rtlCol="0">
+            <a:spAutoFit/>
+          </a:bodyPr>
+          <a:lstStyle/>
+          <a:p>
+            <a:r>
+              <a:rPr lang="en-US" sz="3600" dirty="0"/>
+              <a:t>R</a:t>
+            </a:r>
+          </a:p>
+        </p:txBody>
+      </p:sp>
+      <p:sp>
+        <p:nvSpPr>
+          <p:cNvPr id="7" name="Title 1">
+            <a:extLst>
+              <a:ext uri="{FF2B5EF4-FFF2-40B4-BE49-F238E27FC236}">
+                <a16:creationId xmlns:a16="http://schemas.microsoft.com/office/drawing/2014/main" id="{66DEF3DC-6533-724C-B165-D1B43C7E3686}"/>
+              </a:ext>
+            </a:extLst>
+          </p:cNvPr>
+          <p:cNvSpPr txBox="1">
+            <a:spLocks/>
+          </p:cNvSpPr>
+          <p:nvPr/>
+        </p:nvSpPr>
+        <p:spPr>
+          <a:xfrm>
+            <a:off x="847255" y="3553690"/>
+            <a:ext cx="3644040" cy="825894"/>
+          </a:xfrm>
+          <a:prstGeom prst="rect">
+            <a:avLst/>
+          </a:prstGeom>
+        </p:spPr>
+        <p:txBody>
+          <a:bodyPr vert="horz" lIns="228600" tIns="228600" rIns="228600" bIns="228600" rtlCol="0" anchor="ctr">
+            <a:normAutofit fontScale="82500" lnSpcReduction="20000"/>
+          </a:bodyPr>
+          <a:lstStyle>
+            <a:lvl1pPr algn="ctr" defTabSz="914400" rtl="0" eaLnBrk="1" latinLnBrk="0" hangingPunct="1">
+              <a:lnSpc>
+                <a:spcPct val="85000"/>
+              </a:lnSpc>
+              <a:spcBef>
+                <a:spcPct val="0"/>
+              </a:spcBef>
+              <a:buNone/>
+              <a:defRPr sz="4000" b="0" i="0" kern="1200" cap="none" spc="-150">
+                <a:solidFill>
+                  <a:srgbClr val="FFFEFF"/>
+                </a:solidFill>
+                <a:effectLst/>
+                <a:latin typeface="+mj-lt"/>
+                <a:ea typeface="+mj-ea"/>
+                <a:cs typeface="+mj-cs"/>
+              </a:defRPr>
+            </a:lvl1pPr>
+          </a:lstStyle>
+          <a:p>
+            <a:r>
+              <a:rPr lang="en-US" dirty="0">
+                <a:solidFill>
+                  <a:schemeClr val="bg1"/>
+                </a:solidFill>
+              </a:rPr>
+              <a:t>Random Forest</a:t>
+            </a:r>
+          </a:p>
+        </p:txBody>
+      </p:sp>
+      <p:sp>
+        <p:nvSpPr>
+          <p:cNvPr id="10" name="Title 1">
+            <a:extLst>
+              <a:ext uri="{FF2B5EF4-FFF2-40B4-BE49-F238E27FC236}">
+                <a16:creationId xmlns:a16="http://schemas.microsoft.com/office/drawing/2014/main" id="{1AE213C0-8DBB-834E-997B-C72A10E803E2}"/>
+              </a:ext>
+            </a:extLst>
+          </p:cNvPr>
+          <p:cNvSpPr txBox="1">
+            <a:spLocks/>
+          </p:cNvSpPr>
+          <p:nvPr/>
+        </p:nvSpPr>
+        <p:spPr>
+          <a:xfrm>
+            <a:off x="756739" y="1653282"/>
+            <a:ext cx="3734556" cy="825894"/>
+          </a:xfrm>
+          <a:prstGeom prst="rect">
+            <a:avLst/>
+          </a:prstGeom>
+        </p:spPr>
+        <p:txBody>
+          <a:bodyPr vert="horz" lIns="228600" tIns="228600" rIns="228600" bIns="228600" rtlCol="0" anchor="ctr">
+            <a:normAutofit fontScale="82500" lnSpcReduction="20000"/>
+          </a:bodyPr>
+          <a:lstStyle>
+            <a:lvl1pPr algn="ctr" defTabSz="914400" rtl="0" eaLnBrk="1" latinLnBrk="0" hangingPunct="1">
+              <a:lnSpc>
+                <a:spcPct val="85000"/>
+              </a:lnSpc>
+              <a:spcBef>
+                <a:spcPct val="0"/>
+              </a:spcBef>
+              <a:buNone/>
+              <a:defRPr sz="4000" b="0" i="0" kern="1200" cap="none" spc="-150">
+                <a:solidFill>
+                  <a:srgbClr val="FFFEFF"/>
+                </a:solidFill>
+                <a:effectLst/>
+                <a:latin typeface="+mj-lt"/>
+                <a:ea typeface="+mj-ea"/>
+                <a:cs typeface="+mj-cs"/>
+              </a:defRPr>
+            </a:lvl1pPr>
+          </a:lstStyle>
+          <a:p>
+            <a:r>
+              <a:rPr lang="en-US" dirty="0"/>
+              <a:t>Data Visualization</a:t>
+            </a:r>
+          </a:p>
+        </p:txBody>
+      </p:sp>
+      <p:pic>
+        <p:nvPicPr>
+          <p:cNvPr id="3" name="Picture 2">
+            <a:extLst>
+              <a:ext uri="{FF2B5EF4-FFF2-40B4-BE49-F238E27FC236}">
+                <a16:creationId xmlns:a16="http://schemas.microsoft.com/office/drawing/2014/main" id="{97EF5F1F-2A0D-B54E-A434-127E98ABD32F}"/>
+              </a:ext>
+            </a:extLst>
+          </p:cNvPr>
+          <p:cNvPicPr>
+            <a:picLocks noChangeAspect="1"/>
+          </p:cNvPicPr>
+          <p:nvPr/>
+        </p:nvPicPr>
+        <p:blipFill>
+          <a:blip r:embed="rId3"/>
+          <a:stretch>
+            <a:fillRect/>
+          </a:stretch>
+        </p:blipFill>
+        <p:spPr>
+          <a:xfrm>
+            <a:off x="4536199" y="3419044"/>
+            <a:ext cx="4962328" cy="3399390"/>
+          </a:xfrm>
+          <a:prstGeom prst="rect">
+            <a:avLst/>
+          </a:prstGeom>
+        </p:spPr>
+      </p:pic>
+      <p:pic>
+        <p:nvPicPr>
+          <p:cNvPr id="4" name="Picture 3">
+            <a:extLst>
+              <a:ext uri="{FF2B5EF4-FFF2-40B4-BE49-F238E27FC236}">
+                <a16:creationId xmlns:a16="http://schemas.microsoft.com/office/drawing/2014/main" id="{4DFA42A2-EBEB-794E-9F3E-83BD7B8FA86C}"/>
+              </a:ext>
+            </a:extLst>
+          </p:cNvPr>
+          <p:cNvPicPr>
+            <a:picLocks noChangeAspect="1"/>
+          </p:cNvPicPr>
+          <p:nvPr/>
+        </p:nvPicPr>
+        <p:blipFill>
+          <a:blip r:embed="rId4"/>
+          <a:stretch>
+            <a:fillRect/>
+          </a:stretch>
+        </p:blipFill>
+        <p:spPr>
+          <a:xfrm>
+            <a:off x="4655128" y="177772"/>
+            <a:ext cx="4330542" cy="3200835"/>
+          </a:xfrm>
+          <a:prstGeom prst="rect">
+            <a:avLst/>
+          </a:prstGeom>
+        </p:spPr>
+      </p:pic>
+      <p:pic>
+        <p:nvPicPr>
+          <p:cNvPr id="5" name="Picture 4">
+            <a:extLst>
+              <a:ext uri="{FF2B5EF4-FFF2-40B4-BE49-F238E27FC236}">
+                <a16:creationId xmlns:a16="http://schemas.microsoft.com/office/drawing/2014/main" id="{BC6A9939-3571-6645-BB25-FB752418782E}"/>
+              </a:ext>
+            </a:extLst>
+          </p:cNvPr>
+          <p:cNvPicPr>
+            <a:picLocks noChangeAspect="1"/>
+          </p:cNvPicPr>
+          <p:nvPr/>
+        </p:nvPicPr>
+        <p:blipFill>
+          <a:blip r:embed="rId5"/>
+          <a:stretch>
+            <a:fillRect/>
+          </a:stretch>
+        </p:blipFill>
+        <p:spPr>
+          <a:xfrm>
+            <a:off x="8126610" y="1800415"/>
+            <a:ext cx="3812825" cy="2659875"/>
+          </a:xfrm>
+          <a:prstGeom prst="rect">
+            <a:avLst/>
+          </a:prstGeom>
+        </p:spPr>
+      </p:pic>
+    </p:spTree>
   </p:cSld>
   <p:clrMapOvr>
     <a:masterClrMapping/>
@@ -20188,7 +21027,7 @@
           <p:nvPr/>
         </p:nvPicPr>
         <p:blipFill>
-          <a:blip r:embed="rId2"/>
+          <a:blip r:embed="rId3"/>
           <a:stretch>
             <a:fillRect/>
           </a:stretch>
@@ -20218,7 +21057,7 @@
           <p:nvPr/>
         </p:nvPicPr>
         <p:blipFill>
-          <a:blip r:embed="rId3"/>
+          <a:blip r:embed="rId4"/>
           <a:stretch>
             <a:fillRect/>
           </a:stretch>
@@ -20296,7 +21135,7 @@
         <p:spPr>
           <a:xfrm>
             <a:off x="633259" y="2379407"/>
-            <a:ext cx="4135120" cy="2567187"/>
+            <a:ext cx="4013169" cy="2543467"/>
           </a:xfrm>
           <a:prstGeom prst="rect">
             <a:avLst/>
@@ -20330,22 +21169,7 @@
             <a:pPr lvl="0"/>
             <a:r>
               <a:rPr lang="en-US" dirty="0"/>
-              <a:t>Performance Comparison</a:t>
-            </a:r>
-          </a:p>
-          <a:p>
-            <a:pPr lvl="0"/>
-            <a:r>
-              <a:rPr lang="en-US" dirty="0"/>
-              <a:t>(</a:t>
-            </a:r>
-            <a:r>
-              <a:rPr lang="en-US" dirty="0" err="1"/>
-              <a:t>w.r.t.</a:t>
-            </a:r>
-            <a:r>
-              <a:rPr lang="en-US" dirty="0"/>
-              <a:t> Accuracy)</a:t>
+              <a:t>Performance</a:t>
             </a:r>
           </a:p>
         </p:txBody>
@@ -20451,7 +21275,7 @@
             </a:pPr>
             <a:r>
               <a:rPr lang="en-US" altLang="zh-CN" dirty="0"/>
-              <a:t>     Average time spent training the model: 0.030s</a:t>
+              <a:t>     Average time spent training the model: 0.0030s</a:t>
             </a:r>
           </a:p>
           <a:p>
@@ -20822,4 +21646,299 @@
     </a:ext>
   </a:extLst>
 </a:theme>
+</file>
+
+<file path=ppt/theme/theme2.xml><?xml version="1.0" encoding="utf-8"?>
+<a:theme xmlns:a="http://schemas.openxmlformats.org/drawingml/2006/main" name="Office Theme">
+  <a:themeElements>
+    <a:clrScheme name="Office">
+      <a:dk1>
+        <a:sysClr val="windowText" lastClr="000000"/>
+      </a:dk1>
+      <a:lt1>
+        <a:sysClr val="window" lastClr="FFFFFF"/>
+      </a:lt1>
+      <a:dk2>
+        <a:srgbClr val="44546A"/>
+      </a:dk2>
+      <a:lt2>
+        <a:srgbClr val="E7E6E6"/>
+      </a:lt2>
+      <a:accent1>
+        <a:srgbClr val="4472C4"/>
+      </a:accent1>
+      <a:accent2>
+        <a:srgbClr val="ED7D31"/>
+      </a:accent2>
+      <a:accent3>
+        <a:srgbClr val="A5A5A5"/>
+      </a:accent3>
+      <a:accent4>
+        <a:srgbClr val="FFC000"/>
+      </a:accent4>
+      <a:accent5>
+        <a:srgbClr val="5B9BD5"/>
+      </a:accent5>
+      <a:accent6>
+        <a:srgbClr val="70AD47"/>
+      </a:accent6>
+      <a:hlink>
+        <a:srgbClr val="0563C1"/>
+      </a:hlink>
+      <a:folHlink>
+        <a:srgbClr val="954F72"/>
+      </a:folHlink>
+    </a:clrScheme>
+    <a:fontScheme name="Office">
+      <a:majorFont>
+        <a:latin typeface="Calibri Light" panose="020F0302020204030204"/>
+        <a:ea typeface=""/>
+        <a:cs typeface=""/>
+        <a:font script="Jpan" typeface="游ゴシック Light"/>
+        <a:font script="Hang" typeface="맑은 고딕"/>
+        <a:font script="Hans" typeface="等线 Light"/>
+        <a:font script="Hant" typeface="新細明體"/>
+        <a:font script="Arab" typeface="Times New Roman"/>
+        <a:font script="Hebr" typeface="Times New Roman"/>
+        <a:font script="Thai" typeface="Angsana New"/>
+        <a:font script="Ethi" typeface="Nyala"/>
+        <a:font script="Beng" typeface="Vrinda"/>
+        <a:font script="Gujr" typeface="Shruti"/>
+        <a:font script="Khmr" typeface="MoolBoran"/>
+        <a:font script="Knda" typeface="Tunga"/>
+        <a:font script="Guru" typeface="Raavi"/>
+        <a:font script="Cans" typeface="Euphemia"/>
+        <a:font script="Cher" typeface="Plantagenet Cherokee"/>
+        <a:font script="Yiii" typeface="Microsoft Yi Baiti"/>
+        <a:font script="Tibt" typeface="Microsoft Himalaya"/>
+        <a:font script="Thaa" typeface="MV Boli"/>
+        <a:font script="Deva" typeface="Mangal"/>
+        <a:font script="Telu" typeface="Gautami"/>
+        <a:font script="Taml" typeface="Latha"/>
+        <a:font script="Syrc" typeface="Estrangelo Edessa"/>
+        <a:font script="Orya" typeface="Kalinga"/>
+        <a:font script="Mlym" typeface="Kartika"/>
+        <a:font script="Laoo" typeface="DokChampa"/>
+        <a:font script="Sinh" typeface="Iskoola Pota"/>
+        <a:font script="Mong" typeface="Mongolian Baiti"/>
+        <a:font script="Viet" typeface="Times New Roman"/>
+        <a:font script="Uigh" typeface="Microsoft Uighur"/>
+        <a:font script="Geor" typeface="Sylfaen"/>
+        <a:font script="Armn" typeface="Arial"/>
+        <a:font script="Bugi" typeface="Leelawadee UI"/>
+        <a:font script="Bopo" typeface="Microsoft JhengHei"/>
+        <a:font script="Java" typeface="Javanese Text"/>
+        <a:font script="Lisu" typeface="Segoe UI"/>
+        <a:font script="Mymr" typeface="Myanmar Text"/>
+        <a:font script="Nkoo" typeface="Ebrima"/>
+        <a:font script="Olck" typeface="Nirmala UI"/>
+        <a:font script="Osma" typeface="Ebrima"/>
+        <a:font script="Phag" typeface="Phagspa"/>
+        <a:font script="Syrn" typeface="Estrangelo Edessa"/>
+        <a:font script="Syrj" typeface="Estrangelo Edessa"/>
+        <a:font script="Syre" typeface="Estrangelo Edessa"/>
+        <a:font script="Sora" typeface="Nirmala UI"/>
+        <a:font script="Tale" typeface="Microsoft Tai Le"/>
+        <a:font script="Talu" typeface="Microsoft New Tai Lue"/>
+        <a:font script="Tfng" typeface="Ebrima"/>
+      </a:majorFont>
+      <a:minorFont>
+        <a:latin typeface="Calibri" panose="020F0502020204030204"/>
+        <a:ea typeface=""/>
+        <a:cs typeface=""/>
+        <a:font script="Jpan" typeface="游ゴシック"/>
+        <a:font script="Hang" typeface="맑은 고딕"/>
+        <a:font script="Hans" typeface="等线"/>
+        <a:font script="Hant" typeface="新細明體"/>
+        <a:font script="Arab" typeface="Arial"/>
+        <a:font script="Hebr" typeface="Arial"/>
+        <a:font script="Thai" typeface="Cordia New"/>
+        <a:font script="Ethi" typeface="Nyala"/>
+        <a:font script="Beng" typeface="Vrinda"/>
+        <a:font script="Gujr" typeface="Shruti"/>
+        <a:font script="Khmr" typeface="DaunPenh"/>
+        <a:font script="Knda" typeface="Tunga"/>
+        <a:font script="Guru" typeface="Raavi"/>
+        <a:font script="Cans" typeface="Euphemia"/>
+        <a:font script="Cher" typeface="Plantagenet Cherokee"/>
+        <a:font script="Yiii" typeface="Microsoft Yi Baiti"/>
+        <a:font script="Tibt" typeface="Microsoft Himalaya"/>
+        <a:font script="Thaa" typeface="MV Boli"/>
+        <a:font script="Deva" typeface="Mangal"/>
+        <a:font script="Telu" typeface="Gautami"/>
+        <a:font script="Taml" typeface="Latha"/>
+        <a:font script="Syrc" typeface="Estrangelo Edessa"/>
+        <a:font script="Orya" typeface="Kalinga"/>
+        <a:font script="Mlym" typeface="Kartika"/>
+        <a:font script="Laoo" typeface="DokChampa"/>
+        <a:font script="Sinh" typeface="Iskoola Pota"/>
+        <a:font script="Mong" typeface="Mongolian Baiti"/>
+        <a:font script="Viet" typeface="Arial"/>
+        <a:font script="Uigh" typeface="Microsoft Uighur"/>
+        <a:font script="Geor" typeface="Sylfaen"/>
+        <a:font script="Armn" typeface="Arial"/>
+        <a:font script="Bugi" typeface="Leelawadee UI"/>
+        <a:font script="Bopo" typeface="Microsoft JhengHei"/>
+        <a:font script="Java" typeface="Javanese Text"/>
+        <a:font script="Lisu" typeface="Segoe UI"/>
+        <a:font script="Mymr" typeface="Myanmar Text"/>
+        <a:font script="Nkoo" typeface="Ebrima"/>
+        <a:font script="Olck" typeface="Nirmala UI"/>
+        <a:font script="Osma" typeface="Ebrima"/>
+        <a:font script="Phag" typeface="Phagspa"/>
+        <a:font script="Syrn" typeface="Estrangelo Edessa"/>
+        <a:font script="Syrj" typeface="Estrangelo Edessa"/>
+        <a:font script="Syre" typeface="Estrangelo Edessa"/>
+        <a:font script="Sora" typeface="Nirmala UI"/>
+        <a:font script="Tale" typeface="Microsoft Tai Le"/>
+        <a:font script="Talu" typeface="Microsoft New Tai Lue"/>
+        <a:font script="Tfng" typeface="Ebrima"/>
+      </a:minorFont>
+    </a:fontScheme>
+    <a:fmtScheme name="Office">
+      <a:fillStyleLst>
+        <a:solidFill>
+          <a:schemeClr val="phClr"/>
+        </a:solidFill>
+        <a:gradFill rotWithShape="1">
+          <a:gsLst>
+            <a:gs pos="0">
+              <a:schemeClr val="phClr">
+                <a:lumMod val="110000"/>
+                <a:satMod val="105000"/>
+                <a:tint val="67000"/>
+              </a:schemeClr>
+            </a:gs>
+            <a:gs pos="50000">
+              <a:schemeClr val="phClr">
+                <a:lumMod val="105000"/>
+                <a:satMod val="103000"/>
+                <a:tint val="73000"/>
+              </a:schemeClr>
+            </a:gs>
+            <a:gs pos="100000">
+              <a:schemeClr val="phClr">
+                <a:lumMod val="105000"/>
+                <a:satMod val="109000"/>
+                <a:tint val="81000"/>
+              </a:schemeClr>
+            </a:gs>
+          </a:gsLst>
+          <a:lin ang="5400000" scaled="0"/>
+        </a:gradFill>
+        <a:gradFill rotWithShape="1">
+          <a:gsLst>
+            <a:gs pos="0">
+              <a:schemeClr val="phClr">
+                <a:satMod val="103000"/>
+                <a:lumMod val="102000"/>
+                <a:tint val="94000"/>
+              </a:schemeClr>
+            </a:gs>
+            <a:gs pos="50000">
+              <a:schemeClr val="phClr">
+                <a:satMod val="110000"/>
+                <a:lumMod val="100000"/>
+                <a:shade val="100000"/>
+              </a:schemeClr>
+            </a:gs>
+            <a:gs pos="100000">
+              <a:schemeClr val="phClr">
+                <a:lumMod val="99000"/>
+                <a:satMod val="120000"/>
+                <a:shade val="78000"/>
+              </a:schemeClr>
+            </a:gs>
+          </a:gsLst>
+          <a:lin ang="5400000" scaled="0"/>
+        </a:gradFill>
+      </a:fillStyleLst>
+      <a:lnStyleLst>
+        <a:ln w="6350" cap="flat" cmpd="sng" algn="ctr">
+          <a:solidFill>
+            <a:schemeClr val="phClr"/>
+          </a:solidFill>
+          <a:prstDash val="solid"/>
+          <a:miter lim="800000"/>
+        </a:ln>
+        <a:ln w="12700" cap="flat" cmpd="sng" algn="ctr">
+          <a:solidFill>
+            <a:schemeClr val="phClr"/>
+          </a:solidFill>
+          <a:prstDash val="solid"/>
+          <a:miter lim="800000"/>
+        </a:ln>
+        <a:ln w="19050" cap="flat" cmpd="sng" algn="ctr">
+          <a:solidFill>
+            <a:schemeClr val="phClr"/>
+          </a:solidFill>
+          <a:prstDash val="solid"/>
+          <a:miter lim="800000"/>
+        </a:ln>
+      </a:lnStyleLst>
+      <a:effectStyleLst>
+        <a:effectStyle>
+          <a:effectLst/>
+        </a:effectStyle>
+        <a:effectStyle>
+          <a:effectLst/>
+        </a:effectStyle>
+        <a:effectStyle>
+          <a:effectLst>
+            <a:outerShdw blurRad="57150" dist="19050" dir="5400000" algn="ctr" rotWithShape="0">
+              <a:srgbClr val="000000">
+                <a:alpha val="63000"/>
+              </a:srgbClr>
+            </a:outerShdw>
+          </a:effectLst>
+        </a:effectStyle>
+      </a:effectStyleLst>
+      <a:bgFillStyleLst>
+        <a:solidFill>
+          <a:schemeClr val="phClr"/>
+        </a:solidFill>
+        <a:solidFill>
+          <a:schemeClr val="phClr">
+            <a:tint val="95000"/>
+            <a:satMod val="170000"/>
+          </a:schemeClr>
+        </a:solidFill>
+        <a:gradFill rotWithShape="1">
+          <a:gsLst>
+            <a:gs pos="0">
+              <a:schemeClr val="phClr">
+                <a:tint val="93000"/>
+                <a:satMod val="150000"/>
+                <a:shade val="98000"/>
+                <a:lumMod val="102000"/>
+              </a:schemeClr>
+            </a:gs>
+            <a:gs pos="50000">
+              <a:schemeClr val="phClr">
+                <a:tint val="98000"/>
+                <a:satMod val="130000"/>
+                <a:shade val="90000"/>
+                <a:lumMod val="103000"/>
+              </a:schemeClr>
+            </a:gs>
+            <a:gs pos="100000">
+              <a:schemeClr val="phClr">
+                <a:shade val="63000"/>
+                <a:satMod val="120000"/>
+              </a:schemeClr>
+            </a:gs>
+          </a:gsLst>
+          <a:lin ang="5400000" scaled="0"/>
+        </a:gradFill>
+      </a:bgFillStyleLst>
+    </a:fmtScheme>
+  </a:themeElements>
+  <a:objectDefaults/>
+  <a:extraClrSchemeLst/>
+  <a:extLst>
+    <a:ext uri="{05A4C25C-085E-4340-85A3-A5531E510DB2}">
+      <thm15:themeFamily xmlns:thm15="http://schemas.microsoft.com/office/thememl/2012/main" name="Office Theme" id="{62F939B6-93AF-4DB8-9C6B-D6C7DFDC589F}" vid="{4A3C46E8-61CC-4603-A589-7422A47A8E4A}"/>
+    </a:ext>
+  </a:extLst>
+</a:theme>
 </file>